--- a/Github Commands.pptx
+++ b/Github Commands.pptx
@@ -8,9 +8,17 @@
     <p:sldId id="256" r:id="rId2"/>
     <p:sldId id="257" r:id="rId3"/>
     <p:sldId id="258" r:id="rId4"/>
-    <p:sldId id="259" r:id="rId5"/>
-    <p:sldId id="260" r:id="rId6"/>
-    <p:sldId id="261" r:id="rId7"/>
+    <p:sldId id="268" r:id="rId5"/>
+    <p:sldId id="259" r:id="rId6"/>
+    <p:sldId id="269" r:id="rId7"/>
+    <p:sldId id="260" r:id="rId8"/>
+    <p:sldId id="261" r:id="rId9"/>
+    <p:sldId id="262" r:id="rId10"/>
+    <p:sldId id="263" r:id="rId11"/>
+    <p:sldId id="264" r:id="rId12"/>
+    <p:sldId id="265" r:id="rId13"/>
+    <p:sldId id="266" r:id="rId14"/>
+    <p:sldId id="267" r:id="rId15"/>
   </p:sldIdLst>
   <p:sldSz cx="9144000" cy="6858000" type="screen4x3"/>
   <p:notesSz cx="6858000" cy="9144000"/>
@@ -293,7 +301,7 @@
           <a:p>
             <a:fld id="{8839E6B8-AE44-4E4D-B3CE-5639A35B70C6}" type="datetimeFigureOut">
               <a:rPr lang="en-SG" smtClean="0"/>
-              <a:t>28/3/2013</a:t>
+              <a:t>31/3/2013</a:t>
             </a:fld>
             <a:endParaRPr lang="en-SG"/>
           </a:p>
@@ -463,7 +471,7 @@
           <a:p>
             <a:fld id="{8839E6B8-AE44-4E4D-B3CE-5639A35B70C6}" type="datetimeFigureOut">
               <a:rPr lang="en-SG" smtClean="0"/>
-              <a:t>28/3/2013</a:t>
+              <a:t>31/3/2013</a:t>
             </a:fld>
             <a:endParaRPr lang="en-SG"/>
           </a:p>
@@ -643,7 +651,7 @@
           <a:p>
             <a:fld id="{8839E6B8-AE44-4E4D-B3CE-5639A35B70C6}" type="datetimeFigureOut">
               <a:rPr lang="en-SG" smtClean="0"/>
-              <a:t>28/3/2013</a:t>
+              <a:t>31/3/2013</a:t>
             </a:fld>
             <a:endParaRPr lang="en-SG"/>
           </a:p>
@@ -813,7 +821,7 @@
           <a:p>
             <a:fld id="{8839E6B8-AE44-4E4D-B3CE-5639A35B70C6}" type="datetimeFigureOut">
               <a:rPr lang="en-SG" smtClean="0"/>
-              <a:t>28/3/2013</a:t>
+              <a:t>31/3/2013</a:t>
             </a:fld>
             <a:endParaRPr lang="en-SG"/>
           </a:p>
@@ -1059,7 +1067,7 @@
           <a:p>
             <a:fld id="{8839E6B8-AE44-4E4D-B3CE-5639A35B70C6}" type="datetimeFigureOut">
               <a:rPr lang="en-SG" smtClean="0"/>
-              <a:t>28/3/2013</a:t>
+              <a:t>31/3/2013</a:t>
             </a:fld>
             <a:endParaRPr lang="en-SG"/>
           </a:p>
@@ -1347,7 +1355,7 @@
           <a:p>
             <a:fld id="{8839E6B8-AE44-4E4D-B3CE-5639A35B70C6}" type="datetimeFigureOut">
               <a:rPr lang="en-SG" smtClean="0"/>
-              <a:t>28/3/2013</a:t>
+              <a:t>31/3/2013</a:t>
             </a:fld>
             <a:endParaRPr lang="en-SG"/>
           </a:p>
@@ -1769,7 +1777,7 @@
           <a:p>
             <a:fld id="{8839E6B8-AE44-4E4D-B3CE-5639A35B70C6}" type="datetimeFigureOut">
               <a:rPr lang="en-SG" smtClean="0"/>
-              <a:t>28/3/2013</a:t>
+              <a:t>31/3/2013</a:t>
             </a:fld>
             <a:endParaRPr lang="en-SG"/>
           </a:p>
@@ -1887,7 +1895,7 @@
           <a:p>
             <a:fld id="{8839E6B8-AE44-4E4D-B3CE-5639A35B70C6}" type="datetimeFigureOut">
               <a:rPr lang="en-SG" smtClean="0"/>
-              <a:t>28/3/2013</a:t>
+              <a:t>31/3/2013</a:t>
             </a:fld>
             <a:endParaRPr lang="en-SG"/>
           </a:p>
@@ -1982,7 +1990,7 @@
           <a:p>
             <a:fld id="{8839E6B8-AE44-4E4D-B3CE-5639A35B70C6}" type="datetimeFigureOut">
               <a:rPr lang="en-SG" smtClean="0"/>
-              <a:t>28/3/2013</a:t>
+              <a:t>31/3/2013</a:t>
             </a:fld>
             <a:endParaRPr lang="en-SG"/>
           </a:p>
@@ -2259,7 +2267,7 @@
           <a:p>
             <a:fld id="{8839E6B8-AE44-4E4D-B3CE-5639A35B70C6}" type="datetimeFigureOut">
               <a:rPr lang="en-SG" smtClean="0"/>
-              <a:t>28/3/2013</a:t>
+              <a:t>31/3/2013</a:t>
             </a:fld>
             <a:endParaRPr lang="en-SG"/>
           </a:p>
@@ -2512,7 +2520,7 @@
           <a:p>
             <a:fld id="{8839E6B8-AE44-4E4D-B3CE-5639A35B70C6}" type="datetimeFigureOut">
               <a:rPr lang="en-SG" smtClean="0"/>
-              <a:t>28/3/2013</a:t>
+              <a:t>31/3/2013</a:t>
             </a:fld>
             <a:endParaRPr lang="en-SG"/>
           </a:p>
@@ -2725,7 +2733,7 @@
           <a:p>
             <a:fld id="{8839E6B8-AE44-4E4D-B3CE-5639A35B70C6}" type="datetimeFigureOut">
               <a:rPr lang="en-SG" smtClean="0"/>
-              <a:t>28/3/2013</a:t>
+              <a:t>31/3/2013</a:t>
             </a:fld>
             <a:endParaRPr lang="en-SG"/>
           </a:p>
@@ -3158,6 +3166,46 @@
           </a:p>
         </p:txBody>
       </p:sp>
+      <p:sp>
+        <p:nvSpPr>
+          <p:cNvPr id="4" name="Rectangle 3"/>
+          <p:cNvSpPr/>
+          <p:nvPr/>
+        </p:nvSpPr>
+        <p:spPr>
+          <a:xfrm>
+            <a:off x="422469" y="1268760"/>
+            <a:ext cx="2694028" cy="504056"/>
+          </a:xfrm>
+          <a:prstGeom prst="rect">
+            <a:avLst/>
+          </a:prstGeom>
+        </p:spPr>
+        <p:style>
+          <a:lnRef idx="2">
+            <a:schemeClr val="dk1">
+              <a:shade val="50000"/>
+            </a:schemeClr>
+          </a:lnRef>
+          <a:fillRef idx="1">
+            <a:schemeClr val="dk1"/>
+          </a:fillRef>
+          <a:effectRef idx="0">
+            <a:schemeClr val="dk1"/>
+          </a:effectRef>
+          <a:fontRef idx="minor">
+            <a:schemeClr val="lt1"/>
+          </a:fontRef>
+        </p:style>
+        <p:txBody>
+          <a:bodyPr rtlCol="0" anchor="ctr"/>
+          <a:lstStyle/>
+          <a:p>
+            <a:pPr algn="ctr"/>
+            <a:endParaRPr lang="en-SG" dirty="0"/>
+          </a:p>
+        </p:txBody>
+      </p:sp>
     </p:spTree>
     <p:extLst>
       <p:ext uri="{BB962C8B-B14F-4D97-AF65-F5344CB8AC3E}">
@@ -3168,6 +3216,422 @@
   <p:clrMapOvr>
     <a:masterClrMapping/>
   </p:clrMapOvr>
+  <p:timing>
+    <p:tnLst>
+      <p:par>
+        <p:cTn id="1" dur="indefinite" restart="never" nodeType="tmRoot"/>
+      </p:par>
+    </p:tnLst>
+  </p:timing>
+</p:sld>
+</file>
+
+<file path=ppt/slides/slide10.xml><?xml version="1.0" encoding="utf-8"?>
+<p:sld xmlns:a="http://schemas.openxmlformats.org/drawingml/2006/main" xmlns:r="http://schemas.openxmlformats.org/officeDocument/2006/relationships" xmlns:p="http://schemas.openxmlformats.org/presentationml/2006/main">
+  <p:cSld>
+    <p:spTree>
+      <p:nvGrpSpPr>
+        <p:cNvPr id="1" name=""/>
+        <p:cNvGrpSpPr/>
+        <p:nvPr/>
+      </p:nvGrpSpPr>
+      <p:grpSpPr>
+        <a:xfrm>
+          <a:off x="0" y="0"/>
+          <a:ext cx="0" cy="0"/>
+          <a:chOff x="0" y="0"/>
+          <a:chExt cx="0" cy="0"/>
+        </a:xfrm>
+      </p:grpSpPr>
+      <p:sp>
+        <p:nvSpPr>
+          <p:cNvPr id="2" name="Title 1"/>
+          <p:cNvSpPr>
+            <a:spLocks noGrp="1"/>
+          </p:cNvSpPr>
+          <p:nvPr>
+            <p:ph type="title"/>
+          </p:nvPr>
+        </p:nvSpPr>
+        <p:spPr/>
+        <p:txBody>
+          <a:bodyPr>
+            <a:normAutofit/>
+          </a:bodyPr>
+          <a:lstStyle/>
+          <a:p>
+            <a:r>
+              <a:rPr lang="en-US" dirty="0"/>
+              <a:t>Commit </a:t>
+            </a:r>
+            <a:r>
+              <a:rPr lang="en-US" dirty="0" smtClean="0"/>
+              <a:t>changes</a:t>
+            </a:r>
+            <a:endParaRPr lang="en-SG" dirty="0"/>
+          </a:p>
+        </p:txBody>
+      </p:sp>
+      <p:sp>
+        <p:nvSpPr>
+          <p:cNvPr id="3" name="Content Placeholder 2"/>
+          <p:cNvSpPr>
+            <a:spLocks noGrp="1"/>
+          </p:cNvSpPr>
+          <p:nvPr>
+            <p:ph idx="1"/>
+          </p:nvPr>
+        </p:nvSpPr>
+        <p:spPr/>
+        <p:txBody>
+          <a:bodyPr/>
+          <a:lstStyle/>
+          <a:p>
+            <a:endParaRPr lang="en-SG"/>
+          </a:p>
+        </p:txBody>
+      </p:sp>
+    </p:spTree>
+    <p:extLst>
+      <p:ext uri="{BB962C8B-B14F-4D97-AF65-F5344CB8AC3E}">
+        <p14:creationId xmlns:p14="http://schemas.microsoft.com/office/powerpoint/2010/main" val="740072593"/>
+      </p:ext>
+    </p:extLst>
+  </p:cSld>
+  <p:clrMapOvr>
+    <a:masterClrMapping/>
+  </p:clrMapOvr>
+  <p:timing>
+    <p:tnLst>
+      <p:par>
+        <p:cTn id="1" dur="indefinite" restart="never" nodeType="tmRoot"/>
+      </p:par>
+    </p:tnLst>
+  </p:timing>
+</p:sld>
+</file>
+
+<file path=ppt/slides/slide11.xml><?xml version="1.0" encoding="utf-8"?>
+<p:sld xmlns:a="http://schemas.openxmlformats.org/drawingml/2006/main" xmlns:r="http://schemas.openxmlformats.org/officeDocument/2006/relationships" xmlns:p="http://schemas.openxmlformats.org/presentationml/2006/main">
+  <p:cSld>
+    <p:spTree>
+      <p:nvGrpSpPr>
+        <p:cNvPr id="1" name=""/>
+        <p:cNvGrpSpPr/>
+        <p:nvPr/>
+      </p:nvGrpSpPr>
+      <p:grpSpPr>
+        <a:xfrm>
+          <a:off x="0" y="0"/>
+          <a:ext cx="0" cy="0"/>
+          <a:chOff x="0" y="0"/>
+          <a:chExt cx="0" cy="0"/>
+        </a:xfrm>
+      </p:grpSpPr>
+      <p:sp>
+        <p:nvSpPr>
+          <p:cNvPr id="2" name="Title 1"/>
+          <p:cNvSpPr>
+            <a:spLocks noGrp="1"/>
+          </p:cNvSpPr>
+          <p:nvPr>
+            <p:ph type="title"/>
+          </p:nvPr>
+        </p:nvSpPr>
+        <p:spPr/>
+        <p:txBody>
+          <a:bodyPr>
+            <a:normAutofit/>
+          </a:bodyPr>
+          <a:lstStyle/>
+          <a:p>
+            <a:r>
+              <a:rPr lang="en-US" dirty="0" smtClean="0"/>
+              <a:t>Push</a:t>
+            </a:r>
+            <a:endParaRPr lang="en-SG" dirty="0"/>
+          </a:p>
+        </p:txBody>
+      </p:sp>
+      <p:sp>
+        <p:nvSpPr>
+          <p:cNvPr id="3" name="Content Placeholder 2"/>
+          <p:cNvSpPr>
+            <a:spLocks noGrp="1"/>
+          </p:cNvSpPr>
+          <p:nvPr>
+            <p:ph idx="1"/>
+          </p:nvPr>
+        </p:nvSpPr>
+        <p:spPr/>
+        <p:txBody>
+          <a:bodyPr/>
+          <a:lstStyle/>
+          <a:p>
+            <a:endParaRPr lang="en-SG"/>
+          </a:p>
+        </p:txBody>
+      </p:sp>
+    </p:spTree>
+    <p:extLst>
+      <p:ext uri="{BB962C8B-B14F-4D97-AF65-F5344CB8AC3E}">
+        <p14:creationId xmlns:p14="http://schemas.microsoft.com/office/powerpoint/2010/main" val="355176492"/>
+      </p:ext>
+    </p:extLst>
+  </p:cSld>
+  <p:clrMapOvr>
+    <a:masterClrMapping/>
+  </p:clrMapOvr>
+  <p:timing>
+    <p:tnLst>
+      <p:par>
+        <p:cTn id="1" dur="indefinite" restart="never" nodeType="tmRoot"/>
+      </p:par>
+    </p:tnLst>
+  </p:timing>
+</p:sld>
+</file>
+
+<file path=ppt/slides/slide12.xml><?xml version="1.0" encoding="utf-8"?>
+<p:sld xmlns:a="http://schemas.openxmlformats.org/drawingml/2006/main" xmlns:r="http://schemas.openxmlformats.org/officeDocument/2006/relationships" xmlns:p="http://schemas.openxmlformats.org/presentationml/2006/main">
+  <p:cSld>
+    <p:spTree>
+      <p:nvGrpSpPr>
+        <p:cNvPr id="1" name=""/>
+        <p:cNvGrpSpPr/>
+        <p:nvPr/>
+      </p:nvGrpSpPr>
+      <p:grpSpPr>
+        <a:xfrm>
+          <a:off x="0" y="0"/>
+          <a:ext cx="0" cy="0"/>
+          <a:chOff x="0" y="0"/>
+          <a:chExt cx="0" cy="0"/>
+        </a:xfrm>
+      </p:grpSpPr>
+      <p:sp>
+        <p:nvSpPr>
+          <p:cNvPr id="2" name="Title 1"/>
+          <p:cNvSpPr>
+            <a:spLocks noGrp="1"/>
+          </p:cNvSpPr>
+          <p:nvPr>
+            <p:ph type="title"/>
+          </p:nvPr>
+        </p:nvSpPr>
+        <p:spPr/>
+        <p:txBody>
+          <a:bodyPr>
+            <a:normAutofit/>
+          </a:bodyPr>
+          <a:lstStyle/>
+          <a:p>
+            <a:r>
+              <a:rPr lang="en-US" dirty="0" smtClean="0"/>
+              <a:t>Pull</a:t>
+            </a:r>
+            <a:endParaRPr lang="en-SG" dirty="0"/>
+          </a:p>
+        </p:txBody>
+      </p:sp>
+      <p:sp>
+        <p:nvSpPr>
+          <p:cNvPr id="3" name="Content Placeholder 2"/>
+          <p:cNvSpPr>
+            <a:spLocks noGrp="1"/>
+          </p:cNvSpPr>
+          <p:nvPr>
+            <p:ph idx="1"/>
+          </p:nvPr>
+        </p:nvSpPr>
+        <p:spPr/>
+        <p:txBody>
+          <a:bodyPr/>
+          <a:lstStyle/>
+          <a:p>
+            <a:endParaRPr lang="en-SG"/>
+          </a:p>
+        </p:txBody>
+      </p:sp>
+    </p:spTree>
+    <p:extLst>
+      <p:ext uri="{BB962C8B-B14F-4D97-AF65-F5344CB8AC3E}">
+        <p14:creationId xmlns:p14="http://schemas.microsoft.com/office/powerpoint/2010/main" val="1152120217"/>
+      </p:ext>
+    </p:extLst>
+  </p:cSld>
+  <p:clrMapOvr>
+    <a:masterClrMapping/>
+  </p:clrMapOvr>
+  <p:timing>
+    <p:tnLst>
+      <p:par>
+        <p:cTn id="1" dur="indefinite" restart="never" nodeType="tmRoot"/>
+      </p:par>
+    </p:tnLst>
+  </p:timing>
+</p:sld>
+</file>
+
+<file path=ppt/slides/slide13.xml><?xml version="1.0" encoding="utf-8"?>
+<p:sld xmlns:a="http://schemas.openxmlformats.org/drawingml/2006/main" xmlns:r="http://schemas.openxmlformats.org/officeDocument/2006/relationships" xmlns:p="http://schemas.openxmlformats.org/presentationml/2006/main">
+  <p:cSld>
+    <p:spTree>
+      <p:nvGrpSpPr>
+        <p:cNvPr id="1" name=""/>
+        <p:cNvGrpSpPr/>
+        <p:nvPr/>
+      </p:nvGrpSpPr>
+      <p:grpSpPr>
+        <a:xfrm>
+          <a:off x="0" y="0"/>
+          <a:ext cx="0" cy="0"/>
+          <a:chOff x="0" y="0"/>
+          <a:chExt cx="0" cy="0"/>
+        </a:xfrm>
+      </p:grpSpPr>
+      <p:sp>
+        <p:nvSpPr>
+          <p:cNvPr id="2" name="Title 1"/>
+          <p:cNvSpPr>
+            <a:spLocks noGrp="1"/>
+          </p:cNvSpPr>
+          <p:nvPr>
+            <p:ph type="title"/>
+          </p:nvPr>
+        </p:nvSpPr>
+        <p:spPr/>
+        <p:txBody>
+          <a:bodyPr>
+            <a:normAutofit/>
+          </a:bodyPr>
+          <a:lstStyle/>
+          <a:p>
+            <a:r>
+              <a:rPr lang="en-US" dirty="0" smtClean="0"/>
+              <a:t>Rollback</a:t>
+            </a:r>
+            <a:endParaRPr lang="en-SG" dirty="0"/>
+          </a:p>
+        </p:txBody>
+      </p:sp>
+      <p:sp>
+        <p:nvSpPr>
+          <p:cNvPr id="3" name="Content Placeholder 2"/>
+          <p:cNvSpPr>
+            <a:spLocks noGrp="1"/>
+          </p:cNvSpPr>
+          <p:nvPr>
+            <p:ph idx="1"/>
+          </p:nvPr>
+        </p:nvSpPr>
+        <p:spPr/>
+        <p:txBody>
+          <a:bodyPr/>
+          <a:lstStyle/>
+          <a:p>
+            <a:endParaRPr lang="en-SG"/>
+          </a:p>
+        </p:txBody>
+      </p:sp>
+    </p:spTree>
+    <p:extLst>
+      <p:ext uri="{BB962C8B-B14F-4D97-AF65-F5344CB8AC3E}">
+        <p14:creationId xmlns:p14="http://schemas.microsoft.com/office/powerpoint/2010/main" val="1896517289"/>
+      </p:ext>
+    </p:extLst>
+  </p:cSld>
+  <p:clrMapOvr>
+    <a:masterClrMapping/>
+  </p:clrMapOvr>
+  <p:timing>
+    <p:tnLst>
+      <p:par>
+        <p:cTn id="1" dur="indefinite" restart="never" nodeType="tmRoot"/>
+      </p:par>
+    </p:tnLst>
+  </p:timing>
+</p:sld>
+</file>
+
+<file path=ppt/slides/slide14.xml><?xml version="1.0" encoding="utf-8"?>
+<p:sld xmlns:a="http://schemas.openxmlformats.org/drawingml/2006/main" xmlns:r="http://schemas.openxmlformats.org/officeDocument/2006/relationships" xmlns:p="http://schemas.openxmlformats.org/presentationml/2006/main">
+  <p:cSld>
+    <p:spTree>
+      <p:nvGrpSpPr>
+        <p:cNvPr id="1" name=""/>
+        <p:cNvGrpSpPr/>
+        <p:nvPr/>
+      </p:nvGrpSpPr>
+      <p:grpSpPr>
+        <a:xfrm>
+          <a:off x="0" y="0"/>
+          <a:ext cx="0" cy="0"/>
+          <a:chOff x="0" y="0"/>
+          <a:chExt cx="0" cy="0"/>
+        </a:xfrm>
+      </p:grpSpPr>
+      <p:sp>
+        <p:nvSpPr>
+          <p:cNvPr id="2" name="Title 1"/>
+          <p:cNvSpPr>
+            <a:spLocks noGrp="1"/>
+          </p:cNvSpPr>
+          <p:nvPr>
+            <p:ph type="title"/>
+          </p:nvPr>
+        </p:nvSpPr>
+        <p:spPr/>
+        <p:txBody>
+          <a:bodyPr>
+            <a:normAutofit/>
+          </a:bodyPr>
+          <a:lstStyle/>
+          <a:p>
+            <a:r>
+              <a:rPr lang="en-US" dirty="0" smtClean="0"/>
+              <a:t>Revert</a:t>
+            </a:r>
+            <a:endParaRPr lang="en-SG" dirty="0"/>
+          </a:p>
+        </p:txBody>
+      </p:sp>
+      <p:sp>
+        <p:nvSpPr>
+          <p:cNvPr id="3" name="Content Placeholder 2"/>
+          <p:cNvSpPr>
+            <a:spLocks noGrp="1"/>
+          </p:cNvSpPr>
+          <p:nvPr>
+            <p:ph idx="1"/>
+          </p:nvPr>
+        </p:nvSpPr>
+        <p:spPr/>
+        <p:txBody>
+          <a:bodyPr/>
+          <a:lstStyle/>
+          <a:p>
+            <a:endParaRPr lang="en-SG" dirty="0"/>
+          </a:p>
+        </p:txBody>
+      </p:sp>
+    </p:spTree>
+    <p:extLst>
+      <p:ext uri="{BB962C8B-B14F-4D97-AF65-F5344CB8AC3E}">
+        <p14:creationId xmlns:p14="http://schemas.microsoft.com/office/powerpoint/2010/main" val="3510907948"/>
+      </p:ext>
+    </p:extLst>
+  </p:cSld>
+  <p:clrMapOvr>
+    <a:masterClrMapping/>
+  </p:clrMapOvr>
+  <p:timing>
+    <p:tnLst>
+      <p:par>
+        <p:cTn id="1" dur="indefinite" restart="never" nodeType="tmRoot"/>
+      </p:par>
+    </p:tnLst>
+  </p:timing>
 </p:sld>
 </file>
 
@@ -3217,79 +3681,88 @@
             <p:ph idx="1"/>
           </p:nvPr>
         </p:nvSpPr>
-        <p:spPr/>
+        <p:spPr>
+          <a:xfrm>
+            <a:off x="457200" y="1600200"/>
+            <a:ext cx="8229600" cy="5069160"/>
+          </a:xfrm>
+        </p:spPr>
         <p:txBody>
           <a:bodyPr>
-            <a:normAutofit fontScale="85000" lnSpcReduction="20000"/>
+            <a:noAutofit/>
           </a:bodyPr>
           <a:lstStyle/>
           <a:p>
             <a:r>
-              <a:rPr lang="en-US" dirty="0" smtClean="0"/>
+              <a:rPr lang="en-US" sz="2800" dirty="0" smtClean="0"/>
+              <a:t>Clone Repo</a:t>
+            </a:r>
+          </a:p>
+          <a:p>
+            <a:r>
+              <a:rPr lang="en-US" sz="2800" dirty="0" smtClean="0"/>
               <a:t>Place new file into local repo</a:t>
             </a:r>
           </a:p>
           <a:p>
             <a:r>
-              <a:rPr lang="en-US" dirty="0" smtClean="0"/>
+              <a:rPr lang="en-US" sz="2800" dirty="0" smtClean="0"/>
+              <a:t>Remove </a:t>
+            </a:r>
+            <a:r>
+              <a:rPr lang="en-US" sz="2800" dirty="0"/>
+              <a:t>file from local </a:t>
+            </a:r>
+            <a:r>
+              <a:rPr lang="en-US" sz="2800" dirty="0" smtClean="0"/>
+              <a:t>repo</a:t>
+            </a:r>
+          </a:p>
+          <a:p>
+            <a:r>
+              <a:rPr lang="en-US" sz="2800" dirty="0"/>
+              <a:t>Check </a:t>
+            </a:r>
+            <a:r>
+              <a:rPr lang="en-US" sz="2800" dirty="0" smtClean="0"/>
+              <a:t>status</a:t>
+            </a:r>
+          </a:p>
+          <a:p>
+            <a:r>
+              <a:rPr lang="en-US" sz="2800" dirty="0"/>
+              <a:t>Check diff between 2 versions of the same file</a:t>
+            </a:r>
+          </a:p>
+          <a:p>
+            <a:r>
+              <a:rPr lang="en-US" sz="2800" dirty="0" smtClean="0"/>
               <a:t>Commit changes</a:t>
             </a:r>
           </a:p>
           <a:p>
             <a:r>
-              <a:rPr lang="en-US" dirty="0" smtClean="0"/>
+              <a:rPr lang="en-US" sz="2800" dirty="0" smtClean="0"/>
               <a:t>Push</a:t>
             </a:r>
           </a:p>
           <a:p>
             <a:r>
-              <a:rPr lang="en-US" dirty="0" smtClean="0"/>
+              <a:rPr lang="en-US" sz="2800" dirty="0" smtClean="0"/>
               <a:t>Pull</a:t>
             </a:r>
           </a:p>
           <a:p>
             <a:r>
-              <a:rPr lang="en-US" dirty="0" smtClean="0"/>
-              <a:t>Remove file from local repo</a:t>
-            </a:r>
-          </a:p>
-          <a:p>
-            <a:r>
-              <a:rPr lang="en-US" dirty="0" smtClean="0"/>
+              <a:rPr lang="en-US" sz="2800" dirty="0" smtClean="0"/>
               <a:t>Rollback</a:t>
             </a:r>
           </a:p>
           <a:p>
             <a:r>
-              <a:rPr lang="en-US" dirty="0" smtClean="0"/>
-              <a:t>Check status</a:t>
-            </a:r>
-          </a:p>
-          <a:p>
-            <a:r>
-              <a:rPr lang="en-US" dirty="0" smtClean="0"/>
+              <a:rPr lang="en-US" sz="2800" dirty="0" smtClean="0"/>
               <a:t>Revert</a:t>
             </a:r>
-          </a:p>
-          <a:p>
-            <a:r>
-              <a:rPr lang="en-US" dirty="0" smtClean="0"/>
-              <a:t>Clone Repo</a:t>
-            </a:r>
-          </a:p>
-          <a:p>
-            <a:r>
-              <a:rPr lang="en-US" dirty="0" smtClean="0"/>
-              <a:t>Check diff between 2 versions of </a:t>
-            </a:r>
-            <a:r>
-              <a:rPr lang="en-US" smtClean="0"/>
-              <a:t>the same file</a:t>
-            </a:r>
-            <a:endParaRPr lang="en-US" dirty="0" smtClean="0"/>
-          </a:p>
-          <a:p>
-            <a:endParaRPr lang="en-SG" dirty="0"/>
           </a:p>
         </p:txBody>
       </p:sp>
@@ -3303,6 +3776,13 @@
   <p:clrMapOvr>
     <a:masterClrMapping/>
   </p:clrMapOvr>
+  <p:timing>
+    <p:tnLst>
+      <p:par>
+        <p:cTn id="1" dur="indefinite" restart="never" nodeType="tmRoot"/>
+      </p:par>
+    </p:tnLst>
+  </p:timing>
 </p:sld>
 </file>
 
@@ -3335,10 +3815,20 @@
         </p:nvSpPr>
         <p:spPr/>
         <p:txBody>
-          <a:bodyPr/>
-          <a:lstStyle/>
-          <a:p>
-            <a:endParaRPr lang="en-SG"/>
+          <a:bodyPr>
+            <a:normAutofit/>
+          </a:bodyPr>
+          <a:lstStyle/>
+          <a:p>
+            <a:r>
+              <a:rPr lang="en-US" dirty="0"/>
+              <a:t>Clone </a:t>
+            </a:r>
+            <a:r>
+              <a:rPr lang="en-US" dirty="0" smtClean="0"/>
+              <a:t>Repo</a:t>
+            </a:r>
+            <a:endParaRPr lang="en-SG" dirty="0"/>
           </a:p>
         </p:txBody>
       </p:sp>
@@ -3352,11 +3842,120 @@
             <p:ph idx="1"/>
           </p:nvPr>
         </p:nvSpPr>
-        <p:spPr/>
-        <p:txBody>
-          <a:bodyPr/>
-          <a:lstStyle/>
-          <a:p>
+        <p:spPr>
+          <a:xfrm>
+            <a:off x="467544" y="1340768"/>
+            <a:ext cx="8229600" cy="4525963"/>
+          </a:xfrm>
+        </p:spPr>
+        <p:txBody>
+          <a:bodyPr/>
+          <a:lstStyle/>
+          <a:p>
+            <a:pPr marL="0" indent="0">
+              <a:buNone/>
+            </a:pPr>
+            <a:r>
+              <a:rPr lang="en-US" dirty="0" smtClean="0"/>
+              <a:t>In order to clone someone’s repository on </a:t>
+            </a:r>
+            <a:r>
+              <a:rPr lang="en-US" dirty="0" err="1" smtClean="0"/>
+              <a:t>GitHub</a:t>
+            </a:r>
+            <a:r>
+              <a:rPr lang="en-US" dirty="0" smtClean="0"/>
+              <a:t>, you’ll first need to get the SSH or HTTP link for the repository you want to clone.</a:t>
+            </a:r>
+          </a:p>
+          <a:p>
+            <a:endParaRPr lang="en-SG" dirty="0"/>
+          </a:p>
+        </p:txBody>
+      </p:sp>
+      <p:pic>
+        <p:nvPicPr>
+          <p:cNvPr id="1026" name="Picture 2" descr="C:\xampp\htdocs\programming-notes\Screenshots\Copy RW Access Link from GitHub.JPG"/>
+          <p:cNvPicPr>
+            <a:picLocks noChangeAspect="1" noChangeArrowheads="1"/>
+          </p:cNvPicPr>
+          <p:nvPr/>
+        </p:nvPicPr>
+        <p:blipFill>
+          <a:blip r:embed="rId2">
+            <a:extLst>
+              <a:ext uri="{28A0092B-C50C-407E-A947-70E740481C1C}">
+                <a14:useLocalDpi xmlns:a14="http://schemas.microsoft.com/office/drawing/2010/main" val="0"/>
+              </a:ext>
+            </a:extLst>
+          </a:blip>
+          <a:srcRect/>
+          <a:stretch>
+            <a:fillRect/>
+          </a:stretch>
+        </p:blipFill>
+        <p:spPr bwMode="auto">
+          <a:xfrm>
+            <a:off x="683568" y="2888025"/>
+            <a:ext cx="7560840" cy="3812457"/>
+          </a:xfrm>
+          <a:prstGeom prst="rect">
+            <a:avLst/>
+          </a:prstGeom>
+          <a:noFill/>
+          <a:extLst>
+            <a:ext uri="{909E8E84-426E-40DD-AFC4-6F175D3DCCD1}">
+              <a14:hiddenFill xmlns:a14="http://schemas.microsoft.com/office/drawing/2010/main">
+                <a:solidFill>
+                  <a:srgbClr val="FFFFFF"/>
+                </a:solidFill>
+              </a14:hiddenFill>
+            </a:ext>
+          </a:extLst>
+        </p:spPr>
+      </p:pic>
+      <p:sp>
+        <p:nvSpPr>
+          <p:cNvPr id="4" name="Rectangle 3"/>
+          <p:cNvSpPr/>
+          <p:nvPr/>
+        </p:nvSpPr>
+        <p:spPr>
+          <a:xfrm>
+            <a:off x="4283968" y="3645024"/>
+            <a:ext cx="2808312" cy="504056"/>
+          </a:xfrm>
+          <a:prstGeom prst="rect">
+            <a:avLst/>
+          </a:prstGeom>
+          <a:noFill/>
+          <a:ln>
+            <a:solidFill>
+              <a:srgbClr val="00B050"/>
+            </a:solidFill>
+          </a:ln>
+        </p:spPr>
+        <p:style>
+          <a:lnRef idx="2">
+            <a:schemeClr val="accent1">
+              <a:shade val="50000"/>
+            </a:schemeClr>
+          </a:lnRef>
+          <a:fillRef idx="1">
+            <a:schemeClr val="accent1"/>
+          </a:fillRef>
+          <a:effectRef idx="0">
+            <a:schemeClr val="accent1"/>
+          </a:effectRef>
+          <a:fontRef idx="minor">
+            <a:schemeClr val="lt1"/>
+          </a:fontRef>
+        </p:style>
+        <p:txBody>
+          <a:bodyPr rtlCol="0" anchor="ctr"/>
+          <a:lstStyle/>
+          <a:p>
+            <a:pPr algn="ctr"/>
             <a:endParaRPr lang="en-SG"/>
           </a:p>
         </p:txBody>
@@ -3371,6 +3970,13 @@
   <p:clrMapOvr>
     <a:masterClrMapping/>
   </p:clrMapOvr>
+  <p:timing>
+    <p:tnLst>
+      <p:par>
+        <p:cTn id="1" dur="indefinite" restart="never" nodeType="tmRoot"/>
+      </p:par>
+    </p:tnLst>
+  </p:timing>
 </p:sld>
 </file>
 
@@ -3403,9 +4009,59 @@
         </p:nvSpPr>
         <p:spPr/>
         <p:txBody>
-          <a:bodyPr/>
-          <a:lstStyle/>
-          <a:p>
+          <a:bodyPr>
+            <a:normAutofit/>
+          </a:bodyPr>
+          <a:lstStyle/>
+          <a:p>
+            <a:r>
+              <a:rPr lang="en-US" dirty="0"/>
+              <a:t>Clone </a:t>
+            </a:r>
+            <a:r>
+              <a:rPr lang="en-US" dirty="0" smtClean="0"/>
+              <a:t>Repo</a:t>
+            </a:r>
+            <a:endParaRPr lang="en-SG" dirty="0"/>
+          </a:p>
+        </p:txBody>
+      </p:sp>
+      <p:sp>
+        <p:nvSpPr>
+          <p:cNvPr id="6" name="Rectangle 5"/>
+          <p:cNvSpPr/>
+          <p:nvPr/>
+        </p:nvSpPr>
+        <p:spPr>
+          <a:xfrm>
+            <a:off x="437812" y="2564904"/>
+            <a:ext cx="2694028" cy="504056"/>
+          </a:xfrm>
+          <a:prstGeom prst="rect">
+            <a:avLst/>
+          </a:prstGeom>
+        </p:spPr>
+        <p:style>
+          <a:lnRef idx="2">
+            <a:schemeClr val="dk1">
+              <a:shade val="50000"/>
+            </a:schemeClr>
+          </a:lnRef>
+          <a:fillRef idx="1">
+            <a:schemeClr val="dk1"/>
+          </a:fillRef>
+          <a:effectRef idx="0">
+            <a:schemeClr val="dk1"/>
+          </a:effectRef>
+          <a:fontRef idx="minor">
+            <a:schemeClr val="lt1"/>
+          </a:fontRef>
+        </p:style>
+        <p:txBody>
+          <a:bodyPr rtlCol="0" anchor="ctr"/>
+          <a:lstStyle/>
+          <a:p>
+            <a:pPr algn="ctr"/>
             <a:endParaRPr lang="en-SG"/>
           </a:p>
         </p:txBody>
@@ -3420,25 +4076,126 @@
             <p:ph idx="1"/>
           </p:nvPr>
         </p:nvSpPr>
-        <p:spPr/>
-        <p:txBody>
-          <a:bodyPr/>
-          <a:lstStyle/>
-          <a:p>
-            <a:endParaRPr lang="en-SG"/>
+        <p:spPr>
+          <a:xfrm>
+            <a:off x="467544" y="1340768"/>
+            <a:ext cx="8229600" cy="5256584"/>
+          </a:xfrm>
+        </p:spPr>
+        <p:txBody>
+          <a:bodyPr>
+            <a:normAutofit/>
+          </a:bodyPr>
+          <a:lstStyle/>
+          <a:p>
+            <a:pPr marL="0" indent="0">
+              <a:buNone/>
+            </a:pPr>
+            <a:r>
+              <a:rPr lang="en-US" dirty="0" smtClean="0"/>
+              <a:t>Once you’ve copied that, go to </a:t>
+            </a:r>
+            <a:r>
+              <a:rPr lang="en-US" dirty="0" err="1" smtClean="0"/>
+              <a:t>GitBash</a:t>
+            </a:r>
+            <a:r>
+              <a:rPr lang="en-US" dirty="0" smtClean="0"/>
+              <a:t>.</a:t>
+            </a:r>
+          </a:p>
+          <a:p>
+            <a:pPr marL="0" indent="0">
+              <a:buNone/>
+            </a:pPr>
+            <a:r>
+              <a:rPr lang="en-US" dirty="0" smtClean="0"/>
+              <a:t>Navigate to your project space and type</a:t>
+            </a:r>
+          </a:p>
+          <a:p>
+            <a:pPr marL="0" indent="0">
+              <a:buNone/>
+            </a:pPr>
+            <a:r>
+              <a:rPr lang="en-US" dirty="0" err="1" smtClean="0">
+                <a:solidFill>
+                  <a:srgbClr val="00B050"/>
+                </a:solidFill>
+              </a:rPr>
+              <a:t>git</a:t>
+            </a:r>
+            <a:r>
+              <a:rPr lang="en-US" dirty="0" smtClean="0">
+                <a:solidFill>
+                  <a:srgbClr val="00B050"/>
+                </a:solidFill>
+              </a:rPr>
+              <a:t> clone </a:t>
+            </a:r>
+            <a:r>
+              <a:rPr lang="en-US" dirty="0" smtClean="0">
+                <a:solidFill>
+                  <a:schemeClr val="bg1"/>
+                </a:solidFill>
+              </a:rPr>
+              <a:t>&lt;link&gt;</a:t>
+            </a:r>
+          </a:p>
+          <a:p>
+            <a:pPr marL="0" indent="0">
+              <a:buNone/>
+            </a:pPr>
+            <a:r>
+              <a:rPr lang="en-US" dirty="0" smtClean="0"/>
+              <a:t>Fill in the &lt;link&gt; part with the link you copied and press Enter.</a:t>
+            </a:r>
+          </a:p>
+          <a:p>
+            <a:pPr marL="0" indent="0">
+              <a:buNone/>
+            </a:pPr>
+            <a:r>
+              <a:rPr lang="en-US" dirty="0" smtClean="0"/>
+              <a:t>If you’ve set up the connection to use SSH keys, then </a:t>
+            </a:r>
+            <a:r>
+              <a:rPr lang="en-US" dirty="0" err="1" smtClean="0"/>
+              <a:t>GitBash</a:t>
+            </a:r>
+            <a:r>
+              <a:rPr lang="en-US" dirty="0" smtClean="0"/>
+              <a:t> will prompt you for you passphrase. If not, it will ask for your </a:t>
+            </a:r>
+            <a:r>
+              <a:rPr lang="en-US" dirty="0" err="1" smtClean="0"/>
+              <a:t>GitHub</a:t>
+            </a:r>
+            <a:r>
+              <a:rPr lang="en-US" dirty="0" smtClean="0"/>
+              <a:t> username and password.</a:t>
+            </a:r>
+            <a:endParaRPr lang="en-SG" dirty="0"/>
           </a:p>
         </p:txBody>
       </p:sp>
     </p:spTree>
     <p:extLst>
       <p:ext uri="{BB962C8B-B14F-4D97-AF65-F5344CB8AC3E}">
-        <p14:creationId xmlns:p14="http://schemas.microsoft.com/office/powerpoint/2010/main" val="485328335"/>
+        <p14:creationId xmlns:p14="http://schemas.microsoft.com/office/powerpoint/2010/main" val="2788240166"/>
       </p:ext>
     </p:extLst>
   </p:cSld>
   <p:clrMapOvr>
     <a:masterClrMapping/>
   </p:clrMapOvr>
+  <p:timing>
+    <p:tnLst>
+      <p:par>
+        <p:cTn id="1" dur="indefinite" restart="never" nodeType="tmRoot"/>
+      </p:par>
+    </p:tnLst>
+  </p:timing>
 </p:sld>
 </file>
 
@@ -3471,9 +4228,59 @@
         </p:nvSpPr>
         <p:spPr/>
         <p:txBody>
-          <a:bodyPr/>
-          <a:lstStyle/>
-          <a:p>
+          <a:bodyPr>
+            <a:normAutofit/>
+          </a:bodyPr>
+          <a:lstStyle/>
+          <a:p>
+            <a:r>
+              <a:rPr lang="en-US" dirty="0"/>
+              <a:t>Place new file into local </a:t>
+            </a:r>
+            <a:r>
+              <a:rPr lang="en-US" dirty="0" smtClean="0"/>
+              <a:t>repo</a:t>
+            </a:r>
+            <a:endParaRPr lang="en-SG" dirty="0"/>
+          </a:p>
+        </p:txBody>
+      </p:sp>
+      <p:sp>
+        <p:nvSpPr>
+          <p:cNvPr id="4" name="Rectangle 3"/>
+          <p:cNvSpPr/>
+          <p:nvPr/>
+        </p:nvSpPr>
+        <p:spPr>
+          <a:xfrm>
+            <a:off x="539552" y="3717032"/>
+            <a:ext cx="3384376" cy="504056"/>
+          </a:xfrm>
+          <a:prstGeom prst="rect">
+            <a:avLst/>
+          </a:prstGeom>
+        </p:spPr>
+        <p:style>
+          <a:lnRef idx="2">
+            <a:schemeClr val="dk1">
+              <a:shade val="50000"/>
+            </a:schemeClr>
+          </a:lnRef>
+          <a:fillRef idx="1">
+            <a:schemeClr val="dk1"/>
+          </a:fillRef>
+          <a:effectRef idx="0">
+            <a:schemeClr val="dk1"/>
+          </a:effectRef>
+          <a:fontRef idx="minor">
+            <a:schemeClr val="lt1"/>
+          </a:fontRef>
+        </p:style>
+        <p:txBody>
+          <a:bodyPr rtlCol="0" anchor="ctr"/>
+          <a:lstStyle/>
+          <a:p>
+            <a:pPr algn="ctr"/>
             <a:endParaRPr lang="en-SG"/>
           </a:p>
         </p:txBody>
@@ -3488,25 +4295,107 @@
             <p:ph idx="1"/>
           </p:nvPr>
         </p:nvSpPr>
-        <p:spPr/>
-        <p:txBody>
-          <a:bodyPr/>
-          <a:lstStyle/>
-          <a:p>
-            <a:endParaRPr lang="en-SG"/>
+        <p:spPr>
+          <a:xfrm>
+            <a:off x="539552" y="1600200"/>
+            <a:ext cx="8147248" cy="4525963"/>
+          </a:xfrm>
+        </p:spPr>
+        <p:txBody>
+          <a:bodyPr/>
+          <a:lstStyle/>
+          <a:p>
+            <a:pPr marL="0" indent="0">
+              <a:buNone/>
+            </a:pPr>
+            <a:r>
+              <a:rPr lang="en-US" dirty="0" smtClean="0"/>
+              <a:t>When you create a new file in your project folder, </a:t>
+            </a:r>
+            <a:r>
+              <a:rPr lang="en-US" dirty="0" err="1" smtClean="0"/>
+              <a:t>git</a:t>
+            </a:r>
+            <a:r>
+              <a:rPr lang="en-US" dirty="0" smtClean="0"/>
+              <a:t> will notice it, but will not keep track of it. In order to make </a:t>
+            </a:r>
+            <a:r>
+              <a:rPr lang="en-US" dirty="0" err="1" smtClean="0"/>
+              <a:t>git</a:t>
+            </a:r>
+            <a:r>
+              <a:rPr lang="en-US" dirty="0" smtClean="0"/>
+              <a:t> start tracking the file, you need to type:</a:t>
+            </a:r>
+          </a:p>
+          <a:p>
+            <a:pPr marL="0" indent="0">
+              <a:buNone/>
+            </a:pPr>
+            <a:r>
+              <a:rPr lang="en-US" dirty="0" err="1" smtClean="0">
+                <a:solidFill>
+                  <a:srgbClr val="00B050"/>
+                </a:solidFill>
+              </a:rPr>
+              <a:t>git</a:t>
+            </a:r>
+            <a:r>
+              <a:rPr lang="en-US" dirty="0" smtClean="0">
+                <a:solidFill>
+                  <a:srgbClr val="00B050"/>
+                </a:solidFill>
+              </a:rPr>
+              <a:t> add </a:t>
+            </a:r>
+            <a:r>
+              <a:rPr lang="en-US" dirty="0" smtClean="0">
+                <a:solidFill>
+                  <a:schemeClr val="bg1"/>
+                </a:solidFill>
+              </a:rPr>
+              <a:t>&lt;file name&gt;</a:t>
+            </a:r>
+            <a:endParaRPr lang="en-SG" dirty="0"/>
+          </a:p>
+          <a:p>
+            <a:pPr marL="0" indent="0">
+              <a:buNone/>
+            </a:pPr>
+            <a:r>
+              <a:rPr lang="en-US" dirty="0" smtClean="0"/>
+              <a:t>Just replace the &lt;file name&gt; part with your new file, and </a:t>
+            </a:r>
+            <a:r>
+              <a:rPr lang="en-US" dirty="0" err="1" smtClean="0"/>
+              <a:t>git</a:t>
+            </a:r>
+            <a:r>
+              <a:rPr lang="en-US" dirty="0" smtClean="0"/>
+              <a:t> will start tracking it. </a:t>
+            </a:r>
+            <a:endParaRPr lang="en-US" dirty="0" smtClean="0"/>
           </a:p>
         </p:txBody>
       </p:sp>
     </p:spTree>
     <p:extLst>
       <p:ext uri="{BB962C8B-B14F-4D97-AF65-F5344CB8AC3E}">
-        <p14:creationId xmlns:p14="http://schemas.microsoft.com/office/powerpoint/2010/main" val="3306183281"/>
+        <p14:creationId xmlns:p14="http://schemas.microsoft.com/office/powerpoint/2010/main" val="485328335"/>
       </p:ext>
     </p:extLst>
   </p:cSld>
   <p:clrMapOvr>
     <a:masterClrMapping/>
   </p:clrMapOvr>
+  <p:timing>
+    <p:tnLst>
+      <p:par>
+        <p:cTn id="1" dur="indefinite" restart="never" nodeType="tmRoot"/>
+      </p:par>
+    </p:tnLst>
+  </p:timing>
 </p:sld>
 </file>
 
@@ -3542,7 +4431,356 @@
           <a:bodyPr/>
           <a:lstStyle/>
           <a:p>
-            <a:endParaRPr lang="en-SG"/>
+            <a:r>
+              <a:rPr lang="en-US" dirty="0"/>
+              <a:t>Place new file into local repo</a:t>
+            </a:r>
+            <a:endParaRPr lang="en-SG" dirty="0"/>
+          </a:p>
+        </p:txBody>
+      </p:sp>
+      <p:sp>
+        <p:nvSpPr>
+          <p:cNvPr id="5" name="Rectangle 4"/>
+          <p:cNvSpPr/>
+          <p:nvPr/>
+        </p:nvSpPr>
+        <p:spPr>
+          <a:xfrm>
+            <a:off x="539552" y="2708920"/>
+            <a:ext cx="1368152" cy="504056"/>
+          </a:xfrm>
+          <a:prstGeom prst="rect">
+            <a:avLst/>
+          </a:prstGeom>
+        </p:spPr>
+        <p:style>
+          <a:lnRef idx="2">
+            <a:schemeClr val="dk1">
+              <a:shade val="50000"/>
+            </a:schemeClr>
+          </a:lnRef>
+          <a:fillRef idx="1">
+            <a:schemeClr val="dk1"/>
+          </a:fillRef>
+          <a:effectRef idx="0">
+            <a:schemeClr val="dk1"/>
+          </a:effectRef>
+          <a:fontRef idx="minor">
+            <a:schemeClr val="lt1"/>
+          </a:fontRef>
+        </p:style>
+        <p:txBody>
+          <a:bodyPr rtlCol="0" anchor="ctr"/>
+          <a:lstStyle/>
+          <a:p>
+            <a:pPr algn="ctr"/>
+            <a:endParaRPr lang="en-SG" dirty="0"/>
+          </a:p>
+        </p:txBody>
+      </p:sp>
+      <p:sp>
+        <p:nvSpPr>
+          <p:cNvPr id="6" name="Rectangle 5"/>
+          <p:cNvSpPr/>
+          <p:nvPr/>
+        </p:nvSpPr>
+        <p:spPr>
+          <a:xfrm>
+            <a:off x="2411760" y="2708920"/>
+            <a:ext cx="1584176" cy="504056"/>
+          </a:xfrm>
+          <a:prstGeom prst="rect">
+            <a:avLst/>
+          </a:prstGeom>
+        </p:spPr>
+        <p:style>
+          <a:lnRef idx="2">
+            <a:schemeClr val="dk1">
+              <a:shade val="50000"/>
+            </a:schemeClr>
+          </a:lnRef>
+          <a:fillRef idx="1">
+            <a:schemeClr val="dk1"/>
+          </a:fillRef>
+          <a:effectRef idx="0">
+            <a:schemeClr val="dk1"/>
+          </a:effectRef>
+          <a:fontRef idx="minor">
+            <a:schemeClr val="lt1"/>
+          </a:fontRef>
+        </p:style>
+        <p:txBody>
+          <a:bodyPr rtlCol="0" anchor="ctr"/>
+          <a:lstStyle/>
+          <a:p>
+            <a:pPr algn="ctr"/>
+            <a:endParaRPr lang="en-SG" dirty="0"/>
+          </a:p>
+        </p:txBody>
+      </p:sp>
+      <p:sp>
+        <p:nvSpPr>
+          <p:cNvPr id="3" name="Content Placeholder 2"/>
+          <p:cNvSpPr>
+            <a:spLocks noGrp="1"/>
+          </p:cNvSpPr>
+          <p:nvPr>
+            <p:ph idx="1"/>
+          </p:nvPr>
+        </p:nvSpPr>
+        <p:spPr/>
+        <p:txBody>
+          <a:bodyPr/>
+          <a:lstStyle/>
+          <a:p>
+            <a:pPr marL="0" indent="0">
+              <a:buNone/>
+            </a:pPr>
+            <a:r>
+              <a:rPr lang="en-US" dirty="0" smtClean="0"/>
+              <a:t>If you have multiple files that you want to add all at once, you can type</a:t>
+            </a:r>
+          </a:p>
+          <a:p>
+            <a:pPr marL="0" indent="0">
+              <a:buNone/>
+            </a:pPr>
+            <a:r>
+              <a:rPr lang="en-US" dirty="0" err="1">
+                <a:solidFill>
+                  <a:srgbClr val="00B050"/>
+                </a:solidFill>
+              </a:rPr>
+              <a:t>git</a:t>
+            </a:r>
+            <a:r>
+              <a:rPr lang="en-US" dirty="0">
+                <a:solidFill>
+                  <a:srgbClr val="00B050"/>
+                </a:solidFill>
+              </a:rPr>
+              <a:t> </a:t>
+            </a:r>
+            <a:r>
+              <a:rPr lang="en-US" dirty="0" smtClean="0">
+                <a:solidFill>
+                  <a:srgbClr val="00B050"/>
+                </a:solidFill>
+              </a:rPr>
+              <a:t>add . </a:t>
+            </a:r>
+            <a:r>
+              <a:rPr lang="en-US" dirty="0"/>
+              <a:t>o</a:t>
+            </a:r>
+            <a:r>
+              <a:rPr lang="en-US" dirty="0" smtClean="0"/>
+              <a:t>r </a:t>
+            </a:r>
+            <a:r>
+              <a:rPr lang="en-US" dirty="0" err="1" smtClean="0">
+                <a:solidFill>
+                  <a:srgbClr val="00B050"/>
+                </a:solidFill>
+              </a:rPr>
+              <a:t>git</a:t>
+            </a:r>
+            <a:r>
+              <a:rPr lang="en-US" dirty="0" smtClean="0">
+                <a:solidFill>
+                  <a:srgbClr val="00B050"/>
+                </a:solidFill>
+              </a:rPr>
+              <a:t> add –a</a:t>
+            </a:r>
+          </a:p>
+          <a:p>
+            <a:pPr marL="0" indent="0">
+              <a:buNone/>
+            </a:pPr>
+            <a:endParaRPr lang="en-US" dirty="0" smtClean="0"/>
+          </a:p>
+          <a:p>
+            <a:pPr marL="0" indent="0">
+              <a:buNone/>
+            </a:pPr>
+            <a:r>
+              <a:rPr lang="en-US" dirty="0" smtClean="0"/>
+              <a:t>Now </a:t>
+            </a:r>
+            <a:r>
+              <a:rPr lang="en-US" dirty="0" err="1" smtClean="0"/>
+              <a:t>git</a:t>
+            </a:r>
+            <a:r>
+              <a:rPr lang="en-US" dirty="0" smtClean="0"/>
+              <a:t> will add every single new file it locates within your </a:t>
+            </a:r>
+            <a:r>
+              <a:rPr lang="en-US" smtClean="0"/>
+              <a:t>project folder </a:t>
+            </a:r>
+            <a:r>
+              <a:rPr lang="en-US" dirty="0" smtClean="0"/>
+              <a:t>and start tracking </a:t>
+            </a:r>
+            <a:r>
+              <a:rPr lang="en-US" smtClean="0"/>
+              <a:t>their changes.</a:t>
+            </a:r>
+            <a:endParaRPr lang="en-SG" dirty="0"/>
+          </a:p>
+        </p:txBody>
+      </p:sp>
+    </p:spTree>
+    <p:extLst>
+      <p:ext uri="{BB962C8B-B14F-4D97-AF65-F5344CB8AC3E}">
+        <p14:creationId xmlns:p14="http://schemas.microsoft.com/office/powerpoint/2010/main" val="4043900988"/>
+      </p:ext>
+    </p:extLst>
+  </p:cSld>
+  <p:clrMapOvr>
+    <a:masterClrMapping/>
+  </p:clrMapOvr>
+  <p:timing>
+    <p:tnLst>
+      <p:par>
+        <p:cTn id="1" dur="indefinite" restart="never" nodeType="tmRoot"/>
+      </p:par>
+    </p:tnLst>
+  </p:timing>
+</p:sld>
+</file>
+
+<file path=ppt/slides/slide7.xml><?xml version="1.0" encoding="utf-8"?>
+<p:sld xmlns:a="http://schemas.openxmlformats.org/drawingml/2006/main" xmlns:r="http://schemas.openxmlformats.org/officeDocument/2006/relationships" xmlns:p="http://schemas.openxmlformats.org/presentationml/2006/main">
+  <p:cSld>
+    <p:spTree>
+      <p:nvGrpSpPr>
+        <p:cNvPr id="1" name=""/>
+        <p:cNvGrpSpPr/>
+        <p:nvPr/>
+      </p:nvGrpSpPr>
+      <p:grpSpPr>
+        <a:xfrm>
+          <a:off x="0" y="0"/>
+          <a:ext cx="0" cy="0"/>
+          <a:chOff x="0" y="0"/>
+          <a:chExt cx="0" cy="0"/>
+        </a:xfrm>
+      </p:grpSpPr>
+      <p:sp>
+        <p:nvSpPr>
+          <p:cNvPr id="2" name="Title 1"/>
+          <p:cNvSpPr>
+            <a:spLocks noGrp="1"/>
+          </p:cNvSpPr>
+          <p:nvPr>
+            <p:ph type="title"/>
+          </p:nvPr>
+        </p:nvSpPr>
+        <p:spPr/>
+        <p:txBody>
+          <a:bodyPr>
+            <a:normAutofit/>
+          </a:bodyPr>
+          <a:lstStyle/>
+          <a:p>
+            <a:r>
+              <a:rPr lang="en-US" dirty="0"/>
+              <a:t>Remove file from local </a:t>
+            </a:r>
+            <a:r>
+              <a:rPr lang="en-US" dirty="0" smtClean="0"/>
+              <a:t>repo</a:t>
+            </a:r>
+            <a:endParaRPr lang="en-SG" dirty="0"/>
+          </a:p>
+        </p:txBody>
+      </p:sp>
+      <p:sp>
+        <p:nvSpPr>
+          <p:cNvPr id="3" name="Content Placeholder 2"/>
+          <p:cNvSpPr>
+            <a:spLocks noGrp="1"/>
+          </p:cNvSpPr>
+          <p:nvPr>
+            <p:ph idx="1"/>
+          </p:nvPr>
+        </p:nvSpPr>
+        <p:spPr/>
+        <p:txBody>
+          <a:bodyPr/>
+          <a:lstStyle/>
+          <a:p>
+            <a:endParaRPr lang="en-SG"/>
+          </a:p>
+        </p:txBody>
+      </p:sp>
+    </p:spTree>
+    <p:extLst>
+      <p:ext uri="{BB962C8B-B14F-4D97-AF65-F5344CB8AC3E}">
+        <p14:creationId xmlns:p14="http://schemas.microsoft.com/office/powerpoint/2010/main" val="3306183281"/>
+      </p:ext>
+    </p:extLst>
+  </p:cSld>
+  <p:clrMapOvr>
+    <a:masterClrMapping/>
+  </p:clrMapOvr>
+  <p:timing>
+    <p:tnLst>
+      <p:par>
+        <p:cTn id="1" dur="indefinite" restart="never" nodeType="tmRoot"/>
+      </p:par>
+    </p:tnLst>
+  </p:timing>
+</p:sld>
+</file>
+
+<file path=ppt/slides/slide8.xml><?xml version="1.0" encoding="utf-8"?>
+<p:sld xmlns:a="http://schemas.openxmlformats.org/drawingml/2006/main" xmlns:r="http://schemas.openxmlformats.org/officeDocument/2006/relationships" xmlns:p="http://schemas.openxmlformats.org/presentationml/2006/main">
+  <p:cSld>
+    <p:spTree>
+      <p:nvGrpSpPr>
+        <p:cNvPr id="1" name=""/>
+        <p:cNvGrpSpPr/>
+        <p:nvPr/>
+      </p:nvGrpSpPr>
+      <p:grpSpPr>
+        <a:xfrm>
+          <a:off x="0" y="0"/>
+          <a:ext cx="0" cy="0"/>
+          <a:chOff x="0" y="0"/>
+          <a:chExt cx="0" cy="0"/>
+        </a:xfrm>
+      </p:grpSpPr>
+      <p:sp>
+        <p:nvSpPr>
+          <p:cNvPr id="2" name="Title 1"/>
+          <p:cNvSpPr>
+            <a:spLocks noGrp="1"/>
+          </p:cNvSpPr>
+          <p:nvPr>
+            <p:ph type="title"/>
+          </p:nvPr>
+        </p:nvSpPr>
+        <p:spPr/>
+        <p:txBody>
+          <a:bodyPr>
+            <a:normAutofit/>
+          </a:bodyPr>
+          <a:lstStyle/>
+          <a:p>
+            <a:r>
+              <a:rPr lang="en-US" dirty="0"/>
+              <a:t>Check </a:t>
+            </a:r>
+            <a:r>
+              <a:rPr lang="en-US" dirty="0" smtClean="0"/>
+              <a:t>status</a:t>
+            </a:r>
+            <a:endParaRPr lang="en-SG" dirty="0"/>
           </a:p>
         </p:txBody>
       </p:sp>
@@ -3575,6 +4813,98 @@
   <p:clrMapOvr>
     <a:masterClrMapping/>
   </p:clrMapOvr>
+  <p:timing>
+    <p:tnLst>
+      <p:par>
+        <p:cTn id="1" dur="indefinite" restart="never" nodeType="tmRoot"/>
+      </p:par>
+    </p:tnLst>
+  </p:timing>
+</p:sld>
+</file>
+
+<file path=ppt/slides/slide9.xml><?xml version="1.0" encoding="utf-8"?>
+<p:sld xmlns:a="http://schemas.openxmlformats.org/drawingml/2006/main" xmlns:r="http://schemas.openxmlformats.org/officeDocument/2006/relationships" xmlns:p="http://schemas.openxmlformats.org/presentationml/2006/main">
+  <p:cSld>
+    <p:spTree>
+      <p:nvGrpSpPr>
+        <p:cNvPr id="1" name=""/>
+        <p:cNvGrpSpPr/>
+        <p:nvPr/>
+      </p:nvGrpSpPr>
+      <p:grpSpPr>
+        <a:xfrm>
+          <a:off x="0" y="0"/>
+          <a:ext cx="0" cy="0"/>
+          <a:chOff x="0" y="0"/>
+          <a:chExt cx="0" cy="0"/>
+        </a:xfrm>
+      </p:grpSpPr>
+      <p:sp>
+        <p:nvSpPr>
+          <p:cNvPr id="2" name="Title 1"/>
+          <p:cNvSpPr>
+            <a:spLocks noGrp="1"/>
+          </p:cNvSpPr>
+          <p:nvPr>
+            <p:ph type="title"/>
+          </p:nvPr>
+        </p:nvSpPr>
+        <p:spPr/>
+        <p:txBody>
+          <a:bodyPr>
+            <a:normAutofit fontScale="90000"/>
+          </a:bodyPr>
+          <a:lstStyle/>
+          <a:p>
+            <a:r>
+              <a:rPr lang="en-US" dirty="0"/>
+              <a:t>Check diff between 2 versions of the same </a:t>
+            </a:r>
+            <a:r>
+              <a:rPr lang="en-US" dirty="0" smtClean="0"/>
+              <a:t>file</a:t>
+            </a:r>
+            <a:endParaRPr lang="en-SG" dirty="0"/>
+          </a:p>
+        </p:txBody>
+      </p:sp>
+      <p:sp>
+        <p:nvSpPr>
+          <p:cNvPr id="3" name="Content Placeholder 2"/>
+          <p:cNvSpPr>
+            <a:spLocks noGrp="1"/>
+          </p:cNvSpPr>
+          <p:nvPr>
+            <p:ph idx="1"/>
+          </p:nvPr>
+        </p:nvSpPr>
+        <p:spPr/>
+        <p:txBody>
+          <a:bodyPr/>
+          <a:lstStyle/>
+          <a:p>
+            <a:endParaRPr lang="en-SG"/>
+          </a:p>
+        </p:txBody>
+      </p:sp>
+    </p:spTree>
+    <p:extLst>
+      <p:ext uri="{BB962C8B-B14F-4D97-AF65-F5344CB8AC3E}">
+        <p14:creationId xmlns:p14="http://schemas.microsoft.com/office/powerpoint/2010/main" val="3189587388"/>
+      </p:ext>
+    </p:extLst>
+  </p:cSld>
+  <p:clrMapOvr>
+    <a:masterClrMapping/>
+  </p:clrMapOvr>
+  <p:timing>
+    <p:tnLst>
+      <p:par>
+        <p:cTn id="1" dur="indefinite" restart="never" nodeType="tmRoot"/>
+      </p:par>
+    </p:tnLst>
+  </p:timing>
 </p:sld>
 </file>
 

--- a/Github Commands.pptx
+++ b/Github Commands.pptx
@@ -16,9 +16,10 @@
     <p:sldId id="262" r:id="rId10"/>
     <p:sldId id="263" r:id="rId11"/>
     <p:sldId id="264" r:id="rId12"/>
-    <p:sldId id="265" r:id="rId13"/>
-    <p:sldId id="266" r:id="rId14"/>
-    <p:sldId id="267" r:id="rId15"/>
+    <p:sldId id="270" r:id="rId13"/>
+    <p:sldId id="265" r:id="rId14"/>
+    <p:sldId id="266" r:id="rId15"/>
+    <p:sldId id="267" r:id="rId16"/>
   </p:sldIdLst>
   <p:sldSz cx="9144000" cy="6858000" type="screen4x3"/>
   <p:notesSz cx="6858000" cy="9144000"/>
@@ -3166,46 +3167,6 @@
           </a:p>
         </p:txBody>
       </p:sp>
-      <p:sp>
-        <p:nvSpPr>
-          <p:cNvPr id="4" name="Rectangle 3"/>
-          <p:cNvSpPr/>
-          <p:nvPr/>
-        </p:nvSpPr>
-        <p:spPr>
-          <a:xfrm>
-            <a:off x="422469" y="1268760"/>
-            <a:ext cx="2694028" cy="504056"/>
-          </a:xfrm>
-          <a:prstGeom prst="rect">
-            <a:avLst/>
-          </a:prstGeom>
-        </p:spPr>
-        <p:style>
-          <a:lnRef idx="2">
-            <a:schemeClr val="dk1">
-              <a:shade val="50000"/>
-            </a:schemeClr>
-          </a:lnRef>
-          <a:fillRef idx="1">
-            <a:schemeClr val="dk1"/>
-          </a:fillRef>
-          <a:effectRef idx="0">
-            <a:schemeClr val="dk1"/>
-          </a:effectRef>
-          <a:fontRef idx="minor">
-            <a:schemeClr val="lt1"/>
-          </a:fontRef>
-        </p:style>
-        <p:txBody>
-          <a:bodyPr rtlCol="0" anchor="ctr"/>
-          <a:lstStyle/>
-          <a:p>
-            <a:pPr algn="ctr"/>
-            <a:endParaRPr lang="en-SG" dirty="0"/>
-          </a:p>
-        </p:txBody>
-      </p:sp>
     </p:spTree>
     <p:extLst>
       <p:ext uri="{BB962C8B-B14F-4D97-AF65-F5344CB8AC3E}">
@@ -3274,6 +3235,126 @@
       </p:sp>
       <p:sp>
         <p:nvSpPr>
+          <p:cNvPr id="4" name="Rectangle 3"/>
+          <p:cNvSpPr/>
+          <p:nvPr/>
+        </p:nvSpPr>
+        <p:spPr>
+          <a:xfrm>
+            <a:off x="454161" y="3212976"/>
+            <a:ext cx="2389647" cy="504056"/>
+          </a:xfrm>
+          <a:prstGeom prst="rect">
+            <a:avLst/>
+          </a:prstGeom>
+        </p:spPr>
+        <p:style>
+          <a:lnRef idx="2">
+            <a:schemeClr val="dk1">
+              <a:shade val="50000"/>
+            </a:schemeClr>
+          </a:lnRef>
+          <a:fillRef idx="1">
+            <a:schemeClr val="dk1"/>
+          </a:fillRef>
+          <a:effectRef idx="0">
+            <a:schemeClr val="dk1"/>
+          </a:effectRef>
+          <a:fontRef idx="minor">
+            <a:schemeClr val="lt1"/>
+          </a:fontRef>
+        </p:style>
+        <p:txBody>
+          <a:bodyPr rtlCol="0" anchor="ctr"/>
+          <a:lstStyle/>
+          <a:p>
+            <a:pPr algn="ctr"/>
+            <a:endParaRPr lang="en-SG" dirty="0"/>
+          </a:p>
+        </p:txBody>
+      </p:sp>
+      <p:sp>
+        <p:nvSpPr>
+          <p:cNvPr id="5" name="Rectangle 4"/>
+          <p:cNvSpPr/>
+          <p:nvPr/>
+        </p:nvSpPr>
+        <p:spPr>
+          <a:xfrm>
+            <a:off x="4067944" y="3186635"/>
+            <a:ext cx="2389647" cy="504056"/>
+          </a:xfrm>
+          <a:prstGeom prst="rect">
+            <a:avLst/>
+          </a:prstGeom>
+        </p:spPr>
+        <p:style>
+          <a:lnRef idx="2">
+            <a:schemeClr val="dk1">
+              <a:shade val="50000"/>
+            </a:schemeClr>
+          </a:lnRef>
+          <a:fillRef idx="1">
+            <a:schemeClr val="dk1"/>
+          </a:fillRef>
+          <a:effectRef idx="0">
+            <a:schemeClr val="dk1"/>
+          </a:effectRef>
+          <a:fontRef idx="minor">
+            <a:schemeClr val="lt1"/>
+          </a:fontRef>
+        </p:style>
+        <p:txBody>
+          <a:bodyPr rtlCol="0" anchor="ctr"/>
+          <a:lstStyle/>
+          <a:p>
+            <a:pPr algn="ctr"/>
+            <a:endParaRPr lang="en-SG" dirty="0"/>
+          </a:p>
+        </p:txBody>
+      </p:sp>
+      <p:sp>
+        <p:nvSpPr>
+          <p:cNvPr id="6" name="Rectangle 5"/>
+          <p:cNvSpPr/>
+          <p:nvPr/>
+        </p:nvSpPr>
+        <p:spPr>
+          <a:xfrm>
+            <a:off x="2483768" y="4869160"/>
+            <a:ext cx="1224136" cy="504056"/>
+          </a:xfrm>
+          <a:prstGeom prst="rect">
+            <a:avLst/>
+          </a:prstGeom>
+        </p:spPr>
+        <p:style>
+          <a:lnRef idx="2">
+            <a:schemeClr val="dk1">
+              <a:shade val="50000"/>
+            </a:schemeClr>
+          </a:lnRef>
+          <a:fillRef idx="1">
+            <a:schemeClr val="dk1"/>
+          </a:fillRef>
+          <a:effectRef idx="0">
+            <a:schemeClr val="dk1"/>
+          </a:effectRef>
+          <a:fontRef idx="minor">
+            <a:schemeClr val="lt1"/>
+          </a:fontRef>
+        </p:style>
+        <p:txBody>
+          <a:bodyPr rtlCol="0" anchor="ctr"/>
+          <a:lstStyle/>
+          <a:p>
+            <a:pPr algn="ctr"/>
+            <a:endParaRPr lang="en-SG" dirty="0"/>
+          </a:p>
+        </p:txBody>
+      </p:sp>
+      <p:sp>
+        <p:nvSpPr>
           <p:cNvPr id="3" name="Content Placeholder 2"/>
           <p:cNvSpPr>
             <a:spLocks noGrp="1"/>
@@ -3287,7 +3368,95 @@
           <a:bodyPr/>
           <a:lstStyle/>
           <a:p>
-            <a:endParaRPr lang="en-SG"/>
+            <a:pPr marL="0" indent="0">
+              <a:buNone/>
+            </a:pPr>
+            <a:r>
+              <a:rPr lang="en-US" dirty="0" smtClean="0"/>
+              <a:t>You will need to commit changes before you can push them to the </a:t>
+            </a:r>
+            <a:r>
+              <a:rPr lang="en-US" dirty="0" err="1" smtClean="0"/>
+              <a:t>git</a:t>
+            </a:r>
+            <a:r>
+              <a:rPr lang="en-US" dirty="0" smtClean="0"/>
+              <a:t> repo server. Type this in </a:t>
+            </a:r>
+            <a:r>
+              <a:rPr lang="en-US" dirty="0" err="1" smtClean="0"/>
+              <a:t>GitBash</a:t>
+            </a:r>
+            <a:endParaRPr lang="en-US" dirty="0" smtClean="0"/>
+          </a:p>
+          <a:p>
+            <a:pPr marL="0" indent="0">
+              <a:buNone/>
+            </a:pPr>
+            <a:r>
+              <a:rPr lang="en-US" dirty="0" err="1" smtClean="0">
+                <a:solidFill>
+                  <a:srgbClr val="00B050"/>
+                </a:solidFill>
+              </a:rPr>
+              <a:t>git</a:t>
+            </a:r>
+            <a:r>
+              <a:rPr lang="en-US" dirty="0" smtClean="0">
+                <a:solidFill>
+                  <a:srgbClr val="00B050"/>
+                </a:solidFill>
+              </a:rPr>
+              <a:t> commit -a</a:t>
+            </a:r>
+            <a:r>
+              <a:rPr lang="en-US" dirty="0" smtClean="0"/>
+              <a:t>	or 	</a:t>
+            </a:r>
+            <a:r>
+              <a:rPr lang="en-US" dirty="0" err="1" smtClean="0">
+                <a:solidFill>
+                  <a:srgbClr val="00B050"/>
+                </a:solidFill>
+              </a:rPr>
+              <a:t>git</a:t>
+            </a:r>
+            <a:r>
+              <a:rPr lang="en-US" dirty="0" smtClean="0">
+                <a:solidFill>
+                  <a:srgbClr val="00B050"/>
+                </a:solidFill>
+              </a:rPr>
+              <a:t> commit *</a:t>
+            </a:r>
+          </a:p>
+          <a:p>
+            <a:pPr marL="0" indent="0">
+              <a:buNone/>
+            </a:pPr>
+            <a:endParaRPr lang="en-US" dirty="0"/>
+          </a:p>
+          <a:p>
+            <a:pPr marL="0" indent="0">
+              <a:buNone/>
+            </a:pPr>
+            <a:r>
+              <a:rPr lang="en-SG" dirty="0" smtClean="0"/>
+              <a:t>This command will commit all changes that were added with</a:t>
+            </a:r>
+            <a:r>
+              <a:rPr lang="en-SG" dirty="0" smtClean="0">
+                <a:solidFill>
+                  <a:srgbClr val="00B050"/>
+                </a:solidFill>
+              </a:rPr>
+              <a:t> git add</a:t>
+            </a:r>
+            <a:r>
+              <a:rPr lang="en-SG" dirty="0" smtClean="0"/>
+              <a:t>.</a:t>
+            </a:r>
+            <a:endParaRPr lang="en-US" dirty="0" smtClean="0"/>
           </a:p>
         </p:txBody>
       </p:sp>
@@ -3355,6 +3524,46 @@
       </p:sp>
       <p:sp>
         <p:nvSpPr>
+          <p:cNvPr id="4" name="Rectangle 3"/>
+          <p:cNvSpPr/>
+          <p:nvPr/>
+        </p:nvSpPr>
+        <p:spPr>
+          <a:xfrm>
+            <a:off x="539552" y="2574745"/>
+            <a:ext cx="1368152" cy="504056"/>
+          </a:xfrm>
+          <a:prstGeom prst="rect">
+            <a:avLst/>
+          </a:prstGeom>
+        </p:spPr>
+        <p:style>
+          <a:lnRef idx="2">
+            <a:schemeClr val="dk1">
+              <a:shade val="50000"/>
+            </a:schemeClr>
+          </a:lnRef>
+          <a:fillRef idx="1">
+            <a:schemeClr val="dk1"/>
+          </a:fillRef>
+          <a:effectRef idx="0">
+            <a:schemeClr val="dk1"/>
+          </a:effectRef>
+          <a:fontRef idx="minor">
+            <a:schemeClr val="lt1"/>
+          </a:fontRef>
+        </p:style>
+        <p:txBody>
+          <a:bodyPr rtlCol="0" anchor="ctr"/>
+          <a:lstStyle/>
+          <a:p>
+            <a:pPr algn="ctr"/>
+            <a:endParaRPr lang="en-SG" dirty="0"/>
+          </a:p>
+        </p:txBody>
+      </p:sp>
+      <p:sp>
+        <p:nvSpPr>
           <p:cNvPr id="3" name="Content Placeholder 2"/>
           <p:cNvSpPr>
             <a:spLocks noGrp="1"/>
@@ -3365,10 +3574,105 @@
         </p:nvSpPr>
         <p:spPr/>
         <p:txBody>
-          <a:bodyPr/>
-          <a:lstStyle/>
-          <a:p>
-            <a:endParaRPr lang="en-SG"/>
+          <a:bodyPr>
+            <a:normAutofit lnSpcReduction="10000"/>
+          </a:bodyPr>
+          <a:lstStyle/>
+          <a:p>
+            <a:pPr marL="0" indent="0">
+              <a:buNone/>
+            </a:pPr>
+            <a:r>
+              <a:rPr lang="en-US" dirty="0" smtClean="0"/>
+              <a:t>Once you’re satisfied with your commits, you can push them to the server with this:</a:t>
+            </a:r>
+          </a:p>
+          <a:p>
+            <a:pPr marL="0" indent="0">
+              <a:buNone/>
+            </a:pPr>
+            <a:r>
+              <a:rPr lang="en-US" dirty="0" err="1" smtClean="0">
+                <a:solidFill>
+                  <a:srgbClr val="00B050"/>
+                </a:solidFill>
+              </a:rPr>
+              <a:t>git</a:t>
+            </a:r>
+            <a:r>
+              <a:rPr lang="en-US" dirty="0" smtClean="0">
+                <a:solidFill>
+                  <a:srgbClr val="00B050"/>
+                </a:solidFill>
+              </a:rPr>
+              <a:t> push</a:t>
+            </a:r>
+          </a:p>
+          <a:p>
+            <a:pPr marL="0" indent="0">
+              <a:buNone/>
+            </a:pPr>
+            <a:endParaRPr lang="en-US" dirty="0"/>
+          </a:p>
+          <a:p>
+            <a:pPr marL="0" indent="0">
+              <a:buNone/>
+            </a:pPr>
+            <a:r>
+              <a:rPr lang="en-US" dirty="0" smtClean="0"/>
+              <a:t>If </a:t>
+            </a:r>
+            <a:r>
+              <a:rPr lang="en-US" dirty="0"/>
+              <a:t>you’ve set a passphrase for </a:t>
+            </a:r>
+            <a:r>
+              <a:rPr lang="en-US" dirty="0" err="1"/>
+              <a:t>ssh</a:t>
+            </a:r>
+            <a:r>
+              <a:rPr lang="en-US" dirty="0"/>
+              <a:t> keys, you’ll need to type in that passphrase. If you didn’t set a passphrase, then just hit </a:t>
+            </a:r>
+            <a:r>
+              <a:rPr lang="en-US" dirty="0" smtClean="0"/>
+              <a:t>Enter.</a:t>
+            </a:r>
+            <a:r>
+              <a:rPr lang="en-SG" dirty="0"/>
+              <a:t> </a:t>
+            </a:r>
+            <a:r>
+              <a:rPr lang="en-US" dirty="0" smtClean="0"/>
+              <a:t>Otherwise</a:t>
+            </a:r>
+            <a:r>
+              <a:rPr lang="en-US" dirty="0"/>
+              <a:t>, </a:t>
+            </a:r>
+            <a:r>
+              <a:rPr lang="en-US" dirty="0" err="1"/>
+              <a:t>GitBash</a:t>
+            </a:r>
+            <a:r>
+              <a:rPr lang="en-US" dirty="0"/>
+              <a:t> will prompt you for your </a:t>
+            </a:r>
+            <a:r>
+              <a:rPr lang="en-US" dirty="0" err="1"/>
+              <a:t>GitHub</a:t>
+            </a:r>
+            <a:r>
+              <a:rPr lang="en-US" dirty="0"/>
+              <a:t> username (email) and password.</a:t>
+            </a:r>
+            <a:endParaRPr lang="en-SG" dirty="0"/>
+          </a:p>
+          <a:p>
+            <a:pPr marL="0" indent="0">
+              <a:buNone/>
+            </a:pPr>
+            <a:endParaRPr lang="en-SG" dirty="0"/>
           </a:p>
         </p:txBody>
       </p:sp>
@@ -3428,7 +3732,7 @@
           <a:p>
             <a:r>
               <a:rPr lang="en-US" dirty="0" smtClean="0"/>
-              <a:t>Pull</a:t>
+              <a:t>Push</a:t>
             </a:r>
             <a:endParaRPr lang="en-SG" dirty="0"/>
           </a:p>
@@ -3436,6 +3740,46 @@
       </p:sp>
       <p:sp>
         <p:nvSpPr>
+          <p:cNvPr id="5" name="Rectangle 4"/>
+          <p:cNvSpPr/>
+          <p:nvPr/>
+        </p:nvSpPr>
+        <p:spPr>
+          <a:xfrm>
+            <a:off x="536576" y="2996952"/>
+            <a:ext cx="5259560" cy="504056"/>
+          </a:xfrm>
+          <a:prstGeom prst="rect">
+            <a:avLst/>
+          </a:prstGeom>
+        </p:spPr>
+        <p:style>
+          <a:lnRef idx="2">
+            <a:schemeClr val="dk1">
+              <a:shade val="50000"/>
+            </a:schemeClr>
+          </a:lnRef>
+          <a:fillRef idx="1">
+            <a:schemeClr val="dk1"/>
+          </a:fillRef>
+          <a:effectRef idx="0">
+            <a:schemeClr val="dk1"/>
+          </a:effectRef>
+          <a:fontRef idx="minor">
+            <a:schemeClr val="lt1"/>
+          </a:fontRef>
+        </p:style>
+        <p:txBody>
+          <a:bodyPr rtlCol="0" anchor="ctr"/>
+          <a:lstStyle/>
+          <a:p>
+            <a:pPr algn="ctr"/>
+            <a:endParaRPr lang="en-SG" dirty="0"/>
+          </a:p>
+        </p:txBody>
+      </p:sp>
+      <p:sp>
+        <p:nvSpPr>
           <p:cNvPr id="3" name="Content Placeholder 2"/>
           <p:cNvSpPr>
             <a:spLocks noGrp="1"/>
@@ -3444,19 +3788,94 @@
             <p:ph idx="1"/>
           </p:nvPr>
         </p:nvSpPr>
-        <p:spPr/>
-        <p:txBody>
-          <a:bodyPr/>
-          <a:lstStyle/>
-          <a:p>
-            <a:endParaRPr lang="en-SG"/>
+        <p:spPr>
+          <a:xfrm>
+            <a:off x="467544" y="1412776"/>
+            <a:ext cx="8229600" cy="4968552"/>
+          </a:xfrm>
+        </p:spPr>
+        <p:txBody>
+          <a:bodyPr>
+            <a:normAutofit/>
+          </a:bodyPr>
+          <a:lstStyle/>
+          <a:p>
+            <a:pPr marL="0" indent="0">
+              <a:buNone/>
+            </a:pPr>
+            <a:r>
+              <a:rPr lang="en-US" dirty="0" smtClean="0"/>
+              <a:t>This may not work the very fist time you push, because </a:t>
+            </a:r>
+            <a:r>
+              <a:rPr lang="en-US" dirty="0" err="1" smtClean="0"/>
+              <a:t>GitBash</a:t>
+            </a:r>
+            <a:r>
+              <a:rPr lang="en-US" dirty="0" smtClean="0"/>
+              <a:t> isn’t sure where you want to push to. If this happens, type</a:t>
+            </a:r>
+          </a:p>
+          <a:p>
+            <a:pPr marL="0" indent="0">
+              <a:buNone/>
+            </a:pPr>
+            <a:r>
+              <a:rPr lang="en-US" dirty="0" err="1" smtClean="0">
+                <a:solidFill>
+                  <a:srgbClr val="00B050"/>
+                </a:solidFill>
+              </a:rPr>
+              <a:t>git</a:t>
+            </a:r>
+            <a:r>
+              <a:rPr lang="en-US" dirty="0" smtClean="0">
+                <a:solidFill>
+                  <a:srgbClr val="00B050"/>
+                </a:solidFill>
+              </a:rPr>
+              <a:t> push </a:t>
+            </a:r>
+            <a:r>
+              <a:rPr lang="en-US" dirty="0" smtClean="0">
+                <a:solidFill>
+                  <a:schemeClr val="bg1"/>
+                </a:solidFill>
+              </a:rPr>
+              <a:t>&lt;repo&gt; &lt;branch name&gt;</a:t>
+            </a:r>
+            <a:endParaRPr lang="en-SG" dirty="0">
+              <a:solidFill>
+                <a:schemeClr val="bg1"/>
+              </a:solidFill>
+            </a:endParaRPr>
+          </a:p>
+          <a:p>
+            <a:pPr marL="0" indent="0">
+              <a:buNone/>
+            </a:pPr>
+            <a:endParaRPr lang="en-US" dirty="0"/>
+          </a:p>
+          <a:p>
+            <a:pPr marL="0" indent="0">
+              <a:buNone/>
+            </a:pPr>
+            <a:r>
+              <a:rPr lang="en-US" dirty="0" smtClean="0"/>
+              <a:t>Replace &lt;repo&gt; with your repository name (default should be ‘origin’) and &lt;branch name&gt; with the branc</a:t>
+            </a:r>
+            <a:r>
+              <a:rPr lang="en-US" dirty="0" smtClean="0"/>
+              <a:t>h you’re working on (most likely ‘master’ or ‘develop’)</a:t>
+            </a:r>
+            <a:endParaRPr lang="en-US" dirty="0" smtClean="0"/>
           </a:p>
         </p:txBody>
       </p:sp>
     </p:spTree>
     <p:extLst>
       <p:ext uri="{BB962C8B-B14F-4D97-AF65-F5344CB8AC3E}">
-        <p14:creationId xmlns:p14="http://schemas.microsoft.com/office/powerpoint/2010/main" val="1152120217"/>
+        <p14:creationId xmlns:p14="http://schemas.microsoft.com/office/powerpoint/2010/main" val="1909545448"/>
       </p:ext>
     </p:extLst>
   </p:cSld>
@@ -3509,6 +3928,172 @@
           <a:p>
             <a:r>
               <a:rPr lang="en-US" dirty="0" smtClean="0"/>
+              <a:t>Pull</a:t>
+            </a:r>
+            <a:endParaRPr lang="en-SG" dirty="0"/>
+          </a:p>
+        </p:txBody>
+      </p:sp>
+      <p:sp>
+        <p:nvSpPr>
+          <p:cNvPr id="4" name="Rectangle 3"/>
+          <p:cNvSpPr/>
+          <p:nvPr/>
+        </p:nvSpPr>
+        <p:spPr>
+          <a:xfrm>
+            <a:off x="539552" y="4176790"/>
+            <a:ext cx="1152128" cy="504056"/>
+          </a:xfrm>
+          <a:prstGeom prst="rect">
+            <a:avLst/>
+          </a:prstGeom>
+        </p:spPr>
+        <p:style>
+          <a:lnRef idx="2">
+            <a:schemeClr val="dk1">
+              <a:shade val="50000"/>
+            </a:schemeClr>
+          </a:lnRef>
+          <a:fillRef idx="1">
+            <a:schemeClr val="dk1"/>
+          </a:fillRef>
+          <a:effectRef idx="0">
+            <a:schemeClr val="dk1"/>
+          </a:effectRef>
+          <a:fontRef idx="minor">
+            <a:schemeClr val="lt1"/>
+          </a:fontRef>
+        </p:style>
+        <p:txBody>
+          <a:bodyPr rtlCol="0" anchor="ctr"/>
+          <a:lstStyle/>
+          <a:p>
+            <a:pPr algn="ctr"/>
+            <a:endParaRPr lang="en-SG" dirty="0"/>
+          </a:p>
+        </p:txBody>
+      </p:sp>
+      <p:sp>
+        <p:nvSpPr>
+          <p:cNvPr id="3" name="Content Placeholder 2"/>
+          <p:cNvSpPr>
+            <a:spLocks noGrp="1"/>
+          </p:cNvSpPr>
+          <p:nvPr>
+            <p:ph idx="1"/>
+          </p:nvPr>
+        </p:nvSpPr>
+        <p:spPr/>
+        <p:txBody>
+          <a:bodyPr/>
+          <a:lstStyle/>
+          <a:p>
+            <a:pPr marL="0" indent="0">
+              <a:buNone/>
+            </a:pPr>
+            <a:r>
+              <a:rPr lang="en-US" dirty="0" smtClean="0"/>
+              <a:t>If you’re working in a team, your team mates may have pushed their code to the server. When this happens, </a:t>
+            </a:r>
+            <a:r>
+              <a:rPr lang="en-US" dirty="0" err="1" smtClean="0"/>
+              <a:t>GitBash</a:t>
+            </a:r>
+            <a:r>
+              <a:rPr lang="en-US" dirty="0" smtClean="0"/>
+              <a:t> won’t allow you to push your code until you’ve pulled the most recent changes. Just type</a:t>
+            </a:r>
+          </a:p>
+          <a:p>
+            <a:pPr marL="0" indent="0">
+              <a:buNone/>
+            </a:pPr>
+            <a:r>
+              <a:rPr lang="en-US" dirty="0" err="1" smtClean="0">
+                <a:solidFill>
+                  <a:srgbClr val="00B050"/>
+                </a:solidFill>
+              </a:rPr>
+              <a:t>git</a:t>
+            </a:r>
+            <a:r>
+              <a:rPr lang="en-US" dirty="0" smtClean="0">
+                <a:solidFill>
+                  <a:srgbClr val="00B050"/>
+                </a:solidFill>
+              </a:rPr>
+              <a:t> pull</a:t>
+            </a:r>
+          </a:p>
+          <a:p>
+            <a:pPr marL="0" indent="0">
+              <a:buNone/>
+            </a:pPr>
+            <a:r>
+              <a:rPr lang="en-US" dirty="0" smtClean="0"/>
+              <a:t>As with push, you may need to put a &lt;repo&gt; and a &lt;branch name&gt;.</a:t>
+            </a:r>
+            <a:endParaRPr lang="en-SG" dirty="0"/>
+          </a:p>
+        </p:txBody>
+      </p:sp>
+    </p:spTree>
+    <p:extLst>
+      <p:ext uri="{BB962C8B-B14F-4D97-AF65-F5344CB8AC3E}">
+        <p14:creationId xmlns:p14="http://schemas.microsoft.com/office/powerpoint/2010/main" val="1152120217"/>
+      </p:ext>
+    </p:extLst>
+  </p:cSld>
+  <p:clrMapOvr>
+    <a:masterClrMapping/>
+  </p:clrMapOvr>
+  <p:timing>
+    <p:tnLst>
+      <p:par>
+        <p:cTn id="1" dur="indefinite" restart="never" nodeType="tmRoot"/>
+      </p:par>
+    </p:tnLst>
+  </p:timing>
+</p:sld>
+</file>
+
+<file path=ppt/slides/slide14.xml><?xml version="1.0" encoding="utf-8"?>
+<p:sld xmlns:a="http://schemas.openxmlformats.org/drawingml/2006/main" xmlns:r="http://schemas.openxmlformats.org/officeDocument/2006/relationships" xmlns:p="http://schemas.openxmlformats.org/presentationml/2006/main">
+  <p:cSld>
+    <p:spTree>
+      <p:nvGrpSpPr>
+        <p:cNvPr id="1" name=""/>
+        <p:cNvGrpSpPr/>
+        <p:nvPr/>
+      </p:nvGrpSpPr>
+      <p:grpSpPr>
+        <a:xfrm>
+          <a:off x="0" y="0"/>
+          <a:ext cx="0" cy="0"/>
+          <a:chOff x="0" y="0"/>
+          <a:chExt cx="0" cy="0"/>
+        </a:xfrm>
+      </p:grpSpPr>
+      <p:sp>
+        <p:nvSpPr>
+          <p:cNvPr id="2" name="Title 1"/>
+          <p:cNvSpPr>
+            <a:spLocks noGrp="1"/>
+          </p:cNvSpPr>
+          <p:nvPr>
+            <p:ph type="title"/>
+          </p:nvPr>
+        </p:nvSpPr>
+        <p:spPr/>
+        <p:txBody>
+          <a:bodyPr>
+            <a:normAutofit/>
+          </a:bodyPr>
+          <a:lstStyle/>
+          <a:p>
+            <a:r>
+              <a:rPr lang="en-US" dirty="0" smtClean="0"/>
               <a:t>Rollback</a:t>
             </a:r>
             <a:endParaRPr lang="en-SG" dirty="0"/>
@@ -3554,7 +4139,7 @@
 </p:sld>
 </file>
 
-<file path=ppt/slides/slide14.xml><?xml version="1.0" encoding="utf-8"?>
+<file path=ppt/slides/slide15.xml><?xml version="1.0" encoding="utf-8"?>
 <p:sld xmlns:a="http://schemas.openxmlformats.org/drawingml/2006/main" xmlns:r="http://schemas.openxmlformats.org/officeDocument/2006/relationships" xmlns:p="http://schemas.openxmlformats.org/presentationml/2006/main">
   <p:cSld>
     <p:spTree>
@@ -4298,11 +4883,13 @@
         <p:spPr>
           <a:xfrm>
             <a:off x="539552" y="1600200"/>
-            <a:ext cx="8147248" cy="4525963"/>
+            <a:ext cx="8147248" cy="4781128"/>
           </a:xfrm>
         </p:spPr>
         <p:txBody>
-          <a:bodyPr/>
+          <a:bodyPr>
+            <a:normAutofit/>
+          </a:bodyPr>
           <a:lstStyle/>
           <a:p>
             <a:pPr marL="0" indent="0">
@@ -4373,7 +4960,7 @@
             </a:r>
             <a:r>
               <a:rPr lang="en-US" dirty="0" smtClean="0"/>
-              <a:t> will start tracking it. </a:t>
+              <a:t> will start tracking it.  If your file is in a sub-folder, you’ll need to put the path to the file instead of just the file name.</a:t>
             </a:r>
             <a:endParaRPr lang="en-US" dirty="0" smtClean="0"/>
           </a:p>
@@ -4615,19 +5202,7 @@
             </a:r>
             <a:r>
               <a:rPr lang="en-US" dirty="0" smtClean="0"/>
-              <a:t> will add every single new file it locates within your </a:t>
-            </a:r>
-            <a:r>
-              <a:rPr lang="en-US" smtClean="0"/>
-              <a:t>project folder </a:t>
-            </a:r>
-            <a:r>
-              <a:rPr lang="en-US" dirty="0" smtClean="0"/>
-              <a:t>and start tracking </a:t>
-            </a:r>
-            <a:r>
-              <a:rPr lang="en-US" smtClean="0"/>
-              <a:t>their changes.</a:t>
+              <a:t> will add every single new file it locates within your project folder and sub-folders and start tracking their changes.</a:t>
             </a:r>
             <a:endParaRPr lang="en-SG" dirty="0"/>
           </a:p>
@@ -4701,6 +5276,46 @@
       </p:sp>
       <p:sp>
         <p:nvSpPr>
+          <p:cNvPr id="4" name="Rectangle 3"/>
+          <p:cNvSpPr/>
+          <p:nvPr/>
+        </p:nvSpPr>
+        <p:spPr>
+          <a:xfrm>
+            <a:off x="539552" y="2708920"/>
+            <a:ext cx="3168352" cy="504056"/>
+          </a:xfrm>
+          <a:prstGeom prst="rect">
+            <a:avLst/>
+          </a:prstGeom>
+        </p:spPr>
+        <p:style>
+          <a:lnRef idx="2">
+            <a:schemeClr val="dk1">
+              <a:shade val="50000"/>
+            </a:schemeClr>
+          </a:lnRef>
+          <a:fillRef idx="1">
+            <a:schemeClr val="dk1"/>
+          </a:fillRef>
+          <a:effectRef idx="0">
+            <a:schemeClr val="dk1"/>
+          </a:effectRef>
+          <a:fontRef idx="minor">
+            <a:schemeClr val="lt1"/>
+          </a:fontRef>
+        </p:style>
+        <p:txBody>
+          <a:bodyPr rtlCol="0" anchor="ctr"/>
+          <a:lstStyle/>
+          <a:p>
+            <a:pPr algn="ctr"/>
+            <a:endParaRPr lang="en-SG" dirty="0"/>
+          </a:p>
+        </p:txBody>
+      </p:sp>
+      <p:sp>
+        <p:nvSpPr>
           <p:cNvPr id="3" name="Content Placeholder 2"/>
           <p:cNvSpPr>
             <a:spLocks noGrp="1"/>
@@ -4714,7 +5329,74 @@
           <a:bodyPr/>
           <a:lstStyle/>
           <a:p>
-            <a:endParaRPr lang="en-SG"/>
+            <a:pPr marL="0" indent="0">
+              <a:buNone/>
+            </a:pPr>
+            <a:r>
+              <a:rPr lang="en-US" dirty="0" smtClean="0"/>
+              <a:t>Sometimes you may want to remove a file from being tracked. In order to do so, type</a:t>
+            </a:r>
+          </a:p>
+          <a:p>
+            <a:pPr marL="0" indent="0">
+              <a:buNone/>
+            </a:pPr>
+            <a:r>
+              <a:rPr lang="en-US" dirty="0" err="1" smtClean="0">
+                <a:solidFill>
+                  <a:srgbClr val="00B050"/>
+                </a:solidFill>
+              </a:rPr>
+              <a:t>git</a:t>
+            </a:r>
+            <a:r>
+              <a:rPr lang="en-US" dirty="0" smtClean="0">
+                <a:solidFill>
+                  <a:srgbClr val="00B050"/>
+                </a:solidFill>
+              </a:rPr>
+              <a:t> </a:t>
+            </a:r>
+            <a:r>
+              <a:rPr lang="en-US" dirty="0" err="1" smtClean="0">
+                <a:solidFill>
+                  <a:srgbClr val="00B050"/>
+                </a:solidFill>
+              </a:rPr>
+              <a:t>rm</a:t>
+            </a:r>
+            <a:r>
+              <a:rPr lang="en-US" dirty="0" smtClean="0">
+                <a:solidFill>
+                  <a:srgbClr val="00B050"/>
+                </a:solidFill>
+              </a:rPr>
+              <a:t> </a:t>
+            </a:r>
+            <a:r>
+              <a:rPr lang="en-US" dirty="0" smtClean="0">
+                <a:solidFill>
+                  <a:schemeClr val="bg1"/>
+                </a:solidFill>
+              </a:rPr>
+              <a:t>&lt;file name&gt;</a:t>
+            </a:r>
+          </a:p>
+          <a:p>
+            <a:pPr marL="0" indent="0">
+              <a:buNone/>
+            </a:pPr>
+            <a:endParaRPr lang="en-US" dirty="0" smtClean="0"/>
+          </a:p>
+          <a:p>
+            <a:pPr marL="0" indent="0">
+              <a:buNone/>
+            </a:pPr>
+            <a:r>
+              <a:rPr lang="en-US" dirty="0" smtClean="0"/>
+              <a:t>Similar to adding a file, you’ll need to specify the name of the file to be removed. If it’s in a sub-folder, you need to specify the whole path.</a:t>
+            </a:r>
+            <a:endParaRPr lang="en-SG" dirty="0"/>
           </a:p>
         </p:txBody>
       </p:sp>
@@ -4786,6 +5468,46 @@
       </p:sp>
       <p:sp>
         <p:nvSpPr>
+          <p:cNvPr id="4" name="Rectangle 3"/>
+          <p:cNvSpPr/>
+          <p:nvPr/>
+        </p:nvSpPr>
+        <p:spPr>
+          <a:xfrm>
+            <a:off x="539552" y="3672734"/>
+            <a:ext cx="1656184" cy="504056"/>
+          </a:xfrm>
+          <a:prstGeom prst="rect">
+            <a:avLst/>
+          </a:prstGeom>
+        </p:spPr>
+        <p:style>
+          <a:lnRef idx="2">
+            <a:schemeClr val="dk1">
+              <a:shade val="50000"/>
+            </a:schemeClr>
+          </a:lnRef>
+          <a:fillRef idx="1">
+            <a:schemeClr val="dk1"/>
+          </a:fillRef>
+          <a:effectRef idx="0">
+            <a:schemeClr val="dk1"/>
+          </a:effectRef>
+          <a:fontRef idx="minor">
+            <a:schemeClr val="lt1"/>
+          </a:fontRef>
+        </p:style>
+        <p:txBody>
+          <a:bodyPr rtlCol="0" anchor="ctr"/>
+          <a:lstStyle/>
+          <a:p>
+            <a:pPr algn="ctr"/>
+            <a:endParaRPr lang="en-SG" dirty="0"/>
+          </a:p>
+        </p:txBody>
+      </p:sp>
+      <p:sp>
+        <p:nvSpPr>
           <p:cNvPr id="3" name="Content Placeholder 2"/>
           <p:cNvSpPr>
             <a:spLocks noGrp="1"/>
@@ -4799,7 +5521,44 @@
           <a:bodyPr/>
           <a:lstStyle/>
           <a:p>
-            <a:endParaRPr lang="en-SG"/>
+            <a:pPr marL="0" indent="0">
+              <a:buNone/>
+            </a:pPr>
+            <a:r>
+              <a:rPr lang="en-US" dirty="0" smtClean="0"/>
+              <a:t>Checking the status of your project is very useful. You can see all the files that have changed and what files or folders have been added or removed. To do that, type</a:t>
+            </a:r>
+          </a:p>
+          <a:p>
+            <a:pPr marL="0" indent="0">
+              <a:buNone/>
+            </a:pPr>
+            <a:r>
+              <a:rPr lang="en-US" dirty="0" err="1" smtClean="0">
+                <a:solidFill>
+                  <a:srgbClr val="00B050"/>
+                </a:solidFill>
+              </a:rPr>
+              <a:t>git</a:t>
+            </a:r>
+            <a:r>
+              <a:rPr lang="en-US" dirty="0" smtClean="0">
+                <a:solidFill>
+                  <a:srgbClr val="00B050"/>
+                </a:solidFill>
+              </a:rPr>
+              <a:t> status</a:t>
+            </a:r>
+          </a:p>
+          <a:p>
+            <a:pPr marL="0" indent="0">
+              <a:buNone/>
+            </a:pPr>
+            <a:endParaRPr lang="en-SG" dirty="0">
+              <a:solidFill>
+                <a:srgbClr val="00B050"/>
+              </a:solidFill>
+            </a:endParaRPr>
           </a:p>
         </p:txBody>
       </p:sp>
@@ -4884,7 +5643,78 @@
           <a:bodyPr/>
           <a:lstStyle/>
           <a:p>
-            <a:endParaRPr lang="en-SG"/>
+            <a:pPr marL="0" indent="0">
+              <a:buNone/>
+            </a:pPr>
+            <a:r>
+              <a:rPr lang="en-US" dirty="0" smtClean="0"/>
+              <a:t>If you want to check the difference between 2 versions of the same file, type</a:t>
+            </a:r>
+          </a:p>
+          <a:p>
+            <a:pPr marL="0" indent="0">
+              <a:buNone/>
+            </a:pPr>
+            <a:r>
+              <a:rPr lang="en-US" dirty="0" err="1" smtClean="0"/>
+              <a:t>git</a:t>
+            </a:r>
+            <a:r>
+              <a:rPr lang="en-US" dirty="0" smtClean="0"/>
+              <a:t> diff --cached</a:t>
+            </a:r>
+          </a:p>
+          <a:p>
+            <a:pPr marL="0" indent="0">
+              <a:buNone/>
+            </a:pPr>
+            <a:endParaRPr lang="en-US" dirty="0" smtClean="0"/>
+          </a:p>
+          <a:p>
+            <a:pPr marL="0" indent="0">
+              <a:buNone/>
+            </a:pPr>
+            <a:endParaRPr lang="en-SG" dirty="0"/>
+          </a:p>
+        </p:txBody>
+      </p:sp>
+      <p:sp>
+        <p:nvSpPr>
+          <p:cNvPr id="4" name="Rectangle 3"/>
+          <p:cNvSpPr/>
+          <p:nvPr/>
+        </p:nvSpPr>
+        <p:spPr>
+          <a:xfrm>
+            <a:off x="422469" y="1268760"/>
+            <a:ext cx="2694028" cy="504056"/>
+          </a:xfrm>
+          <a:prstGeom prst="rect">
+            <a:avLst/>
+          </a:prstGeom>
+        </p:spPr>
+        <p:style>
+          <a:lnRef idx="2">
+            <a:schemeClr val="dk1">
+              <a:shade val="50000"/>
+            </a:schemeClr>
+          </a:lnRef>
+          <a:fillRef idx="1">
+            <a:schemeClr val="dk1"/>
+          </a:fillRef>
+          <a:effectRef idx="0">
+            <a:schemeClr val="dk1"/>
+          </a:effectRef>
+          <a:fontRef idx="minor">
+            <a:schemeClr val="lt1"/>
+          </a:fontRef>
+        </p:style>
+        <p:txBody>
+          <a:bodyPr rtlCol="0" anchor="ctr"/>
+          <a:lstStyle/>
+          <a:p>
+            <a:pPr algn="ctr"/>
+            <a:endParaRPr lang="en-SG" dirty="0"/>
           </a:p>
         </p:txBody>
       </p:sp>

--- a/Github Commands.pptx
+++ b/Github Commands.pptx
@@ -4183,6 +4183,46 @@
       </p:sp>
       <p:sp>
         <p:nvSpPr>
+          <p:cNvPr id="4" name="Rectangle 3"/>
+          <p:cNvSpPr/>
+          <p:nvPr/>
+        </p:nvSpPr>
+        <p:spPr>
+          <a:xfrm>
+            <a:off x="539552" y="2708920"/>
+            <a:ext cx="3672408" cy="504056"/>
+          </a:xfrm>
+          <a:prstGeom prst="rect">
+            <a:avLst/>
+          </a:prstGeom>
+        </p:spPr>
+        <p:style>
+          <a:lnRef idx="2">
+            <a:schemeClr val="dk1">
+              <a:shade val="50000"/>
+            </a:schemeClr>
+          </a:lnRef>
+          <a:fillRef idx="1">
+            <a:schemeClr val="dk1"/>
+          </a:fillRef>
+          <a:effectRef idx="0">
+            <a:schemeClr val="dk1"/>
+          </a:effectRef>
+          <a:fontRef idx="minor">
+            <a:schemeClr val="lt1"/>
+          </a:fontRef>
+        </p:style>
+        <p:txBody>
+          <a:bodyPr rtlCol="0" anchor="ctr"/>
+          <a:lstStyle/>
+          <a:p>
+            <a:pPr algn="ctr"/>
+            <a:endParaRPr lang="en-SG" dirty="0"/>
+          </a:p>
+        </p:txBody>
+      </p:sp>
+      <p:sp>
+        <p:nvSpPr>
           <p:cNvPr id="3" name="Content Placeholder 2"/>
           <p:cNvSpPr>
             <a:spLocks noGrp="1"/>
@@ -4196,7 +4236,52 @@
           <a:bodyPr/>
           <a:lstStyle/>
           <a:p>
-            <a:endParaRPr lang="en-SG" dirty="0"/>
+            <a:pPr marL="0" indent="0">
+              <a:buNone/>
+            </a:pPr>
+            <a:r>
+              <a:rPr lang="en-US" dirty="0" smtClean="0"/>
+              <a:t>If you ever need to revert back to a previous commit, you can do so by typing</a:t>
+            </a:r>
+          </a:p>
+          <a:p>
+            <a:pPr marL="0" indent="0">
+              <a:buNone/>
+            </a:pPr>
+            <a:r>
+              <a:rPr lang="en-US" dirty="0" err="1" smtClean="0">
+                <a:solidFill>
+                  <a:srgbClr val="00B050"/>
+                </a:solidFill>
+              </a:rPr>
+              <a:t>git</a:t>
+            </a:r>
+            <a:r>
+              <a:rPr lang="en-US" dirty="0" smtClean="0">
+                <a:solidFill>
+                  <a:srgbClr val="00B050"/>
+                </a:solidFill>
+              </a:rPr>
+              <a:t> revert </a:t>
+            </a:r>
+            <a:r>
+              <a:rPr lang="en-US" dirty="0" smtClean="0">
+                <a:solidFill>
+                  <a:schemeClr val="bg1"/>
+                </a:solidFill>
+              </a:rPr>
+              <a:t>&lt;checksum&gt;</a:t>
+            </a:r>
+          </a:p>
+          <a:p>
+            <a:pPr marL="0" indent="0">
+              <a:buNone/>
+            </a:pPr>
+            <a:r>
+              <a:rPr lang="en-US" dirty="0" smtClean="0"/>
+              <a:t>Of course, you’ll need to find the checksum that marks the commit you want to revert to.</a:t>
+            </a:r>
+            <a:endParaRPr lang="en-US" dirty="0" smtClean="0"/>
           </a:p>
         </p:txBody>
       </p:sp>

--- a/Github Commands.pptx
+++ b/Github Commands.pptx
@@ -8,18 +8,9 @@
     <p:sldId id="256" r:id="rId2"/>
     <p:sldId id="257" r:id="rId3"/>
     <p:sldId id="258" r:id="rId4"/>
-    <p:sldId id="268" r:id="rId5"/>
-    <p:sldId id="259" r:id="rId6"/>
-    <p:sldId id="269" r:id="rId7"/>
-    <p:sldId id="260" r:id="rId8"/>
-    <p:sldId id="261" r:id="rId9"/>
-    <p:sldId id="262" r:id="rId10"/>
-    <p:sldId id="263" r:id="rId11"/>
-    <p:sldId id="264" r:id="rId12"/>
-    <p:sldId id="270" r:id="rId13"/>
-    <p:sldId id="265" r:id="rId14"/>
-    <p:sldId id="266" r:id="rId15"/>
-    <p:sldId id="267" r:id="rId16"/>
+    <p:sldId id="259" r:id="rId5"/>
+    <p:sldId id="260" r:id="rId6"/>
+    <p:sldId id="261" r:id="rId7"/>
   </p:sldIdLst>
   <p:sldSz cx="9144000" cy="6858000" type="screen4x3"/>
   <p:notesSz cx="6858000" cy="9144000"/>
@@ -302,7 +293,7 @@
           <a:p>
             <a:fld id="{8839E6B8-AE44-4E4D-B3CE-5639A35B70C6}" type="datetimeFigureOut">
               <a:rPr lang="en-SG" smtClean="0"/>
-              <a:t>31/3/2013</a:t>
+              <a:t>28/3/2013</a:t>
             </a:fld>
             <a:endParaRPr lang="en-SG"/>
           </a:p>
@@ -472,7 +463,7 @@
           <a:p>
             <a:fld id="{8839E6B8-AE44-4E4D-B3CE-5639A35B70C6}" type="datetimeFigureOut">
               <a:rPr lang="en-SG" smtClean="0"/>
-              <a:t>31/3/2013</a:t>
+              <a:t>28/3/2013</a:t>
             </a:fld>
             <a:endParaRPr lang="en-SG"/>
           </a:p>
@@ -652,7 +643,7 @@
           <a:p>
             <a:fld id="{8839E6B8-AE44-4E4D-B3CE-5639A35B70C6}" type="datetimeFigureOut">
               <a:rPr lang="en-SG" smtClean="0"/>
-              <a:t>31/3/2013</a:t>
+              <a:t>28/3/2013</a:t>
             </a:fld>
             <a:endParaRPr lang="en-SG"/>
           </a:p>
@@ -822,7 +813,7 @@
           <a:p>
             <a:fld id="{8839E6B8-AE44-4E4D-B3CE-5639A35B70C6}" type="datetimeFigureOut">
               <a:rPr lang="en-SG" smtClean="0"/>
-              <a:t>31/3/2013</a:t>
+              <a:t>28/3/2013</a:t>
             </a:fld>
             <a:endParaRPr lang="en-SG"/>
           </a:p>
@@ -1068,7 +1059,7 @@
           <a:p>
             <a:fld id="{8839E6B8-AE44-4E4D-B3CE-5639A35B70C6}" type="datetimeFigureOut">
               <a:rPr lang="en-SG" smtClean="0"/>
-              <a:t>31/3/2013</a:t>
+              <a:t>28/3/2013</a:t>
             </a:fld>
             <a:endParaRPr lang="en-SG"/>
           </a:p>
@@ -1356,7 +1347,7 @@
           <a:p>
             <a:fld id="{8839E6B8-AE44-4E4D-B3CE-5639A35B70C6}" type="datetimeFigureOut">
               <a:rPr lang="en-SG" smtClean="0"/>
-              <a:t>31/3/2013</a:t>
+              <a:t>28/3/2013</a:t>
             </a:fld>
             <a:endParaRPr lang="en-SG"/>
           </a:p>
@@ -1778,7 +1769,7 @@
           <a:p>
             <a:fld id="{8839E6B8-AE44-4E4D-B3CE-5639A35B70C6}" type="datetimeFigureOut">
               <a:rPr lang="en-SG" smtClean="0"/>
-              <a:t>31/3/2013</a:t>
+              <a:t>28/3/2013</a:t>
             </a:fld>
             <a:endParaRPr lang="en-SG"/>
           </a:p>
@@ -1896,7 +1887,7 @@
           <a:p>
             <a:fld id="{8839E6B8-AE44-4E4D-B3CE-5639A35B70C6}" type="datetimeFigureOut">
               <a:rPr lang="en-SG" smtClean="0"/>
-              <a:t>31/3/2013</a:t>
+              <a:t>28/3/2013</a:t>
             </a:fld>
             <a:endParaRPr lang="en-SG"/>
           </a:p>
@@ -1991,7 +1982,7 @@
           <a:p>
             <a:fld id="{8839E6B8-AE44-4E4D-B3CE-5639A35B70C6}" type="datetimeFigureOut">
               <a:rPr lang="en-SG" smtClean="0"/>
-              <a:t>31/3/2013</a:t>
+              <a:t>28/3/2013</a:t>
             </a:fld>
             <a:endParaRPr lang="en-SG"/>
           </a:p>
@@ -2268,7 +2259,7 @@
           <a:p>
             <a:fld id="{8839E6B8-AE44-4E4D-B3CE-5639A35B70C6}" type="datetimeFigureOut">
               <a:rPr lang="en-SG" smtClean="0"/>
-              <a:t>31/3/2013</a:t>
+              <a:t>28/3/2013</a:t>
             </a:fld>
             <a:endParaRPr lang="en-SG"/>
           </a:p>
@@ -2521,7 +2512,7 @@
           <a:p>
             <a:fld id="{8839E6B8-AE44-4E4D-B3CE-5639A35B70C6}" type="datetimeFigureOut">
               <a:rPr lang="en-SG" smtClean="0"/>
-              <a:t>31/3/2013</a:t>
+              <a:t>28/3/2013</a:t>
             </a:fld>
             <a:endParaRPr lang="en-SG"/>
           </a:p>
@@ -2734,7 +2725,7 @@
           <a:p>
             <a:fld id="{8839E6B8-AE44-4E4D-B3CE-5639A35B70C6}" type="datetimeFigureOut">
               <a:rPr lang="en-SG" smtClean="0"/>
-              <a:t>31/3/2013</a:t>
+              <a:t>28/3/2013</a:t>
             </a:fld>
             <a:endParaRPr lang="en-SG"/>
           </a:p>
@@ -3177,1131 +3168,6 @@
   <p:clrMapOvr>
     <a:masterClrMapping/>
   </p:clrMapOvr>
-  <p:timing>
-    <p:tnLst>
-      <p:par>
-        <p:cTn id="1" dur="indefinite" restart="never" nodeType="tmRoot"/>
-      </p:par>
-    </p:tnLst>
-  </p:timing>
-</p:sld>
-</file>
-
-<file path=ppt/slides/slide10.xml><?xml version="1.0" encoding="utf-8"?>
-<p:sld xmlns:a="http://schemas.openxmlformats.org/drawingml/2006/main" xmlns:r="http://schemas.openxmlformats.org/officeDocument/2006/relationships" xmlns:p="http://schemas.openxmlformats.org/presentationml/2006/main">
-  <p:cSld>
-    <p:spTree>
-      <p:nvGrpSpPr>
-        <p:cNvPr id="1" name=""/>
-        <p:cNvGrpSpPr/>
-        <p:nvPr/>
-      </p:nvGrpSpPr>
-      <p:grpSpPr>
-        <a:xfrm>
-          <a:off x="0" y="0"/>
-          <a:ext cx="0" cy="0"/>
-          <a:chOff x="0" y="0"/>
-          <a:chExt cx="0" cy="0"/>
-        </a:xfrm>
-      </p:grpSpPr>
-      <p:sp>
-        <p:nvSpPr>
-          <p:cNvPr id="2" name="Title 1"/>
-          <p:cNvSpPr>
-            <a:spLocks noGrp="1"/>
-          </p:cNvSpPr>
-          <p:nvPr>
-            <p:ph type="title"/>
-          </p:nvPr>
-        </p:nvSpPr>
-        <p:spPr/>
-        <p:txBody>
-          <a:bodyPr>
-            <a:normAutofit/>
-          </a:bodyPr>
-          <a:lstStyle/>
-          <a:p>
-            <a:r>
-              <a:rPr lang="en-US" dirty="0"/>
-              <a:t>Commit </a:t>
-            </a:r>
-            <a:r>
-              <a:rPr lang="en-US" dirty="0" smtClean="0"/>
-              <a:t>changes</a:t>
-            </a:r>
-            <a:endParaRPr lang="en-SG" dirty="0"/>
-          </a:p>
-        </p:txBody>
-      </p:sp>
-      <p:sp>
-        <p:nvSpPr>
-          <p:cNvPr id="4" name="Rectangle 3"/>
-          <p:cNvSpPr/>
-          <p:nvPr/>
-        </p:nvSpPr>
-        <p:spPr>
-          <a:xfrm>
-            <a:off x="454161" y="3212976"/>
-            <a:ext cx="2389647" cy="504056"/>
-          </a:xfrm>
-          <a:prstGeom prst="rect">
-            <a:avLst/>
-          </a:prstGeom>
-        </p:spPr>
-        <p:style>
-          <a:lnRef idx="2">
-            <a:schemeClr val="dk1">
-              <a:shade val="50000"/>
-            </a:schemeClr>
-          </a:lnRef>
-          <a:fillRef idx="1">
-            <a:schemeClr val="dk1"/>
-          </a:fillRef>
-          <a:effectRef idx="0">
-            <a:schemeClr val="dk1"/>
-          </a:effectRef>
-          <a:fontRef idx="minor">
-            <a:schemeClr val="lt1"/>
-          </a:fontRef>
-        </p:style>
-        <p:txBody>
-          <a:bodyPr rtlCol="0" anchor="ctr"/>
-          <a:lstStyle/>
-          <a:p>
-            <a:pPr algn="ctr"/>
-            <a:endParaRPr lang="en-SG" dirty="0"/>
-          </a:p>
-        </p:txBody>
-      </p:sp>
-      <p:sp>
-        <p:nvSpPr>
-          <p:cNvPr id="5" name="Rectangle 4"/>
-          <p:cNvSpPr/>
-          <p:nvPr/>
-        </p:nvSpPr>
-        <p:spPr>
-          <a:xfrm>
-            <a:off x="4067944" y="3186635"/>
-            <a:ext cx="2389647" cy="504056"/>
-          </a:xfrm>
-          <a:prstGeom prst="rect">
-            <a:avLst/>
-          </a:prstGeom>
-        </p:spPr>
-        <p:style>
-          <a:lnRef idx="2">
-            <a:schemeClr val="dk1">
-              <a:shade val="50000"/>
-            </a:schemeClr>
-          </a:lnRef>
-          <a:fillRef idx="1">
-            <a:schemeClr val="dk1"/>
-          </a:fillRef>
-          <a:effectRef idx="0">
-            <a:schemeClr val="dk1"/>
-          </a:effectRef>
-          <a:fontRef idx="minor">
-            <a:schemeClr val="lt1"/>
-          </a:fontRef>
-        </p:style>
-        <p:txBody>
-          <a:bodyPr rtlCol="0" anchor="ctr"/>
-          <a:lstStyle/>
-          <a:p>
-            <a:pPr algn="ctr"/>
-            <a:endParaRPr lang="en-SG" dirty="0"/>
-          </a:p>
-        </p:txBody>
-      </p:sp>
-      <p:sp>
-        <p:nvSpPr>
-          <p:cNvPr id="6" name="Rectangle 5"/>
-          <p:cNvSpPr/>
-          <p:nvPr/>
-        </p:nvSpPr>
-        <p:spPr>
-          <a:xfrm>
-            <a:off x="2483768" y="4869160"/>
-            <a:ext cx="1224136" cy="504056"/>
-          </a:xfrm>
-          <a:prstGeom prst="rect">
-            <a:avLst/>
-          </a:prstGeom>
-        </p:spPr>
-        <p:style>
-          <a:lnRef idx="2">
-            <a:schemeClr val="dk1">
-              <a:shade val="50000"/>
-            </a:schemeClr>
-          </a:lnRef>
-          <a:fillRef idx="1">
-            <a:schemeClr val="dk1"/>
-          </a:fillRef>
-          <a:effectRef idx="0">
-            <a:schemeClr val="dk1"/>
-          </a:effectRef>
-          <a:fontRef idx="minor">
-            <a:schemeClr val="lt1"/>
-          </a:fontRef>
-        </p:style>
-        <p:txBody>
-          <a:bodyPr rtlCol="0" anchor="ctr"/>
-          <a:lstStyle/>
-          <a:p>
-            <a:pPr algn="ctr"/>
-            <a:endParaRPr lang="en-SG" dirty="0"/>
-          </a:p>
-        </p:txBody>
-      </p:sp>
-      <p:sp>
-        <p:nvSpPr>
-          <p:cNvPr id="3" name="Content Placeholder 2"/>
-          <p:cNvSpPr>
-            <a:spLocks noGrp="1"/>
-          </p:cNvSpPr>
-          <p:nvPr>
-            <p:ph idx="1"/>
-          </p:nvPr>
-        </p:nvSpPr>
-        <p:spPr/>
-        <p:txBody>
-          <a:bodyPr/>
-          <a:lstStyle/>
-          <a:p>
-            <a:pPr marL="0" indent="0">
-              <a:buNone/>
-            </a:pPr>
-            <a:r>
-              <a:rPr lang="en-US" dirty="0" smtClean="0"/>
-              <a:t>You will need to commit changes before you can push them to the </a:t>
-            </a:r>
-            <a:r>
-              <a:rPr lang="en-US" dirty="0" err="1" smtClean="0"/>
-              <a:t>git</a:t>
-            </a:r>
-            <a:r>
-              <a:rPr lang="en-US" dirty="0" smtClean="0"/>
-              <a:t> repo server. Type this in </a:t>
-            </a:r>
-            <a:r>
-              <a:rPr lang="en-US" dirty="0" err="1" smtClean="0"/>
-              <a:t>GitBash</a:t>
-            </a:r>
-            <a:endParaRPr lang="en-US" dirty="0" smtClean="0"/>
-          </a:p>
-          <a:p>
-            <a:pPr marL="0" indent="0">
-              <a:buNone/>
-            </a:pPr>
-            <a:r>
-              <a:rPr lang="en-US" dirty="0" err="1" smtClean="0">
-                <a:solidFill>
-                  <a:srgbClr val="00B050"/>
-                </a:solidFill>
-              </a:rPr>
-              <a:t>git</a:t>
-            </a:r>
-            <a:r>
-              <a:rPr lang="en-US" dirty="0" smtClean="0">
-                <a:solidFill>
-                  <a:srgbClr val="00B050"/>
-                </a:solidFill>
-              </a:rPr>
-              <a:t> commit -a</a:t>
-            </a:r>
-            <a:r>
-              <a:rPr lang="en-US" dirty="0" smtClean="0"/>
-              <a:t>	or 	</a:t>
-            </a:r>
-            <a:r>
-              <a:rPr lang="en-US" dirty="0" err="1" smtClean="0">
-                <a:solidFill>
-                  <a:srgbClr val="00B050"/>
-                </a:solidFill>
-              </a:rPr>
-              <a:t>git</a:t>
-            </a:r>
-            <a:r>
-              <a:rPr lang="en-US" dirty="0" smtClean="0">
-                <a:solidFill>
-                  <a:srgbClr val="00B050"/>
-                </a:solidFill>
-              </a:rPr>
-              <a:t> commit *</a:t>
-            </a:r>
-          </a:p>
-          <a:p>
-            <a:pPr marL="0" indent="0">
-              <a:buNone/>
-            </a:pPr>
-            <a:endParaRPr lang="en-US" dirty="0"/>
-          </a:p>
-          <a:p>
-            <a:pPr marL="0" indent="0">
-              <a:buNone/>
-            </a:pPr>
-            <a:r>
-              <a:rPr lang="en-SG" dirty="0" smtClean="0"/>
-              <a:t>This command will commit all changes that were added with</a:t>
-            </a:r>
-            <a:r>
-              <a:rPr lang="en-SG" dirty="0" smtClean="0">
-                <a:solidFill>
-                  <a:srgbClr val="00B050"/>
-                </a:solidFill>
-              </a:rPr>
-              <a:t> git add</a:t>
-            </a:r>
-            <a:r>
-              <a:rPr lang="en-SG" dirty="0" smtClean="0"/>
-              <a:t>.</a:t>
-            </a:r>
-            <a:endParaRPr lang="en-US" dirty="0" smtClean="0"/>
-          </a:p>
-        </p:txBody>
-      </p:sp>
-    </p:spTree>
-    <p:extLst>
-      <p:ext uri="{BB962C8B-B14F-4D97-AF65-F5344CB8AC3E}">
-        <p14:creationId xmlns:p14="http://schemas.microsoft.com/office/powerpoint/2010/main" val="740072593"/>
-      </p:ext>
-    </p:extLst>
-  </p:cSld>
-  <p:clrMapOvr>
-    <a:masterClrMapping/>
-  </p:clrMapOvr>
-  <p:timing>
-    <p:tnLst>
-      <p:par>
-        <p:cTn id="1" dur="indefinite" restart="never" nodeType="tmRoot"/>
-      </p:par>
-    </p:tnLst>
-  </p:timing>
-</p:sld>
-</file>
-
-<file path=ppt/slides/slide11.xml><?xml version="1.0" encoding="utf-8"?>
-<p:sld xmlns:a="http://schemas.openxmlformats.org/drawingml/2006/main" xmlns:r="http://schemas.openxmlformats.org/officeDocument/2006/relationships" xmlns:p="http://schemas.openxmlformats.org/presentationml/2006/main">
-  <p:cSld>
-    <p:spTree>
-      <p:nvGrpSpPr>
-        <p:cNvPr id="1" name=""/>
-        <p:cNvGrpSpPr/>
-        <p:nvPr/>
-      </p:nvGrpSpPr>
-      <p:grpSpPr>
-        <a:xfrm>
-          <a:off x="0" y="0"/>
-          <a:ext cx="0" cy="0"/>
-          <a:chOff x="0" y="0"/>
-          <a:chExt cx="0" cy="0"/>
-        </a:xfrm>
-      </p:grpSpPr>
-      <p:sp>
-        <p:nvSpPr>
-          <p:cNvPr id="2" name="Title 1"/>
-          <p:cNvSpPr>
-            <a:spLocks noGrp="1"/>
-          </p:cNvSpPr>
-          <p:nvPr>
-            <p:ph type="title"/>
-          </p:nvPr>
-        </p:nvSpPr>
-        <p:spPr/>
-        <p:txBody>
-          <a:bodyPr>
-            <a:normAutofit/>
-          </a:bodyPr>
-          <a:lstStyle/>
-          <a:p>
-            <a:r>
-              <a:rPr lang="en-US" dirty="0" smtClean="0"/>
-              <a:t>Push</a:t>
-            </a:r>
-            <a:endParaRPr lang="en-SG" dirty="0"/>
-          </a:p>
-        </p:txBody>
-      </p:sp>
-      <p:sp>
-        <p:nvSpPr>
-          <p:cNvPr id="4" name="Rectangle 3"/>
-          <p:cNvSpPr/>
-          <p:nvPr/>
-        </p:nvSpPr>
-        <p:spPr>
-          <a:xfrm>
-            <a:off x="539552" y="2574745"/>
-            <a:ext cx="1368152" cy="504056"/>
-          </a:xfrm>
-          <a:prstGeom prst="rect">
-            <a:avLst/>
-          </a:prstGeom>
-        </p:spPr>
-        <p:style>
-          <a:lnRef idx="2">
-            <a:schemeClr val="dk1">
-              <a:shade val="50000"/>
-            </a:schemeClr>
-          </a:lnRef>
-          <a:fillRef idx="1">
-            <a:schemeClr val="dk1"/>
-          </a:fillRef>
-          <a:effectRef idx="0">
-            <a:schemeClr val="dk1"/>
-          </a:effectRef>
-          <a:fontRef idx="minor">
-            <a:schemeClr val="lt1"/>
-          </a:fontRef>
-        </p:style>
-        <p:txBody>
-          <a:bodyPr rtlCol="0" anchor="ctr"/>
-          <a:lstStyle/>
-          <a:p>
-            <a:pPr algn="ctr"/>
-            <a:endParaRPr lang="en-SG" dirty="0"/>
-          </a:p>
-        </p:txBody>
-      </p:sp>
-      <p:sp>
-        <p:nvSpPr>
-          <p:cNvPr id="3" name="Content Placeholder 2"/>
-          <p:cNvSpPr>
-            <a:spLocks noGrp="1"/>
-          </p:cNvSpPr>
-          <p:nvPr>
-            <p:ph idx="1"/>
-          </p:nvPr>
-        </p:nvSpPr>
-        <p:spPr/>
-        <p:txBody>
-          <a:bodyPr>
-            <a:normAutofit lnSpcReduction="10000"/>
-          </a:bodyPr>
-          <a:lstStyle/>
-          <a:p>
-            <a:pPr marL="0" indent="0">
-              <a:buNone/>
-            </a:pPr>
-            <a:r>
-              <a:rPr lang="en-US" dirty="0" smtClean="0"/>
-              <a:t>Once you’re satisfied with your commits, you can push them to the server with this:</a:t>
-            </a:r>
-          </a:p>
-          <a:p>
-            <a:pPr marL="0" indent="0">
-              <a:buNone/>
-            </a:pPr>
-            <a:r>
-              <a:rPr lang="en-US" dirty="0" err="1" smtClean="0">
-                <a:solidFill>
-                  <a:srgbClr val="00B050"/>
-                </a:solidFill>
-              </a:rPr>
-              <a:t>git</a:t>
-            </a:r>
-            <a:r>
-              <a:rPr lang="en-US" dirty="0" smtClean="0">
-                <a:solidFill>
-                  <a:srgbClr val="00B050"/>
-                </a:solidFill>
-              </a:rPr>
-              <a:t> push</a:t>
-            </a:r>
-          </a:p>
-          <a:p>
-            <a:pPr marL="0" indent="0">
-              <a:buNone/>
-            </a:pPr>
-            <a:endParaRPr lang="en-US" dirty="0"/>
-          </a:p>
-          <a:p>
-            <a:pPr marL="0" indent="0">
-              <a:buNone/>
-            </a:pPr>
-            <a:r>
-              <a:rPr lang="en-US" dirty="0" smtClean="0"/>
-              <a:t>If </a:t>
-            </a:r>
-            <a:r>
-              <a:rPr lang="en-US" dirty="0"/>
-              <a:t>you’ve set a passphrase for </a:t>
-            </a:r>
-            <a:r>
-              <a:rPr lang="en-US" dirty="0" err="1"/>
-              <a:t>ssh</a:t>
-            </a:r>
-            <a:r>
-              <a:rPr lang="en-US" dirty="0"/>
-              <a:t> keys, you’ll need to type in that passphrase. If you didn’t set a passphrase, then just hit </a:t>
-            </a:r>
-            <a:r>
-              <a:rPr lang="en-US" dirty="0" smtClean="0"/>
-              <a:t>Enter.</a:t>
-            </a:r>
-            <a:r>
-              <a:rPr lang="en-SG" dirty="0"/>
-              <a:t> </a:t>
-            </a:r>
-            <a:r>
-              <a:rPr lang="en-US" dirty="0" smtClean="0"/>
-              <a:t>Otherwise</a:t>
-            </a:r>
-            <a:r>
-              <a:rPr lang="en-US" dirty="0"/>
-              <a:t>, </a:t>
-            </a:r>
-            <a:r>
-              <a:rPr lang="en-US" dirty="0" err="1"/>
-              <a:t>GitBash</a:t>
-            </a:r>
-            <a:r>
-              <a:rPr lang="en-US" dirty="0"/>
-              <a:t> will prompt you for your </a:t>
-            </a:r>
-            <a:r>
-              <a:rPr lang="en-US" dirty="0" err="1"/>
-              <a:t>GitHub</a:t>
-            </a:r>
-            <a:r>
-              <a:rPr lang="en-US" dirty="0"/>
-              <a:t> username (email) and password.</a:t>
-            </a:r>
-            <a:endParaRPr lang="en-SG" dirty="0"/>
-          </a:p>
-          <a:p>
-            <a:pPr marL="0" indent="0">
-              <a:buNone/>
-            </a:pPr>
-            <a:endParaRPr lang="en-SG" dirty="0"/>
-          </a:p>
-        </p:txBody>
-      </p:sp>
-    </p:spTree>
-    <p:extLst>
-      <p:ext uri="{BB962C8B-B14F-4D97-AF65-F5344CB8AC3E}">
-        <p14:creationId xmlns:p14="http://schemas.microsoft.com/office/powerpoint/2010/main" val="355176492"/>
-      </p:ext>
-    </p:extLst>
-  </p:cSld>
-  <p:clrMapOvr>
-    <a:masterClrMapping/>
-  </p:clrMapOvr>
-  <p:timing>
-    <p:tnLst>
-      <p:par>
-        <p:cTn id="1" dur="indefinite" restart="never" nodeType="tmRoot"/>
-      </p:par>
-    </p:tnLst>
-  </p:timing>
-</p:sld>
-</file>
-
-<file path=ppt/slides/slide12.xml><?xml version="1.0" encoding="utf-8"?>
-<p:sld xmlns:a="http://schemas.openxmlformats.org/drawingml/2006/main" xmlns:r="http://schemas.openxmlformats.org/officeDocument/2006/relationships" xmlns:p="http://schemas.openxmlformats.org/presentationml/2006/main">
-  <p:cSld>
-    <p:spTree>
-      <p:nvGrpSpPr>
-        <p:cNvPr id="1" name=""/>
-        <p:cNvGrpSpPr/>
-        <p:nvPr/>
-      </p:nvGrpSpPr>
-      <p:grpSpPr>
-        <a:xfrm>
-          <a:off x="0" y="0"/>
-          <a:ext cx="0" cy="0"/>
-          <a:chOff x="0" y="0"/>
-          <a:chExt cx="0" cy="0"/>
-        </a:xfrm>
-      </p:grpSpPr>
-      <p:sp>
-        <p:nvSpPr>
-          <p:cNvPr id="2" name="Title 1"/>
-          <p:cNvSpPr>
-            <a:spLocks noGrp="1"/>
-          </p:cNvSpPr>
-          <p:nvPr>
-            <p:ph type="title"/>
-          </p:nvPr>
-        </p:nvSpPr>
-        <p:spPr/>
-        <p:txBody>
-          <a:bodyPr>
-            <a:normAutofit/>
-          </a:bodyPr>
-          <a:lstStyle/>
-          <a:p>
-            <a:r>
-              <a:rPr lang="en-US" dirty="0" smtClean="0"/>
-              <a:t>Push</a:t>
-            </a:r>
-            <a:endParaRPr lang="en-SG" dirty="0"/>
-          </a:p>
-        </p:txBody>
-      </p:sp>
-      <p:sp>
-        <p:nvSpPr>
-          <p:cNvPr id="5" name="Rectangle 4"/>
-          <p:cNvSpPr/>
-          <p:nvPr/>
-        </p:nvSpPr>
-        <p:spPr>
-          <a:xfrm>
-            <a:off x="536576" y="2996952"/>
-            <a:ext cx="5259560" cy="504056"/>
-          </a:xfrm>
-          <a:prstGeom prst="rect">
-            <a:avLst/>
-          </a:prstGeom>
-        </p:spPr>
-        <p:style>
-          <a:lnRef idx="2">
-            <a:schemeClr val="dk1">
-              <a:shade val="50000"/>
-            </a:schemeClr>
-          </a:lnRef>
-          <a:fillRef idx="1">
-            <a:schemeClr val="dk1"/>
-          </a:fillRef>
-          <a:effectRef idx="0">
-            <a:schemeClr val="dk1"/>
-          </a:effectRef>
-          <a:fontRef idx="minor">
-            <a:schemeClr val="lt1"/>
-          </a:fontRef>
-        </p:style>
-        <p:txBody>
-          <a:bodyPr rtlCol="0" anchor="ctr"/>
-          <a:lstStyle/>
-          <a:p>
-            <a:pPr algn="ctr"/>
-            <a:endParaRPr lang="en-SG" dirty="0"/>
-          </a:p>
-        </p:txBody>
-      </p:sp>
-      <p:sp>
-        <p:nvSpPr>
-          <p:cNvPr id="3" name="Content Placeholder 2"/>
-          <p:cNvSpPr>
-            <a:spLocks noGrp="1"/>
-          </p:cNvSpPr>
-          <p:nvPr>
-            <p:ph idx="1"/>
-          </p:nvPr>
-        </p:nvSpPr>
-        <p:spPr>
-          <a:xfrm>
-            <a:off x="467544" y="1412776"/>
-            <a:ext cx="8229600" cy="4968552"/>
-          </a:xfrm>
-        </p:spPr>
-        <p:txBody>
-          <a:bodyPr>
-            <a:normAutofit/>
-          </a:bodyPr>
-          <a:lstStyle/>
-          <a:p>
-            <a:pPr marL="0" indent="0">
-              <a:buNone/>
-            </a:pPr>
-            <a:r>
-              <a:rPr lang="en-US" dirty="0" smtClean="0"/>
-              <a:t>This may not work the very fist time you push, because </a:t>
-            </a:r>
-            <a:r>
-              <a:rPr lang="en-US" dirty="0" err="1" smtClean="0"/>
-              <a:t>GitBash</a:t>
-            </a:r>
-            <a:r>
-              <a:rPr lang="en-US" dirty="0" smtClean="0"/>
-              <a:t> isn’t sure where you want to push to. If this happens, type</a:t>
-            </a:r>
-          </a:p>
-          <a:p>
-            <a:pPr marL="0" indent="0">
-              <a:buNone/>
-            </a:pPr>
-            <a:r>
-              <a:rPr lang="en-US" dirty="0" err="1" smtClean="0">
-                <a:solidFill>
-                  <a:srgbClr val="00B050"/>
-                </a:solidFill>
-              </a:rPr>
-              <a:t>git</a:t>
-            </a:r>
-            <a:r>
-              <a:rPr lang="en-US" dirty="0" smtClean="0">
-                <a:solidFill>
-                  <a:srgbClr val="00B050"/>
-                </a:solidFill>
-              </a:rPr>
-              <a:t> push </a:t>
-            </a:r>
-            <a:r>
-              <a:rPr lang="en-US" dirty="0" smtClean="0">
-                <a:solidFill>
-                  <a:schemeClr val="bg1"/>
-                </a:solidFill>
-              </a:rPr>
-              <a:t>&lt;repo&gt; &lt;branch name&gt;</a:t>
-            </a:r>
-            <a:endParaRPr lang="en-SG" dirty="0">
-              <a:solidFill>
-                <a:schemeClr val="bg1"/>
-              </a:solidFill>
-            </a:endParaRPr>
-          </a:p>
-          <a:p>
-            <a:pPr marL="0" indent="0">
-              <a:buNone/>
-            </a:pPr>
-            <a:endParaRPr lang="en-US" dirty="0"/>
-          </a:p>
-          <a:p>
-            <a:pPr marL="0" indent="0">
-              <a:buNone/>
-            </a:pPr>
-            <a:r>
-              <a:rPr lang="en-US" dirty="0" smtClean="0"/>
-              <a:t>Replace &lt;repo&gt; with your repository name (default should be ‘origin’) and &lt;branch name&gt; with the branc</a:t>
-            </a:r>
-            <a:r>
-              <a:rPr lang="en-US" dirty="0" smtClean="0"/>
-              <a:t>h you’re working on (most likely ‘master’ or ‘develop’)</a:t>
-            </a:r>
-            <a:endParaRPr lang="en-US" dirty="0" smtClean="0"/>
-          </a:p>
-        </p:txBody>
-      </p:sp>
-    </p:spTree>
-    <p:extLst>
-      <p:ext uri="{BB962C8B-B14F-4D97-AF65-F5344CB8AC3E}">
-        <p14:creationId xmlns:p14="http://schemas.microsoft.com/office/powerpoint/2010/main" val="1909545448"/>
-      </p:ext>
-    </p:extLst>
-  </p:cSld>
-  <p:clrMapOvr>
-    <a:masterClrMapping/>
-  </p:clrMapOvr>
-  <p:timing>
-    <p:tnLst>
-      <p:par>
-        <p:cTn id="1" dur="indefinite" restart="never" nodeType="tmRoot"/>
-      </p:par>
-    </p:tnLst>
-  </p:timing>
-</p:sld>
-</file>
-
-<file path=ppt/slides/slide13.xml><?xml version="1.0" encoding="utf-8"?>
-<p:sld xmlns:a="http://schemas.openxmlformats.org/drawingml/2006/main" xmlns:r="http://schemas.openxmlformats.org/officeDocument/2006/relationships" xmlns:p="http://schemas.openxmlformats.org/presentationml/2006/main">
-  <p:cSld>
-    <p:spTree>
-      <p:nvGrpSpPr>
-        <p:cNvPr id="1" name=""/>
-        <p:cNvGrpSpPr/>
-        <p:nvPr/>
-      </p:nvGrpSpPr>
-      <p:grpSpPr>
-        <a:xfrm>
-          <a:off x="0" y="0"/>
-          <a:ext cx="0" cy="0"/>
-          <a:chOff x="0" y="0"/>
-          <a:chExt cx="0" cy="0"/>
-        </a:xfrm>
-      </p:grpSpPr>
-      <p:sp>
-        <p:nvSpPr>
-          <p:cNvPr id="2" name="Title 1"/>
-          <p:cNvSpPr>
-            <a:spLocks noGrp="1"/>
-          </p:cNvSpPr>
-          <p:nvPr>
-            <p:ph type="title"/>
-          </p:nvPr>
-        </p:nvSpPr>
-        <p:spPr/>
-        <p:txBody>
-          <a:bodyPr>
-            <a:normAutofit/>
-          </a:bodyPr>
-          <a:lstStyle/>
-          <a:p>
-            <a:r>
-              <a:rPr lang="en-US" dirty="0" smtClean="0"/>
-              <a:t>Pull</a:t>
-            </a:r>
-            <a:endParaRPr lang="en-SG" dirty="0"/>
-          </a:p>
-        </p:txBody>
-      </p:sp>
-      <p:sp>
-        <p:nvSpPr>
-          <p:cNvPr id="4" name="Rectangle 3"/>
-          <p:cNvSpPr/>
-          <p:nvPr/>
-        </p:nvSpPr>
-        <p:spPr>
-          <a:xfrm>
-            <a:off x="539552" y="4176790"/>
-            <a:ext cx="1152128" cy="504056"/>
-          </a:xfrm>
-          <a:prstGeom prst="rect">
-            <a:avLst/>
-          </a:prstGeom>
-        </p:spPr>
-        <p:style>
-          <a:lnRef idx="2">
-            <a:schemeClr val="dk1">
-              <a:shade val="50000"/>
-            </a:schemeClr>
-          </a:lnRef>
-          <a:fillRef idx="1">
-            <a:schemeClr val="dk1"/>
-          </a:fillRef>
-          <a:effectRef idx="0">
-            <a:schemeClr val="dk1"/>
-          </a:effectRef>
-          <a:fontRef idx="minor">
-            <a:schemeClr val="lt1"/>
-          </a:fontRef>
-        </p:style>
-        <p:txBody>
-          <a:bodyPr rtlCol="0" anchor="ctr"/>
-          <a:lstStyle/>
-          <a:p>
-            <a:pPr algn="ctr"/>
-            <a:endParaRPr lang="en-SG" dirty="0"/>
-          </a:p>
-        </p:txBody>
-      </p:sp>
-      <p:sp>
-        <p:nvSpPr>
-          <p:cNvPr id="3" name="Content Placeholder 2"/>
-          <p:cNvSpPr>
-            <a:spLocks noGrp="1"/>
-          </p:cNvSpPr>
-          <p:nvPr>
-            <p:ph idx="1"/>
-          </p:nvPr>
-        </p:nvSpPr>
-        <p:spPr/>
-        <p:txBody>
-          <a:bodyPr/>
-          <a:lstStyle/>
-          <a:p>
-            <a:pPr marL="0" indent="0">
-              <a:buNone/>
-            </a:pPr>
-            <a:r>
-              <a:rPr lang="en-US" dirty="0" smtClean="0"/>
-              <a:t>If you’re working in a team, your team mates may have pushed their code to the server. When this happens, </a:t>
-            </a:r>
-            <a:r>
-              <a:rPr lang="en-US" dirty="0" err="1" smtClean="0"/>
-              <a:t>GitBash</a:t>
-            </a:r>
-            <a:r>
-              <a:rPr lang="en-US" dirty="0" smtClean="0"/>
-              <a:t> won’t allow you to push your code until you’ve pulled the most recent changes. Just type</a:t>
-            </a:r>
-          </a:p>
-          <a:p>
-            <a:pPr marL="0" indent="0">
-              <a:buNone/>
-            </a:pPr>
-            <a:r>
-              <a:rPr lang="en-US" dirty="0" err="1" smtClean="0">
-                <a:solidFill>
-                  <a:srgbClr val="00B050"/>
-                </a:solidFill>
-              </a:rPr>
-              <a:t>git</a:t>
-            </a:r>
-            <a:r>
-              <a:rPr lang="en-US" dirty="0" smtClean="0">
-                <a:solidFill>
-                  <a:srgbClr val="00B050"/>
-                </a:solidFill>
-              </a:rPr>
-              <a:t> pull</a:t>
-            </a:r>
-          </a:p>
-          <a:p>
-            <a:pPr marL="0" indent="0">
-              <a:buNone/>
-            </a:pPr>
-            <a:r>
-              <a:rPr lang="en-US" dirty="0" smtClean="0"/>
-              <a:t>As with push, you may need to put a &lt;repo&gt; and a &lt;branch name&gt;.</a:t>
-            </a:r>
-            <a:endParaRPr lang="en-SG" dirty="0"/>
-          </a:p>
-        </p:txBody>
-      </p:sp>
-    </p:spTree>
-    <p:extLst>
-      <p:ext uri="{BB962C8B-B14F-4D97-AF65-F5344CB8AC3E}">
-        <p14:creationId xmlns:p14="http://schemas.microsoft.com/office/powerpoint/2010/main" val="1152120217"/>
-      </p:ext>
-    </p:extLst>
-  </p:cSld>
-  <p:clrMapOvr>
-    <a:masterClrMapping/>
-  </p:clrMapOvr>
-  <p:timing>
-    <p:tnLst>
-      <p:par>
-        <p:cTn id="1" dur="indefinite" restart="never" nodeType="tmRoot"/>
-      </p:par>
-    </p:tnLst>
-  </p:timing>
-</p:sld>
-</file>
-
-<file path=ppt/slides/slide14.xml><?xml version="1.0" encoding="utf-8"?>
-<p:sld xmlns:a="http://schemas.openxmlformats.org/drawingml/2006/main" xmlns:r="http://schemas.openxmlformats.org/officeDocument/2006/relationships" xmlns:p="http://schemas.openxmlformats.org/presentationml/2006/main">
-  <p:cSld>
-    <p:spTree>
-      <p:nvGrpSpPr>
-        <p:cNvPr id="1" name=""/>
-        <p:cNvGrpSpPr/>
-        <p:nvPr/>
-      </p:nvGrpSpPr>
-      <p:grpSpPr>
-        <a:xfrm>
-          <a:off x="0" y="0"/>
-          <a:ext cx="0" cy="0"/>
-          <a:chOff x="0" y="0"/>
-          <a:chExt cx="0" cy="0"/>
-        </a:xfrm>
-      </p:grpSpPr>
-      <p:sp>
-        <p:nvSpPr>
-          <p:cNvPr id="2" name="Title 1"/>
-          <p:cNvSpPr>
-            <a:spLocks noGrp="1"/>
-          </p:cNvSpPr>
-          <p:nvPr>
-            <p:ph type="title"/>
-          </p:nvPr>
-        </p:nvSpPr>
-        <p:spPr/>
-        <p:txBody>
-          <a:bodyPr>
-            <a:normAutofit/>
-          </a:bodyPr>
-          <a:lstStyle/>
-          <a:p>
-            <a:r>
-              <a:rPr lang="en-US" dirty="0" smtClean="0"/>
-              <a:t>Rollback</a:t>
-            </a:r>
-            <a:endParaRPr lang="en-SG" dirty="0"/>
-          </a:p>
-        </p:txBody>
-      </p:sp>
-      <p:sp>
-        <p:nvSpPr>
-          <p:cNvPr id="3" name="Content Placeholder 2"/>
-          <p:cNvSpPr>
-            <a:spLocks noGrp="1"/>
-          </p:cNvSpPr>
-          <p:nvPr>
-            <p:ph idx="1"/>
-          </p:nvPr>
-        </p:nvSpPr>
-        <p:spPr/>
-        <p:txBody>
-          <a:bodyPr/>
-          <a:lstStyle/>
-          <a:p>
-            <a:endParaRPr lang="en-SG"/>
-          </a:p>
-        </p:txBody>
-      </p:sp>
-    </p:spTree>
-    <p:extLst>
-      <p:ext uri="{BB962C8B-B14F-4D97-AF65-F5344CB8AC3E}">
-        <p14:creationId xmlns:p14="http://schemas.microsoft.com/office/powerpoint/2010/main" val="1896517289"/>
-      </p:ext>
-    </p:extLst>
-  </p:cSld>
-  <p:clrMapOvr>
-    <a:masterClrMapping/>
-  </p:clrMapOvr>
-  <p:timing>
-    <p:tnLst>
-      <p:par>
-        <p:cTn id="1" dur="indefinite" restart="never" nodeType="tmRoot"/>
-      </p:par>
-    </p:tnLst>
-  </p:timing>
-</p:sld>
-</file>
-
-<file path=ppt/slides/slide15.xml><?xml version="1.0" encoding="utf-8"?>
-<p:sld xmlns:a="http://schemas.openxmlformats.org/drawingml/2006/main" xmlns:r="http://schemas.openxmlformats.org/officeDocument/2006/relationships" xmlns:p="http://schemas.openxmlformats.org/presentationml/2006/main">
-  <p:cSld>
-    <p:spTree>
-      <p:nvGrpSpPr>
-        <p:cNvPr id="1" name=""/>
-        <p:cNvGrpSpPr/>
-        <p:nvPr/>
-      </p:nvGrpSpPr>
-      <p:grpSpPr>
-        <a:xfrm>
-          <a:off x="0" y="0"/>
-          <a:ext cx="0" cy="0"/>
-          <a:chOff x="0" y="0"/>
-          <a:chExt cx="0" cy="0"/>
-        </a:xfrm>
-      </p:grpSpPr>
-      <p:sp>
-        <p:nvSpPr>
-          <p:cNvPr id="2" name="Title 1"/>
-          <p:cNvSpPr>
-            <a:spLocks noGrp="1"/>
-          </p:cNvSpPr>
-          <p:nvPr>
-            <p:ph type="title"/>
-          </p:nvPr>
-        </p:nvSpPr>
-        <p:spPr/>
-        <p:txBody>
-          <a:bodyPr>
-            <a:normAutofit/>
-          </a:bodyPr>
-          <a:lstStyle/>
-          <a:p>
-            <a:r>
-              <a:rPr lang="en-US" dirty="0" smtClean="0"/>
-              <a:t>Revert</a:t>
-            </a:r>
-            <a:endParaRPr lang="en-SG" dirty="0"/>
-          </a:p>
-        </p:txBody>
-      </p:sp>
-      <p:sp>
-        <p:nvSpPr>
-          <p:cNvPr id="4" name="Rectangle 3"/>
-          <p:cNvSpPr/>
-          <p:nvPr/>
-        </p:nvSpPr>
-        <p:spPr>
-          <a:xfrm>
-            <a:off x="539552" y="2708920"/>
-            <a:ext cx="3672408" cy="504056"/>
-          </a:xfrm>
-          <a:prstGeom prst="rect">
-            <a:avLst/>
-          </a:prstGeom>
-        </p:spPr>
-        <p:style>
-          <a:lnRef idx="2">
-            <a:schemeClr val="dk1">
-              <a:shade val="50000"/>
-            </a:schemeClr>
-          </a:lnRef>
-          <a:fillRef idx="1">
-            <a:schemeClr val="dk1"/>
-          </a:fillRef>
-          <a:effectRef idx="0">
-            <a:schemeClr val="dk1"/>
-          </a:effectRef>
-          <a:fontRef idx="minor">
-            <a:schemeClr val="lt1"/>
-          </a:fontRef>
-        </p:style>
-        <p:txBody>
-          <a:bodyPr rtlCol="0" anchor="ctr"/>
-          <a:lstStyle/>
-          <a:p>
-            <a:pPr algn="ctr"/>
-            <a:endParaRPr lang="en-SG" dirty="0"/>
-          </a:p>
-        </p:txBody>
-      </p:sp>
-      <p:sp>
-        <p:nvSpPr>
-          <p:cNvPr id="3" name="Content Placeholder 2"/>
-          <p:cNvSpPr>
-            <a:spLocks noGrp="1"/>
-          </p:cNvSpPr>
-          <p:nvPr>
-            <p:ph idx="1"/>
-          </p:nvPr>
-        </p:nvSpPr>
-        <p:spPr/>
-        <p:txBody>
-          <a:bodyPr/>
-          <a:lstStyle/>
-          <a:p>
-            <a:pPr marL="0" indent="0">
-              <a:buNone/>
-            </a:pPr>
-            <a:r>
-              <a:rPr lang="en-US" dirty="0" smtClean="0"/>
-              <a:t>If you ever need to revert back to a previous commit, you can do so by typing</a:t>
-            </a:r>
-          </a:p>
-          <a:p>
-            <a:pPr marL="0" indent="0">
-              <a:buNone/>
-            </a:pPr>
-            <a:r>
-              <a:rPr lang="en-US" dirty="0" err="1" smtClean="0">
-                <a:solidFill>
-                  <a:srgbClr val="00B050"/>
-                </a:solidFill>
-              </a:rPr>
-              <a:t>git</a:t>
-            </a:r>
-            <a:r>
-              <a:rPr lang="en-US" dirty="0" smtClean="0">
-                <a:solidFill>
-                  <a:srgbClr val="00B050"/>
-                </a:solidFill>
-              </a:rPr>
-              <a:t> revert </a:t>
-            </a:r>
-            <a:r>
-              <a:rPr lang="en-US" dirty="0" smtClean="0">
-                <a:solidFill>
-                  <a:schemeClr val="bg1"/>
-                </a:solidFill>
-              </a:rPr>
-              <a:t>&lt;checksum&gt;</a:t>
-            </a:r>
-          </a:p>
-          <a:p>
-            <a:pPr marL="0" indent="0">
-              <a:buNone/>
-            </a:pPr>
-            <a:r>
-              <a:rPr lang="en-US" dirty="0" smtClean="0"/>
-              <a:t>Of course, you’ll need to find the checksum that marks the commit you want to revert to.</a:t>
-            </a:r>
-            <a:endParaRPr lang="en-US" dirty="0" smtClean="0"/>
-          </a:p>
-        </p:txBody>
-      </p:sp>
-    </p:spTree>
-    <p:extLst>
-      <p:ext uri="{BB962C8B-B14F-4D97-AF65-F5344CB8AC3E}">
-        <p14:creationId xmlns:p14="http://schemas.microsoft.com/office/powerpoint/2010/main" val="3510907948"/>
-      </p:ext>
-    </p:extLst>
-  </p:cSld>
-  <p:clrMapOvr>
-    <a:masterClrMapping/>
-  </p:clrMapOvr>
-  <p:timing>
-    <p:tnLst>
-      <p:par>
-        <p:cTn id="1" dur="indefinite" restart="never" nodeType="tmRoot"/>
-      </p:par>
-    </p:tnLst>
-  </p:timing>
 </p:sld>
 </file>
 
@@ -4351,88 +3217,79 @@
             <p:ph idx="1"/>
           </p:nvPr>
         </p:nvSpPr>
-        <p:spPr>
-          <a:xfrm>
-            <a:off x="457200" y="1600200"/>
-            <a:ext cx="8229600" cy="5069160"/>
-          </a:xfrm>
-        </p:spPr>
+        <p:spPr/>
         <p:txBody>
           <a:bodyPr>
-            <a:noAutofit/>
+            <a:normAutofit fontScale="85000" lnSpcReduction="20000"/>
           </a:bodyPr>
           <a:lstStyle/>
           <a:p>
             <a:r>
-              <a:rPr lang="en-US" sz="2800" dirty="0" smtClean="0"/>
+              <a:rPr lang="en-US" dirty="0" smtClean="0"/>
+              <a:t>Place new file into local repo</a:t>
+            </a:r>
+          </a:p>
+          <a:p>
+            <a:r>
+              <a:rPr lang="en-US" dirty="0" smtClean="0"/>
+              <a:t>Commit changes</a:t>
+            </a:r>
+          </a:p>
+          <a:p>
+            <a:r>
+              <a:rPr lang="en-US" dirty="0" smtClean="0"/>
+              <a:t>Push</a:t>
+            </a:r>
+          </a:p>
+          <a:p>
+            <a:r>
+              <a:rPr lang="en-US" dirty="0" smtClean="0"/>
+              <a:t>Pull</a:t>
+            </a:r>
+          </a:p>
+          <a:p>
+            <a:r>
+              <a:rPr lang="en-US" dirty="0" smtClean="0"/>
+              <a:t>Remove file from local repo</a:t>
+            </a:r>
+          </a:p>
+          <a:p>
+            <a:r>
+              <a:rPr lang="en-US" dirty="0" smtClean="0"/>
+              <a:t>Rollback</a:t>
+            </a:r>
+          </a:p>
+          <a:p>
+            <a:r>
+              <a:rPr lang="en-US" dirty="0" smtClean="0"/>
+              <a:t>Check status</a:t>
+            </a:r>
+          </a:p>
+          <a:p>
+            <a:r>
+              <a:rPr lang="en-US" dirty="0" smtClean="0"/>
+              <a:t>Revert</a:t>
+            </a:r>
+          </a:p>
+          <a:p>
+            <a:r>
+              <a:rPr lang="en-US" dirty="0" smtClean="0"/>
               <a:t>Clone Repo</a:t>
             </a:r>
           </a:p>
           <a:p>
             <a:r>
-              <a:rPr lang="en-US" sz="2800" dirty="0" smtClean="0"/>
-              <a:t>Place new file into local repo</a:t>
-            </a:r>
-          </a:p>
-          <a:p>
-            <a:r>
-              <a:rPr lang="en-US" sz="2800" dirty="0" smtClean="0"/>
-              <a:t>Remove </a:t>
-            </a:r>
-            <a:r>
-              <a:rPr lang="en-US" sz="2800" dirty="0"/>
-              <a:t>file from local </a:t>
-            </a:r>
-            <a:r>
-              <a:rPr lang="en-US" sz="2800" dirty="0" smtClean="0"/>
-              <a:t>repo</a:t>
-            </a:r>
-          </a:p>
-          <a:p>
-            <a:r>
-              <a:rPr lang="en-US" sz="2800" dirty="0"/>
-              <a:t>Check </a:t>
-            </a:r>
-            <a:r>
-              <a:rPr lang="en-US" sz="2800" dirty="0" smtClean="0"/>
-              <a:t>status</a:t>
-            </a:r>
-          </a:p>
-          <a:p>
-            <a:r>
-              <a:rPr lang="en-US" sz="2800" dirty="0"/>
-              <a:t>Check diff between 2 versions of the same file</a:t>
-            </a:r>
-          </a:p>
-          <a:p>
-            <a:r>
-              <a:rPr lang="en-US" sz="2800" dirty="0" smtClean="0"/>
-              <a:t>Commit changes</a:t>
-            </a:r>
-          </a:p>
-          <a:p>
-            <a:r>
-              <a:rPr lang="en-US" sz="2800" dirty="0" smtClean="0"/>
-              <a:t>Push</a:t>
-            </a:r>
-          </a:p>
-          <a:p>
-            <a:r>
-              <a:rPr lang="en-US" sz="2800" dirty="0" smtClean="0"/>
-              <a:t>Pull</a:t>
-            </a:r>
-          </a:p>
-          <a:p>
-            <a:r>
-              <a:rPr lang="en-US" sz="2800" dirty="0" smtClean="0"/>
-              <a:t>Rollback</a:t>
-            </a:r>
-          </a:p>
-          <a:p>
-            <a:r>
-              <a:rPr lang="en-US" sz="2800" dirty="0" smtClean="0"/>
-              <a:t>Revert</a:t>
-            </a:r>
+              <a:rPr lang="en-US" dirty="0" smtClean="0"/>
+              <a:t>Check diff between 2 versions of </a:t>
+            </a:r>
+            <a:r>
+              <a:rPr lang="en-US" smtClean="0"/>
+              <a:t>the same file</a:t>
+            </a:r>
+            <a:endParaRPr lang="en-US" dirty="0" smtClean="0"/>
+          </a:p>
+          <a:p>
+            <a:endParaRPr lang="en-SG" dirty="0"/>
           </a:p>
         </p:txBody>
       </p:sp>
@@ -4446,13 +3303,6 @@
   <p:clrMapOvr>
     <a:masterClrMapping/>
   </p:clrMapOvr>
-  <p:timing>
-    <p:tnLst>
-      <p:par>
-        <p:cTn id="1" dur="indefinite" restart="never" nodeType="tmRoot"/>
-      </p:par>
-    </p:tnLst>
-  </p:timing>
 </p:sld>
 </file>
 
@@ -4485,20 +3335,10 @@
         </p:nvSpPr>
         <p:spPr/>
         <p:txBody>
-          <a:bodyPr>
-            <a:normAutofit/>
-          </a:bodyPr>
-          <a:lstStyle/>
-          <a:p>
-            <a:r>
-              <a:rPr lang="en-US" dirty="0"/>
-              <a:t>Clone </a:t>
-            </a:r>
-            <a:r>
-              <a:rPr lang="en-US" dirty="0" smtClean="0"/>
-              <a:t>Repo</a:t>
-            </a:r>
-            <a:endParaRPr lang="en-SG" dirty="0"/>
+          <a:bodyPr/>
+          <a:lstStyle/>
+          <a:p>
+            <a:endParaRPr lang="en-SG"/>
           </a:p>
         </p:txBody>
       </p:sp>
@@ -4512,120 +3352,11 @@
             <p:ph idx="1"/>
           </p:nvPr>
         </p:nvSpPr>
-        <p:spPr>
-          <a:xfrm>
-            <a:off x="467544" y="1340768"/>
-            <a:ext cx="8229600" cy="4525963"/>
-          </a:xfrm>
-        </p:spPr>
-        <p:txBody>
-          <a:bodyPr/>
-          <a:lstStyle/>
-          <a:p>
-            <a:pPr marL="0" indent="0">
-              <a:buNone/>
-            </a:pPr>
-            <a:r>
-              <a:rPr lang="en-US" dirty="0" smtClean="0"/>
-              <a:t>In order to clone someone’s repository on </a:t>
-            </a:r>
-            <a:r>
-              <a:rPr lang="en-US" dirty="0" err="1" smtClean="0"/>
-              <a:t>GitHub</a:t>
-            </a:r>
-            <a:r>
-              <a:rPr lang="en-US" dirty="0" smtClean="0"/>
-              <a:t>, you’ll first need to get the SSH or HTTP link for the repository you want to clone.</a:t>
-            </a:r>
-          </a:p>
-          <a:p>
-            <a:endParaRPr lang="en-SG" dirty="0"/>
-          </a:p>
-        </p:txBody>
-      </p:sp>
-      <p:pic>
-        <p:nvPicPr>
-          <p:cNvPr id="1026" name="Picture 2" descr="C:\xampp\htdocs\programming-notes\Screenshots\Copy RW Access Link from GitHub.JPG"/>
-          <p:cNvPicPr>
-            <a:picLocks noChangeAspect="1" noChangeArrowheads="1"/>
-          </p:cNvPicPr>
-          <p:nvPr/>
-        </p:nvPicPr>
-        <p:blipFill>
-          <a:blip r:embed="rId2">
-            <a:extLst>
-              <a:ext uri="{28A0092B-C50C-407E-A947-70E740481C1C}">
-                <a14:useLocalDpi xmlns:a14="http://schemas.microsoft.com/office/drawing/2010/main" val="0"/>
-              </a:ext>
-            </a:extLst>
-          </a:blip>
-          <a:srcRect/>
-          <a:stretch>
-            <a:fillRect/>
-          </a:stretch>
-        </p:blipFill>
-        <p:spPr bwMode="auto">
-          <a:xfrm>
-            <a:off x="683568" y="2888025"/>
-            <a:ext cx="7560840" cy="3812457"/>
-          </a:xfrm>
-          <a:prstGeom prst="rect">
-            <a:avLst/>
-          </a:prstGeom>
-          <a:noFill/>
-          <a:extLst>
-            <a:ext uri="{909E8E84-426E-40DD-AFC4-6F175D3DCCD1}">
-              <a14:hiddenFill xmlns:a14="http://schemas.microsoft.com/office/drawing/2010/main">
-                <a:solidFill>
-                  <a:srgbClr val="FFFFFF"/>
-                </a:solidFill>
-              </a14:hiddenFill>
-            </a:ext>
-          </a:extLst>
-        </p:spPr>
-      </p:pic>
-      <p:sp>
-        <p:nvSpPr>
-          <p:cNvPr id="4" name="Rectangle 3"/>
-          <p:cNvSpPr/>
-          <p:nvPr/>
-        </p:nvSpPr>
-        <p:spPr>
-          <a:xfrm>
-            <a:off x="4283968" y="3645024"/>
-            <a:ext cx="2808312" cy="504056"/>
-          </a:xfrm>
-          <a:prstGeom prst="rect">
-            <a:avLst/>
-          </a:prstGeom>
-          <a:noFill/>
-          <a:ln>
-            <a:solidFill>
-              <a:srgbClr val="00B050"/>
-            </a:solidFill>
-          </a:ln>
-        </p:spPr>
-        <p:style>
-          <a:lnRef idx="2">
-            <a:schemeClr val="accent1">
-              <a:shade val="50000"/>
-            </a:schemeClr>
-          </a:lnRef>
-          <a:fillRef idx="1">
-            <a:schemeClr val="accent1"/>
-          </a:fillRef>
-          <a:effectRef idx="0">
-            <a:schemeClr val="accent1"/>
-          </a:effectRef>
-          <a:fontRef idx="minor">
-            <a:schemeClr val="lt1"/>
-          </a:fontRef>
-        </p:style>
-        <p:txBody>
-          <a:bodyPr rtlCol="0" anchor="ctr"/>
-          <a:lstStyle/>
-          <a:p>
-            <a:pPr algn="ctr"/>
+        <p:spPr/>
+        <p:txBody>
+          <a:bodyPr/>
+          <a:lstStyle/>
+          <a:p>
             <a:endParaRPr lang="en-SG"/>
           </a:p>
         </p:txBody>
@@ -4640,13 +3371,6 @@
   <p:clrMapOvr>
     <a:masterClrMapping/>
   </p:clrMapOvr>
-  <p:timing>
-    <p:tnLst>
-      <p:par>
-        <p:cTn id="1" dur="indefinite" restart="never" nodeType="tmRoot"/>
-      </p:par>
-    </p:tnLst>
-  </p:timing>
 </p:sld>
 </file>
 
@@ -4679,59 +3403,9 @@
         </p:nvSpPr>
         <p:spPr/>
         <p:txBody>
-          <a:bodyPr>
-            <a:normAutofit/>
-          </a:bodyPr>
-          <a:lstStyle/>
-          <a:p>
-            <a:r>
-              <a:rPr lang="en-US" dirty="0"/>
-              <a:t>Clone </a:t>
-            </a:r>
-            <a:r>
-              <a:rPr lang="en-US" dirty="0" smtClean="0"/>
-              <a:t>Repo</a:t>
-            </a:r>
-            <a:endParaRPr lang="en-SG" dirty="0"/>
-          </a:p>
-        </p:txBody>
-      </p:sp>
-      <p:sp>
-        <p:nvSpPr>
-          <p:cNvPr id="6" name="Rectangle 5"/>
-          <p:cNvSpPr/>
-          <p:nvPr/>
-        </p:nvSpPr>
-        <p:spPr>
-          <a:xfrm>
-            <a:off x="437812" y="2564904"/>
-            <a:ext cx="2694028" cy="504056"/>
-          </a:xfrm>
-          <a:prstGeom prst="rect">
-            <a:avLst/>
-          </a:prstGeom>
-        </p:spPr>
-        <p:style>
-          <a:lnRef idx="2">
-            <a:schemeClr val="dk1">
-              <a:shade val="50000"/>
-            </a:schemeClr>
-          </a:lnRef>
-          <a:fillRef idx="1">
-            <a:schemeClr val="dk1"/>
-          </a:fillRef>
-          <a:effectRef idx="0">
-            <a:schemeClr val="dk1"/>
-          </a:effectRef>
-          <a:fontRef idx="minor">
-            <a:schemeClr val="lt1"/>
-          </a:fontRef>
-        </p:style>
-        <p:txBody>
-          <a:bodyPr rtlCol="0" anchor="ctr"/>
-          <a:lstStyle/>
-          <a:p>
-            <a:pPr algn="ctr"/>
+          <a:bodyPr/>
+          <a:lstStyle/>
+          <a:p>
             <a:endParaRPr lang="en-SG"/>
           </a:p>
         </p:txBody>
@@ -4746,126 +3420,25 @@
             <p:ph idx="1"/>
           </p:nvPr>
         </p:nvSpPr>
-        <p:spPr>
-          <a:xfrm>
-            <a:off x="467544" y="1340768"/>
-            <a:ext cx="8229600" cy="5256584"/>
-          </a:xfrm>
-        </p:spPr>
-        <p:txBody>
-          <a:bodyPr>
-            <a:normAutofit/>
-          </a:bodyPr>
-          <a:lstStyle/>
-          <a:p>
-            <a:pPr marL="0" indent="0">
-              <a:buNone/>
-            </a:pPr>
-            <a:r>
-              <a:rPr lang="en-US" dirty="0" smtClean="0"/>
-              <a:t>Once you’ve copied that, go to </a:t>
-            </a:r>
-            <a:r>
-              <a:rPr lang="en-US" dirty="0" err="1" smtClean="0"/>
-              <a:t>GitBash</a:t>
-            </a:r>
-            <a:r>
-              <a:rPr lang="en-US" dirty="0" smtClean="0"/>
-              <a:t>.</a:t>
-            </a:r>
-          </a:p>
-          <a:p>
-            <a:pPr marL="0" indent="0">
-              <a:buNone/>
-            </a:pPr>
-            <a:r>
-              <a:rPr lang="en-US" dirty="0" smtClean="0"/>
-              <a:t>Navigate to your project space and type</a:t>
-            </a:r>
-          </a:p>
-          <a:p>
-            <a:pPr marL="0" indent="0">
-              <a:buNone/>
-            </a:pPr>
-            <a:r>
-              <a:rPr lang="en-US" dirty="0" err="1" smtClean="0">
-                <a:solidFill>
-                  <a:srgbClr val="00B050"/>
-                </a:solidFill>
-              </a:rPr>
-              <a:t>git</a:t>
-            </a:r>
-            <a:r>
-              <a:rPr lang="en-US" dirty="0" smtClean="0">
-                <a:solidFill>
-                  <a:srgbClr val="00B050"/>
-                </a:solidFill>
-              </a:rPr>
-              <a:t> clone </a:t>
-            </a:r>
-            <a:r>
-              <a:rPr lang="en-US" dirty="0" smtClean="0">
-                <a:solidFill>
-                  <a:schemeClr val="bg1"/>
-                </a:solidFill>
-              </a:rPr>
-              <a:t>&lt;link&gt;</a:t>
-            </a:r>
-          </a:p>
-          <a:p>
-            <a:pPr marL="0" indent="0">
-              <a:buNone/>
-            </a:pPr>
-            <a:r>
-              <a:rPr lang="en-US" dirty="0" smtClean="0"/>
-              <a:t>Fill in the &lt;link&gt; part with the link you copied and press Enter.</a:t>
-            </a:r>
-          </a:p>
-          <a:p>
-            <a:pPr marL="0" indent="0">
-              <a:buNone/>
-            </a:pPr>
-            <a:r>
-              <a:rPr lang="en-US" dirty="0" smtClean="0"/>
-              <a:t>If you’ve set up the connection to use SSH keys, then </a:t>
-            </a:r>
-            <a:r>
-              <a:rPr lang="en-US" dirty="0" err="1" smtClean="0"/>
-              <a:t>GitBash</a:t>
-            </a:r>
-            <a:r>
-              <a:rPr lang="en-US" dirty="0" smtClean="0"/>
-              <a:t> will prompt you for you passphrase. If not, it will ask for your </a:t>
-            </a:r>
-            <a:r>
-              <a:rPr lang="en-US" dirty="0" err="1" smtClean="0"/>
-              <a:t>GitHub</a:t>
-            </a:r>
-            <a:r>
-              <a:rPr lang="en-US" dirty="0" smtClean="0"/>
-              <a:t> username and password.</a:t>
-            </a:r>
-            <a:endParaRPr lang="en-SG" dirty="0"/>
+        <p:spPr/>
+        <p:txBody>
+          <a:bodyPr/>
+          <a:lstStyle/>
+          <a:p>
+            <a:endParaRPr lang="en-SG"/>
           </a:p>
         </p:txBody>
       </p:sp>
     </p:spTree>
     <p:extLst>
       <p:ext uri="{BB962C8B-B14F-4D97-AF65-F5344CB8AC3E}">
-        <p14:creationId xmlns:p14="http://schemas.microsoft.com/office/powerpoint/2010/main" val="2788240166"/>
+        <p14:creationId xmlns:p14="http://schemas.microsoft.com/office/powerpoint/2010/main" val="485328335"/>
       </p:ext>
     </p:extLst>
   </p:cSld>
   <p:clrMapOvr>
     <a:masterClrMapping/>
   </p:clrMapOvr>
-  <p:timing>
-    <p:tnLst>
-      <p:par>
-        <p:cTn id="1" dur="indefinite" restart="never" nodeType="tmRoot"/>
-      </p:par>
-    </p:tnLst>
-  </p:timing>
 </p:sld>
 </file>
 
@@ -4898,59 +3471,9 @@
         </p:nvSpPr>
         <p:spPr/>
         <p:txBody>
-          <a:bodyPr>
-            <a:normAutofit/>
-          </a:bodyPr>
-          <a:lstStyle/>
-          <a:p>
-            <a:r>
-              <a:rPr lang="en-US" dirty="0"/>
-              <a:t>Place new file into local </a:t>
-            </a:r>
-            <a:r>
-              <a:rPr lang="en-US" dirty="0" smtClean="0"/>
-              <a:t>repo</a:t>
-            </a:r>
-            <a:endParaRPr lang="en-SG" dirty="0"/>
-          </a:p>
-        </p:txBody>
-      </p:sp>
-      <p:sp>
-        <p:nvSpPr>
-          <p:cNvPr id="4" name="Rectangle 3"/>
-          <p:cNvSpPr/>
-          <p:nvPr/>
-        </p:nvSpPr>
-        <p:spPr>
-          <a:xfrm>
-            <a:off x="539552" y="3717032"/>
-            <a:ext cx="3384376" cy="504056"/>
-          </a:xfrm>
-          <a:prstGeom prst="rect">
-            <a:avLst/>
-          </a:prstGeom>
-        </p:spPr>
-        <p:style>
-          <a:lnRef idx="2">
-            <a:schemeClr val="dk1">
-              <a:shade val="50000"/>
-            </a:schemeClr>
-          </a:lnRef>
-          <a:fillRef idx="1">
-            <a:schemeClr val="dk1"/>
-          </a:fillRef>
-          <a:effectRef idx="0">
-            <a:schemeClr val="dk1"/>
-          </a:effectRef>
-          <a:fontRef idx="minor">
-            <a:schemeClr val="lt1"/>
-          </a:fontRef>
-        </p:style>
-        <p:txBody>
-          <a:bodyPr rtlCol="0" anchor="ctr"/>
-          <a:lstStyle/>
-          <a:p>
-            <a:pPr algn="ctr"/>
+          <a:bodyPr/>
+          <a:lstStyle/>
+          <a:p>
             <a:endParaRPr lang="en-SG"/>
           </a:p>
         </p:txBody>
@@ -4965,109 +3488,25 @@
             <p:ph idx="1"/>
           </p:nvPr>
         </p:nvSpPr>
-        <p:spPr>
-          <a:xfrm>
-            <a:off x="539552" y="1600200"/>
-            <a:ext cx="8147248" cy="4781128"/>
-          </a:xfrm>
-        </p:spPr>
-        <p:txBody>
-          <a:bodyPr>
-            <a:normAutofit/>
-          </a:bodyPr>
-          <a:lstStyle/>
-          <a:p>
-            <a:pPr marL="0" indent="0">
-              <a:buNone/>
-            </a:pPr>
-            <a:r>
-              <a:rPr lang="en-US" dirty="0" smtClean="0"/>
-              <a:t>When you create a new file in your project folder, </a:t>
-            </a:r>
-            <a:r>
-              <a:rPr lang="en-US" dirty="0" err="1" smtClean="0"/>
-              <a:t>git</a:t>
-            </a:r>
-            <a:r>
-              <a:rPr lang="en-US" dirty="0" smtClean="0"/>
-              <a:t> will notice it, but will not keep track of it. In order to make </a:t>
-            </a:r>
-            <a:r>
-              <a:rPr lang="en-US" dirty="0" err="1" smtClean="0"/>
-              <a:t>git</a:t>
-            </a:r>
-            <a:r>
-              <a:rPr lang="en-US" dirty="0" smtClean="0"/>
-              <a:t> start tracking the file, you need to type:</a:t>
-            </a:r>
-          </a:p>
-          <a:p>
-            <a:pPr marL="0" indent="0">
-              <a:buNone/>
-            </a:pPr>
-            <a:r>
-              <a:rPr lang="en-US" dirty="0" err="1" smtClean="0">
-                <a:solidFill>
-                  <a:srgbClr val="00B050"/>
-                </a:solidFill>
-              </a:rPr>
-              <a:t>git</a:t>
-            </a:r>
-            <a:r>
-              <a:rPr lang="en-US" dirty="0" smtClean="0">
-                <a:solidFill>
-                  <a:srgbClr val="00B050"/>
-                </a:solidFill>
-              </a:rPr>
-              <a:t> add </a:t>
-            </a:r>
-            <a:r>
-              <a:rPr lang="en-US" dirty="0" smtClean="0">
-                <a:solidFill>
-                  <a:schemeClr val="bg1"/>
-                </a:solidFill>
-              </a:rPr>
-              <a:t>&lt;file name&gt;</a:t>
-            </a:r>
-            <a:endParaRPr lang="en-SG" dirty="0"/>
-          </a:p>
-          <a:p>
-            <a:pPr marL="0" indent="0">
-              <a:buNone/>
-            </a:pPr>
-            <a:r>
-              <a:rPr lang="en-US" dirty="0" smtClean="0"/>
-              <a:t>Just replace the &lt;file name&gt; part with your new file, and </a:t>
-            </a:r>
-            <a:r>
-              <a:rPr lang="en-US" dirty="0" err="1" smtClean="0"/>
-              <a:t>git</a:t>
-            </a:r>
-            <a:r>
-              <a:rPr lang="en-US" dirty="0" smtClean="0"/>
-              <a:t> will start tracking it.  If your file is in a sub-folder, you’ll need to put the path to the file instead of just the file name.</a:t>
-            </a:r>
-            <a:endParaRPr lang="en-US" dirty="0" smtClean="0"/>
+        <p:spPr/>
+        <p:txBody>
+          <a:bodyPr/>
+          <a:lstStyle/>
+          <a:p>
+            <a:endParaRPr lang="en-SG"/>
           </a:p>
         </p:txBody>
       </p:sp>
     </p:spTree>
     <p:extLst>
       <p:ext uri="{BB962C8B-B14F-4D97-AF65-F5344CB8AC3E}">
-        <p14:creationId xmlns:p14="http://schemas.microsoft.com/office/powerpoint/2010/main" val="485328335"/>
+        <p14:creationId xmlns:p14="http://schemas.microsoft.com/office/powerpoint/2010/main" val="3306183281"/>
       </p:ext>
     </p:extLst>
   </p:cSld>
   <p:clrMapOvr>
     <a:masterClrMapping/>
   </p:clrMapOvr>
-  <p:timing>
-    <p:tnLst>
-      <p:par>
-        <p:cTn id="1" dur="indefinite" restart="never" nodeType="tmRoot"/>
-      </p:par>
-    </p:tnLst>
-  </p:timing>
 </p:sld>
 </file>
 
@@ -5103,91 +3542,7 @@
           <a:bodyPr/>
           <a:lstStyle/>
           <a:p>
-            <a:r>
-              <a:rPr lang="en-US" dirty="0"/>
-              <a:t>Place new file into local repo</a:t>
-            </a:r>
-            <a:endParaRPr lang="en-SG" dirty="0"/>
-          </a:p>
-        </p:txBody>
-      </p:sp>
-      <p:sp>
-        <p:nvSpPr>
-          <p:cNvPr id="5" name="Rectangle 4"/>
-          <p:cNvSpPr/>
-          <p:nvPr/>
-        </p:nvSpPr>
-        <p:spPr>
-          <a:xfrm>
-            <a:off x="539552" y="2708920"/>
-            <a:ext cx="1368152" cy="504056"/>
-          </a:xfrm>
-          <a:prstGeom prst="rect">
-            <a:avLst/>
-          </a:prstGeom>
-        </p:spPr>
-        <p:style>
-          <a:lnRef idx="2">
-            <a:schemeClr val="dk1">
-              <a:shade val="50000"/>
-            </a:schemeClr>
-          </a:lnRef>
-          <a:fillRef idx="1">
-            <a:schemeClr val="dk1"/>
-          </a:fillRef>
-          <a:effectRef idx="0">
-            <a:schemeClr val="dk1"/>
-          </a:effectRef>
-          <a:fontRef idx="minor">
-            <a:schemeClr val="lt1"/>
-          </a:fontRef>
-        </p:style>
-        <p:txBody>
-          <a:bodyPr rtlCol="0" anchor="ctr"/>
-          <a:lstStyle/>
-          <a:p>
-            <a:pPr algn="ctr"/>
-            <a:endParaRPr lang="en-SG" dirty="0"/>
-          </a:p>
-        </p:txBody>
-      </p:sp>
-      <p:sp>
-        <p:nvSpPr>
-          <p:cNvPr id="6" name="Rectangle 5"/>
-          <p:cNvSpPr/>
-          <p:nvPr/>
-        </p:nvSpPr>
-        <p:spPr>
-          <a:xfrm>
-            <a:off x="2411760" y="2708920"/>
-            <a:ext cx="1584176" cy="504056"/>
-          </a:xfrm>
-          <a:prstGeom prst="rect">
-            <a:avLst/>
-          </a:prstGeom>
-        </p:spPr>
-        <p:style>
-          <a:lnRef idx="2">
-            <a:schemeClr val="dk1">
-              <a:shade val="50000"/>
-            </a:schemeClr>
-          </a:lnRef>
-          <a:fillRef idx="1">
-            <a:schemeClr val="dk1"/>
-          </a:fillRef>
-          <a:effectRef idx="0">
-            <a:schemeClr val="dk1"/>
-          </a:effectRef>
-          <a:fontRef idx="minor">
-            <a:schemeClr val="lt1"/>
-          </a:fontRef>
-        </p:style>
-        <p:txBody>
-          <a:bodyPr rtlCol="0" anchor="ctr"/>
-          <a:lstStyle/>
-          <a:p>
-            <a:pPr algn="ctr"/>
-            <a:endParaRPr lang="en-SG" dirty="0"/>
+            <a:endParaRPr lang="en-SG"/>
           </a:p>
         </p:txBody>
       </p:sp>
@@ -5206,444 +3561,7 @@
           <a:bodyPr/>
           <a:lstStyle/>
           <a:p>
-            <a:pPr marL="0" indent="0">
-              <a:buNone/>
-            </a:pPr>
-            <a:r>
-              <a:rPr lang="en-US" dirty="0" smtClean="0"/>
-              <a:t>If you have multiple files that you want to add all at once, you can type</a:t>
-            </a:r>
-          </a:p>
-          <a:p>
-            <a:pPr marL="0" indent="0">
-              <a:buNone/>
-            </a:pPr>
-            <a:r>
-              <a:rPr lang="en-US" dirty="0" err="1">
-                <a:solidFill>
-                  <a:srgbClr val="00B050"/>
-                </a:solidFill>
-              </a:rPr>
-              <a:t>git</a:t>
-            </a:r>
-            <a:r>
-              <a:rPr lang="en-US" dirty="0">
-                <a:solidFill>
-                  <a:srgbClr val="00B050"/>
-                </a:solidFill>
-              </a:rPr>
-              <a:t> </a:t>
-            </a:r>
-            <a:r>
-              <a:rPr lang="en-US" dirty="0" smtClean="0">
-                <a:solidFill>
-                  <a:srgbClr val="00B050"/>
-                </a:solidFill>
-              </a:rPr>
-              <a:t>add . </a:t>
-            </a:r>
-            <a:r>
-              <a:rPr lang="en-US" dirty="0"/>
-              <a:t>o</a:t>
-            </a:r>
-            <a:r>
-              <a:rPr lang="en-US" dirty="0" smtClean="0"/>
-              <a:t>r </a:t>
-            </a:r>
-            <a:r>
-              <a:rPr lang="en-US" dirty="0" err="1" smtClean="0">
-                <a:solidFill>
-                  <a:srgbClr val="00B050"/>
-                </a:solidFill>
-              </a:rPr>
-              <a:t>git</a:t>
-            </a:r>
-            <a:r>
-              <a:rPr lang="en-US" dirty="0" smtClean="0">
-                <a:solidFill>
-                  <a:srgbClr val="00B050"/>
-                </a:solidFill>
-              </a:rPr>
-              <a:t> add –a</a:t>
-            </a:r>
-          </a:p>
-          <a:p>
-            <a:pPr marL="0" indent="0">
-              <a:buNone/>
-            </a:pPr>
-            <a:endParaRPr lang="en-US" dirty="0" smtClean="0"/>
-          </a:p>
-          <a:p>
-            <a:pPr marL="0" indent="0">
-              <a:buNone/>
-            </a:pPr>
-            <a:r>
-              <a:rPr lang="en-US" dirty="0" smtClean="0"/>
-              <a:t>Now </a:t>
-            </a:r>
-            <a:r>
-              <a:rPr lang="en-US" dirty="0" err="1" smtClean="0"/>
-              <a:t>git</a:t>
-            </a:r>
-            <a:r>
-              <a:rPr lang="en-US" dirty="0" smtClean="0"/>
-              <a:t> will add every single new file it locates within your project folder and sub-folders and start tracking their changes.</a:t>
-            </a:r>
-            <a:endParaRPr lang="en-SG" dirty="0"/>
-          </a:p>
-        </p:txBody>
-      </p:sp>
-    </p:spTree>
-    <p:extLst>
-      <p:ext uri="{BB962C8B-B14F-4D97-AF65-F5344CB8AC3E}">
-        <p14:creationId xmlns:p14="http://schemas.microsoft.com/office/powerpoint/2010/main" val="4043900988"/>
-      </p:ext>
-    </p:extLst>
-  </p:cSld>
-  <p:clrMapOvr>
-    <a:masterClrMapping/>
-  </p:clrMapOvr>
-  <p:timing>
-    <p:tnLst>
-      <p:par>
-        <p:cTn id="1" dur="indefinite" restart="never" nodeType="tmRoot"/>
-      </p:par>
-    </p:tnLst>
-  </p:timing>
-</p:sld>
-</file>
-
-<file path=ppt/slides/slide7.xml><?xml version="1.0" encoding="utf-8"?>
-<p:sld xmlns:a="http://schemas.openxmlformats.org/drawingml/2006/main" xmlns:r="http://schemas.openxmlformats.org/officeDocument/2006/relationships" xmlns:p="http://schemas.openxmlformats.org/presentationml/2006/main">
-  <p:cSld>
-    <p:spTree>
-      <p:nvGrpSpPr>
-        <p:cNvPr id="1" name=""/>
-        <p:cNvGrpSpPr/>
-        <p:nvPr/>
-      </p:nvGrpSpPr>
-      <p:grpSpPr>
-        <a:xfrm>
-          <a:off x="0" y="0"/>
-          <a:ext cx="0" cy="0"/>
-          <a:chOff x="0" y="0"/>
-          <a:chExt cx="0" cy="0"/>
-        </a:xfrm>
-      </p:grpSpPr>
-      <p:sp>
-        <p:nvSpPr>
-          <p:cNvPr id="2" name="Title 1"/>
-          <p:cNvSpPr>
-            <a:spLocks noGrp="1"/>
-          </p:cNvSpPr>
-          <p:nvPr>
-            <p:ph type="title"/>
-          </p:nvPr>
-        </p:nvSpPr>
-        <p:spPr/>
-        <p:txBody>
-          <a:bodyPr>
-            <a:normAutofit/>
-          </a:bodyPr>
-          <a:lstStyle/>
-          <a:p>
-            <a:r>
-              <a:rPr lang="en-US" dirty="0"/>
-              <a:t>Remove file from local </a:t>
-            </a:r>
-            <a:r>
-              <a:rPr lang="en-US" dirty="0" smtClean="0"/>
-              <a:t>repo</a:t>
-            </a:r>
-            <a:endParaRPr lang="en-SG" dirty="0"/>
-          </a:p>
-        </p:txBody>
-      </p:sp>
-      <p:sp>
-        <p:nvSpPr>
-          <p:cNvPr id="4" name="Rectangle 3"/>
-          <p:cNvSpPr/>
-          <p:nvPr/>
-        </p:nvSpPr>
-        <p:spPr>
-          <a:xfrm>
-            <a:off x="539552" y="2708920"/>
-            <a:ext cx="3168352" cy="504056"/>
-          </a:xfrm>
-          <a:prstGeom prst="rect">
-            <a:avLst/>
-          </a:prstGeom>
-        </p:spPr>
-        <p:style>
-          <a:lnRef idx="2">
-            <a:schemeClr val="dk1">
-              <a:shade val="50000"/>
-            </a:schemeClr>
-          </a:lnRef>
-          <a:fillRef idx="1">
-            <a:schemeClr val="dk1"/>
-          </a:fillRef>
-          <a:effectRef idx="0">
-            <a:schemeClr val="dk1"/>
-          </a:effectRef>
-          <a:fontRef idx="minor">
-            <a:schemeClr val="lt1"/>
-          </a:fontRef>
-        </p:style>
-        <p:txBody>
-          <a:bodyPr rtlCol="0" anchor="ctr"/>
-          <a:lstStyle/>
-          <a:p>
-            <a:pPr algn="ctr"/>
-            <a:endParaRPr lang="en-SG" dirty="0"/>
-          </a:p>
-        </p:txBody>
-      </p:sp>
-      <p:sp>
-        <p:nvSpPr>
-          <p:cNvPr id="3" name="Content Placeholder 2"/>
-          <p:cNvSpPr>
-            <a:spLocks noGrp="1"/>
-          </p:cNvSpPr>
-          <p:nvPr>
-            <p:ph idx="1"/>
-          </p:nvPr>
-        </p:nvSpPr>
-        <p:spPr/>
-        <p:txBody>
-          <a:bodyPr/>
-          <a:lstStyle/>
-          <a:p>
-            <a:pPr marL="0" indent="0">
-              <a:buNone/>
-            </a:pPr>
-            <a:r>
-              <a:rPr lang="en-US" dirty="0" smtClean="0"/>
-              <a:t>Sometimes you may want to remove a file from being tracked. In order to do so, type</a:t>
-            </a:r>
-          </a:p>
-          <a:p>
-            <a:pPr marL="0" indent="0">
-              <a:buNone/>
-            </a:pPr>
-            <a:r>
-              <a:rPr lang="en-US" dirty="0" err="1" smtClean="0">
-                <a:solidFill>
-                  <a:srgbClr val="00B050"/>
-                </a:solidFill>
-              </a:rPr>
-              <a:t>git</a:t>
-            </a:r>
-            <a:r>
-              <a:rPr lang="en-US" dirty="0" smtClean="0">
-                <a:solidFill>
-                  <a:srgbClr val="00B050"/>
-                </a:solidFill>
-              </a:rPr>
-              <a:t> </a:t>
-            </a:r>
-            <a:r>
-              <a:rPr lang="en-US" dirty="0" err="1" smtClean="0">
-                <a:solidFill>
-                  <a:srgbClr val="00B050"/>
-                </a:solidFill>
-              </a:rPr>
-              <a:t>rm</a:t>
-            </a:r>
-            <a:r>
-              <a:rPr lang="en-US" dirty="0" smtClean="0">
-                <a:solidFill>
-                  <a:srgbClr val="00B050"/>
-                </a:solidFill>
-              </a:rPr>
-              <a:t> </a:t>
-            </a:r>
-            <a:r>
-              <a:rPr lang="en-US" dirty="0" smtClean="0">
-                <a:solidFill>
-                  <a:schemeClr val="bg1"/>
-                </a:solidFill>
-              </a:rPr>
-              <a:t>&lt;file name&gt;</a:t>
-            </a:r>
-          </a:p>
-          <a:p>
-            <a:pPr marL="0" indent="0">
-              <a:buNone/>
-            </a:pPr>
-            <a:endParaRPr lang="en-US" dirty="0" smtClean="0"/>
-          </a:p>
-          <a:p>
-            <a:pPr marL="0" indent="0">
-              <a:buNone/>
-            </a:pPr>
-            <a:r>
-              <a:rPr lang="en-US" dirty="0" smtClean="0"/>
-              <a:t>Similar to adding a file, you’ll need to specify the name of the file to be removed. If it’s in a sub-folder, you need to specify the whole path.</a:t>
-            </a:r>
-            <a:endParaRPr lang="en-SG" dirty="0"/>
-          </a:p>
-        </p:txBody>
-      </p:sp>
-    </p:spTree>
-    <p:extLst>
-      <p:ext uri="{BB962C8B-B14F-4D97-AF65-F5344CB8AC3E}">
-        <p14:creationId xmlns:p14="http://schemas.microsoft.com/office/powerpoint/2010/main" val="3306183281"/>
-      </p:ext>
-    </p:extLst>
-  </p:cSld>
-  <p:clrMapOvr>
-    <a:masterClrMapping/>
-  </p:clrMapOvr>
-  <p:timing>
-    <p:tnLst>
-      <p:par>
-        <p:cTn id="1" dur="indefinite" restart="never" nodeType="tmRoot"/>
-      </p:par>
-    </p:tnLst>
-  </p:timing>
-</p:sld>
-</file>
-
-<file path=ppt/slides/slide8.xml><?xml version="1.0" encoding="utf-8"?>
-<p:sld xmlns:a="http://schemas.openxmlformats.org/drawingml/2006/main" xmlns:r="http://schemas.openxmlformats.org/officeDocument/2006/relationships" xmlns:p="http://schemas.openxmlformats.org/presentationml/2006/main">
-  <p:cSld>
-    <p:spTree>
-      <p:nvGrpSpPr>
-        <p:cNvPr id="1" name=""/>
-        <p:cNvGrpSpPr/>
-        <p:nvPr/>
-      </p:nvGrpSpPr>
-      <p:grpSpPr>
-        <a:xfrm>
-          <a:off x="0" y="0"/>
-          <a:ext cx="0" cy="0"/>
-          <a:chOff x="0" y="0"/>
-          <a:chExt cx="0" cy="0"/>
-        </a:xfrm>
-      </p:grpSpPr>
-      <p:sp>
-        <p:nvSpPr>
-          <p:cNvPr id="2" name="Title 1"/>
-          <p:cNvSpPr>
-            <a:spLocks noGrp="1"/>
-          </p:cNvSpPr>
-          <p:nvPr>
-            <p:ph type="title"/>
-          </p:nvPr>
-        </p:nvSpPr>
-        <p:spPr/>
-        <p:txBody>
-          <a:bodyPr>
-            <a:normAutofit/>
-          </a:bodyPr>
-          <a:lstStyle/>
-          <a:p>
-            <a:r>
-              <a:rPr lang="en-US" dirty="0"/>
-              <a:t>Check </a:t>
-            </a:r>
-            <a:r>
-              <a:rPr lang="en-US" dirty="0" smtClean="0"/>
-              <a:t>status</a:t>
-            </a:r>
-            <a:endParaRPr lang="en-SG" dirty="0"/>
-          </a:p>
-        </p:txBody>
-      </p:sp>
-      <p:sp>
-        <p:nvSpPr>
-          <p:cNvPr id="4" name="Rectangle 3"/>
-          <p:cNvSpPr/>
-          <p:nvPr/>
-        </p:nvSpPr>
-        <p:spPr>
-          <a:xfrm>
-            <a:off x="539552" y="3672734"/>
-            <a:ext cx="1656184" cy="504056"/>
-          </a:xfrm>
-          <a:prstGeom prst="rect">
-            <a:avLst/>
-          </a:prstGeom>
-        </p:spPr>
-        <p:style>
-          <a:lnRef idx="2">
-            <a:schemeClr val="dk1">
-              <a:shade val="50000"/>
-            </a:schemeClr>
-          </a:lnRef>
-          <a:fillRef idx="1">
-            <a:schemeClr val="dk1"/>
-          </a:fillRef>
-          <a:effectRef idx="0">
-            <a:schemeClr val="dk1"/>
-          </a:effectRef>
-          <a:fontRef idx="minor">
-            <a:schemeClr val="lt1"/>
-          </a:fontRef>
-        </p:style>
-        <p:txBody>
-          <a:bodyPr rtlCol="0" anchor="ctr"/>
-          <a:lstStyle/>
-          <a:p>
-            <a:pPr algn="ctr"/>
-            <a:endParaRPr lang="en-SG" dirty="0"/>
-          </a:p>
-        </p:txBody>
-      </p:sp>
-      <p:sp>
-        <p:nvSpPr>
-          <p:cNvPr id="3" name="Content Placeholder 2"/>
-          <p:cNvSpPr>
-            <a:spLocks noGrp="1"/>
-          </p:cNvSpPr>
-          <p:nvPr>
-            <p:ph idx="1"/>
-          </p:nvPr>
-        </p:nvSpPr>
-        <p:spPr/>
-        <p:txBody>
-          <a:bodyPr/>
-          <a:lstStyle/>
-          <a:p>
-            <a:pPr marL="0" indent="0">
-              <a:buNone/>
-            </a:pPr>
-            <a:r>
-              <a:rPr lang="en-US" dirty="0" smtClean="0"/>
-              <a:t>Checking the status of your project is very useful. You can see all the files that have changed and what files or folders have been added or removed. To do that, type</a:t>
-            </a:r>
-          </a:p>
-          <a:p>
-            <a:pPr marL="0" indent="0">
-              <a:buNone/>
-            </a:pPr>
-            <a:r>
-              <a:rPr lang="en-US" dirty="0" err="1" smtClean="0">
-                <a:solidFill>
-                  <a:srgbClr val="00B050"/>
-                </a:solidFill>
-              </a:rPr>
-              <a:t>git</a:t>
-            </a:r>
-            <a:r>
-              <a:rPr lang="en-US" dirty="0" smtClean="0">
-                <a:solidFill>
-                  <a:srgbClr val="00B050"/>
-                </a:solidFill>
-              </a:rPr>
-              <a:t> status</a:t>
-            </a:r>
-          </a:p>
-          <a:p>
-            <a:pPr marL="0" indent="0">
-              <a:buNone/>
-            </a:pPr>
-            <a:endParaRPr lang="en-SG" dirty="0">
-              <a:solidFill>
-                <a:srgbClr val="00B050"/>
-              </a:solidFill>
-            </a:endParaRPr>
+            <a:endParaRPr lang="en-SG"/>
           </a:p>
         </p:txBody>
       </p:sp>
@@ -5657,169 +3575,6 @@
   <p:clrMapOvr>
     <a:masterClrMapping/>
   </p:clrMapOvr>
-  <p:timing>
-    <p:tnLst>
-      <p:par>
-        <p:cTn id="1" dur="indefinite" restart="never" nodeType="tmRoot"/>
-      </p:par>
-    </p:tnLst>
-  </p:timing>
-</p:sld>
-</file>
-
-<file path=ppt/slides/slide9.xml><?xml version="1.0" encoding="utf-8"?>
-<p:sld xmlns:a="http://schemas.openxmlformats.org/drawingml/2006/main" xmlns:r="http://schemas.openxmlformats.org/officeDocument/2006/relationships" xmlns:p="http://schemas.openxmlformats.org/presentationml/2006/main">
-  <p:cSld>
-    <p:spTree>
-      <p:nvGrpSpPr>
-        <p:cNvPr id="1" name=""/>
-        <p:cNvGrpSpPr/>
-        <p:nvPr/>
-      </p:nvGrpSpPr>
-      <p:grpSpPr>
-        <a:xfrm>
-          <a:off x="0" y="0"/>
-          <a:ext cx="0" cy="0"/>
-          <a:chOff x="0" y="0"/>
-          <a:chExt cx="0" cy="0"/>
-        </a:xfrm>
-      </p:grpSpPr>
-      <p:sp>
-        <p:nvSpPr>
-          <p:cNvPr id="2" name="Title 1"/>
-          <p:cNvSpPr>
-            <a:spLocks noGrp="1"/>
-          </p:cNvSpPr>
-          <p:nvPr>
-            <p:ph type="title"/>
-          </p:nvPr>
-        </p:nvSpPr>
-        <p:spPr/>
-        <p:txBody>
-          <a:bodyPr>
-            <a:normAutofit fontScale="90000"/>
-          </a:bodyPr>
-          <a:lstStyle/>
-          <a:p>
-            <a:r>
-              <a:rPr lang="en-US" dirty="0"/>
-              <a:t>Check diff between 2 versions of the same </a:t>
-            </a:r>
-            <a:r>
-              <a:rPr lang="en-US" dirty="0" smtClean="0"/>
-              <a:t>file</a:t>
-            </a:r>
-            <a:endParaRPr lang="en-SG" dirty="0"/>
-          </a:p>
-        </p:txBody>
-      </p:sp>
-      <p:sp>
-        <p:nvSpPr>
-          <p:cNvPr id="3" name="Content Placeholder 2"/>
-          <p:cNvSpPr>
-            <a:spLocks noGrp="1"/>
-          </p:cNvSpPr>
-          <p:nvPr>
-            <p:ph idx="1"/>
-          </p:nvPr>
-        </p:nvSpPr>
-        <p:spPr/>
-        <p:txBody>
-          <a:bodyPr/>
-          <a:lstStyle/>
-          <a:p>
-            <a:pPr marL="0" indent="0">
-              <a:buNone/>
-            </a:pPr>
-            <a:r>
-              <a:rPr lang="en-US" dirty="0" smtClean="0"/>
-              <a:t>If you want to check the difference between 2 versions of the same file, type</a:t>
-            </a:r>
-          </a:p>
-          <a:p>
-            <a:pPr marL="0" indent="0">
-              <a:buNone/>
-            </a:pPr>
-            <a:r>
-              <a:rPr lang="en-US" dirty="0" err="1" smtClean="0"/>
-              <a:t>git</a:t>
-            </a:r>
-            <a:r>
-              <a:rPr lang="en-US" dirty="0" smtClean="0"/>
-              <a:t> diff --cached</a:t>
-            </a:r>
-          </a:p>
-          <a:p>
-            <a:pPr marL="0" indent="0">
-              <a:buNone/>
-            </a:pPr>
-            <a:endParaRPr lang="en-US" dirty="0" smtClean="0"/>
-          </a:p>
-          <a:p>
-            <a:pPr marL="0" indent="0">
-              <a:buNone/>
-            </a:pPr>
-            <a:endParaRPr lang="en-SG" dirty="0"/>
-          </a:p>
-        </p:txBody>
-      </p:sp>
-      <p:sp>
-        <p:nvSpPr>
-          <p:cNvPr id="4" name="Rectangle 3"/>
-          <p:cNvSpPr/>
-          <p:nvPr/>
-        </p:nvSpPr>
-        <p:spPr>
-          <a:xfrm>
-            <a:off x="422469" y="1268760"/>
-            <a:ext cx="2694028" cy="504056"/>
-          </a:xfrm>
-          <a:prstGeom prst="rect">
-            <a:avLst/>
-          </a:prstGeom>
-        </p:spPr>
-        <p:style>
-          <a:lnRef idx="2">
-            <a:schemeClr val="dk1">
-              <a:shade val="50000"/>
-            </a:schemeClr>
-          </a:lnRef>
-          <a:fillRef idx="1">
-            <a:schemeClr val="dk1"/>
-          </a:fillRef>
-          <a:effectRef idx="0">
-            <a:schemeClr val="dk1"/>
-          </a:effectRef>
-          <a:fontRef idx="minor">
-            <a:schemeClr val="lt1"/>
-          </a:fontRef>
-        </p:style>
-        <p:txBody>
-          <a:bodyPr rtlCol="0" anchor="ctr"/>
-          <a:lstStyle/>
-          <a:p>
-            <a:pPr algn="ctr"/>
-            <a:endParaRPr lang="en-SG" dirty="0"/>
-          </a:p>
-        </p:txBody>
-      </p:sp>
-    </p:spTree>
-    <p:extLst>
-      <p:ext uri="{BB962C8B-B14F-4D97-AF65-F5344CB8AC3E}">
-        <p14:creationId xmlns:p14="http://schemas.microsoft.com/office/powerpoint/2010/main" val="3189587388"/>
-      </p:ext>
-    </p:extLst>
-  </p:cSld>
-  <p:clrMapOvr>
-    <a:masterClrMapping/>
-  </p:clrMapOvr>
-  <p:timing>
-    <p:tnLst>
-      <p:par>
-        <p:cTn id="1" dur="indefinite" restart="never" nodeType="tmRoot"/>
-      </p:par>
-    </p:tnLst>
-  </p:timing>
 </p:sld>
 </file>
 

--- a/Github Commands.pptx
+++ b/Github Commands.pptx
@@ -6,11 +6,10 @@
   </p:sldMasterIdLst>
   <p:sldIdLst>
     <p:sldId id="256" r:id="rId2"/>
-    <p:sldId id="257" r:id="rId3"/>
-    <p:sldId id="258" r:id="rId4"/>
-    <p:sldId id="259" r:id="rId5"/>
-    <p:sldId id="260" r:id="rId6"/>
-    <p:sldId id="261" r:id="rId7"/>
+    <p:sldId id="258" r:id="rId3"/>
+    <p:sldId id="259" r:id="rId4"/>
+    <p:sldId id="260" r:id="rId5"/>
+    <p:sldId id="261" r:id="rId6"/>
   </p:sldIdLst>
   <p:sldSz cx="9144000" cy="6858000" type="screen4x3"/>
   <p:notesSz cx="6858000" cy="9144000"/>
@@ -293,7 +292,7 @@
           <a:p>
             <a:fld id="{8839E6B8-AE44-4E4D-B3CE-5639A35B70C6}" type="datetimeFigureOut">
               <a:rPr lang="en-SG" smtClean="0"/>
-              <a:t>28/3/2013</a:t>
+              <a:t>1/4/2013</a:t>
             </a:fld>
             <a:endParaRPr lang="en-SG"/>
           </a:p>
@@ -463,7 +462,7 @@
           <a:p>
             <a:fld id="{8839E6B8-AE44-4E4D-B3CE-5639A35B70C6}" type="datetimeFigureOut">
               <a:rPr lang="en-SG" smtClean="0"/>
-              <a:t>28/3/2013</a:t>
+              <a:t>1/4/2013</a:t>
             </a:fld>
             <a:endParaRPr lang="en-SG"/>
           </a:p>
@@ -643,7 +642,7 @@
           <a:p>
             <a:fld id="{8839E6B8-AE44-4E4D-B3CE-5639A35B70C6}" type="datetimeFigureOut">
               <a:rPr lang="en-SG" smtClean="0"/>
-              <a:t>28/3/2013</a:t>
+              <a:t>1/4/2013</a:t>
             </a:fld>
             <a:endParaRPr lang="en-SG"/>
           </a:p>
@@ -813,7 +812,7 @@
           <a:p>
             <a:fld id="{8839E6B8-AE44-4E4D-B3CE-5639A35B70C6}" type="datetimeFigureOut">
               <a:rPr lang="en-SG" smtClean="0"/>
-              <a:t>28/3/2013</a:t>
+              <a:t>1/4/2013</a:t>
             </a:fld>
             <a:endParaRPr lang="en-SG"/>
           </a:p>
@@ -1059,7 +1058,7 @@
           <a:p>
             <a:fld id="{8839E6B8-AE44-4E4D-B3CE-5639A35B70C6}" type="datetimeFigureOut">
               <a:rPr lang="en-SG" smtClean="0"/>
-              <a:t>28/3/2013</a:t>
+              <a:t>1/4/2013</a:t>
             </a:fld>
             <a:endParaRPr lang="en-SG"/>
           </a:p>
@@ -1347,7 +1346,7 @@
           <a:p>
             <a:fld id="{8839E6B8-AE44-4E4D-B3CE-5639A35B70C6}" type="datetimeFigureOut">
               <a:rPr lang="en-SG" smtClean="0"/>
-              <a:t>28/3/2013</a:t>
+              <a:t>1/4/2013</a:t>
             </a:fld>
             <a:endParaRPr lang="en-SG"/>
           </a:p>
@@ -1769,7 +1768,7 @@
           <a:p>
             <a:fld id="{8839E6B8-AE44-4E4D-B3CE-5639A35B70C6}" type="datetimeFigureOut">
               <a:rPr lang="en-SG" smtClean="0"/>
-              <a:t>28/3/2013</a:t>
+              <a:t>1/4/2013</a:t>
             </a:fld>
             <a:endParaRPr lang="en-SG"/>
           </a:p>
@@ -1887,7 +1886,7 @@
           <a:p>
             <a:fld id="{8839E6B8-AE44-4E4D-B3CE-5639A35B70C6}" type="datetimeFigureOut">
               <a:rPr lang="en-SG" smtClean="0"/>
-              <a:t>28/3/2013</a:t>
+              <a:t>1/4/2013</a:t>
             </a:fld>
             <a:endParaRPr lang="en-SG"/>
           </a:p>
@@ -1982,7 +1981,7 @@
           <a:p>
             <a:fld id="{8839E6B8-AE44-4E4D-B3CE-5639A35B70C6}" type="datetimeFigureOut">
               <a:rPr lang="en-SG" smtClean="0"/>
-              <a:t>28/3/2013</a:t>
+              <a:t>1/4/2013</a:t>
             </a:fld>
             <a:endParaRPr lang="en-SG"/>
           </a:p>
@@ -2259,7 +2258,7 @@
           <a:p>
             <a:fld id="{8839E6B8-AE44-4E4D-B3CE-5639A35B70C6}" type="datetimeFigureOut">
               <a:rPr lang="en-SG" smtClean="0"/>
-              <a:t>28/3/2013</a:t>
+              <a:t>1/4/2013</a:t>
             </a:fld>
             <a:endParaRPr lang="en-SG"/>
           </a:p>
@@ -2512,7 +2511,7 @@
           <a:p>
             <a:fld id="{8839E6B8-AE44-4E4D-B3CE-5639A35B70C6}" type="datetimeFigureOut">
               <a:rPr lang="en-SG" smtClean="0"/>
-              <a:t>28/3/2013</a:t>
+              <a:t>1/4/2013</a:t>
             </a:fld>
             <a:endParaRPr lang="en-SG"/>
           </a:p>
@@ -2725,7 +2724,7 @@
           <a:p>
             <a:fld id="{8839E6B8-AE44-4E4D-B3CE-5639A35B70C6}" type="datetimeFigureOut">
               <a:rPr lang="en-SG" smtClean="0"/>
-              <a:t>28/3/2013</a:t>
+              <a:t>1/4/2013</a:t>
             </a:fld>
             <a:endParaRPr lang="en-SG"/>
           </a:p>
@@ -3116,12 +3115,8 @@
           <a:lstStyle/>
           <a:p>
             <a:r>
-              <a:rPr lang="en-US" dirty="0" smtClean="0"/>
-              <a:t>Native </a:t>
-            </a:r>
-            <a:r>
               <a:rPr lang="en-US" dirty="0" err="1" smtClean="0"/>
-              <a:t>Git</a:t>
+              <a:t>Github</a:t>
             </a:r>
             <a:r>
               <a:rPr lang="en-US" dirty="0" smtClean="0"/>
@@ -3148,11 +3143,15 @@
           <a:p>
             <a:r>
               <a:rPr lang="en-US" dirty="0" smtClean="0"/>
-              <a:t>Commands you can use in </a:t>
+              <a:t>Stuff you can do with the </a:t>
             </a:r>
             <a:r>
               <a:rPr lang="en-US" dirty="0" err="1" smtClean="0"/>
-              <a:t>GitBash</a:t>
+              <a:t>github</a:t>
+            </a:r>
+            <a:r>
+              <a:rPr lang="en-US" dirty="0" smtClean="0"/>
+              <a:t> app</a:t>
             </a:r>
             <a:endParaRPr lang="en-SG" dirty="0"/>
           </a:p>
@@ -3203,7 +3202,7 @@
           <a:bodyPr/>
           <a:lstStyle/>
           <a:p>
-            <a:endParaRPr lang="en-SG" dirty="0"/>
+            <a:endParaRPr lang="en-SG"/>
           </a:p>
         </p:txBody>
       </p:sp>
@@ -3219,84 +3218,17 @@
         </p:nvSpPr>
         <p:spPr/>
         <p:txBody>
-          <a:bodyPr>
-            <a:normAutofit fontScale="85000" lnSpcReduction="20000"/>
-          </a:bodyPr>
-          <a:lstStyle/>
-          <a:p>
-            <a:r>
-              <a:rPr lang="en-US" dirty="0" smtClean="0"/>
-              <a:t>Place new file into local repo</a:t>
-            </a:r>
-          </a:p>
-          <a:p>
-            <a:r>
-              <a:rPr lang="en-US" dirty="0" smtClean="0"/>
-              <a:t>Commit changes</a:t>
-            </a:r>
-          </a:p>
-          <a:p>
-            <a:r>
-              <a:rPr lang="en-US" dirty="0" smtClean="0"/>
-              <a:t>Push</a:t>
-            </a:r>
-          </a:p>
-          <a:p>
-            <a:r>
-              <a:rPr lang="en-US" dirty="0" smtClean="0"/>
-              <a:t>Pull</a:t>
-            </a:r>
-          </a:p>
-          <a:p>
-            <a:r>
-              <a:rPr lang="en-US" dirty="0" smtClean="0"/>
-              <a:t>Remove file from local repo</a:t>
-            </a:r>
-          </a:p>
-          <a:p>
-            <a:r>
-              <a:rPr lang="en-US" dirty="0" smtClean="0"/>
-              <a:t>Rollback</a:t>
-            </a:r>
-          </a:p>
-          <a:p>
-            <a:r>
-              <a:rPr lang="en-US" dirty="0" smtClean="0"/>
-              <a:t>Check status</a:t>
-            </a:r>
-          </a:p>
-          <a:p>
-            <a:r>
-              <a:rPr lang="en-US" dirty="0" smtClean="0"/>
-              <a:t>Revert</a:t>
-            </a:r>
-          </a:p>
-          <a:p>
-            <a:r>
-              <a:rPr lang="en-US" dirty="0" smtClean="0"/>
-              <a:t>Clone Repo</a:t>
-            </a:r>
-          </a:p>
-          <a:p>
-            <a:r>
-              <a:rPr lang="en-US" dirty="0" smtClean="0"/>
-              <a:t>Check diff between 2 versions of </a:t>
-            </a:r>
-            <a:r>
-              <a:rPr lang="en-US" smtClean="0"/>
-              <a:t>the same file</a:t>
-            </a:r>
-            <a:endParaRPr lang="en-US" dirty="0" smtClean="0"/>
-          </a:p>
-          <a:p>
-            <a:endParaRPr lang="en-SG" dirty="0"/>
+          <a:bodyPr/>
+          <a:lstStyle/>
+          <a:p>
+            <a:endParaRPr lang="en-SG"/>
           </a:p>
         </p:txBody>
       </p:sp>
     </p:spTree>
     <p:extLst>
       <p:ext uri="{BB962C8B-B14F-4D97-AF65-F5344CB8AC3E}">
-        <p14:creationId xmlns:p14="http://schemas.microsoft.com/office/powerpoint/2010/main" val="1290775316"/>
+        <p14:creationId xmlns:p14="http://schemas.microsoft.com/office/powerpoint/2010/main" val="1409658802"/>
       </p:ext>
     </p:extLst>
   </p:cSld>
@@ -3364,7 +3296,7 @@
     </p:spTree>
     <p:extLst>
       <p:ext uri="{BB962C8B-B14F-4D97-AF65-F5344CB8AC3E}">
-        <p14:creationId xmlns:p14="http://schemas.microsoft.com/office/powerpoint/2010/main" val="1409658802"/>
+        <p14:creationId xmlns:p14="http://schemas.microsoft.com/office/powerpoint/2010/main" val="485328335"/>
       </p:ext>
     </p:extLst>
   </p:cSld>
@@ -3432,7 +3364,7 @@
     </p:spTree>
     <p:extLst>
       <p:ext uri="{BB962C8B-B14F-4D97-AF65-F5344CB8AC3E}">
-        <p14:creationId xmlns:p14="http://schemas.microsoft.com/office/powerpoint/2010/main" val="485328335"/>
+        <p14:creationId xmlns:p14="http://schemas.microsoft.com/office/powerpoint/2010/main" val="3306183281"/>
       </p:ext>
     </p:extLst>
   </p:cSld>
@@ -3443,74 +3375,6 @@
 </file>
 
 <file path=ppt/slides/slide5.xml><?xml version="1.0" encoding="utf-8"?>
-<p:sld xmlns:a="http://schemas.openxmlformats.org/drawingml/2006/main" xmlns:r="http://schemas.openxmlformats.org/officeDocument/2006/relationships" xmlns:p="http://schemas.openxmlformats.org/presentationml/2006/main">
-  <p:cSld>
-    <p:spTree>
-      <p:nvGrpSpPr>
-        <p:cNvPr id="1" name=""/>
-        <p:cNvGrpSpPr/>
-        <p:nvPr/>
-      </p:nvGrpSpPr>
-      <p:grpSpPr>
-        <a:xfrm>
-          <a:off x="0" y="0"/>
-          <a:ext cx="0" cy="0"/>
-          <a:chOff x="0" y="0"/>
-          <a:chExt cx="0" cy="0"/>
-        </a:xfrm>
-      </p:grpSpPr>
-      <p:sp>
-        <p:nvSpPr>
-          <p:cNvPr id="2" name="Title 1"/>
-          <p:cNvSpPr>
-            <a:spLocks noGrp="1"/>
-          </p:cNvSpPr>
-          <p:nvPr>
-            <p:ph type="title"/>
-          </p:nvPr>
-        </p:nvSpPr>
-        <p:spPr/>
-        <p:txBody>
-          <a:bodyPr/>
-          <a:lstStyle/>
-          <a:p>
-            <a:endParaRPr lang="en-SG"/>
-          </a:p>
-        </p:txBody>
-      </p:sp>
-      <p:sp>
-        <p:nvSpPr>
-          <p:cNvPr id="3" name="Content Placeholder 2"/>
-          <p:cNvSpPr>
-            <a:spLocks noGrp="1"/>
-          </p:cNvSpPr>
-          <p:nvPr>
-            <p:ph idx="1"/>
-          </p:nvPr>
-        </p:nvSpPr>
-        <p:spPr/>
-        <p:txBody>
-          <a:bodyPr/>
-          <a:lstStyle/>
-          <a:p>
-            <a:endParaRPr lang="en-SG"/>
-          </a:p>
-        </p:txBody>
-      </p:sp>
-    </p:spTree>
-    <p:extLst>
-      <p:ext uri="{BB962C8B-B14F-4D97-AF65-F5344CB8AC3E}">
-        <p14:creationId xmlns:p14="http://schemas.microsoft.com/office/powerpoint/2010/main" val="3306183281"/>
-      </p:ext>
-    </p:extLst>
-  </p:cSld>
-  <p:clrMapOvr>
-    <a:masterClrMapping/>
-  </p:clrMapOvr>
-</p:sld>
-</file>
-
-<file path=ppt/slides/slide6.xml><?xml version="1.0" encoding="utf-8"?>
 <p:sld xmlns:a="http://schemas.openxmlformats.org/drawingml/2006/main" xmlns:r="http://schemas.openxmlformats.org/officeDocument/2006/relationships" xmlns:p="http://schemas.openxmlformats.org/presentationml/2006/main">
   <p:cSld>
     <p:spTree>

--- a/Github Commands.pptx
+++ b/Github Commands.pptx
@@ -6,10 +6,38 @@
   </p:sldMasterIdLst>
   <p:sldIdLst>
     <p:sldId id="256" r:id="rId2"/>
-    <p:sldId id="258" r:id="rId3"/>
-    <p:sldId id="259" r:id="rId4"/>
-    <p:sldId id="260" r:id="rId5"/>
-    <p:sldId id="261" r:id="rId6"/>
+    <p:sldId id="262" r:id="rId3"/>
+    <p:sldId id="263" r:id="rId4"/>
+    <p:sldId id="264" r:id="rId5"/>
+    <p:sldId id="265" r:id="rId6"/>
+    <p:sldId id="266" r:id="rId7"/>
+    <p:sldId id="267" r:id="rId8"/>
+    <p:sldId id="268" r:id="rId9"/>
+    <p:sldId id="269" r:id="rId10"/>
+    <p:sldId id="270" r:id="rId11"/>
+    <p:sldId id="271" r:id="rId12"/>
+    <p:sldId id="272" r:id="rId13"/>
+    <p:sldId id="273" r:id="rId14"/>
+    <p:sldId id="274" r:id="rId15"/>
+    <p:sldId id="275" r:id="rId16"/>
+    <p:sldId id="276" r:id="rId17"/>
+    <p:sldId id="277" r:id="rId18"/>
+    <p:sldId id="278" r:id="rId19"/>
+    <p:sldId id="279" r:id="rId20"/>
+    <p:sldId id="280" r:id="rId21"/>
+    <p:sldId id="281" r:id="rId22"/>
+    <p:sldId id="282" r:id="rId23"/>
+    <p:sldId id="283" r:id="rId24"/>
+    <p:sldId id="284" r:id="rId25"/>
+    <p:sldId id="285" r:id="rId26"/>
+    <p:sldId id="286" r:id="rId27"/>
+    <p:sldId id="287" r:id="rId28"/>
+    <p:sldId id="288" r:id="rId29"/>
+    <p:sldId id="289" r:id="rId30"/>
+    <p:sldId id="290" r:id="rId31"/>
+    <p:sldId id="291" r:id="rId32"/>
+    <p:sldId id="292" r:id="rId33"/>
+    <p:sldId id="293" r:id="rId34"/>
   </p:sldIdLst>
   <p:sldSz cx="9144000" cy="6858000" type="screen4x3"/>
   <p:notesSz cx="6858000" cy="9144000"/>
@@ -292,7 +320,7 @@
           <a:p>
             <a:fld id="{8839E6B8-AE44-4E4D-B3CE-5639A35B70C6}" type="datetimeFigureOut">
               <a:rPr lang="en-SG" smtClean="0"/>
-              <a:t>1/4/2013</a:t>
+              <a:t>4/4/2013</a:t>
             </a:fld>
             <a:endParaRPr lang="en-SG"/>
           </a:p>
@@ -462,7 +490,7 @@
           <a:p>
             <a:fld id="{8839E6B8-AE44-4E4D-B3CE-5639A35B70C6}" type="datetimeFigureOut">
               <a:rPr lang="en-SG" smtClean="0"/>
-              <a:t>1/4/2013</a:t>
+              <a:t>4/4/2013</a:t>
             </a:fld>
             <a:endParaRPr lang="en-SG"/>
           </a:p>
@@ -642,7 +670,7 @@
           <a:p>
             <a:fld id="{8839E6B8-AE44-4E4D-B3CE-5639A35B70C6}" type="datetimeFigureOut">
               <a:rPr lang="en-SG" smtClean="0"/>
-              <a:t>1/4/2013</a:t>
+              <a:t>4/4/2013</a:t>
             </a:fld>
             <a:endParaRPr lang="en-SG"/>
           </a:p>
@@ -812,7 +840,7 @@
           <a:p>
             <a:fld id="{8839E6B8-AE44-4E4D-B3CE-5639A35B70C6}" type="datetimeFigureOut">
               <a:rPr lang="en-SG" smtClean="0"/>
-              <a:t>1/4/2013</a:t>
+              <a:t>4/4/2013</a:t>
             </a:fld>
             <a:endParaRPr lang="en-SG"/>
           </a:p>
@@ -1058,7 +1086,7 @@
           <a:p>
             <a:fld id="{8839E6B8-AE44-4E4D-B3CE-5639A35B70C6}" type="datetimeFigureOut">
               <a:rPr lang="en-SG" smtClean="0"/>
-              <a:t>1/4/2013</a:t>
+              <a:t>4/4/2013</a:t>
             </a:fld>
             <a:endParaRPr lang="en-SG"/>
           </a:p>
@@ -1346,7 +1374,7 @@
           <a:p>
             <a:fld id="{8839E6B8-AE44-4E4D-B3CE-5639A35B70C6}" type="datetimeFigureOut">
               <a:rPr lang="en-SG" smtClean="0"/>
-              <a:t>1/4/2013</a:t>
+              <a:t>4/4/2013</a:t>
             </a:fld>
             <a:endParaRPr lang="en-SG"/>
           </a:p>
@@ -1768,7 +1796,7 @@
           <a:p>
             <a:fld id="{8839E6B8-AE44-4E4D-B3CE-5639A35B70C6}" type="datetimeFigureOut">
               <a:rPr lang="en-SG" smtClean="0"/>
-              <a:t>1/4/2013</a:t>
+              <a:t>4/4/2013</a:t>
             </a:fld>
             <a:endParaRPr lang="en-SG"/>
           </a:p>
@@ -1886,7 +1914,7 @@
           <a:p>
             <a:fld id="{8839E6B8-AE44-4E4D-B3CE-5639A35B70C6}" type="datetimeFigureOut">
               <a:rPr lang="en-SG" smtClean="0"/>
-              <a:t>1/4/2013</a:t>
+              <a:t>4/4/2013</a:t>
             </a:fld>
             <a:endParaRPr lang="en-SG"/>
           </a:p>
@@ -1981,7 +2009,7 @@
           <a:p>
             <a:fld id="{8839E6B8-AE44-4E4D-B3CE-5639A35B70C6}" type="datetimeFigureOut">
               <a:rPr lang="en-SG" smtClean="0"/>
-              <a:t>1/4/2013</a:t>
+              <a:t>4/4/2013</a:t>
             </a:fld>
             <a:endParaRPr lang="en-SG"/>
           </a:p>
@@ -2258,7 +2286,7 @@
           <a:p>
             <a:fld id="{8839E6B8-AE44-4E4D-B3CE-5639A35B70C6}" type="datetimeFigureOut">
               <a:rPr lang="en-SG" smtClean="0"/>
-              <a:t>1/4/2013</a:t>
+              <a:t>4/4/2013</a:t>
             </a:fld>
             <a:endParaRPr lang="en-SG"/>
           </a:p>
@@ -2511,7 +2539,7 @@
           <a:p>
             <a:fld id="{8839E6B8-AE44-4E4D-B3CE-5639A35B70C6}" type="datetimeFigureOut">
               <a:rPr lang="en-SG" smtClean="0"/>
-              <a:t>1/4/2013</a:t>
+              <a:t>4/4/2013</a:t>
             </a:fld>
             <a:endParaRPr lang="en-SG"/>
           </a:p>
@@ -2724,7 +2752,7 @@
           <a:p>
             <a:fld id="{8839E6B8-AE44-4E4D-B3CE-5639A35B70C6}" type="datetimeFigureOut">
               <a:rPr lang="en-SG" smtClean="0"/>
-              <a:t>1/4/2013</a:t>
+              <a:t>4/4/2013</a:t>
             </a:fld>
             <a:endParaRPr lang="en-SG"/>
           </a:p>
@@ -3170,6 +3198,1585 @@
 </p:sld>
 </file>
 
+<file path=ppt/slides/slide10.xml><?xml version="1.0" encoding="utf-8"?>
+<p:sld xmlns:a="http://schemas.openxmlformats.org/drawingml/2006/main" xmlns:r="http://schemas.openxmlformats.org/officeDocument/2006/relationships" xmlns:p="http://schemas.openxmlformats.org/presentationml/2006/main">
+  <p:cSld>
+    <p:spTree>
+      <p:nvGrpSpPr>
+        <p:cNvPr id="1" name=""/>
+        <p:cNvGrpSpPr/>
+        <p:nvPr/>
+      </p:nvGrpSpPr>
+      <p:grpSpPr>
+        <a:xfrm>
+          <a:off x="0" y="0"/>
+          <a:ext cx="0" cy="0"/>
+          <a:chOff x="0" y="0"/>
+          <a:chExt cx="0" cy="0"/>
+        </a:xfrm>
+      </p:grpSpPr>
+      <p:sp>
+        <p:nvSpPr>
+          <p:cNvPr id="2" name="Title 1"/>
+          <p:cNvSpPr>
+            <a:spLocks noGrp="1"/>
+          </p:cNvSpPr>
+          <p:nvPr>
+            <p:ph type="title"/>
+          </p:nvPr>
+        </p:nvSpPr>
+        <p:spPr>
+          <a:xfrm>
+            <a:off x="457200" y="17058"/>
+            <a:ext cx="8229600" cy="1143000"/>
+          </a:xfrm>
+        </p:spPr>
+        <p:txBody>
+          <a:bodyPr/>
+          <a:lstStyle/>
+          <a:p>
+            <a:r>
+              <a:rPr lang="en-US" dirty="0" smtClean="0"/>
+              <a:t>Viewing your repo status</a:t>
+            </a:r>
+            <a:endParaRPr lang="en-SG" dirty="0"/>
+          </a:p>
+        </p:txBody>
+      </p:sp>
+      <p:pic>
+        <p:nvPicPr>
+          <p:cNvPr id="4" name="Picture 3"/>
+          <p:cNvPicPr/>
+          <p:nvPr/>
+        </p:nvPicPr>
+        <p:blipFill>
+          <a:blip r:embed="rId2"/>
+          <a:stretch>
+            <a:fillRect/>
+          </a:stretch>
+        </p:blipFill>
+        <p:spPr>
+          <a:xfrm>
+            <a:off x="799564" y="1143000"/>
+            <a:ext cx="7772400" cy="5460642"/>
+          </a:xfrm>
+          <a:prstGeom prst="rect">
+            <a:avLst/>
+          </a:prstGeom>
+          <a:ln>
+            <a:noFill/>
+          </a:ln>
+          <a:effectLst>
+            <a:outerShdw blurRad="292100" dist="139700" dir="2700000" algn="tl" rotWithShape="0">
+              <a:srgbClr val="333333">
+                <a:alpha val="65000"/>
+              </a:srgbClr>
+            </a:outerShdw>
+          </a:effectLst>
+        </p:spPr>
+      </p:pic>
+      <p:sp>
+        <p:nvSpPr>
+          <p:cNvPr id="5" name="TextBox 4"/>
+          <p:cNvSpPr txBox="1"/>
+          <p:nvPr/>
+        </p:nvSpPr>
+        <p:spPr>
+          <a:xfrm>
+            <a:off x="1675864" y="4953000"/>
+            <a:ext cx="6019800" cy="646331"/>
+          </a:xfrm>
+          <a:prstGeom prst="rect">
+            <a:avLst/>
+          </a:prstGeom>
+          <a:noFill/>
+        </p:spPr>
+        <p:txBody>
+          <a:bodyPr wrap="square" rtlCol="0">
+            <a:spAutoFit/>
+          </a:bodyPr>
+          <a:lstStyle/>
+          <a:p>
+            <a:r>
+              <a:rPr lang="en-US" dirty="0" smtClean="0"/>
+              <a:t>After using your repo for quite some time and making some commits. It should look something like this screenshot.</a:t>
+            </a:r>
+            <a:endParaRPr lang="en-SG" dirty="0"/>
+          </a:p>
+        </p:txBody>
+      </p:sp>
+    </p:spTree>
+    <p:extLst>
+      <p:ext uri="{BB962C8B-B14F-4D97-AF65-F5344CB8AC3E}">
+        <p14:creationId xmlns:p14="http://schemas.microsoft.com/office/powerpoint/2010/main" val="780073545"/>
+      </p:ext>
+    </p:extLst>
+  </p:cSld>
+  <p:clrMapOvr>
+    <a:masterClrMapping/>
+  </p:clrMapOvr>
+</p:sld>
+</file>
+
+<file path=ppt/slides/slide11.xml><?xml version="1.0" encoding="utf-8"?>
+<p:sld xmlns:a="http://schemas.openxmlformats.org/drawingml/2006/main" xmlns:r="http://schemas.openxmlformats.org/officeDocument/2006/relationships" xmlns:p="http://schemas.openxmlformats.org/presentationml/2006/main">
+  <p:cSld>
+    <p:spTree>
+      <p:nvGrpSpPr>
+        <p:cNvPr id="1" name=""/>
+        <p:cNvGrpSpPr/>
+        <p:nvPr/>
+      </p:nvGrpSpPr>
+      <p:grpSpPr>
+        <a:xfrm>
+          <a:off x="0" y="0"/>
+          <a:ext cx="0" cy="0"/>
+          <a:chOff x="0" y="0"/>
+          <a:chExt cx="0" cy="0"/>
+        </a:xfrm>
+      </p:grpSpPr>
+      <p:sp>
+        <p:nvSpPr>
+          <p:cNvPr id="2" name="Title 1"/>
+          <p:cNvSpPr>
+            <a:spLocks noGrp="1"/>
+          </p:cNvSpPr>
+          <p:nvPr>
+            <p:ph type="title"/>
+          </p:nvPr>
+        </p:nvSpPr>
+        <p:spPr>
+          <a:xfrm>
+            <a:off x="457200" y="17058"/>
+            <a:ext cx="8229600" cy="1143000"/>
+          </a:xfrm>
+        </p:spPr>
+        <p:txBody>
+          <a:bodyPr/>
+          <a:lstStyle/>
+          <a:p>
+            <a:r>
+              <a:rPr lang="en-US" dirty="0" smtClean="0"/>
+              <a:t>Committing your changes</a:t>
+            </a:r>
+            <a:endParaRPr lang="en-SG" dirty="0"/>
+          </a:p>
+        </p:txBody>
+      </p:sp>
+      <p:pic>
+        <p:nvPicPr>
+          <p:cNvPr id="4" name="Picture 3"/>
+          <p:cNvPicPr/>
+          <p:nvPr/>
+        </p:nvPicPr>
+        <p:blipFill>
+          <a:blip r:embed="rId2"/>
+          <a:stretch>
+            <a:fillRect/>
+          </a:stretch>
+        </p:blipFill>
+        <p:spPr>
+          <a:xfrm>
+            <a:off x="533400" y="1371600"/>
+            <a:ext cx="8229600" cy="5334000"/>
+          </a:xfrm>
+          <a:prstGeom prst="rect">
+            <a:avLst/>
+          </a:prstGeom>
+          <a:ln>
+            <a:noFill/>
+          </a:ln>
+          <a:effectLst>
+            <a:outerShdw blurRad="292100" dist="139700" dir="2700000" algn="tl" rotWithShape="0">
+              <a:srgbClr val="333333">
+                <a:alpha val="65000"/>
+              </a:srgbClr>
+            </a:outerShdw>
+          </a:effectLst>
+        </p:spPr>
+      </p:pic>
+      <p:sp>
+        <p:nvSpPr>
+          <p:cNvPr id="5" name="TextBox 4"/>
+          <p:cNvSpPr txBox="1"/>
+          <p:nvPr/>
+        </p:nvSpPr>
+        <p:spPr>
+          <a:xfrm>
+            <a:off x="1096851" y="5410200"/>
+            <a:ext cx="7162800" cy="1200329"/>
+          </a:xfrm>
+          <a:prstGeom prst="rect">
+            <a:avLst/>
+          </a:prstGeom>
+          <a:noFill/>
+        </p:spPr>
+        <p:txBody>
+          <a:bodyPr wrap="square" rtlCol="0">
+            <a:spAutoFit/>
+          </a:bodyPr>
+          <a:lstStyle/>
+          <a:p>
+            <a:r>
+              <a:rPr lang="en-US" dirty="0" smtClean="0"/>
+              <a:t>Committing in </a:t>
+            </a:r>
+            <a:r>
+              <a:rPr lang="en-US" dirty="0" err="1" smtClean="0"/>
+              <a:t>Git</a:t>
+            </a:r>
+            <a:r>
+              <a:rPr lang="en-US" dirty="0" smtClean="0"/>
+              <a:t> is like telling </a:t>
+            </a:r>
+            <a:r>
+              <a:rPr lang="en-US" dirty="0" err="1" smtClean="0"/>
+              <a:t>Git</a:t>
+            </a:r>
+            <a:r>
+              <a:rPr lang="en-US" dirty="0" smtClean="0"/>
+              <a:t> to save this particular instance of the repo in time. It’s the same as saving your work document but the difference is </a:t>
+            </a:r>
+            <a:r>
+              <a:rPr lang="en-US" dirty="0" err="1" smtClean="0"/>
+              <a:t>git</a:t>
+            </a:r>
+            <a:r>
+              <a:rPr lang="en-US" dirty="0" smtClean="0"/>
+              <a:t> hub allows you to reference back to all the commits that you have made.</a:t>
+            </a:r>
+            <a:endParaRPr lang="en-SG" dirty="0"/>
+          </a:p>
+        </p:txBody>
+      </p:sp>
+      <p:sp>
+        <p:nvSpPr>
+          <p:cNvPr id="7" name="TextBox 6"/>
+          <p:cNvSpPr txBox="1"/>
+          <p:nvPr/>
+        </p:nvSpPr>
+        <p:spPr>
+          <a:xfrm>
+            <a:off x="546279" y="2971800"/>
+            <a:ext cx="2057400" cy="646331"/>
+          </a:xfrm>
+          <a:prstGeom prst="rect">
+            <a:avLst/>
+          </a:prstGeom>
+          <a:noFill/>
+        </p:spPr>
+        <p:txBody>
+          <a:bodyPr wrap="square" rtlCol="0">
+            <a:spAutoFit/>
+          </a:bodyPr>
+          <a:lstStyle/>
+          <a:p>
+            <a:r>
+              <a:rPr lang="en-US" dirty="0" smtClean="0"/>
+              <a:t>Check the files you wish to commit</a:t>
+            </a:r>
+            <a:endParaRPr lang="en-SG" dirty="0"/>
+          </a:p>
+        </p:txBody>
+      </p:sp>
+      <p:cxnSp>
+        <p:nvCxnSpPr>
+          <p:cNvPr id="9" name="Straight Arrow Connector 8"/>
+          <p:cNvCxnSpPr/>
+          <p:nvPr/>
+        </p:nvCxnSpPr>
+        <p:spPr>
+          <a:xfrm flipV="1">
+            <a:off x="990600" y="2667000"/>
+            <a:ext cx="0" cy="304800"/>
+          </a:xfrm>
+          <a:prstGeom prst="straightConnector1">
+            <a:avLst/>
+          </a:prstGeom>
+          <a:ln>
+            <a:tailEnd type="arrow"/>
+          </a:ln>
+        </p:spPr>
+        <p:style>
+          <a:lnRef idx="2">
+            <a:schemeClr val="dk1"/>
+          </a:lnRef>
+          <a:fillRef idx="0">
+            <a:schemeClr val="dk1"/>
+          </a:fillRef>
+          <a:effectRef idx="1">
+            <a:schemeClr val="dk1"/>
+          </a:effectRef>
+          <a:fontRef idx="minor">
+            <a:schemeClr val="tx1"/>
+          </a:fontRef>
+        </p:style>
+      </p:cxnSp>
+      <p:sp>
+        <p:nvSpPr>
+          <p:cNvPr id="10" name="TextBox 9"/>
+          <p:cNvSpPr txBox="1"/>
+          <p:nvPr/>
+        </p:nvSpPr>
+        <p:spPr>
+          <a:xfrm>
+            <a:off x="2895600" y="3048000"/>
+            <a:ext cx="2667000" cy="1200329"/>
+          </a:xfrm>
+          <a:prstGeom prst="rect">
+            <a:avLst/>
+          </a:prstGeom>
+          <a:noFill/>
+        </p:spPr>
+        <p:txBody>
+          <a:bodyPr wrap="square" rtlCol="0">
+            <a:spAutoFit/>
+          </a:bodyPr>
+          <a:lstStyle/>
+          <a:p>
+            <a:r>
+              <a:rPr lang="en-US" dirty="0" smtClean="0"/>
+              <a:t>First row indicates your commit message; second row indicates the description of the commit.</a:t>
+            </a:r>
+            <a:endParaRPr lang="en-SG" dirty="0"/>
+          </a:p>
+        </p:txBody>
+      </p:sp>
+      <p:cxnSp>
+        <p:nvCxnSpPr>
+          <p:cNvPr id="12" name="Straight Arrow Connector 11"/>
+          <p:cNvCxnSpPr/>
+          <p:nvPr/>
+        </p:nvCxnSpPr>
+        <p:spPr>
+          <a:xfrm flipV="1">
+            <a:off x="4876800" y="2667000"/>
+            <a:ext cx="762000" cy="381000"/>
+          </a:xfrm>
+          <a:prstGeom prst="straightConnector1">
+            <a:avLst/>
+          </a:prstGeom>
+          <a:ln>
+            <a:tailEnd type="arrow"/>
+          </a:ln>
+        </p:spPr>
+        <p:style>
+          <a:lnRef idx="2">
+            <a:schemeClr val="dk1"/>
+          </a:lnRef>
+          <a:fillRef idx="0">
+            <a:schemeClr val="dk1"/>
+          </a:fillRef>
+          <a:effectRef idx="1">
+            <a:schemeClr val="dk1"/>
+          </a:effectRef>
+          <a:fontRef idx="minor">
+            <a:schemeClr val="tx1"/>
+          </a:fontRef>
+        </p:style>
+      </p:cxnSp>
+      <p:sp>
+        <p:nvSpPr>
+          <p:cNvPr id="13" name="TextBox 12"/>
+          <p:cNvSpPr txBox="1"/>
+          <p:nvPr/>
+        </p:nvSpPr>
+        <p:spPr>
+          <a:xfrm>
+            <a:off x="5973651" y="4079383"/>
+            <a:ext cx="2286000" cy="923330"/>
+          </a:xfrm>
+          <a:prstGeom prst="rect">
+            <a:avLst/>
+          </a:prstGeom>
+          <a:noFill/>
+        </p:spPr>
+        <p:txBody>
+          <a:bodyPr wrap="square" rtlCol="0">
+            <a:spAutoFit/>
+          </a:bodyPr>
+          <a:lstStyle/>
+          <a:p>
+            <a:r>
+              <a:rPr lang="en-US" dirty="0" smtClean="0"/>
+              <a:t>Press this button when you are ready to commit your changes</a:t>
+            </a:r>
+            <a:endParaRPr lang="en-SG" dirty="0"/>
+          </a:p>
+        </p:txBody>
+      </p:sp>
+      <p:cxnSp>
+        <p:nvCxnSpPr>
+          <p:cNvPr id="15" name="Straight Arrow Connector 14"/>
+          <p:cNvCxnSpPr/>
+          <p:nvPr/>
+        </p:nvCxnSpPr>
+        <p:spPr>
+          <a:xfrm flipH="1" flipV="1">
+            <a:off x="6172200" y="3294965"/>
+            <a:ext cx="533400" cy="784418"/>
+          </a:xfrm>
+          <a:prstGeom prst="straightConnector1">
+            <a:avLst/>
+          </a:prstGeom>
+          <a:ln>
+            <a:tailEnd type="arrow"/>
+          </a:ln>
+        </p:spPr>
+        <p:style>
+          <a:lnRef idx="2">
+            <a:schemeClr val="dk1"/>
+          </a:lnRef>
+          <a:fillRef idx="0">
+            <a:schemeClr val="dk1"/>
+          </a:fillRef>
+          <a:effectRef idx="1">
+            <a:schemeClr val="dk1"/>
+          </a:effectRef>
+          <a:fontRef idx="minor">
+            <a:schemeClr val="tx1"/>
+          </a:fontRef>
+        </p:style>
+      </p:cxnSp>
+    </p:spTree>
+    <p:extLst>
+      <p:ext uri="{BB962C8B-B14F-4D97-AF65-F5344CB8AC3E}">
+        <p14:creationId xmlns:p14="http://schemas.microsoft.com/office/powerpoint/2010/main" val="2329433199"/>
+      </p:ext>
+    </p:extLst>
+  </p:cSld>
+  <p:clrMapOvr>
+    <a:masterClrMapping/>
+  </p:clrMapOvr>
+</p:sld>
+</file>
+
+<file path=ppt/slides/slide12.xml><?xml version="1.0" encoding="utf-8"?>
+<p:sld xmlns:a="http://schemas.openxmlformats.org/drawingml/2006/main" xmlns:r="http://schemas.openxmlformats.org/officeDocument/2006/relationships" xmlns:p="http://schemas.openxmlformats.org/presentationml/2006/main">
+  <p:cSld>
+    <p:spTree>
+      <p:nvGrpSpPr>
+        <p:cNvPr id="1" name=""/>
+        <p:cNvGrpSpPr/>
+        <p:nvPr/>
+      </p:nvGrpSpPr>
+      <p:grpSpPr>
+        <a:xfrm>
+          <a:off x="0" y="0"/>
+          <a:ext cx="0" cy="0"/>
+          <a:chOff x="0" y="0"/>
+          <a:chExt cx="0" cy="0"/>
+        </a:xfrm>
+      </p:grpSpPr>
+      <p:sp>
+        <p:nvSpPr>
+          <p:cNvPr id="2" name="Title 1"/>
+          <p:cNvSpPr>
+            <a:spLocks noGrp="1"/>
+          </p:cNvSpPr>
+          <p:nvPr>
+            <p:ph type="title"/>
+          </p:nvPr>
+        </p:nvSpPr>
+        <p:spPr>
+          <a:xfrm>
+            <a:off x="457200" y="17058"/>
+            <a:ext cx="8229600" cy="1143000"/>
+          </a:xfrm>
+        </p:spPr>
+        <p:txBody>
+          <a:bodyPr/>
+          <a:lstStyle/>
+          <a:p>
+            <a:r>
+              <a:rPr lang="en-US" dirty="0" smtClean="0"/>
+              <a:t>Committing your changes</a:t>
+            </a:r>
+            <a:endParaRPr lang="en-SG" dirty="0"/>
+          </a:p>
+        </p:txBody>
+      </p:sp>
+      <p:pic>
+        <p:nvPicPr>
+          <p:cNvPr id="4" name="Picture 3"/>
+          <p:cNvPicPr/>
+          <p:nvPr/>
+        </p:nvPicPr>
+        <p:blipFill>
+          <a:blip r:embed="rId2"/>
+          <a:stretch>
+            <a:fillRect/>
+          </a:stretch>
+        </p:blipFill>
+        <p:spPr>
+          <a:xfrm>
+            <a:off x="451834" y="1371600"/>
+            <a:ext cx="8311166" cy="5334000"/>
+          </a:xfrm>
+          <a:prstGeom prst="rect">
+            <a:avLst/>
+          </a:prstGeom>
+          <a:ln>
+            <a:noFill/>
+          </a:ln>
+          <a:effectLst>
+            <a:outerShdw blurRad="292100" dist="139700" dir="2700000" algn="tl" rotWithShape="0">
+              <a:srgbClr val="333333">
+                <a:alpha val="65000"/>
+              </a:srgbClr>
+            </a:outerShdw>
+          </a:effectLst>
+        </p:spPr>
+      </p:pic>
+      <p:sp>
+        <p:nvSpPr>
+          <p:cNvPr id="5" name="TextBox 4"/>
+          <p:cNvSpPr txBox="1"/>
+          <p:nvPr/>
+        </p:nvSpPr>
+        <p:spPr>
+          <a:xfrm>
+            <a:off x="1600200" y="5493079"/>
+            <a:ext cx="6251083" cy="369332"/>
+          </a:xfrm>
+          <a:prstGeom prst="rect">
+            <a:avLst/>
+          </a:prstGeom>
+          <a:noFill/>
+        </p:spPr>
+        <p:txBody>
+          <a:bodyPr wrap="square" rtlCol="0">
+            <a:spAutoFit/>
+          </a:bodyPr>
+          <a:lstStyle/>
+          <a:p>
+            <a:r>
+              <a:rPr lang="en-US" dirty="0" smtClean="0"/>
+              <a:t>After you commit you should see something like this screenshot.</a:t>
+            </a:r>
+            <a:endParaRPr lang="en-SG" dirty="0"/>
+          </a:p>
+        </p:txBody>
+      </p:sp>
+      <p:sp>
+        <p:nvSpPr>
+          <p:cNvPr id="6" name="TextBox 5"/>
+          <p:cNvSpPr txBox="1"/>
+          <p:nvPr/>
+        </p:nvSpPr>
+        <p:spPr>
+          <a:xfrm>
+            <a:off x="4607417" y="3733800"/>
+            <a:ext cx="3622183" cy="1200329"/>
+          </a:xfrm>
+          <a:prstGeom prst="rect">
+            <a:avLst/>
+          </a:prstGeom>
+          <a:noFill/>
+        </p:spPr>
+        <p:txBody>
+          <a:bodyPr wrap="square" rtlCol="0">
+            <a:spAutoFit/>
+          </a:bodyPr>
+          <a:lstStyle/>
+          <a:p>
+            <a:r>
+              <a:rPr lang="en-US" dirty="0" smtClean="0"/>
+              <a:t>The commit is currently </a:t>
+            </a:r>
+            <a:r>
+              <a:rPr lang="en-US" dirty="0" err="1" smtClean="0"/>
+              <a:t>unsynced</a:t>
+            </a:r>
+            <a:r>
+              <a:rPr lang="en-US" dirty="0" smtClean="0"/>
+              <a:t> as we have not publish the commit to </a:t>
+            </a:r>
+            <a:r>
+              <a:rPr lang="en-US" dirty="0" err="1" smtClean="0"/>
+              <a:t>git</a:t>
+            </a:r>
+            <a:r>
+              <a:rPr lang="en-US" dirty="0" smtClean="0"/>
+              <a:t> hub yet. We will get to that in the later sections.</a:t>
+            </a:r>
+            <a:endParaRPr lang="en-SG" dirty="0"/>
+          </a:p>
+        </p:txBody>
+      </p:sp>
+      <p:cxnSp>
+        <p:nvCxnSpPr>
+          <p:cNvPr id="8" name="Straight Arrow Connector 7"/>
+          <p:cNvCxnSpPr/>
+          <p:nvPr/>
+        </p:nvCxnSpPr>
+        <p:spPr>
+          <a:xfrm flipH="1" flipV="1">
+            <a:off x="6553200" y="2895600"/>
+            <a:ext cx="533400" cy="685800"/>
+          </a:xfrm>
+          <a:prstGeom prst="straightConnector1">
+            <a:avLst/>
+          </a:prstGeom>
+          <a:ln>
+            <a:tailEnd type="arrow"/>
+          </a:ln>
+        </p:spPr>
+        <p:style>
+          <a:lnRef idx="2">
+            <a:schemeClr val="dk1"/>
+          </a:lnRef>
+          <a:fillRef idx="0">
+            <a:schemeClr val="dk1"/>
+          </a:fillRef>
+          <a:effectRef idx="1">
+            <a:schemeClr val="dk1"/>
+          </a:effectRef>
+          <a:fontRef idx="minor">
+            <a:schemeClr val="tx1"/>
+          </a:fontRef>
+        </p:style>
+      </p:cxnSp>
+    </p:spTree>
+    <p:extLst>
+      <p:ext uri="{BB962C8B-B14F-4D97-AF65-F5344CB8AC3E}">
+        <p14:creationId xmlns:p14="http://schemas.microsoft.com/office/powerpoint/2010/main" val="1406716440"/>
+      </p:ext>
+    </p:extLst>
+  </p:cSld>
+  <p:clrMapOvr>
+    <a:masterClrMapping/>
+  </p:clrMapOvr>
+</p:sld>
+</file>
+
+<file path=ppt/slides/slide13.xml><?xml version="1.0" encoding="utf-8"?>
+<p:sld xmlns:a="http://schemas.openxmlformats.org/drawingml/2006/main" xmlns:r="http://schemas.openxmlformats.org/officeDocument/2006/relationships" xmlns:p="http://schemas.openxmlformats.org/presentationml/2006/main">
+  <p:cSld>
+    <p:spTree>
+      <p:nvGrpSpPr>
+        <p:cNvPr id="1" name=""/>
+        <p:cNvGrpSpPr/>
+        <p:nvPr/>
+      </p:nvGrpSpPr>
+      <p:grpSpPr>
+        <a:xfrm>
+          <a:off x="0" y="0"/>
+          <a:ext cx="0" cy="0"/>
+          <a:chOff x="0" y="0"/>
+          <a:chExt cx="0" cy="0"/>
+        </a:xfrm>
+      </p:grpSpPr>
+      <p:sp>
+        <p:nvSpPr>
+          <p:cNvPr id="2" name="Title 1"/>
+          <p:cNvSpPr>
+            <a:spLocks noGrp="1"/>
+          </p:cNvSpPr>
+          <p:nvPr>
+            <p:ph type="title"/>
+          </p:nvPr>
+        </p:nvSpPr>
+        <p:spPr>
+          <a:xfrm>
+            <a:off x="457200" y="4179"/>
+            <a:ext cx="8229600" cy="1143000"/>
+          </a:xfrm>
+        </p:spPr>
+        <p:txBody>
+          <a:bodyPr/>
+          <a:lstStyle/>
+          <a:p>
+            <a:r>
+              <a:rPr lang="en-US" dirty="0" smtClean="0"/>
+              <a:t>Committing your changes</a:t>
+            </a:r>
+            <a:endParaRPr lang="en-SG" dirty="0"/>
+          </a:p>
+        </p:txBody>
+      </p:sp>
+      <p:pic>
+        <p:nvPicPr>
+          <p:cNvPr id="4" name="Picture 3"/>
+          <p:cNvPicPr/>
+          <p:nvPr/>
+        </p:nvPicPr>
+        <p:blipFill>
+          <a:blip r:embed="rId2"/>
+          <a:stretch>
+            <a:fillRect/>
+          </a:stretch>
+        </p:blipFill>
+        <p:spPr>
+          <a:xfrm>
+            <a:off x="609600" y="1295400"/>
+            <a:ext cx="7924800" cy="5181600"/>
+          </a:xfrm>
+          <a:prstGeom prst="rect">
+            <a:avLst/>
+          </a:prstGeom>
+          <a:ln>
+            <a:noFill/>
+          </a:ln>
+          <a:effectLst>
+            <a:outerShdw blurRad="292100" dist="139700" dir="2700000" algn="tl" rotWithShape="0">
+              <a:srgbClr val="333333">
+                <a:alpha val="65000"/>
+              </a:srgbClr>
+            </a:outerShdw>
+          </a:effectLst>
+        </p:spPr>
+      </p:pic>
+      <p:sp>
+        <p:nvSpPr>
+          <p:cNvPr id="5" name="TextBox 4"/>
+          <p:cNvSpPr txBox="1"/>
+          <p:nvPr/>
+        </p:nvSpPr>
+        <p:spPr>
+          <a:xfrm>
+            <a:off x="1143000" y="4417461"/>
+            <a:ext cx="6781800" cy="923330"/>
+          </a:xfrm>
+          <a:prstGeom prst="rect">
+            <a:avLst/>
+          </a:prstGeom>
+          <a:noFill/>
+        </p:spPr>
+        <p:txBody>
+          <a:bodyPr wrap="square" rtlCol="0">
+            <a:spAutoFit/>
+          </a:bodyPr>
+          <a:lstStyle/>
+          <a:p>
+            <a:r>
+              <a:rPr lang="en-US" dirty="0" smtClean="0"/>
+              <a:t>Lets us try committing another change to better understand the committing process. First mouse over the repo to get the directory path of the repo aka the location of the repo in your local computer.</a:t>
+            </a:r>
+            <a:endParaRPr lang="en-SG" dirty="0"/>
+          </a:p>
+        </p:txBody>
+      </p:sp>
+    </p:spTree>
+    <p:extLst>
+      <p:ext uri="{BB962C8B-B14F-4D97-AF65-F5344CB8AC3E}">
+        <p14:creationId xmlns:p14="http://schemas.microsoft.com/office/powerpoint/2010/main" val="424358700"/>
+      </p:ext>
+    </p:extLst>
+  </p:cSld>
+  <p:clrMapOvr>
+    <a:masterClrMapping/>
+  </p:clrMapOvr>
+</p:sld>
+</file>
+
+<file path=ppt/slides/slide14.xml><?xml version="1.0" encoding="utf-8"?>
+<p:sld xmlns:a="http://schemas.openxmlformats.org/drawingml/2006/main" xmlns:r="http://schemas.openxmlformats.org/officeDocument/2006/relationships" xmlns:p="http://schemas.openxmlformats.org/presentationml/2006/main">
+  <p:cSld>
+    <p:spTree>
+      <p:nvGrpSpPr>
+        <p:cNvPr id="1" name=""/>
+        <p:cNvGrpSpPr/>
+        <p:nvPr/>
+      </p:nvGrpSpPr>
+      <p:grpSpPr>
+        <a:xfrm>
+          <a:off x="0" y="0"/>
+          <a:ext cx="0" cy="0"/>
+          <a:chOff x="0" y="0"/>
+          <a:chExt cx="0" cy="0"/>
+        </a:xfrm>
+      </p:grpSpPr>
+      <p:sp>
+        <p:nvSpPr>
+          <p:cNvPr id="2" name="Title 1"/>
+          <p:cNvSpPr>
+            <a:spLocks noGrp="1"/>
+          </p:cNvSpPr>
+          <p:nvPr>
+            <p:ph type="title"/>
+          </p:nvPr>
+        </p:nvSpPr>
+        <p:spPr>
+          <a:xfrm>
+            <a:off x="457200" y="17058"/>
+            <a:ext cx="8229600" cy="1143000"/>
+          </a:xfrm>
+        </p:spPr>
+        <p:txBody>
+          <a:bodyPr/>
+          <a:lstStyle/>
+          <a:p>
+            <a:r>
+              <a:rPr lang="en-US" dirty="0" smtClean="0"/>
+              <a:t>Committing your changes</a:t>
+            </a:r>
+            <a:endParaRPr lang="en-SG" dirty="0"/>
+          </a:p>
+        </p:txBody>
+      </p:sp>
+      <p:pic>
+        <p:nvPicPr>
+          <p:cNvPr id="4" name="Picture 3"/>
+          <p:cNvPicPr/>
+          <p:nvPr/>
+        </p:nvPicPr>
+        <p:blipFill>
+          <a:blip r:embed="rId2"/>
+          <a:stretch>
+            <a:fillRect/>
+          </a:stretch>
+        </p:blipFill>
+        <p:spPr>
+          <a:xfrm>
+            <a:off x="609600" y="1143000"/>
+            <a:ext cx="8229600" cy="5410200"/>
+          </a:xfrm>
+          <a:prstGeom prst="rect">
+            <a:avLst/>
+          </a:prstGeom>
+          <a:ln>
+            <a:noFill/>
+          </a:ln>
+          <a:effectLst>
+            <a:outerShdw blurRad="292100" dist="139700" dir="2700000" algn="tl" rotWithShape="0">
+              <a:srgbClr val="333333">
+                <a:alpha val="65000"/>
+              </a:srgbClr>
+            </a:outerShdw>
+          </a:effectLst>
+        </p:spPr>
+      </p:pic>
+      <p:sp>
+        <p:nvSpPr>
+          <p:cNvPr id="5" name="TextBox 4"/>
+          <p:cNvSpPr txBox="1"/>
+          <p:nvPr/>
+        </p:nvSpPr>
+        <p:spPr>
+          <a:xfrm>
+            <a:off x="2209800" y="3733800"/>
+            <a:ext cx="5715000" cy="923330"/>
+          </a:xfrm>
+          <a:prstGeom prst="rect">
+            <a:avLst/>
+          </a:prstGeom>
+          <a:noFill/>
+        </p:spPr>
+        <p:txBody>
+          <a:bodyPr wrap="square" rtlCol="0">
+            <a:spAutoFit/>
+          </a:bodyPr>
+          <a:lstStyle/>
+          <a:p>
+            <a:r>
+              <a:rPr lang="en-US" dirty="0" smtClean="0"/>
+              <a:t>After you navigate your way to the new repo, you should be able to see a hidden .</a:t>
+            </a:r>
+            <a:r>
+              <a:rPr lang="en-US" dirty="0" err="1" smtClean="0"/>
+              <a:t>git</a:t>
+            </a:r>
+            <a:r>
+              <a:rPr lang="en-US" dirty="0" smtClean="0"/>
+              <a:t> file and the two new files, </a:t>
+            </a:r>
+            <a:r>
+              <a:rPr lang="en-US" dirty="0" err="1" smtClean="0"/>
+              <a:t>gitignore</a:t>
+            </a:r>
+            <a:r>
+              <a:rPr lang="en-US" dirty="0" smtClean="0"/>
+              <a:t> and </a:t>
+            </a:r>
+            <a:r>
+              <a:rPr lang="en-US" dirty="0" err="1" smtClean="0"/>
+              <a:t>gitattributes</a:t>
+            </a:r>
+            <a:r>
+              <a:rPr lang="en-US" dirty="0" smtClean="0"/>
+              <a:t>.</a:t>
+            </a:r>
+            <a:endParaRPr lang="en-SG" dirty="0"/>
+          </a:p>
+        </p:txBody>
+      </p:sp>
+    </p:spTree>
+    <p:extLst>
+      <p:ext uri="{BB962C8B-B14F-4D97-AF65-F5344CB8AC3E}">
+        <p14:creationId xmlns:p14="http://schemas.microsoft.com/office/powerpoint/2010/main" val="3928976"/>
+      </p:ext>
+    </p:extLst>
+  </p:cSld>
+  <p:clrMapOvr>
+    <a:masterClrMapping/>
+  </p:clrMapOvr>
+</p:sld>
+</file>
+
+<file path=ppt/slides/slide15.xml><?xml version="1.0" encoding="utf-8"?>
+<p:sld xmlns:a="http://schemas.openxmlformats.org/drawingml/2006/main" xmlns:r="http://schemas.openxmlformats.org/officeDocument/2006/relationships" xmlns:p="http://schemas.openxmlformats.org/presentationml/2006/main">
+  <p:cSld>
+    <p:spTree>
+      <p:nvGrpSpPr>
+        <p:cNvPr id="1" name=""/>
+        <p:cNvGrpSpPr/>
+        <p:nvPr/>
+      </p:nvGrpSpPr>
+      <p:grpSpPr>
+        <a:xfrm>
+          <a:off x="0" y="0"/>
+          <a:ext cx="0" cy="0"/>
+          <a:chOff x="0" y="0"/>
+          <a:chExt cx="0" cy="0"/>
+        </a:xfrm>
+      </p:grpSpPr>
+      <p:sp>
+        <p:nvSpPr>
+          <p:cNvPr id="2" name="Title 1"/>
+          <p:cNvSpPr>
+            <a:spLocks noGrp="1"/>
+          </p:cNvSpPr>
+          <p:nvPr>
+            <p:ph type="title"/>
+          </p:nvPr>
+        </p:nvSpPr>
+        <p:spPr>
+          <a:xfrm>
+            <a:off x="457200" y="17058"/>
+            <a:ext cx="8229600" cy="1143000"/>
+          </a:xfrm>
+        </p:spPr>
+        <p:txBody>
+          <a:bodyPr/>
+          <a:lstStyle/>
+          <a:p>
+            <a:r>
+              <a:rPr lang="en-US" dirty="0" smtClean="0"/>
+              <a:t>Committing your changes</a:t>
+            </a:r>
+            <a:endParaRPr lang="en-SG" dirty="0"/>
+          </a:p>
+        </p:txBody>
+      </p:sp>
+      <p:pic>
+        <p:nvPicPr>
+          <p:cNvPr id="4" name="Picture 3"/>
+          <p:cNvPicPr/>
+          <p:nvPr/>
+        </p:nvPicPr>
+        <p:blipFill>
+          <a:blip r:embed="rId2"/>
+          <a:stretch>
+            <a:fillRect/>
+          </a:stretch>
+        </p:blipFill>
+        <p:spPr>
+          <a:xfrm>
+            <a:off x="685800" y="1066800"/>
+            <a:ext cx="7772400" cy="5105400"/>
+          </a:xfrm>
+          <a:prstGeom prst="rect">
+            <a:avLst/>
+          </a:prstGeom>
+          <a:ln>
+            <a:noFill/>
+          </a:ln>
+          <a:effectLst>
+            <a:outerShdw blurRad="292100" dist="139700" dir="2700000" algn="tl" rotWithShape="0">
+              <a:srgbClr val="333333">
+                <a:alpha val="65000"/>
+              </a:srgbClr>
+            </a:outerShdw>
+          </a:effectLst>
+        </p:spPr>
+      </p:pic>
+      <p:sp>
+        <p:nvSpPr>
+          <p:cNvPr id="5" name="TextBox 4"/>
+          <p:cNvSpPr txBox="1"/>
+          <p:nvPr/>
+        </p:nvSpPr>
+        <p:spPr>
+          <a:xfrm>
+            <a:off x="2404056" y="4419600"/>
+            <a:ext cx="5181600" cy="369332"/>
+          </a:xfrm>
+          <a:prstGeom prst="rect">
+            <a:avLst/>
+          </a:prstGeom>
+          <a:noFill/>
+        </p:spPr>
+        <p:txBody>
+          <a:bodyPr wrap="square" rtlCol="0">
+            <a:spAutoFit/>
+          </a:bodyPr>
+          <a:lstStyle/>
+          <a:p>
+            <a:r>
+              <a:rPr lang="en-US" dirty="0" smtClean="0"/>
+              <a:t>I will then add new text file called Hi there.txt</a:t>
+            </a:r>
+          </a:p>
+        </p:txBody>
+      </p:sp>
+    </p:spTree>
+    <p:extLst>
+      <p:ext uri="{BB962C8B-B14F-4D97-AF65-F5344CB8AC3E}">
+        <p14:creationId xmlns:p14="http://schemas.microsoft.com/office/powerpoint/2010/main" val="3616102315"/>
+      </p:ext>
+    </p:extLst>
+  </p:cSld>
+  <p:clrMapOvr>
+    <a:masterClrMapping/>
+  </p:clrMapOvr>
+</p:sld>
+</file>
+
+<file path=ppt/slides/slide16.xml><?xml version="1.0" encoding="utf-8"?>
+<p:sld xmlns:a="http://schemas.openxmlformats.org/drawingml/2006/main" xmlns:r="http://schemas.openxmlformats.org/officeDocument/2006/relationships" xmlns:p="http://schemas.openxmlformats.org/presentationml/2006/main">
+  <p:cSld>
+    <p:spTree>
+      <p:nvGrpSpPr>
+        <p:cNvPr id="1" name=""/>
+        <p:cNvGrpSpPr/>
+        <p:nvPr/>
+      </p:nvGrpSpPr>
+      <p:grpSpPr>
+        <a:xfrm>
+          <a:off x="0" y="0"/>
+          <a:ext cx="0" cy="0"/>
+          <a:chOff x="0" y="0"/>
+          <a:chExt cx="0" cy="0"/>
+        </a:xfrm>
+      </p:grpSpPr>
+      <p:sp>
+        <p:nvSpPr>
+          <p:cNvPr id="2" name="Title 1"/>
+          <p:cNvSpPr>
+            <a:spLocks noGrp="1"/>
+          </p:cNvSpPr>
+          <p:nvPr>
+            <p:ph type="title"/>
+          </p:nvPr>
+        </p:nvSpPr>
+        <p:spPr>
+          <a:xfrm>
+            <a:off x="520521" y="-4293"/>
+            <a:ext cx="8229600" cy="1143000"/>
+          </a:xfrm>
+        </p:spPr>
+        <p:txBody>
+          <a:bodyPr/>
+          <a:lstStyle/>
+          <a:p>
+            <a:r>
+              <a:rPr lang="en-US" dirty="0" smtClean="0"/>
+              <a:t>Committing your changes</a:t>
+            </a:r>
+            <a:endParaRPr lang="en-SG" dirty="0"/>
+          </a:p>
+        </p:txBody>
+      </p:sp>
+      <p:pic>
+        <p:nvPicPr>
+          <p:cNvPr id="4" name="Picture 3"/>
+          <p:cNvPicPr/>
+          <p:nvPr/>
+        </p:nvPicPr>
+        <p:blipFill>
+          <a:blip r:embed="rId2"/>
+          <a:stretch>
+            <a:fillRect/>
+          </a:stretch>
+        </p:blipFill>
+        <p:spPr>
+          <a:xfrm>
+            <a:off x="277969" y="1219200"/>
+            <a:ext cx="8661042" cy="5181600"/>
+          </a:xfrm>
+          <a:prstGeom prst="rect">
+            <a:avLst/>
+          </a:prstGeom>
+          <a:ln>
+            <a:noFill/>
+          </a:ln>
+          <a:effectLst>
+            <a:outerShdw blurRad="292100" dist="139700" dir="2700000" algn="tl" rotWithShape="0">
+              <a:srgbClr val="333333">
+                <a:alpha val="65000"/>
+              </a:srgbClr>
+            </a:outerShdw>
+          </a:effectLst>
+        </p:spPr>
+      </p:pic>
+      <p:sp>
+        <p:nvSpPr>
+          <p:cNvPr id="5" name="TextBox 4"/>
+          <p:cNvSpPr txBox="1"/>
+          <p:nvPr/>
+        </p:nvSpPr>
+        <p:spPr>
+          <a:xfrm>
+            <a:off x="609600" y="3657600"/>
+            <a:ext cx="4800600" cy="646331"/>
+          </a:xfrm>
+          <a:prstGeom prst="rect">
+            <a:avLst/>
+          </a:prstGeom>
+          <a:noFill/>
+        </p:spPr>
+        <p:txBody>
+          <a:bodyPr wrap="square" rtlCol="0">
+            <a:spAutoFit/>
+          </a:bodyPr>
+          <a:lstStyle/>
+          <a:p>
+            <a:r>
+              <a:rPr lang="en-US" dirty="0" smtClean="0"/>
+              <a:t>This new change in the repo will be automatically reflected in </a:t>
+            </a:r>
+            <a:r>
+              <a:rPr lang="en-US" dirty="0" err="1" smtClean="0"/>
+              <a:t>git</a:t>
+            </a:r>
+            <a:r>
+              <a:rPr lang="en-US" dirty="0" smtClean="0"/>
+              <a:t> hub application.</a:t>
+            </a:r>
+            <a:endParaRPr lang="en-SG" dirty="0"/>
+          </a:p>
+        </p:txBody>
+      </p:sp>
+    </p:spTree>
+    <p:extLst>
+      <p:ext uri="{BB962C8B-B14F-4D97-AF65-F5344CB8AC3E}">
+        <p14:creationId xmlns:p14="http://schemas.microsoft.com/office/powerpoint/2010/main" val="2094253289"/>
+      </p:ext>
+    </p:extLst>
+  </p:cSld>
+  <p:clrMapOvr>
+    <a:masterClrMapping/>
+  </p:clrMapOvr>
+</p:sld>
+</file>
+
+<file path=ppt/slides/slide17.xml><?xml version="1.0" encoding="utf-8"?>
+<p:sld xmlns:a="http://schemas.openxmlformats.org/drawingml/2006/main" xmlns:r="http://schemas.openxmlformats.org/officeDocument/2006/relationships" xmlns:p="http://schemas.openxmlformats.org/presentationml/2006/main">
+  <p:cSld>
+    <p:spTree>
+      <p:nvGrpSpPr>
+        <p:cNvPr id="1" name=""/>
+        <p:cNvGrpSpPr/>
+        <p:nvPr/>
+      </p:nvGrpSpPr>
+      <p:grpSpPr>
+        <a:xfrm>
+          <a:off x="0" y="0"/>
+          <a:ext cx="0" cy="0"/>
+          <a:chOff x="0" y="0"/>
+          <a:chExt cx="0" cy="0"/>
+        </a:xfrm>
+      </p:grpSpPr>
+      <p:sp>
+        <p:nvSpPr>
+          <p:cNvPr id="4" name="Title 1"/>
+          <p:cNvSpPr>
+            <a:spLocks noGrp="1"/>
+          </p:cNvSpPr>
+          <p:nvPr>
+            <p:ph type="title"/>
+          </p:nvPr>
+        </p:nvSpPr>
+        <p:spPr>
+          <a:xfrm>
+            <a:off x="520521" y="-4293"/>
+            <a:ext cx="8229600" cy="1143000"/>
+          </a:xfrm>
+        </p:spPr>
+        <p:txBody>
+          <a:bodyPr/>
+          <a:lstStyle/>
+          <a:p>
+            <a:r>
+              <a:rPr lang="en-US" dirty="0" smtClean="0"/>
+              <a:t>Committing your changes</a:t>
+            </a:r>
+            <a:endParaRPr lang="en-SG" dirty="0"/>
+          </a:p>
+        </p:txBody>
+      </p:sp>
+      <p:pic>
+        <p:nvPicPr>
+          <p:cNvPr id="5" name="Picture 4"/>
+          <p:cNvPicPr/>
+          <p:nvPr/>
+        </p:nvPicPr>
+        <p:blipFill>
+          <a:blip r:embed="rId2"/>
+          <a:stretch>
+            <a:fillRect/>
+          </a:stretch>
+        </p:blipFill>
+        <p:spPr>
+          <a:xfrm>
+            <a:off x="475445" y="1143000"/>
+            <a:ext cx="8229600" cy="5029200"/>
+          </a:xfrm>
+          <a:prstGeom prst="rect">
+            <a:avLst/>
+          </a:prstGeom>
+          <a:ln>
+            <a:noFill/>
+          </a:ln>
+          <a:effectLst>
+            <a:outerShdw blurRad="292100" dist="139700" dir="2700000" algn="tl" rotWithShape="0">
+              <a:srgbClr val="333333">
+                <a:alpha val="65000"/>
+              </a:srgbClr>
+            </a:outerShdw>
+          </a:effectLst>
+        </p:spPr>
+      </p:pic>
+      <p:sp>
+        <p:nvSpPr>
+          <p:cNvPr id="7" name="TextBox 6"/>
+          <p:cNvSpPr txBox="1"/>
+          <p:nvPr/>
+        </p:nvSpPr>
+        <p:spPr>
+          <a:xfrm>
+            <a:off x="780245" y="4647127"/>
+            <a:ext cx="7467600" cy="923330"/>
+          </a:xfrm>
+          <a:prstGeom prst="rect">
+            <a:avLst/>
+          </a:prstGeom>
+          <a:noFill/>
+        </p:spPr>
+        <p:txBody>
+          <a:bodyPr wrap="square" rtlCol="0">
+            <a:spAutoFit/>
+          </a:bodyPr>
+          <a:lstStyle/>
+          <a:p>
+            <a:r>
+              <a:rPr lang="en-US" dirty="0" smtClean="0"/>
+              <a:t>I then commit these change and your repo now should have two commits, first commit with only the two default files and the second with a newly added text file called Hi there.txt</a:t>
+            </a:r>
+            <a:r>
+              <a:rPr lang="en-SG" dirty="0"/>
+              <a:t>.</a:t>
+            </a:r>
+            <a:endParaRPr lang="en-US" dirty="0" smtClean="0"/>
+          </a:p>
+        </p:txBody>
+      </p:sp>
+    </p:spTree>
+    <p:extLst>
+      <p:ext uri="{BB962C8B-B14F-4D97-AF65-F5344CB8AC3E}">
+        <p14:creationId xmlns:p14="http://schemas.microsoft.com/office/powerpoint/2010/main" val="2173577143"/>
+      </p:ext>
+    </p:extLst>
+  </p:cSld>
+  <p:clrMapOvr>
+    <a:masterClrMapping/>
+  </p:clrMapOvr>
+</p:sld>
+</file>
+
+<file path=ppt/slides/slide18.xml><?xml version="1.0" encoding="utf-8"?>
+<p:sld xmlns:a="http://schemas.openxmlformats.org/drawingml/2006/main" xmlns:r="http://schemas.openxmlformats.org/officeDocument/2006/relationships" xmlns:p="http://schemas.openxmlformats.org/presentationml/2006/main">
+  <p:cSld>
+    <p:spTree>
+      <p:nvGrpSpPr>
+        <p:cNvPr id="1" name=""/>
+        <p:cNvGrpSpPr/>
+        <p:nvPr/>
+      </p:nvGrpSpPr>
+      <p:grpSpPr>
+        <a:xfrm>
+          <a:off x="0" y="0"/>
+          <a:ext cx="0" cy="0"/>
+          <a:chOff x="0" y="0"/>
+          <a:chExt cx="0" cy="0"/>
+        </a:xfrm>
+      </p:grpSpPr>
+      <p:sp>
+        <p:nvSpPr>
+          <p:cNvPr id="4" name="Title 1"/>
+          <p:cNvSpPr>
+            <a:spLocks noGrp="1"/>
+          </p:cNvSpPr>
+          <p:nvPr>
+            <p:ph type="title"/>
+          </p:nvPr>
+        </p:nvSpPr>
+        <p:spPr>
+          <a:xfrm>
+            <a:off x="457200" y="17463"/>
+            <a:ext cx="8229600" cy="1143000"/>
+          </a:xfrm>
+        </p:spPr>
+        <p:txBody>
+          <a:bodyPr/>
+          <a:lstStyle/>
+          <a:p>
+            <a:r>
+              <a:rPr lang="en-US" dirty="0" smtClean="0"/>
+              <a:t>Committing your changes</a:t>
+            </a:r>
+            <a:endParaRPr lang="en-SG" dirty="0"/>
+          </a:p>
+        </p:txBody>
+      </p:sp>
+      <p:sp>
+        <p:nvSpPr>
+          <p:cNvPr id="5" name="Rectangle 4"/>
+          <p:cNvSpPr/>
+          <p:nvPr/>
+        </p:nvSpPr>
+        <p:spPr>
+          <a:xfrm>
+            <a:off x="515155" y="2090678"/>
+            <a:ext cx="8229600" cy="2862322"/>
+          </a:xfrm>
+          <a:prstGeom prst="rect">
+            <a:avLst/>
+          </a:prstGeom>
+        </p:spPr>
+        <p:txBody>
+          <a:bodyPr wrap="square">
+            <a:spAutoFit/>
+          </a:bodyPr>
+          <a:lstStyle/>
+          <a:p>
+            <a:pPr algn="just">
+              <a:lnSpc>
+                <a:spcPct val="150000"/>
+              </a:lnSpc>
+            </a:pPr>
+            <a:r>
+              <a:rPr lang="en-US" sz="2400" dirty="0"/>
+              <a:t>Additional information: Conceptually, commits are similar to checkpoints which you can refer back to. Each commit will point to a certain </a:t>
+            </a:r>
+            <a:r>
+              <a:rPr lang="en-US" sz="2400" dirty="0" smtClean="0"/>
+              <a:t>state </a:t>
+            </a:r>
+            <a:r>
+              <a:rPr lang="en-US" sz="2400" dirty="0"/>
+              <a:t>of the </a:t>
+            </a:r>
+            <a:r>
+              <a:rPr lang="en-US" sz="2400" dirty="0" smtClean="0"/>
+              <a:t>repo (commits only captures the changes in the repo) </a:t>
+            </a:r>
+            <a:r>
+              <a:rPr lang="en-US" sz="2400" dirty="0"/>
+              <a:t>back in time. We will dwell more into that on the next chapter.</a:t>
+            </a:r>
+            <a:endParaRPr lang="en-SG" sz="2400" dirty="0"/>
+          </a:p>
+        </p:txBody>
+      </p:sp>
+    </p:spTree>
+    <p:extLst>
+      <p:ext uri="{BB962C8B-B14F-4D97-AF65-F5344CB8AC3E}">
+        <p14:creationId xmlns:p14="http://schemas.microsoft.com/office/powerpoint/2010/main" val="3163654681"/>
+      </p:ext>
+    </p:extLst>
+  </p:cSld>
+  <p:clrMapOvr>
+    <a:masterClrMapping/>
+  </p:clrMapOvr>
+</p:sld>
+</file>
+
+<file path=ppt/slides/slide19.xml><?xml version="1.0" encoding="utf-8"?>
+<p:sld xmlns:a="http://schemas.openxmlformats.org/drawingml/2006/main" xmlns:r="http://schemas.openxmlformats.org/officeDocument/2006/relationships" xmlns:p="http://schemas.openxmlformats.org/presentationml/2006/main">
+  <p:cSld>
+    <p:spTree>
+      <p:nvGrpSpPr>
+        <p:cNvPr id="1" name=""/>
+        <p:cNvGrpSpPr/>
+        <p:nvPr/>
+      </p:nvGrpSpPr>
+      <p:grpSpPr>
+        <a:xfrm>
+          <a:off x="0" y="0"/>
+          <a:ext cx="0" cy="0"/>
+          <a:chOff x="0" y="0"/>
+          <a:chExt cx="0" cy="0"/>
+        </a:xfrm>
+      </p:grpSpPr>
+      <p:sp>
+        <p:nvSpPr>
+          <p:cNvPr id="2" name="Title 1"/>
+          <p:cNvSpPr>
+            <a:spLocks noGrp="1"/>
+          </p:cNvSpPr>
+          <p:nvPr>
+            <p:ph type="title"/>
+          </p:nvPr>
+        </p:nvSpPr>
+        <p:spPr>
+          <a:xfrm>
+            <a:off x="457200" y="8586"/>
+            <a:ext cx="8229600" cy="1143000"/>
+          </a:xfrm>
+        </p:spPr>
+        <p:txBody>
+          <a:bodyPr>
+            <a:normAutofit fontScale="90000"/>
+          </a:bodyPr>
+          <a:lstStyle/>
+          <a:p>
+            <a:r>
+              <a:rPr lang="en-US" dirty="0" smtClean="0"/>
+              <a:t>Rolling back and Reverting Commits</a:t>
+            </a:r>
+            <a:endParaRPr lang="en-SG" dirty="0"/>
+          </a:p>
+        </p:txBody>
+      </p:sp>
+      <p:pic>
+        <p:nvPicPr>
+          <p:cNvPr id="4" name="Picture 3"/>
+          <p:cNvPicPr/>
+          <p:nvPr/>
+        </p:nvPicPr>
+        <p:blipFill>
+          <a:blip r:embed="rId2"/>
+          <a:stretch>
+            <a:fillRect/>
+          </a:stretch>
+        </p:blipFill>
+        <p:spPr>
+          <a:xfrm>
+            <a:off x="228600" y="990600"/>
+            <a:ext cx="8686802" cy="5486400"/>
+          </a:xfrm>
+          <a:prstGeom prst="rect">
+            <a:avLst/>
+          </a:prstGeom>
+          <a:ln>
+            <a:noFill/>
+          </a:ln>
+          <a:effectLst>
+            <a:outerShdw blurRad="292100" dist="139700" dir="2700000" algn="tl" rotWithShape="0">
+              <a:srgbClr val="333333">
+                <a:alpha val="65000"/>
+              </a:srgbClr>
+            </a:outerShdw>
+          </a:effectLst>
+        </p:spPr>
+      </p:pic>
+      <p:sp>
+        <p:nvSpPr>
+          <p:cNvPr id="5" name="TextBox 4"/>
+          <p:cNvSpPr txBox="1"/>
+          <p:nvPr/>
+        </p:nvSpPr>
+        <p:spPr>
+          <a:xfrm>
+            <a:off x="762000" y="4343400"/>
+            <a:ext cx="7620000" cy="923330"/>
+          </a:xfrm>
+          <a:prstGeom prst="rect">
+            <a:avLst/>
+          </a:prstGeom>
+          <a:noFill/>
+        </p:spPr>
+        <p:txBody>
+          <a:bodyPr wrap="square" rtlCol="0">
+            <a:spAutoFit/>
+          </a:bodyPr>
+          <a:lstStyle/>
+          <a:p>
+            <a:pPr algn="just"/>
+            <a:r>
+              <a:rPr lang="en-US" dirty="0"/>
+              <a:t>If you made an error, how do </a:t>
+            </a:r>
+            <a:r>
+              <a:rPr lang="en-US" dirty="0" smtClean="0"/>
+              <a:t>you correct </a:t>
+            </a:r>
+            <a:r>
+              <a:rPr lang="en-US" dirty="0"/>
+              <a:t>your repo </a:t>
+            </a:r>
+            <a:r>
+              <a:rPr lang="en-US" dirty="0" smtClean="0"/>
+              <a:t>status by going back </a:t>
+            </a:r>
+            <a:r>
+              <a:rPr lang="en-US" dirty="0"/>
+              <a:t>in time to certain historical commit? The roll back function in </a:t>
+            </a:r>
+            <a:r>
+              <a:rPr lang="en-US" dirty="0" err="1"/>
+              <a:t>Git</a:t>
+            </a:r>
+            <a:r>
+              <a:rPr lang="en-US" dirty="0"/>
+              <a:t> Hub will do just that. </a:t>
+            </a:r>
+            <a:endParaRPr lang="en-SG" dirty="0"/>
+          </a:p>
+          <a:p>
+            <a:pPr algn="just"/>
+            <a:endParaRPr lang="en-SG" dirty="0"/>
+          </a:p>
+        </p:txBody>
+      </p:sp>
+      <p:cxnSp>
+        <p:nvCxnSpPr>
+          <p:cNvPr id="7" name="Straight Arrow Connector 6"/>
+          <p:cNvCxnSpPr/>
+          <p:nvPr/>
+        </p:nvCxnSpPr>
+        <p:spPr>
+          <a:xfrm flipV="1">
+            <a:off x="3810000" y="1905000"/>
+            <a:ext cx="838200" cy="1524000"/>
+          </a:xfrm>
+          <a:prstGeom prst="straightConnector1">
+            <a:avLst/>
+          </a:prstGeom>
+          <a:ln>
+            <a:tailEnd type="arrow"/>
+          </a:ln>
+        </p:spPr>
+        <p:style>
+          <a:lnRef idx="2">
+            <a:schemeClr val="dk1"/>
+          </a:lnRef>
+          <a:fillRef idx="0">
+            <a:schemeClr val="dk1"/>
+          </a:fillRef>
+          <a:effectRef idx="1">
+            <a:schemeClr val="dk1"/>
+          </a:effectRef>
+          <a:fontRef idx="minor">
+            <a:schemeClr val="tx1"/>
+          </a:fontRef>
+        </p:style>
+      </p:cxnSp>
+    </p:spTree>
+    <p:extLst>
+      <p:ext uri="{BB962C8B-B14F-4D97-AF65-F5344CB8AC3E}">
+        <p14:creationId xmlns:p14="http://schemas.microsoft.com/office/powerpoint/2010/main" val="4131102562"/>
+      </p:ext>
+    </p:extLst>
+  </p:cSld>
+  <p:clrMapOvr>
+    <a:masterClrMapping/>
+  </p:clrMapOvr>
+</p:sld>
+</file>
+
 <file path=ppt/slides/slide2.xml><?xml version="1.0" encoding="utf-8"?>
 <p:sld xmlns:a="http://schemas.openxmlformats.org/drawingml/2006/main" xmlns:r="http://schemas.openxmlformats.org/officeDocument/2006/relationships" xmlns:p="http://schemas.openxmlformats.org/presentationml/2006/main">
   <p:cSld>
@@ -3194,7 +4801,7 @@
             <a:spLocks noGrp="1"/>
           </p:cNvSpPr>
           <p:nvPr>
-            <p:ph type="title"/>
+            <p:ph type="ctrTitle"/>
           </p:nvPr>
         </p:nvSpPr>
         <p:spPr/>
@@ -3202,33 +4809,1505 @@
           <a:bodyPr/>
           <a:lstStyle/>
           <a:p>
-            <a:endParaRPr lang="en-SG"/>
-          </a:p>
-        </p:txBody>
-      </p:sp>
-      <p:sp>
-        <p:nvSpPr>
-          <p:cNvPr id="3" name="Content Placeholder 2"/>
-          <p:cNvSpPr>
-            <a:spLocks noGrp="1"/>
-          </p:cNvSpPr>
-          <p:nvPr>
-            <p:ph idx="1"/>
-          </p:nvPr>
-        </p:nvSpPr>
-        <p:spPr/>
-        <p:txBody>
-          <a:bodyPr/>
-          <a:lstStyle/>
-          <a:p>
-            <a:endParaRPr lang="en-SG"/>
+            <a:r>
+              <a:rPr lang="en-US" dirty="0" smtClean="0"/>
+              <a:t>Learning how to use the </a:t>
+            </a:r>
+            <a:r>
+              <a:rPr lang="en-US" dirty="0" err="1" smtClean="0"/>
+              <a:t>Git</a:t>
+            </a:r>
+            <a:r>
+              <a:rPr lang="en-US" dirty="0" smtClean="0"/>
+              <a:t> Hub App</a:t>
+            </a:r>
+            <a:endParaRPr lang="en-SG" dirty="0"/>
           </a:p>
         </p:txBody>
       </p:sp>
     </p:spTree>
     <p:extLst>
       <p:ext uri="{BB962C8B-B14F-4D97-AF65-F5344CB8AC3E}">
-        <p14:creationId xmlns:p14="http://schemas.microsoft.com/office/powerpoint/2010/main" val="1409658802"/>
+        <p14:creationId xmlns:p14="http://schemas.microsoft.com/office/powerpoint/2010/main" val="2078724830"/>
+      </p:ext>
+    </p:extLst>
+  </p:cSld>
+  <p:clrMapOvr>
+    <a:masterClrMapping/>
+  </p:clrMapOvr>
+</p:sld>
+</file>
+
+<file path=ppt/slides/slide20.xml><?xml version="1.0" encoding="utf-8"?>
+<p:sld xmlns:a="http://schemas.openxmlformats.org/drawingml/2006/main" xmlns:r="http://schemas.openxmlformats.org/officeDocument/2006/relationships" xmlns:p="http://schemas.openxmlformats.org/presentationml/2006/main">
+  <p:cSld>
+    <p:spTree>
+      <p:nvGrpSpPr>
+        <p:cNvPr id="1" name=""/>
+        <p:cNvGrpSpPr/>
+        <p:nvPr/>
+      </p:nvGrpSpPr>
+      <p:grpSpPr>
+        <a:xfrm>
+          <a:off x="0" y="0"/>
+          <a:ext cx="0" cy="0"/>
+          <a:chOff x="0" y="0"/>
+          <a:chExt cx="0" cy="0"/>
+        </a:xfrm>
+      </p:grpSpPr>
+      <p:sp>
+        <p:nvSpPr>
+          <p:cNvPr id="4" name="Title 1"/>
+          <p:cNvSpPr>
+            <a:spLocks noGrp="1"/>
+          </p:cNvSpPr>
+          <p:nvPr>
+            <p:ph type="title"/>
+          </p:nvPr>
+        </p:nvSpPr>
+        <p:spPr>
+          <a:xfrm>
+            <a:off x="457200" y="8586"/>
+            <a:ext cx="8229600" cy="1143000"/>
+          </a:xfrm>
+        </p:spPr>
+        <p:txBody>
+          <a:bodyPr>
+            <a:normAutofit fontScale="90000"/>
+          </a:bodyPr>
+          <a:lstStyle/>
+          <a:p>
+            <a:r>
+              <a:rPr lang="en-US" dirty="0" smtClean="0"/>
+              <a:t>Rolling back and Reverting Commits</a:t>
+            </a:r>
+            <a:endParaRPr lang="en-SG" dirty="0"/>
+          </a:p>
+        </p:txBody>
+      </p:sp>
+      <p:pic>
+        <p:nvPicPr>
+          <p:cNvPr id="5" name="Picture 4"/>
+          <p:cNvPicPr/>
+          <p:nvPr/>
+        </p:nvPicPr>
+        <p:blipFill>
+          <a:blip r:embed="rId2"/>
+          <a:stretch>
+            <a:fillRect/>
+          </a:stretch>
+        </p:blipFill>
+        <p:spPr>
+          <a:xfrm>
+            <a:off x="561304" y="990600"/>
+            <a:ext cx="8077200" cy="5638800"/>
+          </a:xfrm>
+          <a:prstGeom prst="rect">
+            <a:avLst/>
+          </a:prstGeom>
+          <a:ln>
+            <a:noFill/>
+          </a:ln>
+          <a:effectLst>
+            <a:outerShdw blurRad="292100" dist="139700" dir="2700000" algn="tl" rotWithShape="0">
+              <a:srgbClr val="333333">
+                <a:alpha val="65000"/>
+              </a:srgbClr>
+            </a:outerShdw>
+          </a:effectLst>
+        </p:spPr>
+      </p:pic>
+      <p:sp>
+        <p:nvSpPr>
+          <p:cNvPr id="6" name="TextBox 5"/>
+          <p:cNvSpPr txBox="1"/>
+          <p:nvPr/>
+        </p:nvSpPr>
+        <p:spPr>
+          <a:xfrm>
+            <a:off x="838200" y="3844619"/>
+            <a:ext cx="4724400" cy="1477328"/>
+          </a:xfrm>
+          <a:prstGeom prst="rect">
+            <a:avLst/>
+          </a:prstGeom>
+          <a:noFill/>
+        </p:spPr>
+        <p:txBody>
+          <a:bodyPr wrap="square" rtlCol="0">
+            <a:spAutoFit/>
+          </a:bodyPr>
+          <a:lstStyle/>
+          <a:p>
+            <a:r>
+              <a:rPr lang="en-US" dirty="0" smtClean="0"/>
+              <a:t>In this screenshot I have </a:t>
+            </a:r>
+            <a:r>
+              <a:rPr lang="en-US" dirty="0" err="1" smtClean="0"/>
+              <a:t>rollbacked</a:t>
+            </a:r>
+            <a:r>
+              <a:rPr lang="en-US" dirty="0" smtClean="0"/>
+              <a:t> my most recent commit (the commit with the new Hi there.txt file). You can see that the rollback </a:t>
+            </a:r>
+            <a:r>
+              <a:rPr lang="en-US" dirty="0" err="1" smtClean="0"/>
+              <a:t>uncommits</a:t>
+            </a:r>
+            <a:r>
+              <a:rPr lang="en-US" dirty="0" smtClean="0"/>
+              <a:t> this commit however the text file will still be in your repo.</a:t>
+            </a:r>
+            <a:endParaRPr lang="en-SG" dirty="0"/>
+          </a:p>
+        </p:txBody>
+      </p:sp>
+    </p:spTree>
+    <p:extLst>
+      <p:ext uri="{BB962C8B-B14F-4D97-AF65-F5344CB8AC3E}">
+        <p14:creationId xmlns:p14="http://schemas.microsoft.com/office/powerpoint/2010/main" val="3737333655"/>
+      </p:ext>
+    </p:extLst>
+  </p:cSld>
+  <p:clrMapOvr>
+    <a:masterClrMapping/>
+  </p:clrMapOvr>
+</p:sld>
+</file>
+
+<file path=ppt/slides/slide21.xml><?xml version="1.0" encoding="utf-8"?>
+<p:sld xmlns:a="http://schemas.openxmlformats.org/drawingml/2006/main" xmlns:r="http://schemas.openxmlformats.org/officeDocument/2006/relationships" xmlns:p="http://schemas.openxmlformats.org/presentationml/2006/main">
+  <p:cSld>
+    <p:spTree>
+      <p:nvGrpSpPr>
+        <p:cNvPr id="1" name=""/>
+        <p:cNvGrpSpPr/>
+        <p:nvPr/>
+      </p:nvGrpSpPr>
+      <p:grpSpPr>
+        <a:xfrm>
+          <a:off x="0" y="0"/>
+          <a:ext cx="0" cy="0"/>
+          <a:chOff x="0" y="0"/>
+          <a:chExt cx="0" cy="0"/>
+        </a:xfrm>
+      </p:grpSpPr>
+      <p:sp>
+        <p:nvSpPr>
+          <p:cNvPr id="4" name="Title 1"/>
+          <p:cNvSpPr>
+            <a:spLocks noGrp="1"/>
+          </p:cNvSpPr>
+          <p:nvPr>
+            <p:ph type="title"/>
+          </p:nvPr>
+        </p:nvSpPr>
+        <p:spPr>
+          <a:xfrm>
+            <a:off x="457200" y="8586"/>
+            <a:ext cx="8229600" cy="1143000"/>
+          </a:xfrm>
+        </p:spPr>
+        <p:txBody>
+          <a:bodyPr>
+            <a:normAutofit fontScale="90000"/>
+          </a:bodyPr>
+          <a:lstStyle/>
+          <a:p>
+            <a:r>
+              <a:rPr lang="en-US" dirty="0" smtClean="0"/>
+              <a:t>Rolling back and Reverting Commits</a:t>
+            </a:r>
+            <a:endParaRPr lang="en-SG" dirty="0"/>
+          </a:p>
+        </p:txBody>
+      </p:sp>
+      <p:pic>
+        <p:nvPicPr>
+          <p:cNvPr id="5" name="Picture 4"/>
+          <p:cNvPicPr/>
+          <p:nvPr/>
+        </p:nvPicPr>
+        <p:blipFill>
+          <a:blip r:embed="rId2"/>
+          <a:stretch>
+            <a:fillRect/>
+          </a:stretch>
+        </p:blipFill>
+        <p:spPr>
+          <a:xfrm>
+            <a:off x="304800" y="914400"/>
+            <a:ext cx="8534400" cy="5410200"/>
+          </a:xfrm>
+          <a:prstGeom prst="rect">
+            <a:avLst/>
+          </a:prstGeom>
+          <a:ln>
+            <a:noFill/>
+          </a:ln>
+          <a:effectLst>
+            <a:outerShdw blurRad="292100" dist="139700" dir="2700000" algn="tl" rotWithShape="0">
+              <a:srgbClr val="333333">
+                <a:alpha val="65000"/>
+              </a:srgbClr>
+            </a:outerShdw>
+          </a:effectLst>
+        </p:spPr>
+      </p:pic>
+      <p:sp>
+        <p:nvSpPr>
+          <p:cNvPr id="6" name="TextBox 5"/>
+          <p:cNvSpPr txBox="1"/>
+          <p:nvPr/>
+        </p:nvSpPr>
+        <p:spPr>
+          <a:xfrm>
+            <a:off x="990600" y="4270422"/>
+            <a:ext cx="7239000" cy="1200329"/>
+          </a:xfrm>
+          <a:prstGeom prst="rect">
+            <a:avLst/>
+          </a:prstGeom>
+          <a:noFill/>
+        </p:spPr>
+        <p:txBody>
+          <a:bodyPr wrap="square" rtlCol="0">
+            <a:spAutoFit/>
+          </a:bodyPr>
+          <a:lstStyle/>
+          <a:p>
+            <a:r>
+              <a:rPr lang="en-US" dirty="0" smtClean="0"/>
+              <a:t>Here, I have done 2 more commits, by adding and editing some contents within the HI there text file. We will now use the rollback function again to better understand its mechanics. We will proceed to rollback to version  0.2 commit again.</a:t>
+            </a:r>
+            <a:endParaRPr lang="en-SG" dirty="0"/>
+          </a:p>
+        </p:txBody>
+      </p:sp>
+    </p:spTree>
+    <p:extLst>
+      <p:ext uri="{BB962C8B-B14F-4D97-AF65-F5344CB8AC3E}">
+        <p14:creationId xmlns:p14="http://schemas.microsoft.com/office/powerpoint/2010/main" val="4254201"/>
+      </p:ext>
+    </p:extLst>
+  </p:cSld>
+  <p:clrMapOvr>
+    <a:masterClrMapping/>
+  </p:clrMapOvr>
+</p:sld>
+</file>
+
+<file path=ppt/slides/slide22.xml><?xml version="1.0" encoding="utf-8"?>
+<p:sld xmlns:a="http://schemas.openxmlformats.org/drawingml/2006/main" xmlns:r="http://schemas.openxmlformats.org/officeDocument/2006/relationships" xmlns:p="http://schemas.openxmlformats.org/presentationml/2006/main">
+  <p:cSld>
+    <p:spTree>
+      <p:nvGrpSpPr>
+        <p:cNvPr id="1" name=""/>
+        <p:cNvGrpSpPr/>
+        <p:nvPr/>
+      </p:nvGrpSpPr>
+      <p:grpSpPr>
+        <a:xfrm>
+          <a:off x="0" y="0"/>
+          <a:ext cx="0" cy="0"/>
+          <a:chOff x="0" y="0"/>
+          <a:chExt cx="0" cy="0"/>
+        </a:xfrm>
+      </p:grpSpPr>
+      <p:sp>
+        <p:nvSpPr>
+          <p:cNvPr id="5" name="Title 1"/>
+          <p:cNvSpPr txBox="1">
+            <a:spLocks/>
+          </p:cNvSpPr>
+          <p:nvPr/>
+        </p:nvSpPr>
+        <p:spPr>
+          <a:xfrm>
+            <a:off x="457200" y="8586"/>
+            <a:ext cx="8229600" cy="1143000"/>
+          </a:xfrm>
+          <a:prstGeom prst="rect">
+            <a:avLst/>
+          </a:prstGeom>
+        </p:spPr>
+        <p:txBody>
+          <a:bodyPr vert="horz" lIns="91440" tIns="45720" rIns="91440" bIns="45720" rtlCol="0" anchor="ctr">
+            <a:normAutofit fontScale="97500"/>
+          </a:bodyPr>
+          <a:lstStyle>
+            <a:lvl1pPr algn="ctr" defTabSz="914400" rtl="0" eaLnBrk="1" latinLnBrk="0" hangingPunct="1">
+              <a:spcBef>
+                <a:spcPct val="0"/>
+              </a:spcBef>
+              <a:buNone/>
+              <a:defRPr sz="4400" kern="1200">
+                <a:solidFill>
+                  <a:schemeClr val="tx1"/>
+                </a:solidFill>
+                <a:latin typeface="+mj-lt"/>
+                <a:ea typeface="+mj-ea"/>
+                <a:cs typeface="+mj-cs"/>
+              </a:defRPr>
+            </a:lvl1pPr>
+          </a:lstStyle>
+          <a:p>
+            <a:r>
+              <a:rPr lang="en-US" dirty="0" smtClean="0"/>
+              <a:t>Rolling back and Reverting Commits</a:t>
+            </a:r>
+            <a:endParaRPr lang="en-SG" dirty="0"/>
+          </a:p>
+        </p:txBody>
+      </p:sp>
+      <p:pic>
+        <p:nvPicPr>
+          <p:cNvPr id="6" name="Picture 5"/>
+          <p:cNvPicPr/>
+          <p:nvPr/>
+        </p:nvPicPr>
+        <p:blipFill>
+          <a:blip r:embed="rId2"/>
+          <a:stretch>
+            <a:fillRect/>
+          </a:stretch>
+        </p:blipFill>
+        <p:spPr>
+          <a:xfrm>
+            <a:off x="381000" y="1151586"/>
+            <a:ext cx="8382000" cy="5334000"/>
+          </a:xfrm>
+          <a:prstGeom prst="rect">
+            <a:avLst/>
+          </a:prstGeom>
+          <a:ln>
+            <a:noFill/>
+          </a:ln>
+          <a:effectLst>
+            <a:outerShdw blurRad="292100" dist="139700" dir="2700000" algn="tl" rotWithShape="0">
+              <a:srgbClr val="333333">
+                <a:alpha val="65000"/>
+              </a:srgbClr>
+            </a:outerShdw>
+          </a:effectLst>
+        </p:spPr>
+      </p:pic>
+      <p:sp>
+        <p:nvSpPr>
+          <p:cNvPr id="7" name="TextBox 6"/>
+          <p:cNvSpPr txBox="1"/>
+          <p:nvPr/>
+        </p:nvSpPr>
+        <p:spPr>
+          <a:xfrm>
+            <a:off x="762000" y="3581400"/>
+            <a:ext cx="4648200" cy="1200329"/>
+          </a:xfrm>
+          <a:prstGeom prst="rect">
+            <a:avLst/>
+          </a:prstGeom>
+          <a:noFill/>
+        </p:spPr>
+        <p:txBody>
+          <a:bodyPr wrap="square" rtlCol="0">
+            <a:spAutoFit/>
+          </a:bodyPr>
+          <a:lstStyle/>
+          <a:p>
+            <a:r>
+              <a:rPr lang="en-US" dirty="0" smtClean="0"/>
+              <a:t>You should get this, all the previous commits after version 0.2 are gone and you are back to the uncommitted change of the newly </a:t>
+            </a:r>
+            <a:r>
+              <a:rPr lang="en-US" dirty="0" err="1" smtClean="0"/>
+              <a:t>addedd</a:t>
+            </a:r>
+            <a:r>
+              <a:rPr lang="en-US" dirty="0" smtClean="0"/>
+              <a:t> Hi there </a:t>
+            </a:r>
+            <a:r>
+              <a:rPr lang="en-US" dirty="0" err="1" smtClean="0"/>
+              <a:t>textfile</a:t>
+            </a:r>
+            <a:r>
+              <a:rPr lang="en-US" dirty="0" smtClean="0"/>
+              <a:t>.</a:t>
+            </a:r>
+            <a:endParaRPr lang="en-SG" dirty="0"/>
+          </a:p>
+        </p:txBody>
+      </p:sp>
+    </p:spTree>
+    <p:extLst>
+      <p:ext uri="{BB962C8B-B14F-4D97-AF65-F5344CB8AC3E}">
+        <p14:creationId xmlns:p14="http://schemas.microsoft.com/office/powerpoint/2010/main" val="3024362152"/>
+      </p:ext>
+    </p:extLst>
+  </p:cSld>
+  <p:clrMapOvr>
+    <a:masterClrMapping/>
+  </p:clrMapOvr>
+</p:sld>
+</file>
+
+<file path=ppt/slides/slide23.xml><?xml version="1.0" encoding="utf-8"?>
+<p:sld xmlns:a="http://schemas.openxmlformats.org/drawingml/2006/main" xmlns:r="http://schemas.openxmlformats.org/officeDocument/2006/relationships" xmlns:p="http://schemas.openxmlformats.org/presentationml/2006/main">
+  <p:cSld>
+    <p:spTree>
+      <p:nvGrpSpPr>
+        <p:cNvPr id="1" name=""/>
+        <p:cNvGrpSpPr/>
+        <p:nvPr/>
+      </p:nvGrpSpPr>
+      <p:grpSpPr>
+        <a:xfrm>
+          <a:off x="0" y="0"/>
+          <a:ext cx="0" cy="0"/>
+          <a:chOff x="0" y="0"/>
+          <a:chExt cx="0" cy="0"/>
+        </a:xfrm>
+      </p:grpSpPr>
+      <p:sp>
+        <p:nvSpPr>
+          <p:cNvPr id="4" name="Title 1"/>
+          <p:cNvSpPr txBox="1">
+            <a:spLocks/>
+          </p:cNvSpPr>
+          <p:nvPr/>
+        </p:nvSpPr>
+        <p:spPr>
+          <a:xfrm>
+            <a:off x="457200" y="8586"/>
+            <a:ext cx="8229600" cy="1143000"/>
+          </a:xfrm>
+          <a:prstGeom prst="rect">
+            <a:avLst/>
+          </a:prstGeom>
+        </p:spPr>
+        <p:txBody>
+          <a:bodyPr vert="horz" lIns="91440" tIns="45720" rIns="91440" bIns="45720" rtlCol="0" anchor="ctr">
+            <a:normAutofit fontScale="97500"/>
+          </a:bodyPr>
+          <a:lstStyle>
+            <a:lvl1pPr algn="ctr" defTabSz="914400" rtl="0" eaLnBrk="1" latinLnBrk="0" hangingPunct="1">
+              <a:spcBef>
+                <a:spcPct val="0"/>
+              </a:spcBef>
+              <a:buNone/>
+              <a:defRPr sz="4400" kern="1200">
+                <a:solidFill>
+                  <a:schemeClr val="tx1"/>
+                </a:solidFill>
+                <a:latin typeface="+mj-lt"/>
+                <a:ea typeface="+mj-ea"/>
+                <a:cs typeface="+mj-cs"/>
+              </a:defRPr>
+            </a:lvl1pPr>
+          </a:lstStyle>
+          <a:p>
+            <a:r>
+              <a:rPr lang="en-US" dirty="0" smtClean="0"/>
+              <a:t>Rolling back and Reverting Commits</a:t>
+            </a:r>
+            <a:endParaRPr lang="en-SG" dirty="0"/>
+          </a:p>
+        </p:txBody>
+      </p:sp>
+      <p:pic>
+        <p:nvPicPr>
+          <p:cNvPr id="5" name="Picture 4"/>
+          <p:cNvPicPr/>
+          <p:nvPr/>
+        </p:nvPicPr>
+        <p:blipFill>
+          <a:blip r:embed="rId2"/>
+          <a:stretch>
+            <a:fillRect/>
+          </a:stretch>
+        </p:blipFill>
+        <p:spPr>
+          <a:xfrm>
+            <a:off x="457200" y="1151586"/>
+            <a:ext cx="8229600" cy="5401614"/>
+          </a:xfrm>
+          <a:prstGeom prst="rect">
+            <a:avLst/>
+          </a:prstGeom>
+          <a:ln>
+            <a:noFill/>
+          </a:ln>
+          <a:effectLst>
+            <a:outerShdw blurRad="292100" dist="139700" dir="2700000" algn="tl" rotWithShape="0">
+              <a:srgbClr val="333333">
+                <a:alpha val="65000"/>
+              </a:srgbClr>
+            </a:outerShdw>
+          </a:effectLst>
+        </p:spPr>
+      </p:pic>
+      <p:sp>
+        <p:nvSpPr>
+          <p:cNvPr id="6" name="TextBox 5"/>
+          <p:cNvSpPr txBox="1"/>
+          <p:nvPr/>
+        </p:nvSpPr>
+        <p:spPr>
+          <a:xfrm>
+            <a:off x="914400" y="3962400"/>
+            <a:ext cx="7239000" cy="923330"/>
+          </a:xfrm>
+          <a:prstGeom prst="rect">
+            <a:avLst/>
+          </a:prstGeom>
+          <a:noFill/>
+        </p:spPr>
+        <p:txBody>
+          <a:bodyPr wrap="square" rtlCol="0">
+            <a:spAutoFit/>
+          </a:bodyPr>
+          <a:lstStyle/>
+          <a:p>
+            <a:r>
+              <a:rPr lang="en-US" dirty="0" smtClean="0"/>
+              <a:t>Now that we have explored the rollback feature, let us investigate the revert commit feature. We will transform our repo back into its base status with its two commits.</a:t>
+            </a:r>
+            <a:endParaRPr lang="en-SG" dirty="0"/>
+          </a:p>
+        </p:txBody>
+      </p:sp>
+    </p:spTree>
+    <p:extLst>
+      <p:ext uri="{BB962C8B-B14F-4D97-AF65-F5344CB8AC3E}">
+        <p14:creationId xmlns:p14="http://schemas.microsoft.com/office/powerpoint/2010/main" val="3745790701"/>
+      </p:ext>
+    </p:extLst>
+  </p:cSld>
+  <p:clrMapOvr>
+    <a:masterClrMapping/>
+  </p:clrMapOvr>
+</p:sld>
+</file>
+
+<file path=ppt/slides/slide24.xml><?xml version="1.0" encoding="utf-8"?>
+<p:sld xmlns:a="http://schemas.openxmlformats.org/drawingml/2006/main" xmlns:r="http://schemas.openxmlformats.org/officeDocument/2006/relationships" xmlns:p="http://schemas.openxmlformats.org/presentationml/2006/main">
+  <p:cSld>
+    <p:spTree>
+      <p:nvGrpSpPr>
+        <p:cNvPr id="1" name=""/>
+        <p:cNvGrpSpPr/>
+        <p:nvPr/>
+      </p:nvGrpSpPr>
+      <p:grpSpPr>
+        <a:xfrm>
+          <a:off x="0" y="0"/>
+          <a:ext cx="0" cy="0"/>
+          <a:chOff x="0" y="0"/>
+          <a:chExt cx="0" cy="0"/>
+        </a:xfrm>
+      </p:grpSpPr>
+      <p:sp>
+        <p:nvSpPr>
+          <p:cNvPr id="4" name="Title 1"/>
+          <p:cNvSpPr txBox="1">
+            <a:spLocks/>
+          </p:cNvSpPr>
+          <p:nvPr/>
+        </p:nvSpPr>
+        <p:spPr>
+          <a:xfrm>
+            <a:off x="457200" y="8586"/>
+            <a:ext cx="8229600" cy="1143000"/>
+          </a:xfrm>
+          <a:prstGeom prst="rect">
+            <a:avLst/>
+          </a:prstGeom>
+        </p:spPr>
+        <p:txBody>
+          <a:bodyPr vert="horz" lIns="91440" tIns="45720" rIns="91440" bIns="45720" rtlCol="0" anchor="ctr">
+            <a:normAutofit fontScale="97500"/>
+          </a:bodyPr>
+          <a:lstStyle>
+            <a:lvl1pPr algn="ctr" defTabSz="914400" rtl="0" eaLnBrk="1" latinLnBrk="0" hangingPunct="1">
+              <a:spcBef>
+                <a:spcPct val="0"/>
+              </a:spcBef>
+              <a:buNone/>
+              <a:defRPr sz="4400" kern="1200">
+                <a:solidFill>
+                  <a:schemeClr val="tx1"/>
+                </a:solidFill>
+                <a:latin typeface="+mj-lt"/>
+                <a:ea typeface="+mj-ea"/>
+                <a:cs typeface="+mj-cs"/>
+              </a:defRPr>
+            </a:lvl1pPr>
+          </a:lstStyle>
+          <a:p>
+            <a:r>
+              <a:rPr lang="en-US" dirty="0" smtClean="0"/>
+              <a:t>Rolling back and Reverting Commits</a:t>
+            </a:r>
+            <a:endParaRPr lang="en-SG" dirty="0"/>
+          </a:p>
+        </p:txBody>
+      </p:sp>
+      <p:pic>
+        <p:nvPicPr>
+          <p:cNvPr id="5" name="Picture 4"/>
+          <p:cNvPicPr/>
+          <p:nvPr/>
+        </p:nvPicPr>
+        <p:blipFill>
+          <a:blip r:embed="rId2"/>
+          <a:stretch>
+            <a:fillRect/>
+          </a:stretch>
+        </p:blipFill>
+        <p:spPr>
+          <a:xfrm>
+            <a:off x="457200" y="914400"/>
+            <a:ext cx="8229600" cy="5486400"/>
+          </a:xfrm>
+          <a:prstGeom prst="rect">
+            <a:avLst/>
+          </a:prstGeom>
+          <a:ln>
+            <a:noFill/>
+          </a:ln>
+          <a:effectLst>
+            <a:outerShdw blurRad="292100" dist="139700" dir="2700000" algn="tl" rotWithShape="0">
+              <a:srgbClr val="333333">
+                <a:alpha val="65000"/>
+              </a:srgbClr>
+            </a:outerShdw>
+          </a:effectLst>
+        </p:spPr>
+      </p:pic>
+      <p:sp>
+        <p:nvSpPr>
+          <p:cNvPr id="6" name="TextBox 5"/>
+          <p:cNvSpPr txBox="1"/>
+          <p:nvPr/>
+        </p:nvSpPr>
+        <p:spPr>
+          <a:xfrm>
+            <a:off x="576330" y="4343400"/>
+            <a:ext cx="7696200" cy="923330"/>
+          </a:xfrm>
+          <a:prstGeom prst="rect">
+            <a:avLst/>
+          </a:prstGeom>
+          <a:noFill/>
+        </p:spPr>
+        <p:txBody>
+          <a:bodyPr wrap="square" rtlCol="0">
+            <a:spAutoFit/>
+          </a:bodyPr>
+          <a:lstStyle/>
+          <a:p>
+            <a:pPr algn="just"/>
+            <a:r>
+              <a:rPr lang="en-US" dirty="0" smtClean="0"/>
+              <a:t>As you can see, the revert commit function will create a new commit that undoes the changes of the commit that you chose to revert. In this case, the revert that I just did removed the Hi there text file.</a:t>
+            </a:r>
+            <a:endParaRPr lang="en-SG" dirty="0"/>
+          </a:p>
+        </p:txBody>
+      </p:sp>
+    </p:spTree>
+    <p:extLst>
+      <p:ext uri="{BB962C8B-B14F-4D97-AF65-F5344CB8AC3E}">
+        <p14:creationId xmlns:p14="http://schemas.microsoft.com/office/powerpoint/2010/main" val="1952885107"/>
+      </p:ext>
+    </p:extLst>
+  </p:cSld>
+  <p:clrMapOvr>
+    <a:masterClrMapping/>
+  </p:clrMapOvr>
+</p:sld>
+</file>
+
+<file path=ppt/slides/slide25.xml><?xml version="1.0" encoding="utf-8"?>
+<p:sld xmlns:a="http://schemas.openxmlformats.org/drawingml/2006/main" xmlns:r="http://schemas.openxmlformats.org/officeDocument/2006/relationships" xmlns:p="http://schemas.openxmlformats.org/presentationml/2006/main">
+  <p:cSld>
+    <p:spTree>
+      <p:nvGrpSpPr>
+        <p:cNvPr id="1" name=""/>
+        <p:cNvGrpSpPr/>
+        <p:nvPr/>
+      </p:nvGrpSpPr>
+      <p:grpSpPr>
+        <a:xfrm>
+          <a:off x="0" y="0"/>
+          <a:ext cx="0" cy="0"/>
+          <a:chOff x="0" y="0"/>
+          <a:chExt cx="0" cy="0"/>
+        </a:xfrm>
+      </p:grpSpPr>
+      <p:sp>
+        <p:nvSpPr>
+          <p:cNvPr id="4" name="Title 1"/>
+          <p:cNvSpPr txBox="1">
+            <a:spLocks/>
+          </p:cNvSpPr>
+          <p:nvPr/>
+        </p:nvSpPr>
+        <p:spPr>
+          <a:xfrm>
+            <a:off x="457200" y="8586"/>
+            <a:ext cx="8229600" cy="1143000"/>
+          </a:xfrm>
+          <a:prstGeom prst="rect">
+            <a:avLst/>
+          </a:prstGeom>
+        </p:spPr>
+        <p:txBody>
+          <a:bodyPr vert="horz" lIns="91440" tIns="45720" rIns="91440" bIns="45720" rtlCol="0" anchor="ctr">
+            <a:normAutofit fontScale="97500"/>
+          </a:bodyPr>
+          <a:lstStyle>
+            <a:lvl1pPr algn="ctr" defTabSz="914400" rtl="0" eaLnBrk="1" latinLnBrk="0" hangingPunct="1">
+              <a:spcBef>
+                <a:spcPct val="0"/>
+              </a:spcBef>
+              <a:buNone/>
+              <a:defRPr sz="4400" kern="1200">
+                <a:solidFill>
+                  <a:schemeClr val="tx1"/>
+                </a:solidFill>
+                <a:latin typeface="+mj-lt"/>
+                <a:ea typeface="+mj-ea"/>
+                <a:cs typeface="+mj-cs"/>
+              </a:defRPr>
+            </a:lvl1pPr>
+          </a:lstStyle>
+          <a:p>
+            <a:r>
+              <a:rPr lang="en-US" dirty="0" smtClean="0"/>
+              <a:t>Switching branches</a:t>
+            </a:r>
+            <a:endParaRPr lang="en-SG" dirty="0"/>
+          </a:p>
+        </p:txBody>
+      </p:sp>
+      <p:pic>
+        <p:nvPicPr>
+          <p:cNvPr id="5" name="Picture 4"/>
+          <p:cNvPicPr/>
+          <p:nvPr/>
+        </p:nvPicPr>
+        <p:blipFill>
+          <a:blip r:embed="rId2"/>
+          <a:stretch>
+            <a:fillRect/>
+          </a:stretch>
+        </p:blipFill>
+        <p:spPr>
+          <a:xfrm>
+            <a:off x="685800" y="1066800"/>
+            <a:ext cx="7772400" cy="5334000"/>
+          </a:xfrm>
+          <a:prstGeom prst="rect">
+            <a:avLst/>
+          </a:prstGeom>
+          <a:ln>
+            <a:noFill/>
+          </a:ln>
+          <a:effectLst>
+            <a:outerShdw blurRad="292100" dist="139700" dir="2700000" algn="tl" rotWithShape="0">
+              <a:srgbClr val="333333">
+                <a:alpha val="65000"/>
+              </a:srgbClr>
+            </a:outerShdw>
+          </a:effectLst>
+        </p:spPr>
+      </p:pic>
+      <p:sp>
+        <p:nvSpPr>
+          <p:cNvPr id="6" name="TextBox 5"/>
+          <p:cNvSpPr txBox="1"/>
+          <p:nvPr/>
+        </p:nvSpPr>
+        <p:spPr>
+          <a:xfrm>
+            <a:off x="906887" y="4361765"/>
+            <a:ext cx="7162800" cy="923330"/>
+          </a:xfrm>
+          <a:prstGeom prst="rect">
+            <a:avLst/>
+          </a:prstGeom>
+          <a:noFill/>
+        </p:spPr>
+        <p:txBody>
+          <a:bodyPr wrap="square" rtlCol="0">
+            <a:spAutoFit/>
+          </a:bodyPr>
+          <a:lstStyle/>
+          <a:p>
+            <a:r>
+              <a:rPr lang="en-US" dirty="0" smtClean="0"/>
+              <a:t>To switch to another branch, click on the branch icon as shown in this screenshot. Here I will proceed to switch to my newly created “</a:t>
+            </a:r>
+            <a:r>
+              <a:rPr lang="en-US" dirty="0" err="1" smtClean="0"/>
+              <a:t>heyyou</a:t>
+            </a:r>
+            <a:r>
+              <a:rPr lang="en-US" dirty="0" smtClean="0"/>
+              <a:t>” branch. Note the default branch is the “master”.</a:t>
+            </a:r>
+            <a:endParaRPr lang="en-SG" dirty="0"/>
+          </a:p>
+        </p:txBody>
+      </p:sp>
+    </p:spTree>
+    <p:extLst>
+      <p:ext uri="{BB962C8B-B14F-4D97-AF65-F5344CB8AC3E}">
+        <p14:creationId xmlns:p14="http://schemas.microsoft.com/office/powerpoint/2010/main" val="1474353636"/>
+      </p:ext>
+    </p:extLst>
+  </p:cSld>
+  <p:clrMapOvr>
+    <a:masterClrMapping/>
+  </p:clrMapOvr>
+</p:sld>
+</file>
+
+<file path=ppt/slides/slide26.xml><?xml version="1.0" encoding="utf-8"?>
+<p:sld xmlns:a="http://schemas.openxmlformats.org/drawingml/2006/main" xmlns:r="http://schemas.openxmlformats.org/officeDocument/2006/relationships" xmlns:p="http://schemas.openxmlformats.org/presentationml/2006/main">
+  <p:cSld>
+    <p:spTree>
+      <p:nvGrpSpPr>
+        <p:cNvPr id="1" name=""/>
+        <p:cNvGrpSpPr/>
+        <p:nvPr/>
+      </p:nvGrpSpPr>
+      <p:grpSpPr>
+        <a:xfrm>
+          <a:off x="0" y="0"/>
+          <a:ext cx="0" cy="0"/>
+          <a:chOff x="0" y="0"/>
+          <a:chExt cx="0" cy="0"/>
+        </a:xfrm>
+      </p:grpSpPr>
+      <p:sp>
+        <p:nvSpPr>
+          <p:cNvPr id="2" name="Title 1"/>
+          <p:cNvSpPr>
+            <a:spLocks noGrp="1"/>
+          </p:cNvSpPr>
+          <p:nvPr>
+            <p:ph type="title"/>
+          </p:nvPr>
+        </p:nvSpPr>
+        <p:spPr>
+          <a:xfrm>
+            <a:off x="457200" y="17058"/>
+            <a:ext cx="8229600" cy="1143000"/>
+          </a:xfrm>
+        </p:spPr>
+        <p:txBody>
+          <a:bodyPr/>
+          <a:lstStyle/>
+          <a:p>
+            <a:r>
+              <a:rPr lang="en-US" smtClean="0"/>
+              <a:t>Switching branches</a:t>
+            </a:r>
+            <a:endParaRPr lang="en-SG" dirty="0"/>
+          </a:p>
+        </p:txBody>
+      </p:sp>
+      <p:pic>
+        <p:nvPicPr>
+          <p:cNvPr id="4" name="Picture 3"/>
+          <p:cNvPicPr/>
+          <p:nvPr/>
+        </p:nvPicPr>
+        <p:blipFill>
+          <a:blip r:embed="rId2"/>
+          <a:stretch>
+            <a:fillRect/>
+          </a:stretch>
+        </p:blipFill>
+        <p:spPr>
+          <a:xfrm>
+            <a:off x="533400" y="929425"/>
+            <a:ext cx="8077200" cy="5486400"/>
+          </a:xfrm>
+          <a:prstGeom prst="rect">
+            <a:avLst/>
+          </a:prstGeom>
+          <a:ln>
+            <a:noFill/>
+          </a:ln>
+          <a:effectLst>
+            <a:outerShdw blurRad="292100" dist="139700" dir="2700000" algn="tl" rotWithShape="0">
+              <a:srgbClr val="333333">
+                <a:alpha val="65000"/>
+              </a:srgbClr>
+            </a:outerShdw>
+          </a:effectLst>
+        </p:spPr>
+      </p:pic>
+      <p:sp>
+        <p:nvSpPr>
+          <p:cNvPr id="5" name="TextBox 4"/>
+          <p:cNvSpPr txBox="1"/>
+          <p:nvPr/>
+        </p:nvSpPr>
+        <p:spPr>
+          <a:xfrm>
+            <a:off x="1219200" y="4114800"/>
+            <a:ext cx="6629400" cy="1200329"/>
+          </a:xfrm>
+          <a:prstGeom prst="rect">
+            <a:avLst/>
+          </a:prstGeom>
+          <a:noFill/>
+        </p:spPr>
+        <p:txBody>
+          <a:bodyPr wrap="square" rtlCol="0">
+            <a:spAutoFit/>
+          </a:bodyPr>
+          <a:lstStyle/>
+          <a:p>
+            <a:r>
+              <a:rPr lang="en-US" dirty="0" smtClean="0"/>
+              <a:t>Here you can see that the </a:t>
+            </a:r>
+            <a:r>
+              <a:rPr lang="en-US" dirty="0" err="1" smtClean="0"/>
+              <a:t>heyyou</a:t>
+            </a:r>
+            <a:r>
+              <a:rPr lang="en-US" dirty="0" smtClean="0"/>
+              <a:t> branch is a replica of the master branch. When you create a new branch off from the master, it automatically replicates the master branch and its state (the commits in the master branch).</a:t>
+            </a:r>
+            <a:endParaRPr lang="en-SG" dirty="0"/>
+          </a:p>
+        </p:txBody>
+      </p:sp>
+    </p:spTree>
+    <p:extLst>
+      <p:ext uri="{BB962C8B-B14F-4D97-AF65-F5344CB8AC3E}">
+        <p14:creationId xmlns:p14="http://schemas.microsoft.com/office/powerpoint/2010/main" val="2426417073"/>
+      </p:ext>
+    </p:extLst>
+  </p:cSld>
+  <p:clrMapOvr>
+    <a:masterClrMapping/>
+  </p:clrMapOvr>
+</p:sld>
+</file>
+
+<file path=ppt/slides/slide27.xml><?xml version="1.0" encoding="utf-8"?>
+<p:sld xmlns:a="http://schemas.openxmlformats.org/drawingml/2006/main" xmlns:r="http://schemas.openxmlformats.org/officeDocument/2006/relationships" xmlns:p="http://schemas.openxmlformats.org/presentationml/2006/main">
+  <p:cSld>
+    <p:spTree>
+      <p:nvGrpSpPr>
+        <p:cNvPr id="1" name=""/>
+        <p:cNvGrpSpPr/>
+        <p:nvPr/>
+      </p:nvGrpSpPr>
+      <p:grpSpPr>
+        <a:xfrm>
+          <a:off x="0" y="0"/>
+          <a:ext cx="0" cy="0"/>
+          <a:chOff x="0" y="0"/>
+          <a:chExt cx="0" cy="0"/>
+        </a:xfrm>
+      </p:grpSpPr>
+      <p:sp>
+        <p:nvSpPr>
+          <p:cNvPr id="2" name="Title 1"/>
+          <p:cNvSpPr>
+            <a:spLocks noGrp="1"/>
+          </p:cNvSpPr>
+          <p:nvPr>
+            <p:ph type="title"/>
+          </p:nvPr>
+        </p:nvSpPr>
+        <p:spPr>
+          <a:xfrm>
+            <a:off x="381000" y="5366"/>
+            <a:ext cx="8229600" cy="1143000"/>
+          </a:xfrm>
+        </p:spPr>
+        <p:txBody>
+          <a:bodyPr/>
+          <a:lstStyle/>
+          <a:p>
+            <a:r>
+              <a:rPr lang="en-US" dirty="0" smtClean="0"/>
+              <a:t>Merging Branches</a:t>
+            </a:r>
+            <a:endParaRPr lang="en-SG" dirty="0"/>
+          </a:p>
+        </p:txBody>
+      </p:sp>
+      <p:pic>
+        <p:nvPicPr>
+          <p:cNvPr id="4" name="Picture 3"/>
+          <p:cNvPicPr/>
+          <p:nvPr/>
+        </p:nvPicPr>
+        <p:blipFill>
+          <a:blip r:embed="rId2"/>
+          <a:stretch>
+            <a:fillRect/>
+          </a:stretch>
+        </p:blipFill>
+        <p:spPr>
+          <a:xfrm>
+            <a:off x="446468" y="1066800"/>
+            <a:ext cx="8229600" cy="5486400"/>
+          </a:xfrm>
+          <a:prstGeom prst="rect">
+            <a:avLst/>
+          </a:prstGeom>
+          <a:ln>
+            <a:noFill/>
+          </a:ln>
+          <a:effectLst>
+            <a:outerShdw blurRad="292100" dist="139700" dir="2700000" algn="tl" rotWithShape="0">
+              <a:srgbClr val="333333">
+                <a:alpha val="65000"/>
+              </a:srgbClr>
+            </a:outerShdw>
+          </a:effectLst>
+        </p:spPr>
+      </p:pic>
+      <p:sp>
+        <p:nvSpPr>
+          <p:cNvPr id="5" name="TextBox 4"/>
+          <p:cNvSpPr txBox="1"/>
+          <p:nvPr/>
+        </p:nvSpPr>
+        <p:spPr>
+          <a:xfrm>
+            <a:off x="1219200" y="4419600"/>
+            <a:ext cx="6858000" cy="1200329"/>
+          </a:xfrm>
+          <a:prstGeom prst="rect">
+            <a:avLst/>
+          </a:prstGeom>
+          <a:noFill/>
+        </p:spPr>
+        <p:txBody>
+          <a:bodyPr wrap="square" rtlCol="0">
+            <a:spAutoFit/>
+          </a:bodyPr>
+          <a:lstStyle/>
+          <a:p>
+            <a:pPr algn="just"/>
+            <a:r>
+              <a:rPr lang="en-US" dirty="0" smtClean="0"/>
+              <a:t>To demonstrate the merging feature, i will make some changes to the Hi there text file in my “</a:t>
+            </a:r>
+            <a:r>
+              <a:rPr lang="en-US" dirty="0" err="1" smtClean="0"/>
+              <a:t>heyyou</a:t>
+            </a:r>
+            <a:r>
+              <a:rPr lang="en-US" dirty="0" smtClean="0"/>
+              <a:t>” branch. Here, to make it simple, I have reverted the latest commit to create a new commit. Thus, the latest revert brought back my Hi there text file.</a:t>
+            </a:r>
+            <a:endParaRPr lang="en-SG" dirty="0"/>
+          </a:p>
+        </p:txBody>
+      </p:sp>
+      <p:cxnSp>
+        <p:nvCxnSpPr>
+          <p:cNvPr id="7" name="Straight Arrow Connector 6"/>
+          <p:cNvCxnSpPr/>
+          <p:nvPr/>
+        </p:nvCxnSpPr>
+        <p:spPr>
+          <a:xfrm flipH="1" flipV="1">
+            <a:off x="7239000" y="3505200"/>
+            <a:ext cx="381000" cy="914400"/>
+          </a:xfrm>
+          <a:prstGeom prst="straightConnector1">
+            <a:avLst/>
+          </a:prstGeom>
+          <a:ln>
+            <a:tailEnd type="arrow"/>
+          </a:ln>
+        </p:spPr>
+        <p:style>
+          <a:lnRef idx="2">
+            <a:schemeClr val="dk1"/>
+          </a:lnRef>
+          <a:fillRef idx="0">
+            <a:schemeClr val="dk1"/>
+          </a:fillRef>
+          <a:effectRef idx="1">
+            <a:schemeClr val="dk1"/>
+          </a:effectRef>
+          <a:fontRef idx="minor">
+            <a:schemeClr val="tx1"/>
+          </a:fontRef>
+        </p:style>
+      </p:cxnSp>
+    </p:spTree>
+    <p:extLst>
+      <p:ext uri="{BB962C8B-B14F-4D97-AF65-F5344CB8AC3E}">
+        <p14:creationId xmlns:p14="http://schemas.microsoft.com/office/powerpoint/2010/main" val="545859770"/>
+      </p:ext>
+    </p:extLst>
+  </p:cSld>
+  <p:clrMapOvr>
+    <a:masterClrMapping/>
+  </p:clrMapOvr>
+</p:sld>
+</file>
+
+<file path=ppt/slides/slide28.xml><?xml version="1.0" encoding="utf-8"?>
+<p:sld xmlns:a="http://schemas.openxmlformats.org/drawingml/2006/main" xmlns:r="http://schemas.openxmlformats.org/officeDocument/2006/relationships" xmlns:p="http://schemas.openxmlformats.org/presentationml/2006/main">
+  <p:cSld>
+    <p:spTree>
+      <p:nvGrpSpPr>
+        <p:cNvPr id="1" name=""/>
+        <p:cNvGrpSpPr/>
+        <p:nvPr/>
+      </p:nvGrpSpPr>
+      <p:grpSpPr>
+        <a:xfrm>
+          <a:off x="0" y="0"/>
+          <a:ext cx="0" cy="0"/>
+          <a:chOff x="0" y="0"/>
+          <a:chExt cx="0" cy="0"/>
+        </a:xfrm>
+      </p:grpSpPr>
+      <p:pic>
+        <p:nvPicPr>
+          <p:cNvPr id="4" name="Picture 3"/>
+          <p:cNvPicPr/>
+          <p:nvPr/>
+        </p:nvPicPr>
+        <p:blipFill>
+          <a:blip r:embed="rId2"/>
+          <a:stretch>
+            <a:fillRect/>
+          </a:stretch>
+        </p:blipFill>
+        <p:spPr>
+          <a:xfrm>
+            <a:off x="775952" y="914400"/>
+            <a:ext cx="7620000" cy="5638800"/>
+          </a:xfrm>
+          <a:prstGeom prst="rect">
+            <a:avLst/>
+          </a:prstGeom>
+          <a:ln>
+            <a:noFill/>
+          </a:ln>
+          <a:effectLst>
+            <a:outerShdw blurRad="292100" dist="139700" dir="2700000" algn="tl" rotWithShape="0">
+              <a:srgbClr val="333333">
+                <a:alpha val="65000"/>
+              </a:srgbClr>
+            </a:outerShdw>
+          </a:effectLst>
+        </p:spPr>
+      </p:pic>
+      <p:sp>
+        <p:nvSpPr>
+          <p:cNvPr id="5" name="Title 1"/>
+          <p:cNvSpPr>
+            <a:spLocks noGrp="1"/>
+          </p:cNvSpPr>
+          <p:nvPr>
+            <p:ph type="title"/>
+          </p:nvPr>
+        </p:nvSpPr>
+        <p:spPr>
+          <a:xfrm>
+            <a:off x="381000" y="5366"/>
+            <a:ext cx="8229600" cy="1143000"/>
+          </a:xfrm>
+        </p:spPr>
+        <p:txBody>
+          <a:bodyPr/>
+          <a:lstStyle/>
+          <a:p>
+            <a:r>
+              <a:rPr lang="en-US" dirty="0" smtClean="0"/>
+              <a:t>Merging Branches</a:t>
+            </a:r>
+            <a:endParaRPr lang="en-SG" dirty="0"/>
+          </a:p>
+        </p:txBody>
+      </p:sp>
+      <p:sp>
+        <p:nvSpPr>
+          <p:cNvPr id="6" name="TextBox 5"/>
+          <p:cNvSpPr txBox="1"/>
+          <p:nvPr/>
+        </p:nvSpPr>
+        <p:spPr>
+          <a:xfrm>
+            <a:off x="990600" y="4724400"/>
+            <a:ext cx="7162800" cy="1200329"/>
+          </a:xfrm>
+          <a:prstGeom prst="rect">
+            <a:avLst/>
+          </a:prstGeom>
+          <a:noFill/>
+        </p:spPr>
+        <p:txBody>
+          <a:bodyPr wrap="square" rtlCol="0">
+            <a:spAutoFit/>
+          </a:bodyPr>
+          <a:lstStyle/>
+          <a:p>
+            <a:r>
+              <a:rPr lang="en-US" dirty="0" smtClean="0"/>
+              <a:t>I shall now proceed to merge the “</a:t>
+            </a:r>
+            <a:r>
+              <a:rPr lang="en-US" dirty="0" err="1" smtClean="0"/>
+              <a:t>heyyou</a:t>
+            </a:r>
+            <a:r>
+              <a:rPr lang="en-US" dirty="0" smtClean="0"/>
+              <a:t>” branch with my master branch. Note that the fourth commit which I did in this branch, “Revert “Revert “Test version 0.2”” is only present in this branch. If you switch to the master branch, you should see only three commits.</a:t>
+            </a:r>
+            <a:endParaRPr lang="en-SG" dirty="0"/>
+          </a:p>
+        </p:txBody>
+      </p:sp>
+      <p:sp>
+        <p:nvSpPr>
+          <p:cNvPr id="7" name="TextBox 6"/>
+          <p:cNvSpPr txBox="1"/>
+          <p:nvPr/>
+        </p:nvSpPr>
+        <p:spPr>
+          <a:xfrm>
+            <a:off x="990600" y="3581400"/>
+            <a:ext cx="3581400" cy="646331"/>
+          </a:xfrm>
+          <a:prstGeom prst="rect">
+            <a:avLst/>
+          </a:prstGeom>
+          <a:noFill/>
+        </p:spPr>
+        <p:txBody>
+          <a:bodyPr wrap="square" rtlCol="0">
+            <a:spAutoFit/>
+          </a:bodyPr>
+          <a:lstStyle/>
+          <a:p>
+            <a:r>
+              <a:rPr lang="en-US" dirty="0" smtClean="0"/>
+              <a:t>To access the merge menu, click on the manage sign.</a:t>
+            </a:r>
+            <a:endParaRPr lang="en-SG" dirty="0"/>
+          </a:p>
+        </p:txBody>
+      </p:sp>
+      <p:cxnSp>
+        <p:nvCxnSpPr>
+          <p:cNvPr id="9" name="Straight Arrow Connector 8"/>
+          <p:cNvCxnSpPr/>
+          <p:nvPr/>
+        </p:nvCxnSpPr>
+        <p:spPr>
+          <a:xfrm flipV="1">
+            <a:off x="4191000" y="2514600"/>
+            <a:ext cx="762000" cy="1066800"/>
+          </a:xfrm>
+          <a:prstGeom prst="straightConnector1">
+            <a:avLst/>
+          </a:prstGeom>
+          <a:ln>
+            <a:tailEnd type="arrow"/>
+          </a:ln>
+        </p:spPr>
+        <p:style>
+          <a:lnRef idx="2">
+            <a:schemeClr val="dk1"/>
+          </a:lnRef>
+          <a:fillRef idx="0">
+            <a:schemeClr val="dk1"/>
+          </a:fillRef>
+          <a:effectRef idx="1">
+            <a:schemeClr val="dk1"/>
+          </a:effectRef>
+          <a:fontRef idx="minor">
+            <a:schemeClr val="tx1"/>
+          </a:fontRef>
+        </p:style>
+      </p:cxnSp>
+    </p:spTree>
+    <p:extLst>
+      <p:ext uri="{BB962C8B-B14F-4D97-AF65-F5344CB8AC3E}">
+        <p14:creationId xmlns:p14="http://schemas.microsoft.com/office/powerpoint/2010/main" val="4002065701"/>
+      </p:ext>
+    </p:extLst>
+  </p:cSld>
+  <p:clrMapOvr>
+    <a:masterClrMapping/>
+  </p:clrMapOvr>
+</p:sld>
+</file>
+
+<file path=ppt/slides/slide29.xml><?xml version="1.0" encoding="utf-8"?>
+<p:sld xmlns:a="http://schemas.openxmlformats.org/drawingml/2006/main" xmlns:r="http://schemas.openxmlformats.org/officeDocument/2006/relationships" xmlns:p="http://schemas.openxmlformats.org/presentationml/2006/main">
+  <p:cSld>
+    <p:spTree>
+      <p:nvGrpSpPr>
+        <p:cNvPr id="1" name=""/>
+        <p:cNvGrpSpPr/>
+        <p:nvPr/>
+      </p:nvGrpSpPr>
+      <p:grpSpPr>
+        <a:xfrm>
+          <a:off x="0" y="0"/>
+          <a:ext cx="0" cy="0"/>
+          <a:chOff x="0" y="0"/>
+          <a:chExt cx="0" cy="0"/>
+        </a:xfrm>
+      </p:grpSpPr>
+      <p:sp>
+        <p:nvSpPr>
+          <p:cNvPr id="4" name="Title 1"/>
+          <p:cNvSpPr>
+            <a:spLocks noGrp="1"/>
+          </p:cNvSpPr>
+          <p:nvPr>
+            <p:ph type="title"/>
+          </p:nvPr>
+        </p:nvSpPr>
+        <p:spPr>
+          <a:xfrm>
+            <a:off x="381000" y="5366"/>
+            <a:ext cx="8229600" cy="1143000"/>
+          </a:xfrm>
+        </p:spPr>
+        <p:txBody>
+          <a:bodyPr/>
+          <a:lstStyle/>
+          <a:p>
+            <a:r>
+              <a:rPr lang="en-US" dirty="0" smtClean="0"/>
+              <a:t>Merging Branches</a:t>
+            </a:r>
+            <a:endParaRPr lang="en-SG" dirty="0"/>
+          </a:p>
+        </p:txBody>
+      </p:sp>
+      <p:pic>
+        <p:nvPicPr>
+          <p:cNvPr id="5" name="Picture 4"/>
+          <p:cNvPicPr/>
+          <p:nvPr/>
+        </p:nvPicPr>
+        <p:blipFill>
+          <a:blip r:embed="rId2"/>
+          <a:stretch>
+            <a:fillRect/>
+          </a:stretch>
+        </p:blipFill>
+        <p:spPr>
+          <a:xfrm>
+            <a:off x="838200" y="1081825"/>
+            <a:ext cx="7772400" cy="5334000"/>
+          </a:xfrm>
+          <a:prstGeom prst="rect">
+            <a:avLst/>
+          </a:prstGeom>
+          <a:ln>
+            <a:noFill/>
+          </a:ln>
+          <a:effectLst>
+            <a:outerShdw blurRad="292100" dist="139700" dir="2700000" algn="tl" rotWithShape="0">
+              <a:srgbClr val="333333">
+                <a:alpha val="65000"/>
+              </a:srgbClr>
+            </a:outerShdw>
+          </a:effectLst>
+        </p:spPr>
+      </p:pic>
+      <p:sp>
+        <p:nvSpPr>
+          <p:cNvPr id="6" name="TextBox 5"/>
+          <p:cNvSpPr txBox="1"/>
+          <p:nvPr/>
+        </p:nvSpPr>
+        <p:spPr>
+          <a:xfrm>
+            <a:off x="2514600" y="3980765"/>
+            <a:ext cx="5943600" cy="923330"/>
+          </a:xfrm>
+          <a:prstGeom prst="rect">
+            <a:avLst/>
+          </a:prstGeom>
+          <a:noFill/>
+        </p:spPr>
+        <p:txBody>
+          <a:bodyPr wrap="square" rtlCol="0">
+            <a:spAutoFit/>
+          </a:bodyPr>
+          <a:lstStyle/>
+          <a:p>
+            <a:r>
+              <a:rPr lang="en-US" dirty="0" smtClean="0">
+                <a:solidFill>
+                  <a:schemeClr val="bg1"/>
+                </a:solidFill>
+              </a:rPr>
+              <a:t>Here, you will get to see all your branches. To merge any two branch, drag and drop the branches in the below containers. We shall do a merge and see what happens.</a:t>
+            </a:r>
+            <a:endParaRPr lang="en-SG" dirty="0">
+              <a:solidFill>
+                <a:schemeClr val="bg1"/>
+              </a:solidFill>
+            </a:endParaRPr>
+          </a:p>
+        </p:txBody>
+      </p:sp>
+      <p:cxnSp>
+        <p:nvCxnSpPr>
+          <p:cNvPr id="8" name="Straight Arrow Connector 7"/>
+          <p:cNvCxnSpPr/>
+          <p:nvPr/>
+        </p:nvCxnSpPr>
+        <p:spPr>
+          <a:xfrm flipH="1">
+            <a:off x="4572000" y="4724400"/>
+            <a:ext cx="152400" cy="990600"/>
+          </a:xfrm>
+          <a:prstGeom prst="straightConnector1">
+            <a:avLst/>
+          </a:prstGeom>
+          <a:ln>
+            <a:tailEnd type="arrow"/>
+          </a:ln>
+        </p:spPr>
+        <p:style>
+          <a:lnRef idx="2">
+            <a:schemeClr val="dk1"/>
+          </a:lnRef>
+          <a:fillRef idx="0">
+            <a:schemeClr val="dk1"/>
+          </a:fillRef>
+          <a:effectRef idx="1">
+            <a:schemeClr val="dk1"/>
+          </a:effectRef>
+          <a:fontRef idx="minor">
+            <a:schemeClr val="tx1"/>
+          </a:fontRef>
+        </p:style>
+      </p:cxnSp>
+    </p:spTree>
+    <p:extLst>
+      <p:ext uri="{BB962C8B-B14F-4D97-AF65-F5344CB8AC3E}">
+        <p14:creationId xmlns:p14="http://schemas.microsoft.com/office/powerpoint/2010/main" val="1468856900"/>
       </p:ext>
     </p:extLst>
   </p:cSld>
@@ -3257,46 +6336,715 @@
       </p:grpSpPr>
       <p:sp>
         <p:nvSpPr>
-          <p:cNvPr id="2" name="Title 1"/>
-          <p:cNvSpPr>
-            <a:spLocks noGrp="1"/>
-          </p:cNvSpPr>
-          <p:nvPr>
-            <p:ph type="title"/>
-          </p:nvPr>
-        </p:nvSpPr>
-        <p:spPr/>
+          <p:cNvPr id="3" name="Content Placeholder 2"/>
+          <p:cNvSpPr>
+            <a:spLocks noGrp="1"/>
+          </p:cNvSpPr>
+          <p:nvPr>
+            <p:ph idx="1"/>
+          </p:nvPr>
+        </p:nvSpPr>
+        <p:spPr>
+          <a:xfrm>
+            <a:off x="539552" y="764704"/>
+            <a:ext cx="8229600" cy="5821363"/>
+          </a:xfrm>
+        </p:spPr>
         <p:txBody>
           <a:bodyPr/>
           <a:lstStyle/>
           <a:p>
-            <a:endParaRPr lang="en-SG"/>
-          </a:p>
-        </p:txBody>
-      </p:sp>
-      <p:sp>
-        <p:nvSpPr>
-          <p:cNvPr id="3" name="Content Placeholder 2"/>
-          <p:cNvSpPr>
-            <a:spLocks noGrp="1"/>
-          </p:cNvSpPr>
-          <p:nvPr>
-            <p:ph idx="1"/>
-          </p:nvPr>
-        </p:nvSpPr>
-        <p:spPr/>
-        <p:txBody>
-          <a:bodyPr/>
-          <a:lstStyle/>
-          <a:p>
-            <a:endParaRPr lang="en-SG"/>
+            <a:pPr marL="0" indent="0" algn="just">
+              <a:buNone/>
+            </a:pPr>
+            <a:r>
+              <a:rPr lang="en-US" dirty="0" smtClean="0"/>
+              <a:t>The </a:t>
+            </a:r>
+            <a:r>
+              <a:rPr lang="en-US" dirty="0" err="1" smtClean="0"/>
+              <a:t>Git</a:t>
+            </a:r>
+            <a:r>
+              <a:rPr lang="en-US" dirty="0" smtClean="0"/>
+              <a:t> Hub App is a GUI interface to complement the </a:t>
+            </a:r>
+            <a:r>
+              <a:rPr lang="en-US" dirty="0" err="1" smtClean="0"/>
+              <a:t>git</a:t>
+            </a:r>
+            <a:r>
+              <a:rPr lang="en-US" dirty="0" smtClean="0"/>
+              <a:t> bash console. It is especially friendly towards non-tech savvy users who are not used to writing programming codes. However the trade-off with the user-friendly interface is the limited functional capability. For more advanced users, they may find the </a:t>
+            </a:r>
+            <a:r>
+              <a:rPr lang="en-US" dirty="0" err="1" smtClean="0"/>
+              <a:t>Git</a:t>
+            </a:r>
+            <a:r>
+              <a:rPr lang="en-US" dirty="0" smtClean="0"/>
+              <a:t> Hub App not very satisfying. In this tutorial, you will be learning the features that the </a:t>
+            </a:r>
+            <a:r>
+              <a:rPr lang="en-US" dirty="0" err="1" smtClean="0"/>
+              <a:t>Git</a:t>
+            </a:r>
+            <a:r>
+              <a:rPr lang="en-US" dirty="0" smtClean="0"/>
+              <a:t> Hub App provides.</a:t>
+            </a:r>
+            <a:endParaRPr lang="en-SG" dirty="0"/>
           </a:p>
         </p:txBody>
       </p:sp>
     </p:spTree>
     <p:extLst>
       <p:ext uri="{BB962C8B-B14F-4D97-AF65-F5344CB8AC3E}">
-        <p14:creationId xmlns:p14="http://schemas.microsoft.com/office/powerpoint/2010/main" val="485328335"/>
+        <p14:creationId xmlns:p14="http://schemas.microsoft.com/office/powerpoint/2010/main" val="990498507"/>
+      </p:ext>
+    </p:extLst>
+  </p:cSld>
+  <p:clrMapOvr>
+    <a:masterClrMapping/>
+  </p:clrMapOvr>
+</p:sld>
+</file>
+
+<file path=ppt/slides/slide30.xml><?xml version="1.0" encoding="utf-8"?>
+<p:sld xmlns:a="http://schemas.openxmlformats.org/drawingml/2006/main" xmlns:r="http://schemas.openxmlformats.org/officeDocument/2006/relationships" xmlns:p="http://schemas.openxmlformats.org/presentationml/2006/main">
+  <p:cSld>
+    <p:spTree>
+      <p:nvGrpSpPr>
+        <p:cNvPr id="1" name=""/>
+        <p:cNvGrpSpPr/>
+        <p:nvPr/>
+      </p:nvGrpSpPr>
+      <p:grpSpPr>
+        <a:xfrm>
+          <a:off x="0" y="0"/>
+          <a:ext cx="0" cy="0"/>
+          <a:chOff x="0" y="0"/>
+          <a:chExt cx="0" cy="0"/>
+        </a:xfrm>
+      </p:grpSpPr>
+      <p:sp>
+        <p:nvSpPr>
+          <p:cNvPr id="4" name="Title 1"/>
+          <p:cNvSpPr>
+            <a:spLocks noGrp="1"/>
+          </p:cNvSpPr>
+          <p:nvPr>
+            <p:ph type="title"/>
+          </p:nvPr>
+        </p:nvSpPr>
+        <p:spPr>
+          <a:xfrm>
+            <a:off x="381000" y="5366"/>
+            <a:ext cx="8229600" cy="1143000"/>
+          </a:xfrm>
+        </p:spPr>
+        <p:txBody>
+          <a:bodyPr/>
+          <a:lstStyle/>
+          <a:p>
+            <a:r>
+              <a:rPr lang="en-US" dirty="0" smtClean="0"/>
+              <a:t>Merging Branches</a:t>
+            </a:r>
+            <a:endParaRPr lang="en-SG" dirty="0"/>
+          </a:p>
+        </p:txBody>
+      </p:sp>
+      <p:pic>
+        <p:nvPicPr>
+          <p:cNvPr id="6" name="Picture 5"/>
+          <p:cNvPicPr/>
+          <p:nvPr/>
+        </p:nvPicPr>
+        <p:blipFill>
+          <a:blip r:embed="rId2"/>
+          <a:stretch>
+            <a:fillRect/>
+          </a:stretch>
+        </p:blipFill>
+        <p:spPr>
+          <a:xfrm>
+            <a:off x="457200" y="1047792"/>
+            <a:ext cx="8229600" cy="5486400"/>
+          </a:xfrm>
+          <a:prstGeom prst="rect">
+            <a:avLst/>
+          </a:prstGeom>
+          <a:ln>
+            <a:noFill/>
+          </a:ln>
+          <a:effectLst>
+            <a:outerShdw blurRad="292100" dist="139700" dir="2700000" algn="tl" rotWithShape="0">
+              <a:srgbClr val="333333">
+                <a:alpha val="65000"/>
+              </a:srgbClr>
+            </a:outerShdw>
+          </a:effectLst>
+        </p:spPr>
+      </p:pic>
+      <p:sp>
+        <p:nvSpPr>
+          <p:cNvPr id="7" name="TextBox 6"/>
+          <p:cNvSpPr txBox="1"/>
+          <p:nvPr/>
+        </p:nvSpPr>
+        <p:spPr>
+          <a:xfrm>
+            <a:off x="813515" y="4495800"/>
+            <a:ext cx="7543800" cy="646331"/>
+          </a:xfrm>
+          <a:prstGeom prst="rect">
+            <a:avLst/>
+          </a:prstGeom>
+          <a:noFill/>
+        </p:spPr>
+        <p:txBody>
+          <a:bodyPr wrap="square" rtlCol="0">
+            <a:spAutoFit/>
+          </a:bodyPr>
+          <a:lstStyle/>
+          <a:p>
+            <a:r>
+              <a:rPr lang="en-US" dirty="0" smtClean="0"/>
+              <a:t>This is the result of the merge, I am back in my master branch and you can see the change in my “</a:t>
+            </a:r>
+            <a:r>
+              <a:rPr lang="en-US" dirty="0" err="1" smtClean="0"/>
+              <a:t>heyyou</a:t>
+            </a:r>
+            <a:r>
+              <a:rPr lang="en-US" dirty="0" smtClean="0"/>
+              <a:t>” branch is now present in my master branch.</a:t>
+            </a:r>
+            <a:endParaRPr lang="en-SG" dirty="0"/>
+          </a:p>
+        </p:txBody>
+      </p:sp>
+      <p:cxnSp>
+        <p:nvCxnSpPr>
+          <p:cNvPr id="9" name="Straight Arrow Connector 8"/>
+          <p:cNvCxnSpPr/>
+          <p:nvPr/>
+        </p:nvCxnSpPr>
+        <p:spPr>
+          <a:xfrm flipH="1" flipV="1">
+            <a:off x="7162800" y="2514600"/>
+            <a:ext cx="152400" cy="1905000"/>
+          </a:xfrm>
+          <a:prstGeom prst="straightConnector1">
+            <a:avLst/>
+          </a:prstGeom>
+          <a:ln>
+            <a:tailEnd type="arrow"/>
+          </a:ln>
+        </p:spPr>
+        <p:style>
+          <a:lnRef idx="2">
+            <a:schemeClr val="dk1"/>
+          </a:lnRef>
+          <a:fillRef idx="0">
+            <a:schemeClr val="dk1"/>
+          </a:fillRef>
+          <a:effectRef idx="1">
+            <a:schemeClr val="dk1"/>
+          </a:effectRef>
+          <a:fontRef idx="minor">
+            <a:schemeClr val="tx1"/>
+          </a:fontRef>
+        </p:style>
+      </p:cxnSp>
+    </p:spTree>
+    <p:extLst>
+      <p:ext uri="{BB962C8B-B14F-4D97-AF65-F5344CB8AC3E}">
+        <p14:creationId xmlns:p14="http://schemas.microsoft.com/office/powerpoint/2010/main" val="3485094783"/>
+      </p:ext>
+    </p:extLst>
+  </p:cSld>
+  <p:clrMapOvr>
+    <a:masterClrMapping/>
+  </p:clrMapOvr>
+</p:sld>
+</file>
+
+<file path=ppt/slides/slide31.xml><?xml version="1.0" encoding="utf-8"?>
+<p:sld xmlns:a="http://schemas.openxmlformats.org/drawingml/2006/main" xmlns:r="http://schemas.openxmlformats.org/officeDocument/2006/relationships" xmlns:p="http://schemas.openxmlformats.org/presentationml/2006/main">
+  <p:cSld>
+    <p:spTree>
+      <p:nvGrpSpPr>
+        <p:cNvPr id="1" name=""/>
+        <p:cNvGrpSpPr/>
+        <p:nvPr/>
+      </p:nvGrpSpPr>
+      <p:grpSpPr>
+        <a:xfrm>
+          <a:off x="0" y="0"/>
+          <a:ext cx="0" cy="0"/>
+          <a:chOff x="0" y="0"/>
+          <a:chExt cx="0" cy="0"/>
+        </a:xfrm>
+      </p:grpSpPr>
+      <p:sp>
+        <p:nvSpPr>
+          <p:cNvPr id="2" name="Title 1"/>
+          <p:cNvSpPr>
+            <a:spLocks noGrp="1"/>
+          </p:cNvSpPr>
+          <p:nvPr>
+            <p:ph type="title"/>
+          </p:nvPr>
+        </p:nvSpPr>
+        <p:spPr>
+          <a:xfrm>
+            <a:off x="457200" y="17058"/>
+            <a:ext cx="8229600" cy="1143000"/>
+          </a:xfrm>
+        </p:spPr>
+        <p:txBody>
+          <a:bodyPr/>
+          <a:lstStyle/>
+          <a:p>
+            <a:r>
+              <a:rPr lang="en-US" dirty="0" smtClean="0"/>
+              <a:t>Publishing your repos</a:t>
+            </a:r>
+            <a:endParaRPr lang="en-SG" dirty="0"/>
+          </a:p>
+        </p:txBody>
+      </p:sp>
+      <p:pic>
+        <p:nvPicPr>
+          <p:cNvPr id="4" name="Picture 3"/>
+          <p:cNvPicPr/>
+          <p:nvPr/>
+        </p:nvPicPr>
+        <p:blipFill>
+          <a:blip r:embed="rId2"/>
+          <a:stretch>
+            <a:fillRect/>
+          </a:stretch>
+        </p:blipFill>
+        <p:spPr>
+          <a:xfrm>
+            <a:off x="381000" y="1295400"/>
+            <a:ext cx="8382000" cy="5181600"/>
+          </a:xfrm>
+          <a:prstGeom prst="rect">
+            <a:avLst/>
+          </a:prstGeom>
+          <a:ln>
+            <a:noFill/>
+          </a:ln>
+          <a:effectLst>
+            <a:outerShdw blurRad="292100" dist="139700" dir="2700000" algn="tl" rotWithShape="0">
+              <a:srgbClr val="333333">
+                <a:alpha val="65000"/>
+              </a:srgbClr>
+            </a:outerShdw>
+          </a:effectLst>
+        </p:spPr>
+      </p:pic>
+      <p:sp>
+        <p:nvSpPr>
+          <p:cNvPr id="5" name="TextBox 4"/>
+          <p:cNvSpPr txBox="1"/>
+          <p:nvPr/>
+        </p:nvSpPr>
+        <p:spPr>
+          <a:xfrm>
+            <a:off x="990600" y="4465746"/>
+            <a:ext cx="6934200" cy="2031325"/>
+          </a:xfrm>
+          <a:prstGeom prst="rect">
+            <a:avLst/>
+          </a:prstGeom>
+          <a:noFill/>
+        </p:spPr>
+        <p:txBody>
+          <a:bodyPr wrap="square" rtlCol="0">
+            <a:spAutoFit/>
+          </a:bodyPr>
+          <a:lstStyle/>
+          <a:p>
+            <a:r>
+              <a:rPr lang="en-US" dirty="0" smtClean="0"/>
+              <a:t>Publishing your repo basically means, creating a copy of the contents of your local repo and pasting it into your remote repo on </a:t>
+            </a:r>
+            <a:r>
+              <a:rPr lang="en-US" dirty="0" err="1" smtClean="0"/>
+              <a:t>Git</a:t>
+            </a:r>
+            <a:r>
+              <a:rPr lang="en-US" dirty="0" smtClean="0"/>
+              <a:t> Hub. As you can see all my commits are currently </a:t>
+            </a:r>
+            <a:r>
+              <a:rPr lang="en-US" dirty="0" err="1" smtClean="0"/>
+              <a:t>unsynced</a:t>
+            </a:r>
+            <a:r>
+              <a:rPr lang="en-US" dirty="0" smtClean="0"/>
+              <a:t>, which means that my Remote repo is not in sync with my local repo. To make both in sync press the publish button on top. Not that you can only be on one branch at a time, therefore if you wish to publish multiple branches, you have to manually switch to every branch and conduct a publish.</a:t>
+            </a:r>
+            <a:endParaRPr lang="en-SG" dirty="0"/>
+          </a:p>
+        </p:txBody>
+      </p:sp>
+      <p:cxnSp>
+        <p:nvCxnSpPr>
+          <p:cNvPr id="7" name="Straight Arrow Connector 6"/>
+          <p:cNvCxnSpPr/>
+          <p:nvPr/>
+        </p:nvCxnSpPr>
+        <p:spPr>
+          <a:xfrm flipV="1">
+            <a:off x="4114800" y="1676400"/>
+            <a:ext cx="228600" cy="2895600"/>
+          </a:xfrm>
+          <a:prstGeom prst="straightConnector1">
+            <a:avLst/>
+          </a:prstGeom>
+          <a:ln>
+            <a:tailEnd type="arrow"/>
+          </a:ln>
+        </p:spPr>
+        <p:style>
+          <a:lnRef idx="2">
+            <a:schemeClr val="dk1"/>
+          </a:lnRef>
+          <a:fillRef idx="0">
+            <a:schemeClr val="dk1"/>
+          </a:fillRef>
+          <a:effectRef idx="1">
+            <a:schemeClr val="dk1"/>
+          </a:effectRef>
+          <a:fontRef idx="minor">
+            <a:schemeClr val="tx1"/>
+          </a:fontRef>
+        </p:style>
+      </p:cxnSp>
+    </p:spTree>
+    <p:extLst>
+      <p:ext uri="{BB962C8B-B14F-4D97-AF65-F5344CB8AC3E}">
+        <p14:creationId xmlns:p14="http://schemas.microsoft.com/office/powerpoint/2010/main" val="3680362911"/>
+      </p:ext>
+    </p:extLst>
+  </p:cSld>
+  <p:clrMapOvr>
+    <a:masterClrMapping/>
+  </p:clrMapOvr>
+</p:sld>
+</file>
+
+<file path=ppt/slides/slide32.xml><?xml version="1.0" encoding="utf-8"?>
+<p:sld xmlns:a="http://schemas.openxmlformats.org/drawingml/2006/main" xmlns:r="http://schemas.openxmlformats.org/officeDocument/2006/relationships" xmlns:p="http://schemas.openxmlformats.org/presentationml/2006/main">
+  <p:cSld>
+    <p:spTree>
+      <p:nvGrpSpPr>
+        <p:cNvPr id="1" name=""/>
+        <p:cNvGrpSpPr/>
+        <p:nvPr/>
+      </p:nvGrpSpPr>
+      <p:grpSpPr>
+        <a:xfrm>
+          <a:off x="0" y="0"/>
+          <a:ext cx="0" cy="0"/>
+          <a:chOff x="0" y="0"/>
+          <a:chExt cx="0" cy="0"/>
+        </a:xfrm>
+      </p:grpSpPr>
+      <p:sp>
+        <p:nvSpPr>
+          <p:cNvPr id="2" name="Title 1"/>
+          <p:cNvSpPr>
+            <a:spLocks noGrp="1"/>
+          </p:cNvSpPr>
+          <p:nvPr>
+            <p:ph type="title"/>
+          </p:nvPr>
+        </p:nvSpPr>
+        <p:spPr>
+          <a:xfrm>
+            <a:off x="457200" y="17058"/>
+            <a:ext cx="8229600" cy="1143000"/>
+          </a:xfrm>
+        </p:spPr>
+        <p:txBody>
+          <a:bodyPr/>
+          <a:lstStyle/>
+          <a:p>
+            <a:r>
+              <a:rPr lang="en-US" dirty="0" smtClean="0"/>
+              <a:t>Syncing local and remote branches</a:t>
+            </a:r>
+            <a:endParaRPr lang="en-SG" dirty="0"/>
+          </a:p>
+        </p:txBody>
+      </p:sp>
+      <p:pic>
+        <p:nvPicPr>
+          <p:cNvPr id="4" name="Picture 3"/>
+          <p:cNvPicPr/>
+          <p:nvPr/>
+        </p:nvPicPr>
+        <p:blipFill>
+          <a:blip r:embed="rId2"/>
+          <a:stretch>
+            <a:fillRect/>
+          </a:stretch>
+        </p:blipFill>
+        <p:spPr>
+          <a:xfrm>
+            <a:off x="152400" y="1356575"/>
+            <a:ext cx="8839200" cy="5181600"/>
+          </a:xfrm>
+          <a:prstGeom prst="rect">
+            <a:avLst/>
+          </a:prstGeom>
+          <a:ln>
+            <a:noFill/>
+          </a:ln>
+          <a:effectLst>
+            <a:outerShdw blurRad="292100" dist="139700" dir="2700000" algn="tl" rotWithShape="0">
+              <a:srgbClr val="333333">
+                <a:alpha val="65000"/>
+              </a:srgbClr>
+            </a:outerShdw>
+          </a:effectLst>
+        </p:spPr>
+      </p:pic>
+      <p:sp>
+        <p:nvSpPr>
+          <p:cNvPr id="5" name="TextBox 4"/>
+          <p:cNvSpPr txBox="1"/>
+          <p:nvPr/>
+        </p:nvSpPr>
+        <p:spPr>
+          <a:xfrm>
+            <a:off x="381000" y="4038600"/>
+            <a:ext cx="8229600" cy="923330"/>
+          </a:xfrm>
+          <a:prstGeom prst="rect">
+            <a:avLst/>
+          </a:prstGeom>
+          <a:noFill/>
+        </p:spPr>
+        <p:txBody>
+          <a:bodyPr wrap="square" rtlCol="0">
+            <a:spAutoFit/>
+          </a:bodyPr>
+          <a:lstStyle/>
+          <a:p>
+            <a:r>
+              <a:rPr lang="en-US" dirty="0" smtClean="0"/>
+              <a:t>After you initial publish, all you have to check to make sure that your remote repo is up to date with your local repo is to look here. If it says in sync, it means both your remote and local repos are on the same page.</a:t>
+            </a:r>
+            <a:endParaRPr lang="en-SG" dirty="0"/>
+          </a:p>
+        </p:txBody>
+      </p:sp>
+      <p:cxnSp>
+        <p:nvCxnSpPr>
+          <p:cNvPr id="7" name="Straight Arrow Connector 6"/>
+          <p:cNvCxnSpPr/>
+          <p:nvPr/>
+        </p:nvCxnSpPr>
+        <p:spPr>
+          <a:xfrm flipH="1" flipV="1">
+            <a:off x="4343400" y="1676400"/>
+            <a:ext cx="533400" cy="2362200"/>
+          </a:xfrm>
+          <a:prstGeom prst="straightConnector1">
+            <a:avLst/>
+          </a:prstGeom>
+          <a:ln>
+            <a:tailEnd type="arrow"/>
+          </a:ln>
+        </p:spPr>
+        <p:style>
+          <a:lnRef idx="2">
+            <a:schemeClr val="dk1"/>
+          </a:lnRef>
+          <a:fillRef idx="0">
+            <a:schemeClr val="dk1"/>
+          </a:fillRef>
+          <a:effectRef idx="1">
+            <a:schemeClr val="dk1"/>
+          </a:effectRef>
+          <a:fontRef idx="minor">
+            <a:schemeClr val="tx1"/>
+          </a:fontRef>
+        </p:style>
+      </p:cxnSp>
+    </p:spTree>
+    <p:extLst>
+      <p:ext uri="{BB962C8B-B14F-4D97-AF65-F5344CB8AC3E}">
+        <p14:creationId xmlns:p14="http://schemas.microsoft.com/office/powerpoint/2010/main" val="2724655301"/>
+      </p:ext>
+    </p:extLst>
+  </p:cSld>
+  <p:clrMapOvr>
+    <a:masterClrMapping/>
+  </p:clrMapOvr>
+</p:sld>
+</file>
+
+<file path=ppt/slides/slide33.xml><?xml version="1.0" encoding="utf-8"?>
+<p:sld xmlns:a="http://schemas.openxmlformats.org/drawingml/2006/main" xmlns:r="http://schemas.openxmlformats.org/officeDocument/2006/relationships" xmlns:p="http://schemas.openxmlformats.org/presentationml/2006/main">
+  <p:cSld>
+    <p:spTree>
+      <p:nvGrpSpPr>
+        <p:cNvPr id="1" name=""/>
+        <p:cNvGrpSpPr/>
+        <p:nvPr/>
+      </p:nvGrpSpPr>
+      <p:grpSpPr>
+        <a:xfrm>
+          <a:off x="0" y="0"/>
+          <a:ext cx="0" cy="0"/>
+          <a:chOff x="0" y="0"/>
+          <a:chExt cx="0" cy="0"/>
+        </a:xfrm>
+      </p:grpSpPr>
+      <p:sp>
+        <p:nvSpPr>
+          <p:cNvPr id="4" name="Title 1"/>
+          <p:cNvSpPr>
+            <a:spLocks noGrp="1"/>
+          </p:cNvSpPr>
+          <p:nvPr>
+            <p:ph type="title"/>
+          </p:nvPr>
+        </p:nvSpPr>
+        <p:spPr>
+          <a:xfrm>
+            <a:off x="457200" y="17058"/>
+            <a:ext cx="8229600" cy="1143000"/>
+          </a:xfrm>
+        </p:spPr>
+        <p:txBody>
+          <a:bodyPr/>
+          <a:lstStyle/>
+          <a:p>
+            <a:r>
+              <a:rPr lang="en-US" dirty="0" smtClean="0"/>
+              <a:t>Syncing local and remote branches</a:t>
+            </a:r>
+            <a:endParaRPr lang="en-SG" dirty="0"/>
+          </a:p>
+        </p:txBody>
+      </p:sp>
+      <p:pic>
+        <p:nvPicPr>
+          <p:cNvPr id="5" name="Picture 4"/>
+          <p:cNvPicPr/>
+          <p:nvPr/>
+        </p:nvPicPr>
+        <p:blipFill>
+          <a:blip r:embed="rId2"/>
+          <a:stretch>
+            <a:fillRect/>
+          </a:stretch>
+        </p:blipFill>
+        <p:spPr>
+          <a:xfrm>
+            <a:off x="283335" y="1066800"/>
+            <a:ext cx="8534400" cy="5334000"/>
+          </a:xfrm>
+          <a:prstGeom prst="rect">
+            <a:avLst/>
+          </a:prstGeom>
+          <a:ln>
+            <a:noFill/>
+          </a:ln>
+          <a:effectLst>
+            <a:outerShdw blurRad="292100" dist="139700" dir="2700000" algn="tl" rotWithShape="0">
+              <a:srgbClr val="333333">
+                <a:alpha val="65000"/>
+              </a:srgbClr>
+            </a:outerShdw>
+          </a:effectLst>
+        </p:spPr>
+      </p:pic>
+      <p:sp>
+        <p:nvSpPr>
+          <p:cNvPr id="6" name="TextBox 5"/>
+          <p:cNvSpPr txBox="1"/>
+          <p:nvPr/>
+        </p:nvSpPr>
+        <p:spPr>
+          <a:xfrm>
+            <a:off x="609600" y="4514165"/>
+            <a:ext cx="7162800" cy="923330"/>
+          </a:xfrm>
+          <a:prstGeom prst="rect">
+            <a:avLst/>
+          </a:prstGeom>
+          <a:noFill/>
+        </p:spPr>
+        <p:txBody>
+          <a:bodyPr wrap="square" rtlCol="0">
+            <a:spAutoFit/>
+          </a:bodyPr>
+          <a:lstStyle/>
+          <a:p>
+            <a:r>
+              <a:rPr lang="en-US" dirty="0" smtClean="0"/>
+              <a:t>If your remote repo is behind your local repo, you will be prompted to sync them by </a:t>
+            </a:r>
+            <a:r>
+              <a:rPr lang="en-US" dirty="0" err="1" smtClean="0"/>
+              <a:t>Git</a:t>
+            </a:r>
+            <a:r>
+              <a:rPr lang="en-US" dirty="0" smtClean="0"/>
+              <a:t> Hub. If you have a forked repo, then the reverse may happen, which is your local repo is behind your remote repo.</a:t>
+            </a:r>
+            <a:endParaRPr lang="en-SG" dirty="0"/>
+          </a:p>
+        </p:txBody>
+      </p:sp>
+      <p:cxnSp>
+        <p:nvCxnSpPr>
+          <p:cNvPr id="8" name="Straight Arrow Connector 7"/>
+          <p:cNvCxnSpPr/>
+          <p:nvPr/>
+        </p:nvCxnSpPr>
+        <p:spPr>
+          <a:xfrm flipV="1">
+            <a:off x="4191000" y="1447800"/>
+            <a:ext cx="228600" cy="3066365"/>
+          </a:xfrm>
+          <a:prstGeom prst="straightConnector1">
+            <a:avLst/>
+          </a:prstGeom>
+          <a:ln>
+            <a:tailEnd type="arrow"/>
+          </a:ln>
+        </p:spPr>
+        <p:style>
+          <a:lnRef idx="2">
+            <a:schemeClr val="dk1"/>
+          </a:lnRef>
+          <a:fillRef idx="0">
+            <a:schemeClr val="dk1"/>
+          </a:fillRef>
+          <a:effectRef idx="1">
+            <a:schemeClr val="dk1"/>
+          </a:effectRef>
+          <a:fontRef idx="minor">
+            <a:schemeClr val="tx1"/>
+          </a:fontRef>
+        </p:style>
+      </p:cxnSp>
+    </p:spTree>
+    <p:extLst>
+      <p:ext uri="{BB962C8B-B14F-4D97-AF65-F5344CB8AC3E}">
+        <p14:creationId xmlns:p14="http://schemas.microsoft.com/office/powerpoint/2010/main" val="782495318"/>
       </p:ext>
     </p:extLst>
   </p:cSld>
@@ -3333,12 +7081,25 @@
             <p:ph type="title"/>
           </p:nvPr>
         </p:nvSpPr>
-        <p:spPr/>
+        <p:spPr>
+          <a:xfrm>
+            <a:off x="457200" y="17058"/>
+            <a:ext cx="8229600" cy="1143000"/>
+          </a:xfrm>
+        </p:spPr>
         <p:txBody>
           <a:bodyPr/>
           <a:lstStyle/>
           <a:p>
-            <a:endParaRPr lang="en-SG"/>
+            <a:r>
+              <a:rPr lang="en-US" dirty="0" err="1" smtClean="0"/>
+              <a:t>Git</a:t>
+            </a:r>
+            <a:r>
+              <a:rPr lang="en-US" dirty="0" smtClean="0"/>
+              <a:t> Hub App Features</a:t>
+            </a:r>
+            <a:endParaRPr lang="en-SG" dirty="0"/>
           </a:p>
         </p:txBody>
       </p:sp>
@@ -3352,25 +7113,94 @@
             <p:ph idx="1"/>
           </p:nvPr>
         </p:nvSpPr>
-        <p:spPr/>
-        <p:txBody>
-          <a:bodyPr/>
-          <a:lstStyle/>
-          <a:p>
-            <a:endParaRPr lang="en-SG"/>
+        <p:spPr>
+          <a:xfrm>
+            <a:off x="457200" y="1548684"/>
+            <a:ext cx="8229600" cy="4525963"/>
+          </a:xfrm>
+        </p:spPr>
+        <p:txBody>
+          <a:bodyPr>
+            <a:normAutofit lnSpcReduction="10000"/>
+          </a:bodyPr>
+          <a:lstStyle/>
+          <a:p>
+            <a:r>
+              <a:rPr lang="en-US" dirty="0" smtClean="0"/>
+              <a:t>Creating a Repository</a:t>
+            </a:r>
+          </a:p>
+          <a:p>
+            <a:r>
+              <a:rPr lang="en-US" dirty="0" smtClean="0"/>
+              <a:t>Viewing your Repo Status</a:t>
+            </a:r>
+          </a:p>
+          <a:p>
+            <a:r>
+              <a:rPr lang="en-US" dirty="0" smtClean="0"/>
+              <a:t>Committing your changes</a:t>
+            </a:r>
+          </a:p>
+          <a:p>
+            <a:r>
+              <a:rPr lang="en-US" dirty="0" smtClean="0"/>
+              <a:t>Rolling back and reverting commits</a:t>
+            </a:r>
+          </a:p>
+          <a:p>
+            <a:r>
+              <a:rPr lang="en-US" dirty="0" smtClean="0"/>
+              <a:t>Switching branches</a:t>
+            </a:r>
+          </a:p>
+          <a:p>
+            <a:r>
+              <a:rPr lang="en-US" dirty="0" smtClean="0"/>
+              <a:t>Merging branches</a:t>
+            </a:r>
+          </a:p>
+          <a:p>
+            <a:r>
+              <a:rPr lang="en-US" dirty="0" smtClean="0"/>
+              <a:t>Publishing branches</a:t>
+            </a:r>
+          </a:p>
+          <a:p>
+            <a:r>
+              <a:rPr lang="en-US" dirty="0" smtClean="0"/>
+              <a:t>Syncing </a:t>
+            </a:r>
+            <a:r>
+              <a:rPr lang="en-US" dirty="0"/>
+              <a:t>local and remote branches</a:t>
+            </a:r>
+          </a:p>
+          <a:p>
+            <a:endParaRPr lang="en-US" dirty="0" smtClean="0"/>
+          </a:p>
+          <a:p>
+            <a:endParaRPr lang="en-SG" dirty="0"/>
           </a:p>
         </p:txBody>
       </p:sp>
     </p:spTree>
     <p:extLst>
       <p:ext uri="{BB962C8B-B14F-4D97-AF65-F5344CB8AC3E}">
-        <p14:creationId xmlns:p14="http://schemas.microsoft.com/office/powerpoint/2010/main" val="3306183281"/>
+        <p14:creationId xmlns:p14="http://schemas.microsoft.com/office/powerpoint/2010/main" val="2798099289"/>
       </p:ext>
     </p:extLst>
   </p:cSld>
   <p:clrMapOvr>
     <a:masterClrMapping/>
   </p:clrMapOvr>
+  <p:timing>
+    <p:tnLst>
+      <p:par>
+        <p:cTn id="1" dur="indefinite" restart="never" nodeType="tmRoot"/>
+      </p:par>
+    </p:tnLst>
+  </p:timing>
 </p:sld>
 </file>
 
@@ -3401,38 +7231,1241 @@
             <p:ph type="title"/>
           </p:nvPr>
         </p:nvSpPr>
-        <p:spPr/>
+        <p:spPr>
+          <a:xfrm>
+            <a:off x="457200" y="4179"/>
+            <a:ext cx="8229600" cy="1143000"/>
+          </a:xfrm>
+        </p:spPr>
         <p:txBody>
           <a:bodyPr/>
           <a:lstStyle/>
           <a:p>
-            <a:endParaRPr lang="en-SG"/>
-          </a:p>
-        </p:txBody>
-      </p:sp>
-      <p:sp>
-        <p:nvSpPr>
-          <p:cNvPr id="3" name="Content Placeholder 2"/>
-          <p:cNvSpPr>
-            <a:spLocks noGrp="1"/>
-          </p:cNvSpPr>
-          <p:nvPr>
-            <p:ph idx="1"/>
-          </p:nvPr>
-        </p:nvSpPr>
-        <p:spPr/>
-        <p:txBody>
-          <a:bodyPr/>
-          <a:lstStyle/>
-          <a:p>
-            <a:endParaRPr lang="en-SG"/>
+            <a:r>
+              <a:rPr lang="en-US" dirty="0" smtClean="0"/>
+              <a:t>Creating a </a:t>
+            </a:r>
+            <a:r>
+              <a:rPr lang="en-US" dirty="0" err="1" smtClean="0"/>
+              <a:t>Repositary</a:t>
+            </a:r>
+            <a:endParaRPr lang="en-SG" dirty="0"/>
+          </a:p>
+        </p:txBody>
+      </p:sp>
+      <p:pic>
+        <p:nvPicPr>
+          <p:cNvPr id="4" name="Picture 3"/>
+          <p:cNvPicPr/>
+          <p:nvPr/>
+        </p:nvPicPr>
+        <p:blipFill>
+          <a:blip r:embed="rId2"/>
+          <a:stretch>
+            <a:fillRect/>
+          </a:stretch>
+        </p:blipFill>
+        <p:spPr>
+          <a:xfrm>
+            <a:off x="370269" y="1600200"/>
+            <a:ext cx="8458200" cy="4572000"/>
+          </a:xfrm>
+          <a:prstGeom prst="rect">
+            <a:avLst/>
+          </a:prstGeom>
+          <a:ln>
+            <a:noFill/>
+          </a:ln>
+          <a:effectLst>
+            <a:outerShdw blurRad="190500" algn="tl" rotWithShape="0">
+              <a:srgbClr val="000000">
+                <a:alpha val="70000"/>
+              </a:srgbClr>
+            </a:outerShdw>
+          </a:effectLst>
+        </p:spPr>
+      </p:pic>
+      <p:sp>
+        <p:nvSpPr>
+          <p:cNvPr id="6" name="TextBox 5"/>
+          <p:cNvSpPr txBox="1"/>
+          <p:nvPr/>
+        </p:nvSpPr>
+        <p:spPr>
+          <a:xfrm>
+            <a:off x="5334000" y="980701"/>
+            <a:ext cx="2971800" cy="646331"/>
+          </a:xfrm>
+          <a:prstGeom prst="rect">
+            <a:avLst/>
+          </a:prstGeom>
+          <a:noFill/>
+        </p:spPr>
+        <p:txBody>
+          <a:bodyPr wrap="square" rtlCol="0">
+            <a:spAutoFit/>
+          </a:bodyPr>
+          <a:lstStyle/>
+          <a:p>
+            <a:r>
+              <a:rPr lang="en-US" dirty="0" smtClean="0"/>
+              <a:t>To create a new repo, click on the add sign.</a:t>
+            </a:r>
+            <a:endParaRPr lang="en-SG" dirty="0"/>
+          </a:p>
+        </p:txBody>
+      </p:sp>
+      <p:cxnSp>
+        <p:nvCxnSpPr>
+          <p:cNvPr id="11" name="Straight Arrow Connector 10"/>
+          <p:cNvCxnSpPr/>
+          <p:nvPr/>
+        </p:nvCxnSpPr>
+        <p:spPr>
+          <a:xfrm flipH="1">
+            <a:off x="3677992" y="1219200"/>
+            <a:ext cx="1656008" cy="495300"/>
+          </a:xfrm>
+          <a:prstGeom prst="straightConnector1">
+            <a:avLst/>
+          </a:prstGeom>
+          <a:ln>
+            <a:tailEnd type="arrow"/>
+          </a:ln>
+        </p:spPr>
+        <p:style>
+          <a:lnRef idx="2">
+            <a:schemeClr val="dk1"/>
+          </a:lnRef>
+          <a:fillRef idx="0">
+            <a:schemeClr val="dk1"/>
+          </a:fillRef>
+          <a:effectRef idx="1">
+            <a:schemeClr val="dk1"/>
+          </a:effectRef>
+          <a:fontRef idx="minor">
+            <a:schemeClr val="tx1"/>
+          </a:fontRef>
+        </p:style>
+      </p:cxnSp>
+      <p:sp>
+        <p:nvSpPr>
+          <p:cNvPr id="15" name="TextBox 14"/>
+          <p:cNvSpPr txBox="1"/>
+          <p:nvPr/>
+        </p:nvSpPr>
+        <p:spPr>
+          <a:xfrm>
+            <a:off x="1167684" y="5041014"/>
+            <a:ext cx="7239000" cy="923330"/>
+          </a:xfrm>
+          <a:prstGeom prst="rect">
+            <a:avLst/>
+          </a:prstGeom>
+          <a:noFill/>
+        </p:spPr>
+        <p:txBody>
+          <a:bodyPr wrap="square" rtlCol="0">
+            <a:spAutoFit/>
+          </a:bodyPr>
+          <a:lstStyle/>
+          <a:p>
+            <a:r>
+              <a:rPr lang="en-US" dirty="0" smtClean="0"/>
+              <a:t>You should get to a page like this after you login to the </a:t>
+            </a:r>
+            <a:r>
+              <a:rPr lang="en-US" dirty="0" err="1" smtClean="0"/>
+              <a:t>Git</a:t>
+            </a:r>
+            <a:r>
+              <a:rPr lang="en-US" dirty="0" smtClean="0"/>
+              <a:t> Hub App. At this page you are able to create a new repo and view all your available repos in your local computer and in your </a:t>
+            </a:r>
+            <a:r>
+              <a:rPr lang="en-US" dirty="0" err="1" smtClean="0"/>
+              <a:t>git</a:t>
+            </a:r>
+            <a:r>
+              <a:rPr lang="en-US" dirty="0" smtClean="0"/>
+              <a:t> hub account.</a:t>
+            </a:r>
+            <a:endParaRPr lang="en-SG" dirty="0"/>
+          </a:p>
+        </p:txBody>
+      </p:sp>
+      <p:cxnSp>
+        <p:nvCxnSpPr>
+          <p:cNvPr id="19" name="Straight Arrow Connector 18"/>
+          <p:cNvCxnSpPr/>
+          <p:nvPr/>
+        </p:nvCxnSpPr>
+        <p:spPr>
+          <a:xfrm flipV="1">
+            <a:off x="1752600" y="2819400"/>
+            <a:ext cx="533400" cy="609600"/>
+          </a:xfrm>
+          <a:prstGeom prst="straightConnector1">
+            <a:avLst/>
+          </a:prstGeom>
+          <a:ln>
+            <a:tailEnd type="arrow"/>
+          </a:ln>
+        </p:spPr>
+        <p:style>
+          <a:lnRef idx="2">
+            <a:schemeClr val="dk1"/>
+          </a:lnRef>
+          <a:fillRef idx="0">
+            <a:schemeClr val="dk1"/>
+          </a:fillRef>
+          <a:effectRef idx="1">
+            <a:schemeClr val="dk1"/>
+          </a:effectRef>
+          <a:fontRef idx="minor">
+            <a:schemeClr val="tx1"/>
+          </a:fontRef>
+        </p:style>
+      </p:cxnSp>
+      <p:sp>
+        <p:nvSpPr>
+          <p:cNvPr id="20" name="TextBox 19"/>
+          <p:cNvSpPr txBox="1"/>
+          <p:nvPr/>
+        </p:nvSpPr>
+        <p:spPr>
+          <a:xfrm>
+            <a:off x="685800" y="3429000"/>
+            <a:ext cx="2438400" cy="369332"/>
+          </a:xfrm>
+          <a:prstGeom prst="rect">
+            <a:avLst/>
+          </a:prstGeom>
+          <a:noFill/>
+        </p:spPr>
+        <p:txBody>
+          <a:bodyPr wrap="square" rtlCol="0">
+            <a:spAutoFit/>
+          </a:bodyPr>
+          <a:lstStyle/>
+          <a:p>
+            <a:endParaRPr lang="en-SG" dirty="0"/>
+          </a:p>
+        </p:txBody>
+      </p:sp>
+      <p:sp>
+        <p:nvSpPr>
+          <p:cNvPr id="21" name="TextBox 20"/>
+          <p:cNvSpPr txBox="1"/>
+          <p:nvPr/>
+        </p:nvSpPr>
+        <p:spPr>
+          <a:xfrm>
+            <a:off x="685800" y="3429000"/>
+            <a:ext cx="3200400" cy="923330"/>
+          </a:xfrm>
+          <a:prstGeom prst="rect">
+            <a:avLst/>
+          </a:prstGeom>
+          <a:noFill/>
+        </p:spPr>
+        <p:txBody>
+          <a:bodyPr wrap="square" rtlCol="0">
+            <a:spAutoFit/>
+          </a:bodyPr>
+          <a:lstStyle/>
+          <a:p>
+            <a:r>
+              <a:rPr lang="en-US" dirty="0" smtClean="0"/>
+              <a:t>All your repos will be shown here in this list, if you created any. </a:t>
+            </a:r>
+            <a:endParaRPr lang="en-SG" dirty="0"/>
           </a:p>
         </p:txBody>
       </p:sp>
     </p:spTree>
     <p:extLst>
       <p:ext uri="{BB962C8B-B14F-4D97-AF65-F5344CB8AC3E}">
-        <p14:creationId xmlns:p14="http://schemas.microsoft.com/office/powerpoint/2010/main" val="2956564744"/>
+        <p14:creationId xmlns:p14="http://schemas.microsoft.com/office/powerpoint/2010/main" val="3196804817"/>
+      </p:ext>
+    </p:extLst>
+  </p:cSld>
+  <p:clrMapOvr>
+    <a:masterClrMapping/>
+  </p:clrMapOvr>
+  <p:timing>
+    <p:tnLst>
+      <p:par>
+        <p:cTn id="1" dur="indefinite" restart="never" nodeType="tmRoot"/>
+      </p:par>
+    </p:tnLst>
+  </p:timing>
+</p:sld>
+</file>
+
+<file path=ppt/slides/slide6.xml><?xml version="1.0" encoding="utf-8"?>
+<p:sld xmlns:a="http://schemas.openxmlformats.org/drawingml/2006/main" xmlns:r="http://schemas.openxmlformats.org/officeDocument/2006/relationships" xmlns:p="http://schemas.openxmlformats.org/presentationml/2006/main">
+  <p:cSld>
+    <p:spTree>
+      <p:nvGrpSpPr>
+        <p:cNvPr id="1" name=""/>
+        <p:cNvGrpSpPr/>
+        <p:nvPr/>
+      </p:nvGrpSpPr>
+      <p:grpSpPr>
+        <a:xfrm>
+          <a:off x="0" y="0"/>
+          <a:ext cx="0" cy="0"/>
+          <a:chOff x="0" y="0"/>
+          <a:chExt cx="0" cy="0"/>
+        </a:xfrm>
+      </p:grpSpPr>
+      <p:sp>
+        <p:nvSpPr>
+          <p:cNvPr id="4" name="Title 1"/>
+          <p:cNvSpPr>
+            <a:spLocks noGrp="1"/>
+          </p:cNvSpPr>
+          <p:nvPr>
+            <p:ph type="title"/>
+          </p:nvPr>
+        </p:nvSpPr>
+        <p:spPr>
+          <a:xfrm>
+            <a:off x="457200" y="17058"/>
+            <a:ext cx="8229600" cy="1143000"/>
+          </a:xfrm>
+        </p:spPr>
+        <p:txBody>
+          <a:bodyPr/>
+          <a:lstStyle/>
+          <a:p>
+            <a:r>
+              <a:rPr lang="en-US" dirty="0" smtClean="0"/>
+              <a:t>Creating a </a:t>
+            </a:r>
+            <a:r>
+              <a:rPr lang="en-US" dirty="0" err="1" smtClean="0"/>
+              <a:t>Repositary</a:t>
+            </a:r>
+            <a:endParaRPr lang="en-SG" dirty="0"/>
+          </a:p>
+        </p:txBody>
+      </p:sp>
+      <p:pic>
+        <p:nvPicPr>
+          <p:cNvPr id="5" name="Picture 4"/>
+          <p:cNvPicPr/>
+          <p:nvPr/>
+        </p:nvPicPr>
+        <p:blipFill>
+          <a:blip r:embed="rId2"/>
+          <a:stretch>
+            <a:fillRect/>
+          </a:stretch>
+        </p:blipFill>
+        <p:spPr>
+          <a:xfrm>
+            <a:off x="838200" y="1600200"/>
+            <a:ext cx="7620000" cy="4876800"/>
+          </a:xfrm>
+          <a:prstGeom prst="rect">
+            <a:avLst/>
+          </a:prstGeom>
+          <a:ln>
+            <a:noFill/>
+          </a:ln>
+          <a:effectLst>
+            <a:outerShdw blurRad="292100" dist="139700" dir="2700000" algn="tl" rotWithShape="0">
+              <a:srgbClr val="333333">
+                <a:alpha val="65000"/>
+              </a:srgbClr>
+            </a:outerShdw>
+          </a:effectLst>
+        </p:spPr>
+      </p:pic>
+      <p:sp>
+        <p:nvSpPr>
+          <p:cNvPr id="6" name="TextBox 5"/>
+          <p:cNvSpPr txBox="1"/>
+          <p:nvPr/>
+        </p:nvSpPr>
+        <p:spPr>
+          <a:xfrm>
+            <a:off x="2895600" y="4643178"/>
+            <a:ext cx="4572000" cy="923330"/>
+          </a:xfrm>
+          <a:prstGeom prst="rect">
+            <a:avLst/>
+          </a:prstGeom>
+          <a:noFill/>
+        </p:spPr>
+        <p:txBody>
+          <a:bodyPr wrap="square" rtlCol="0">
+            <a:spAutoFit/>
+          </a:bodyPr>
+          <a:lstStyle/>
+          <a:p>
+            <a:r>
+              <a:rPr lang="en-US" dirty="0" smtClean="0">
+                <a:solidFill>
+                  <a:schemeClr val="bg1"/>
+                </a:solidFill>
+              </a:rPr>
+              <a:t>After you click on the add sign, you should get to this page where you key in your desired name and description for your new repo.</a:t>
+            </a:r>
+            <a:endParaRPr lang="en-SG" dirty="0">
+              <a:solidFill>
+                <a:schemeClr val="bg1"/>
+              </a:solidFill>
+            </a:endParaRPr>
+          </a:p>
+        </p:txBody>
+      </p:sp>
+      <p:cxnSp>
+        <p:nvCxnSpPr>
+          <p:cNvPr id="8" name="Straight Arrow Connector 7"/>
+          <p:cNvCxnSpPr/>
+          <p:nvPr/>
+        </p:nvCxnSpPr>
+        <p:spPr>
+          <a:xfrm flipH="1">
+            <a:off x="5029200" y="2057400"/>
+            <a:ext cx="609600" cy="76200"/>
+          </a:xfrm>
+          <a:prstGeom prst="straightConnector1">
+            <a:avLst/>
+          </a:prstGeom>
+          <a:ln>
+            <a:tailEnd type="arrow"/>
+          </a:ln>
+        </p:spPr>
+        <p:style>
+          <a:lnRef idx="2">
+            <a:schemeClr val="dk1"/>
+          </a:lnRef>
+          <a:fillRef idx="0">
+            <a:schemeClr val="dk1"/>
+          </a:fillRef>
+          <a:effectRef idx="1">
+            <a:schemeClr val="dk1"/>
+          </a:effectRef>
+          <a:fontRef idx="minor">
+            <a:schemeClr val="tx1"/>
+          </a:fontRef>
+        </p:style>
+      </p:cxnSp>
+      <p:sp>
+        <p:nvSpPr>
+          <p:cNvPr id="9" name="TextBox 8"/>
+          <p:cNvSpPr txBox="1"/>
+          <p:nvPr/>
+        </p:nvSpPr>
+        <p:spPr>
+          <a:xfrm>
+            <a:off x="5598015" y="1842753"/>
+            <a:ext cx="1676400" cy="381000"/>
+          </a:xfrm>
+          <a:prstGeom prst="rect">
+            <a:avLst/>
+          </a:prstGeom>
+          <a:noFill/>
+        </p:spPr>
+        <p:txBody>
+          <a:bodyPr wrap="square" rtlCol="0">
+            <a:spAutoFit/>
+          </a:bodyPr>
+          <a:lstStyle/>
+          <a:p>
+            <a:r>
+              <a:rPr lang="en-US" dirty="0" smtClean="0">
+                <a:solidFill>
+                  <a:schemeClr val="bg1"/>
+                </a:solidFill>
+              </a:rPr>
+              <a:t>Name of repo</a:t>
+            </a:r>
+            <a:endParaRPr lang="en-SG" dirty="0">
+              <a:solidFill>
+                <a:schemeClr val="bg1"/>
+              </a:solidFill>
+            </a:endParaRPr>
+          </a:p>
+        </p:txBody>
+      </p:sp>
+      <p:cxnSp>
+        <p:nvCxnSpPr>
+          <p:cNvPr id="10" name="Straight Arrow Connector 9"/>
+          <p:cNvCxnSpPr/>
+          <p:nvPr/>
+        </p:nvCxnSpPr>
+        <p:spPr>
+          <a:xfrm flipH="1">
+            <a:off x="5029200" y="2475963"/>
+            <a:ext cx="685800" cy="0"/>
+          </a:xfrm>
+          <a:prstGeom prst="straightConnector1">
+            <a:avLst/>
+          </a:prstGeom>
+          <a:ln>
+            <a:tailEnd type="arrow"/>
+          </a:ln>
+        </p:spPr>
+        <p:style>
+          <a:lnRef idx="2">
+            <a:schemeClr val="dk1"/>
+          </a:lnRef>
+          <a:fillRef idx="0">
+            <a:schemeClr val="dk1"/>
+          </a:fillRef>
+          <a:effectRef idx="1">
+            <a:schemeClr val="dk1"/>
+          </a:effectRef>
+          <a:fontRef idx="minor">
+            <a:schemeClr val="tx1"/>
+          </a:fontRef>
+        </p:style>
+      </p:cxnSp>
+      <p:sp>
+        <p:nvSpPr>
+          <p:cNvPr id="12" name="TextBox 11"/>
+          <p:cNvSpPr txBox="1"/>
+          <p:nvPr/>
+        </p:nvSpPr>
+        <p:spPr>
+          <a:xfrm>
+            <a:off x="5686020" y="2265612"/>
+            <a:ext cx="2238780" cy="369332"/>
+          </a:xfrm>
+          <a:prstGeom prst="rect">
+            <a:avLst/>
+          </a:prstGeom>
+          <a:noFill/>
+        </p:spPr>
+        <p:txBody>
+          <a:bodyPr wrap="square" rtlCol="0">
+            <a:spAutoFit/>
+          </a:bodyPr>
+          <a:lstStyle/>
+          <a:p>
+            <a:r>
+              <a:rPr lang="en-US" dirty="0" smtClean="0">
+                <a:solidFill>
+                  <a:schemeClr val="bg1"/>
+                </a:solidFill>
+              </a:rPr>
+              <a:t>Description of repo</a:t>
+            </a:r>
+            <a:endParaRPr lang="en-SG" dirty="0">
+              <a:solidFill>
+                <a:schemeClr val="bg1"/>
+              </a:solidFill>
+            </a:endParaRPr>
+          </a:p>
+        </p:txBody>
+      </p:sp>
+      <p:cxnSp>
+        <p:nvCxnSpPr>
+          <p:cNvPr id="13" name="Straight Arrow Connector 12"/>
+          <p:cNvCxnSpPr/>
+          <p:nvPr/>
+        </p:nvCxnSpPr>
+        <p:spPr>
+          <a:xfrm flipH="1" flipV="1">
+            <a:off x="5054421" y="2743200"/>
+            <a:ext cx="685800" cy="76200"/>
+          </a:xfrm>
+          <a:prstGeom prst="straightConnector1">
+            <a:avLst/>
+          </a:prstGeom>
+          <a:ln>
+            <a:tailEnd type="arrow"/>
+          </a:ln>
+        </p:spPr>
+        <p:style>
+          <a:lnRef idx="2">
+            <a:schemeClr val="dk1"/>
+          </a:lnRef>
+          <a:fillRef idx="0">
+            <a:schemeClr val="dk1"/>
+          </a:fillRef>
+          <a:effectRef idx="1">
+            <a:schemeClr val="dk1"/>
+          </a:effectRef>
+          <a:fontRef idx="minor">
+            <a:schemeClr val="tx1"/>
+          </a:fontRef>
+        </p:style>
+      </p:cxnSp>
+      <p:sp>
+        <p:nvSpPr>
+          <p:cNvPr id="15" name="TextBox 14"/>
+          <p:cNvSpPr txBox="1"/>
+          <p:nvPr/>
+        </p:nvSpPr>
+        <p:spPr>
+          <a:xfrm>
+            <a:off x="5838420" y="2743200"/>
+            <a:ext cx="2238780" cy="923330"/>
+          </a:xfrm>
+          <a:prstGeom prst="rect">
+            <a:avLst/>
+          </a:prstGeom>
+          <a:noFill/>
+        </p:spPr>
+        <p:txBody>
+          <a:bodyPr wrap="square" rtlCol="0">
+            <a:spAutoFit/>
+          </a:bodyPr>
+          <a:lstStyle/>
+          <a:p>
+            <a:r>
+              <a:rPr lang="en-US" dirty="0" smtClean="0">
+                <a:solidFill>
+                  <a:schemeClr val="bg1"/>
+                </a:solidFill>
+              </a:rPr>
+              <a:t>Directory pathway of your new repo in your local computer.</a:t>
+            </a:r>
+            <a:endParaRPr lang="en-SG" dirty="0">
+              <a:solidFill>
+                <a:schemeClr val="bg1"/>
+              </a:solidFill>
+            </a:endParaRPr>
+          </a:p>
+        </p:txBody>
+      </p:sp>
+      <p:cxnSp>
+        <p:nvCxnSpPr>
+          <p:cNvPr id="17" name="Straight Arrow Connector 16"/>
+          <p:cNvCxnSpPr/>
+          <p:nvPr/>
+        </p:nvCxnSpPr>
+        <p:spPr>
+          <a:xfrm flipV="1">
+            <a:off x="1943637" y="3338015"/>
+            <a:ext cx="457200" cy="369194"/>
+          </a:xfrm>
+          <a:prstGeom prst="straightConnector1">
+            <a:avLst/>
+          </a:prstGeom>
+          <a:ln>
+            <a:tailEnd type="arrow"/>
+          </a:ln>
+        </p:spPr>
+        <p:style>
+          <a:lnRef idx="2">
+            <a:schemeClr val="dk1"/>
+          </a:lnRef>
+          <a:fillRef idx="0">
+            <a:schemeClr val="dk1"/>
+          </a:fillRef>
+          <a:effectRef idx="1">
+            <a:schemeClr val="dk1"/>
+          </a:effectRef>
+          <a:fontRef idx="minor">
+            <a:schemeClr val="tx1"/>
+          </a:fontRef>
+        </p:style>
+      </p:cxnSp>
+      <p:sp>
+        <p:nvSpPr>
+          <p:cNvPr id="20" name="TextBox 19"/>
+          <p:cNvSpPr txBox="1"/>
+          <p:nvPr/>
+        </p:nvSpPr>
+        <p:spPr>
+          <a:xfrm>
+            <a:off x="533400" y="3522612"/>
+            <a:ext cx="1410237" cy="2031325"/>
+          </a:xfrm>
+          <a:prstGeom prst="rect">
+            <a:avLst/>
+          </a:prstGeom>
+          <a:noFill/>
+        </p:spPr>
+        <p:txBody>
+          <a:bodyPr wrap="square" rtlCol="0">
+            <a:spAutoFit/>
+          </a:bodyPr>
+          <a:lstStyle/>
+          <a:p>
+            <a:r>
+              <a:rPr lang="en-US" dirty="0" smtClean="0"/>
+              <a:t>Checking this option will create this repo in your </a:t>
+            </a:r>
+            <a:r>
+              <a:rPr lang="en-US" dirty="0" err="1" smtClean="0"/>
+              <a:t>git</a:t>
+            </a:r>
+            <a:r>
+              <a:rPr lang="en-US" dirty="0" smtClean="0"/>
+              <a:t> hub account aka remote repo.</a:t>
+            </a:r>
+            <a:endParaRPr lang="en-SG" dirty="0"/>
+          </a:p>
+        </p:txBody>
+      </p:sp>
+    </p:spTree>
+    <p:extLst>
+      <p:ext uri="{BB962C8B-B14F-4D97-AF65-F5344CB8AC3E}">
+        <p14:creationId xmlns:p14="http://schemas.microsoft.com/office/powerpoint/2010/main" val="2341024954"/>
+      </p:ext>
+    </p:extLst>
+  </p:cSld>
+  <p:clrMapOvr>
+    <a:masterClrMapping/>
+  </p:clrMapOvr>
+</p:sld>
+</file>
+
+<file path=ppt/slides/slide7.xml><?xml version="1.0" encoding="utf-8"?>
+<p:sld xmlns:a="http://schemas.openxmlformats.org/drawingml/2006/main" xmlns:r="http://schemas.openxmlformats.org/officeDocument/2006/relationships" xmlns:p="http://schemas.openxmlformats.org/presentationml/2006/main">
+  <p:cSld>
+    <p:spTree>
+      <p:nvGrpSpPr>
+        <p:cNvPr id="1" name=""/>
+        <p:cNvGrpSpPr/>
+        <p:nvPr/>
+      </p:nvGrpSpPr>
+      <p:grpSpPr>
+        <a:xfrm>
+          <a:off x="0" y="0"/>
+          <a:ext cx="0" cy="0"/>
+          <a:chOff x="0" y="0"/>
+          <a:chExt cx="0" cy="0"/>
+        </a:xfrm>
+      </p:grpSpPr>
+      <p:sp>
+        <p:nvSpPr>
+          <p:cNvPr id="2" name="Title 1"/>
+          <p:cNvSpPr>
+            <a:spLocks noGrp="1"/>
+          </p:cNvSpPr>
+          <p:nvPr>
+            <p:ph type="title"/>
+          </p:nvPr>
+        </p:nvSpPr>
+        <p:spPr>
+          <a:xfrm>
+            <a:off x="457200" y="17058"/>
+            <a:ext cx="8229600" cy="1143000"/>
+          </a:xfrm>
+        </p:spPr>
+        <p:txBody>
+          <a:bodyPr/>
+          <a:lstStyle/>
+          <a:p>
+            <a:r>
+              <a:rPr lang="en-US" dirty="0" smtClean="0"/>
+              <a:t>Creating a </a:t>
+            </a:r>
+            <a:r>
+              <a:rPr lang="en-US" dirty="0" err="1" smtClean="0"/>
+              <a:t>Repositary</a:t>
+            </a:r>
+            <a:endParaRPr lang="en-SG" dirty="0"/>
+          </a:p>
+        </p:txBody>
+      </p:sp>
+      <p:pic>
+        <p:nvPicPr>
+          <p:cNvPr id="4" name="Picture 3"/>
+          <p:cNvPicPr/>
+          <p:nvPr/>
+        </p:nvPicPr>
+        <p:blipFill>
+          <a:blip r:embed="rId2"/>
+          <a:stretch>
+            <a:fillRect/>
+          </a:stretch>
+        </p:blipFill>
+        <p:spPr>
+          <a:xfrm>
+            <a:off x="876300" y="1101144"/>
+            <a:ext cx="7467600" cy="5413420"/>
+          </a:xfrm>
+          <a:prstGeom prst="rect">
+            <a:avLst/>
+          </a:prstGeom>
+          <a:ln>
+            <a:noFill/>
+          </a:ln>
+          <a:effectLst>
+            <a:outerShdw blurRad="292100" dist="139700" dir="2700000" algn="tl" rotWithShape="0">
+              <a:srgbClr val="333333">
+                <a:alpha val="65000"/>
+              </a:srgbClr>
+            </a:outerShdw>
+          </a:effectLst>
+        </p:spPr>
+      </p:pic>
+      <p:sp>
+        <p:nvSpPr>
+          <p:cNvPr id="5" name="TextBox 4"/>
+          <p:cNvSpPr txBox="1"/>
+          <p:nvPr/>
+        </p:nvSpPr>
+        <p:spPr>
+          <a:xfrm>
+            <a:off x="1905000" y="4724400"/>
+            <a:ext cx="5410200" cy="369332"/>
+          </a:xfrm>
+          <a:prstGeom prst="rect">
+            <a:avLst/>
+          </a:prstGeom>
+          <a:noFill/>
+        </p:spPr>
+        <p:txBody>
+          <a:bodyPr wrap="square" rtlCol="0">
+            <a:spAutoFit/>
+          </a:bodyPr>
+          <a:lstStyle/>
+          <a:p>
+            <a:r>
+              <a:rPr lang="en-US" dirty="0" smtClean="0"/>
+              <a:t>As you can see I have created a new repo called test.</a:t>
+            </a:r>
+            <a:endParaRPr lang="en-SG" dirty="0"/>
+          </a:p>
+        </p:txBody>
+      </p:sp>
+    </p:spTree>
+    <p:extLst>
+      <p:ext uri="{BB962C8B-B14F-4D97-AF65-F5344CB8AC3E}">
+        <p14:creationId xmlns:p14="http://schemas.microsoft.com/office/powerpoint/2010/main" val="2548947713"/>
+      </p:ext>
+    </p:extLst>
+  </p:cSld>
+  <p:clrMapOvr>
+    <a:masterClrMapping/>
+  </p:clrMapOvr>
+</p:sld>
+</file>
+
+<file path=ppt/slides/slide8.xml><?xml version="1.0" encoding="utf-8"?>
+<p:sld xmlns:a="http://schemas.openxmlformats.org/drawingml/2006/main" xmlns:r="http://schemas.openxmlformats.org/officeDocument/2006/relationships" xmlns:p="http://schemas.openxmlformats.org/presentationml/2006/main">
+  <p:cSld>
+    <p:spTree>
+      <p:nvGrpSpPr>
+        <p:cNvPr id="1" name=""/>
+        <p:cNvGrpSpPr/>
+        <p:nvPr/>
+      </p:nvGrpSpPr>
+      <p:grpSpPr>
+        <a:xfrm>
+          <a:off x="0" y="0"/>
+          <a:ext cx="0" cy="0"/>
+          <a:chOff x="0" y="0"/>
+          <a:chExt cx="0" cy="0"/>
+        </a:xfrm>
+      </p:grpSpPr>
+      <p:sp>
+        <p:nvSpPr>
+          <p:cNvPr id="2" name="Title 1"/>
+          <p:cNvSpPr>
+            <a:spLocks noGrp="1"/>
+          </p:cNvSpPr>
+          <p:nvPr>
+            <p:ph type="title"/>
+          </p:nvPr>
+        </p:nvSpPr>
+        <p:spPr>
+          <a:xfrm>
+            <a:off x="457200" y="17058"/>
+            <a:ext cx="8229600" cy="1143000"/>
+          </a:xfrm>
+        </p:spPr>
+        <p:txBody>
+          <a:bodyPr/>
+          <a:lstStyle/>
+          <a:p>
+            <a:r>
+              <a:rPr lang="en-US" dirty="0" smtClean="0"/>
+              <a:t>Creating a </a:t>
+            </a:r>
+            <a:r>
+              <a:rPr lang="en-US" dirty="0" err="1" smtClean="0"/>
+              <a:t>Repositary</a:t>
+            </a:r>
+            <a:endParaRPr lang="en-SG" dirty="0"/>
+          </a:p>
+        </p:txBody>
+      </p:sp>
+      <p:pic>
+        <p:nvPicPr>
+          <p:cNvPr id="4" name="Picture 3"/>
+          <p:cNvPicPr/>
+          <p:nvPr/>
+        </p:nvPicPr>
+        <p:blipFill>
+          <a:blip r:embed="rId2"/>
+          <a:stretch>
+            <a:fillRect/>
+          </a:stretch>
+        </p:blipFill>
+        <p:spPr>
+          <a:xfrm>
+            <a:off x="838200" y="1199346"/>
+            <a:ext cx="7467600" cy="5257800"/>
+          </a:xfrm>
+          <a:prstGeom prst="rect">
+            <a:avLst/>
+          </a:prstGeom>
+          <a:ln>
+            <a:noFill/>
+          </a:ln>
+          <a:effectLst>
+            <a:outerShdw blurRad="292100" dist="139700" dir="2700000" algn="tl" rotWithShape="0">
+              <a:srgbClr val="333333">
+                <a:alpha val="65000"/>
+              </a:srgbClr>
+            </a:outerShdw>
+          </a:effectLst>
+        </p:spPr>
+      </p:pic>
+      <p:sp>
+        <p:nvSpPr>
+          <p:cNvPr id="6" name="TextBox 5"/>
+          <p:cNvSpPr txBox="1"/>
+          <p:nvPr/>
+        </p:nvSpPr>
+        <p:spPr>
+          <a:xfrm>
+            <a:off x="1447800" y="4280423"/>
+            <a:ext cx="6477000" cy="923330"/>
+          </a:xfrm>
+          <a:prstGeom prst="rect">
+            <a:avLst/>
+          </a:prstGeom>
+          <a:noFill/>
+        </p:spPr>
+        <p:txBody>
+          <a:bodyPr wrap="square" rtlCol="0">
+            <a:spAutoFit/>
+          </a:bodyPr>
+          <a:lstStyle/>
+          <a:p>
+            <a:r>
+              <a:rPr lang="en-US" dirty="0" smtClean="0"/>
+              <a:t>If you had checked the “push to </a:t>
+            </a:r>
+            <a:r>
+              <a:rPr lang="en-US" dirty="0" err="1" smtClean="0"/>
+              <a:t>git</a:t>
+            </a:r>
+            <a:r>
+              <a:rPr lang="en-US" dirty="0" smtClean="0"/>
+              <a:t> hub” option, you should also be able to notice the exact repo that you have just created in your </a:t>
+            </a:r>
+            <a:r>
+              <a:rPr lang="en-US" dirty="0" err="1" smtClean="0"/>
+              <a:t>git</a:t>
+            </a:r>
+            <a:r>
+              <a:rPr lang="en-US" dirty="0" smtClean="0"/>
+              <a:t> hub account.</a:t>
+            </a:r>
+            <a:endParaRPr lang="en-SG" dirty="0"/>
+          </a:p>
+        </p:txBody>
+      </p:sp>
+    </p:spTree>
+    <p:extLst>
+      <p:ext uri="{BB962C8B-B14F-4D97-AF65-F5344CB8AC3E}">
+        <p14:creationId xmlns:p14="http://schemas.microsoft.com/office/powerpoint/2010/main" val="1253454925"/>
+      </p:ext>
+    </p:extLst>
+  </p:cSld>
+  <p:clrMapOvr>
+    <a:masterClrMapping/>
+  </p:clrMapOvr>
+</p:sld>
+</file>
+
+<file path=ppt/slides/slide9.xml><?xml version="1.0" encoding="utf-8"?>
+<p:sld xmlns:a="http://schemas.openxmlformats.org/drawingml/2006/main" xmlns:r="http://schemas.openxmlformats.org/officeDocument/2006/relationships" xmlns:p="http://schemas.openxmlformats.org/presentationml/2006/main">
+  <p:cSld>
+    <p:spTree>
+      <p:nvGrpSpPr>
+        <p:cNvPr id="1" name=""/>
+        <p:cNvGrpSpPr/>
+        <p:nvPr/>
+      </p:nvGrpSpPr>
+      <p:grpSpPr>
+        <a:xfrm>
+          <a:off x="0" y="0"/>
+          <a:ext cx="0" cy="0"/>
+          <a:chOff x="0" y="0"/>
+          <a:chExt cx="0" cy="0"/>
+        </a:xfrm>
+      </p:grpSpPr>
+      <p:sp>
+        <p:nvSpPr>
+          <p:cNvPr id="2" name="Title 1"/>
+          <p:cNvSpPr>
+            <a:spLocks noGrp="1"/>
+          </p:cNvSpPr>
+          <p:nvPr>
+            <p:ph type="title"/>
+          </p:nvPr>
+        </p:nvSpPr>
+        <p:spPr>
+          <a:xfrm>
+            <a:off x="457200" y="8586"/>
+            <a:ext cx="8229600" cy="1143000"/>
+          </a:xfrm>
+        </p:spPr>
+        <p:txBody>
+          <a:bodyPr/>
+          <a:lstStyle/>
+          <a:p>
+            <a:r>
+              <a:rPr lang="en-US" dirty="0" smtClean="0"/>
+              <a:t>Viewing your Repo Status</a:t>
+            </a:r>
+            <a:endParaRPr lang="en-SG" dirty="0"/>
+          </a:p>
+        </p:txBody>
+      </p:sp>
+      <p:pic>
+        <p:nvPicPr>
+          <p:cNvPr id="4" name="Picture 3"/>
+          <p:cNvPicPr/>
+          <p:nvPr/>
+        </p:nvPicPr>
+        <p:blipFill>
+          <a:blip r:embed="rId2"/>
+          <a:stretch>
+            <a:fillRect/>
+          </a:stretch>
+        </p:blipFill>
+        <p:spPr>
+          <a:xfrm>
+            <a:off x="685800" y="1295400"/>
+            <a:ext cx="7772400" cy="5334000"/>
+          </a:xfrm>
+          <a:prstGeom prst="rect">
+            <a:avLst/>
+          </a:prstGeom>
+          <a:ln>
+            <a:noFill/>
+          </a:ln>
+          <a:effectLst>
+            <a:outerShdw blurRad="292100" dist="139700" dir="2700000" algn="tl" rotWithShape="0">
+              <a:srgbClr val="333333">
+                <a:alpha val="65000"/>
+              </a:srgbClr>
+            </a:outerShdw>
+          </a:effectLst>
+        </p:spPr>
+      </p:pic>
+      <p:sp>
+        <p:nvSpPr>
+          <p:cNvPr id="5" name="TextBox 4"/>
+          <p:cNvSpPr txBox="1"/>
+          <p:nvPr/>
+        </p:nvSpPr>
+        <p:spPr>
+          <a:xfrm>
+            <a:off x="685800" y="5029200"/>
+            <a:ext cx="7772400" cy="1477328"/>
+          </a:xfrm>
+          <a:prstGeom prst="rect">
+            <a:avLst/>
+          </a:prstGeom>
+          <a:noFill/>
+        </p:spPr>
+        <p:txBody>
+          <a:bodyPr wrap="square" rtlCol="0">
+            <a:spAutoFit/>
+          </a:bodyPr>
+          <a:lstStyle/>
+          <a:p>
+            <a:pPr algn="just"/>
+            <a:r>
+              <a:rPr lang="en-US" dirty="0" smtClean="0"/>
+              <a:t>To view any of your repo status, double click on the repo. You should get to a page like this. In this example, I am looking at the test repo that I have newly created. </a:t>
+            </a:r>
+            <a:r>
+              <a:rPr lang="en-US" dirty="0"/>
+              <a:t>Notice that there are two files that are automatically created upon creating a new repo. Do not worry; you will not need to make use of these files to carry out basic functionalities of </a:t>
+            </a:r>
+            <a:r>
+              <a:rPr lang="en-US" dirty="0" err="1"/>
+              <a:t>Git</a:t>
+            </a:r>
+            <a:r>
+              <a:rPr lang="en-US" dirty="0"/>
+              <a:t> Hub so you can choose to ignore them. </a:t>
+            </a:r>
+            <a:endParaRPr lang="en-SG" dirty="0"/>
+          </a:p>
+        </p:txBody>
+      </p:sp>
+      <p:sp>
+        <p:nvSpPr>
+          <p:cNvPr id="6" name="TextBox 5"/>
+          <p:cNvSpPr txBox="1"/>
+          <p:nvPr/>
+        </p:nvSpPr>
+        <p:spPr>
+          <a:xfrm>
+            <a:off x="1219200" y="2819400"/>
+            <a:ext cx="2971800" cy="646331"/>
+          </a:xfrm>
+          <a:prstGeom prst="rect">
+            <a:avLst/>
+          </a:prstGeom>
+          <a:noFill/>
+        </p:spPr>
+        <p:txBody>
+          <a:bodyPr wrap="square" rtlCol="0">
+            <a:spAutoFit/>
+          </a:bodyPr>
+          <a:lstStyle/>
+          <a:p>
+            <a:r>
+              <a:rPr lang="en-US" dirty="0" smtClean="0"/>
+              <a:t>You will be notified of any uncommitted changes here</a:t>
+            </a:r>
+            <a:endParaRPr lang="en-SG" dirty="0"/>
+          </a:p>
+        </p:txBody>
+      </p:sp>
+      <p:cxnSp>
+        <p:nvCxnSpPr>
+          <p:cNvPr id="8" name="Straight Arrow Connector 7"/>
+          <p:cNvCxnSpPr/>
+          <p:nvPr/>
+        </p:nvCxnSpPr>
+        <p:spPr>
+          <a:xfrm flipV="1">
+            <a:off x="3810000" y="1905000"/>
+            <a:ext cx="609600" cy="990600"/>
+          </a:xfrm>
+          <a:prstGeom prst="straightConnector1">
+            <a:avLst/>
+          </a:prstGeom>
+          <a:ln>
+            <a:tailEnd type="arrow"/>
+          </a:ln>
+        </p:spPr>
+        <p:style>
+          <a:lnRef idx="2">
+            <a:schemeClr val="dk1"/>
+          </a:lnRef>
+          <a:fillRef idx="0">
+            <a:schemeClr val="dk1"/>
+          </a:fillRef>
+          <a:effectRef idx="1">
+            <a:schemeClr val="dk1"/>
+          </a:effectRef>
+          <a:fontRef idx="minor">
+            <a:schemeClr val="tx1"/>
+          </a:fontRef>
+        </p:style>
+      </p:cxnSp>
+      <p:cxnSp>
+        <p:nvCxnSpPr>
+          <p:cNvPr id="9" name="Straight Arrow Connector 8"/>
+          <p:cNvCxnSpPr/>
+          <p:nvPr/>
+        </p:nvCxnSpPr>
+        <p:spPr>
+          <a:xfrm flipV="1">
+            <a:off x="3962400" y="2057400"/>
+            <a:ext cx="1676400" cy="990600"/>
+          </a:xfrm>
+          <a:prstGeom prst="straightConnector1">
+            <a:avLst/>
+          </a:prstGeom>
+          <a:ln>
+            <a:tailEnd type="arrow"/>
+          </a:ln>
+        </p:spPr>
+        <p:style>
+          <a:lnRef idx="2">
+            <a:schemeClr val="dk1"/>
+          </a:lnRef>
+          <a:fillRef idx="0">
+            <a:schemeClr val="dk1"/>
+          </a:fillRef>
+          <a:effectRef idx="1">
+            <a:schemeClr val="dk1"/>
+          </a:effectRef>
+          <a:fontRef idx="minor">
+            <a:schemeClr val="tx1"/>
+          </a:fontRef>
+        </p:style>
+      </p:cxnSp>
+      <p:sp>
+        <p:nvSpPr>
+          <p:cNvPr id="11" name="TextBox 10"/>
+          <p:cNvSpPr txBox="1"/>
+          <p:nvPr/>
+        </p:nvSpPr>
+        <p:spPr>
+          <a:xfrm>
+            <a:off x="3827172" y="4114800"/>
+            <a:ext cx="2590800" cy="646331"/>
+          </a:xfrm>
+          <a:prstGeom prst="rect">
+            <a:avLst/>
+          </a:prstGeom>
+          <a:noFill/>
+        </p:spPr>
+        <p:txBody>
+          <a:bodyPr wrap="square" rtlCol="0">
+            <a:spAutoFit/>
+          </a:bodyPr>
+          <a:lstStyle/>
+          <a:p>
+            <a:r>
+              <a:rPr lang="en-US" dirty="0" smtClean="0"/>
+              <a:t>This section will display all the historical commits</a:t>
+            </a:r>
+            <a:endParaRPr lang="en-SG" dirty="0"/>
+          </a:p>
+        </p:txBody>
+      </p:sp>
+      <p:cxnSp>
+        <p:nvCxnSpPr>
+          <p:cNvPr id="13" name="Straight Arrow Connector 12"/>
+          <p:cNvCxnSpPr/>
+          <p:nvPr/>
+        </p:nvCxnSpPr>
+        <p:spPr>
+          <a:xfrm flipV="1">
+            <a:off x="4724400" y="3733800"/>
+            <a:ext cx="762000" cy="394952"/>
+          </a:xfrm>
+          <a:prstGeom prst="straightConnector1">
+            <a:avLst/>
+          </a:prstGeom>
+          <a:ln>
+            <a:tailEnd type="arrow"/>
+          </a:ln>
+        </p:spPr>
+        <p:style>
+          <a:lnRef idx="2">
+            <a:schemeClr val="dk1"/>
+          </a:lnRef>
+          <a:fillRef idx="0">
+            <a:schemeClr val="dk1"/>
+          </a:fillRef>
+          <a:effectRef idx="1">
+            <a:schemeClr val="dk1"/>
+          </a:effectRef>
+          <a:fontRef idx="minor">
+            <a:schemeClr val="tx1"/>
+          </a:fontRef>
+        </p:style>
+      </p:cxnSp>
+    </p:spTree>
+    <p:extLst>
+      <p:ext uri="{BB962C8B-B14F-4D97-AF65-F5344CB8AC3E}">
+        <p14:creationId xmlns:p14="http://schemas.microsoft.com/office/powerpoint/2010/main" val="1595170113"/>
       </p:ext>
     </p:extLst>
   </p:cSld>

--- a/Github Commands.pptx
+++ b/Github Commands.pptx
@@ -3195,6 +3195,13 @@
   <p:clrMapOvr>
     <a:masterClrMapping/>
   </p:clrMapOvr>
+  <p:timing>
+    <p:tnLst>
+      <p:par>
+        <p:cTn id="1" dur="indefinite" restart="never" nodeType="tmRoot"/>
+      </p:par>
+    </p:tnLst>
+  </p:timing>
 </p:sld>
 </file>
 
@@ -3315,6 +3322,13 @@
   <p:clrMapOvr>
     <a:masterClrMapping/>
   </p:clrMapOvr>
+  <p:timing>
+    <p:tnLst>
+      <p:par>
+        <p:cTn id="1" dur="indefinite" restart="never" nodeType="tmRoot"/>
+      </p:par>
+    </p:tnLst>
+  </p:timing>
 </p:sld>
 </file>
 
@@ -3648,6 +3662,13 @@
   <p:clrMapOvr>
     <a:masterClrMapping/>
   </p:clrMapOvr>
+  <p:timing>
+    <p:tnLst>
+      <p:par>
+        <p:cTn id="1" dur="indefinite" restart="never" nodeType="tmRoot"/>
+      </p:par>
+    </p:tnLst>
+  </p:timing>
 </p:sld>
 </file>
 
@@ -3847,6 +3868,13 @@
   <p:clrMapOvr>
     <a:masterClrMapping/>
   </p:clrMapOvr>
+  <p:timing>
+    <p:tnLst>
+      <p:par>
+        <p:cTn id="1" dur="indefinite" restart="never" nodeType="tmRoot"/>
+      </p:par>
+    </p:tnLst>
+  </p:timing>
 </p:sld>
 </file>
 
@@ -3967,6 +3995,13 @@
   <p:clrMapOvr>
     <a:masterClrMapping/>
   </p:clrMapOvr>
+  <p:timing>
+    <p:tnLst>
+      <p:par>
+        <p:cTn id="1" dur="indefinite" restart="never" nodeType="tmRoot"/>
+      </p:par>
+    </p:tnLst>
+  </p:timing>
 </p:sld>
 </file>
 
@@ -4111,6 +4146,13 @@
   <p:clrMapOvr>
     <a:masterClrMapping/>
   </p:clrMapOvr>
+  <p:timing>
+    <p:tnLst>
+      <p:par>
+        <p:cTn id="1" dur="indefinite" restart="never" nodeType="tmRoot"/>
+      </p:par>
+    </p:tnLst>
+  </p:timing>
 </p:sld>
 </file>
 
@@ -4230,6 +4272,13 @@
   <p:clrMapOvr>
     <a:masterClrMapping/>
   </p:clrMapOvr>
+  <p:timing>
+    <p:tnLst>
+      <p:par>
+        <p:cTn id="1" dur="indefinite" restart="never" nodeType="tmRoot"/>
+      </p:par>
+    </p:tnLst>
+  </p:timing>
 </p:sld>
 </file>
 
@@ -4358,6 +4407,13 @@
   <p:clrMapOvr>
     <a:masterClrMapping/>
   </p:clrMapOvr>
+  <p:timing>
+    <p:tnLst>
+      <p:par>
+        <p:cTn id="1" dur="indefinite" restart="never" nodeType="tmRoot"/>
+      </p:par>
+    </p:tnLst>
+  </p:timing>
 </p:sld>
 </file>
 
@@ -4482,6 +4538,13 @@
   <p:clrMapOvr>
     <a:masterClrMapping/>
   </p:clrMapOvr>
+  <p:timing>
+    <p:tnLst>
+      <p:par>
+        <p:cTn id="1" dur="indefinite" restart="never" nodeType="tmRoot"/>
+      </p:par>
+    </p:tnLst>
+  </p:timing>
 </p:sld>
 </file>
 
@@ -4590,6 +4653,13 @@
   <p:clrMapOvr>
     <a:masterClrMapping/>
   </p:clrMapOvr>
+  <p:timing>
+    <p:tnLst>
+      <p:par>
+        <p:cTn id="1" dur="indefinite" restart="never" nodeType="tmRoot"/>
+      </p:par>
+    </p:tnLst>
+  </p:timing>
 </p:sld>
 </file>
 
@@ -4774,6 +4844,13 @@
   <p:clrMapOvr>
     <a:masterClrMapping/>
   </p:clrMapOvr>
+  <p:timing>
+    <p:tnLst>
+      <p:par>
+        <p:cTn id="1" dur="indefinite" restart="never" nodeType="tmRoot"/>
+      </p:par>
+    </p:tnLst>
+  </p:timing>
 </p:sld>
 </file>
 
@@ -4835,6 +4912,13 @@
   <p:clrMapOvr>
     <a:masterClrMapping/>
   </p:clrMapOvr>
+  <p:timing>
+    <p:tnLst>
+      <p:par>
+        <p:cTn id="1" dur="indefinite" restart="never" nodeType="tmRoot"/>
+      </p:par>
+    </p:tnLst>
+  </p:timing>
 </p:sld>
 </file>
 
@@ -4973,6 +5057,13 @@
   <p:clrMapOvr>
     <a:masterClrMapping/>
   </p:clrMapOvr>
+  <p:timing>
+    <p:tnLst>
+      <p:par>
+        <p:cTn id="1" dur="indefinite" restart="never" nodeType="tmRoot"/>
+      </p:par>
+    </p:tnLst>
+  </p:timing>
 </p:sld>
 </file>
 
@@ -5095,6 +5186,13 @@
   <p:clrMapOvr>
     <a:masterClrMapping/>
   </p:clrMapOvr>
+  <p:timing>
+    <p:tnLst>
+      <p:par>
+        <p:cTn id="1" dur="indefinite" restart="never" nodeType="tmRoot"/>
+      </p:par>
+    </p:tnLst>
+  </p:timing>
 </p:sld>
 </file>
 
@@ -5249,6 +5347,13 @@
   <p:clrMapOvr>
     <a:masterClrMapping/>
   </p:clrMapOvr>
+  <p:timing>
+    <p:tnLst>
+      <p:par>
+        <p:cTn id="1" dur="indefinite" restart="never" nodeType="tmRoot"/>
+      </p:par>
+    </p:tnLst>
+  </p:timing>
 </p:sld>
 </file>
 
@@ -5387,6 +5492,13 @@
   <p:clrMapOvr>
     <a:masterClrMapping/>
   </p:clrMapOvr>
+  <p:timing>
+    <p:tnLst>
+      <p:par>
+        <p:cTn id="1" dur="indefinite" restart="never" nodeType="tmRoot"/>
+      </p:par>
+    </p:tnLst>
+  </p:timing>
 </p:sld>
 </file>
 
@@ -5526,6 +5638,13 @@
   <p:clrMapOvr>
     <a:masterClrMapping/>
   </p:clrMapOvr>
+  <p:timing>
+    <p:tnLst>
+      <p:par>
+        <p:cTn id="1" dur="indefinite" restart="never" nodeType="tmRoot"/>
+      </p:par>
+    </p:tnLst>
+  </p:timing>
 </p:sld>
 </file>
 
@@ -5672,6 +5791,13 @@
   <p:clrMapOvr>
     <a:masterClrMapping/>
   </p:clrMapOvr>
+  <p:timing>
+    <p:tnLst>
+      <p:par>
+        <p:cTn id="1" dur="indefinite" restart="never" nodeType="tmRoot"/>
+      </p:par>
+    </p:tnLst>
+  </p:timing>
 </p:sld>
 </file>
 
@@ -5800,6 +5926,13 @@
   <p:clrMapOvr>
     <a:masterClrMapping/>
   </p:clrMapOvr>
+  <p:timing>
+    <p:tnLst>
+      <p:par>
+        <p:cTn id="1" dur="indefinite" restart="never" nodeType="tmRoot"/>
+      </p:par>
+    </p:tnLst>
+  </p:timing>
 </p:sld>
 </file>
 
@@ -5962,6 +6095,13 @@
   <p:clrMapOvr>
     <a:masterClrMapping/>
   </p:clrMapOvr>
+  <p:timing>
+    <p:tnLst>
+      <p:par>
+        <p:cTn id="1" dur="indefinite" restart="never" nodeType="tmRoot"/>
+      </p:par>
+    </p:tnLst>
+  </p:timing>
 </p:sld>
 </file>
 
@@ -6153,6 +6293,13 @@
   <p:clrMapOvr>
     <a:masterClrMapping/>
   </p:clrMapOvr>
+  <p:timing>
+    <p:tnLst>
+      <p:par>
+        <p:cTn id="1" dur="indefinite" restart="never" nodeType="tmRoot"/>
+      </p:par>
+    </p:tnLst>
+  </p:timing>
 </p:sld>
 </file>
 
@@ -6314,6 +6461,13 @@
   <p:clrMapOvr>
     <a:masterClrMapping/>
   </p:clrMapOvr>
+  <p:timing>
+    <p:tnLst>
+      <p:par>
+        <p:cTn id="1" dur="indefinite" restart="never" nodeType="tmRoot"/>
+      </p:par>
+    </p:tnLst>
+  </p:timing>
 </p:sld>
 </file>
 
@@ -6407,6 +6561,13 @@
   <p:clrMapOvr>
     <a:masterClrMapping/>
   </p:clrMapOvr>
+  <p:timing>
+    <p:tnLst>
+      <p:par>
+        <p:cTn id="1" dur="indefinite" restart="never" nodeType="tmRoot"/>
+      </p:par>
+    </p:tnLst>
+  </p:timing>
 </p:sld>
 </file>
 
@@ -6568,6 +6729,13 @@
   <p:clrMapOvr>
     <a:masterClrMapping/>
   </p:clrMapOvr>
+  <p:timing>
+    <p:tnLst>
+      <p:par>
+        <p:cTn id="1" dur="indefinite" restart="never" nodeType="tmRoot"/>
+      </p:par>
+    </p:tnLst>
+  </p:timing>
 </p:sld>
 </file>
 
@@ -6737,6 +6905,13 @@
   <p:clrMapOvr>
     <a:masterClrMapping/>
   </p:clrMapOvr>
+  <p:timing>
+    <p:tnLst>
+      <p:par>
+        <p:cTn id="1" dur="indefinite" restart="never" nodeType="tmRoot"/>
+      </p:par>
+    </p:tnLst>
+  </p:timing>
 </p:sld>
 </file>
 
@@ -6890,6 +7065,13 @@
   <p:clrMapOvr>
     <a:masterClrMapping/>
   </p:clrMapOvr>
+  <p:timing>
+    <p:tnLst>
+      <p:par>
+        <p:cTn id="1" dur="indefinite" restart="never" nodeType="tmRoot"/>
+      </p:par>
+    </p:tnLst>
+  </p:timing>
 </p:sld>
 </file>
 
@@ -7051,6 +7233,13 @@
   <p:clrMapOvr>
     <a:masterClrMapping/>
   </p:clrMapOvr>
+  <p:timing>
+    <p:tnLst>
+      <p:par>
+        <p:cTn id="1" dur="indefinite" restart="never" nodeType="tmRoot"/>
+      </p:par>
+    </p:tnLst>
+  </p:timing>
 </p:sld>
 </file>
 
@@ -7246,8 +7435,8 @@
               <a:t>Creating a </a:t>
             </a:r>
             <a:r>
-              <a:rPr lang="en-US" dirty="0" err="1" smtClean="0"/>
-              <a:t>Repositary</a:t>
+              <a:rPr lang="en-US" dirty="0" smtClean="0"/>
+              <a:t>Repository</a:t>
             </a:r>
             <a:endParaRPr lang="en-SG" dirty="0"/>
           </a:p>
@@ -7537,7 +7726,9 @@
           </a:xfrm>
         </p:spPr>
         <p:txBody>
-          <a:bodyPr/>
+          <a:bodyPr>
+            <a:normAutofit/>
+          </a:bodyPr>
           <a:lstStyle/>
           <a:p>
             <a:r>
@@ -7545,8 +7736,8 @@
               <a:t>Creating a </a:t>
             </a:r>
             <a:r>
-              <a:rPr lang="en-US" dirty="0" err="1" smtClean="0"/>
-              <a:t>Repositary</a:t>
+              <a:rPr lang="en-US" dirty="0" smtClean="0"/>
+              <a:t>Repository</a:t>
             </a:r>
             <a:endParaRPr lang="en-SG" dirty="0"/>
           </a:p>
@@ -7916,6 +8107,13 @@
   <p:clrMapOvr>
     <a:masterClrMapping/>
   </p:clrMapOvr>
+  <p:timing>
+    <p:tnLst>
+      <p:par>
+        <p:cTn id="1" dur="indefinite" restart="never" nodeType="tmRoot"/>
+      </p:par>
+    </p:tnLst>
+  </p:timing>
 </p:sld>
 </file>
 
@@ -7961,8 +8159,8 @@
               <a:t>Creating a </a:t>
             </a:r>
             <a:r>
-              <a:rPr lang="en-US" dirty="0" err="1" smtClean="0"/>
-              <a:t>Repositary</a:t>
+              <a:rPr lang="en-US" dirty="0" smtClean="0"/>
+              <a:t>Repository</a:t>
             </a:r>
             <a:endParaRPr lang="en-SG" dirty="0"/>
           </a:p>
@@ -8040,6 +8238,13 @@
   <p:clrMapOvr>
     <a:masterClrMapping/>
   </p:clrMapOvr>
+  <p:timing>
+    <p:tnLst>
+      <p:par>
+        <p:cTn id="1" dur="indefinite" restart="never" nodeType="tmRoot"/>
+      </p:par>
+    </p:tnLst>
+  </p:timing>
 </p:sld>
 </file>
 
@@ -8085,8 +8290,8 @@
               <a:t>Creating a </a:t>
             </a:r>
             <a:r>
-              <a:rPr lang="en-US" dirty="0" err="1" smtClean="0"/>
-              <a:t>Repositary</a:t>
+              <a:rPr lang="en-US" dirty="0" smtClean="0"/>
+              <a:t>Repository</a:t>
             </a:r>
             <a:endParaRPr lang="en-SG" dirty="0"/>
           </a:p>
@@ -8180,6 +8385,13 @@
   <p:clrMapOvr>
     <a:masterClrMapping/>
   </p:clrMapOvr>
+  <p:timing>
+    <p:tnLst>
+      <p:par>
+        <p:cTn id="1" dur="indefinite" restart="never" nodeType="tmRoot"/>
+      </p:par>
+    </p:tnLst>
+  </p:timing>
 </p:sld>
 </file>
 
@@ -8472,6 +8684,13 @@
   <p:clrMapOvr>
     <a:masterClrMapping/>
   </p:clrMapOvr>
+  <p:timing>
+    <p:tnLst>
+      <p:par>
+        <p:cTn id="1" dur="indefinite" restart="never" nodeType="tmRoot"/>
+      </p:par>
+    </p:tnLst>
+  </p:timing>
 </p:sld>
 </file>
 

--- a/Github Commands.pptx
+++ b/Github Commands.pptx
@@ -2,42 +2,41 @@
 <file path=ppt/presentation.xml><?xml version="1.0" encoding="utf-8"?>
 <p:presentation xmlns:a="http://schemas.openxmlformats.org/drawingml/2006/main" xmlns:r="http://schemas.openxmlformats.org/officeDocument/2006/relationships" xmlns:p="http://schemas.openxmlformats.org/presentationml/2006/main" saveSubsetFonts="1">
   <p:sldMasterIdLst>
-    <p:sldMasterId id="2147483648" r:id="rId1"/>
+    <p:sldMasterId id="2147483660" r:id="rId1"/>
   </p:sldMasterIdLst>
   <p:sldIdLst>
     <p:sldId id="256" r:id="rId2"/>
     <p:sldId id="262" r:id="rId3"/>
-    <p:sldId id="263" r:id="rId4"/>
-    <p:sldId id="264" r:id="rId5"/>
-    <p:sldId id="265" r:id="rId6"/>
-    <p:sldId id="266" r:id="rId7"/>
-    <p:sldId id="267" r:id="rId8"/>
-    <p:sldId id="268" r:id="rId9"/>
-    <p:sldId id="269" r:id="rId10"/>
-    <p:sldId id="270" r:id="rId11"/>
-    <p:sldId id="271" r:id="rId12"/>
-    <p:sldId id="272" r:id="rId13"/>
-    <p:sldId id="273" r:id="rId14"/>
-    <p:sldId id="274" r:id="rId15"/>
-    <p:sldId id="275" r:id="rId16"/>
-    <p:sldId id="276" r:id="rId17"/>
-    <p:sldId id="277" r:id="rId18"/>
-    <p:sldId id="278" r:id="rId19"/>
-    <p:sldId id="279" r:id="rId20"/>
-    <p:sldId id="280" r:id="rId21"/>
-    <p:sldId id="281" r:id="rId22"/>
-    <p:sldId id="282" r:id="rId23"/>
-    <p:sldId id="283" r:id="rId24"/>
-    <p:sldId id="284" r:id="rId25"/>
-    <p:sldId id="285" r:id="rId26"/>
-    <p:sldId id="286" r:id="rId27"/>
-    <p:sldId id="287" r:id="rId28"/>
-    <p:sldId id="288" r:id="rId29"/>
-    <p:sldId id="289" r:id="rId30"/>
-    <p:sldId id="290" r:id="rId31"/>
-    <p:sldId id="291" r:id="rId32"/>
-    <p:sldId id="292" r:id="rId33"/>
-    <p:sldId id="293" r:id="rId34"/>
+    <p:sldId id="264" r:id="rId4"/>
+    <p:sldId id="265" r:id="rId5"/>
+    <p:sldId id="266" r:id="rId6"/>
+    <p:sldId id="267" r:id="rId7"/>
+    <p:sldId id="268" r:id="rId8"/>
+    <p:sldId id="269" r:id="rId9"/>
+    <p:sldId id="270" r:id="rId10"/>
+    <p:sldId id="271" r:id="rId11"/>
+    <p:sldId id="272" r:id="rId12"/>
+    <p:sldId id="273" r:id="rId13"/>
+    <p:sldId id="274" r:id="rId14"/>
+    <p:sldId id="275" r:id="rId15"/>
+    <p:sldId id="276" r:id="rId16"/>
+    <p:sldId id="277" r:id="rId17"/>
+    <p:sldId id="278" r:id="rId18"/>
+    <p:sldId id="279" r:id="rId19"/>
+    <p:sldId id="280" r:id="rId20"/>
+    <p:sldId id="281" r:id="rId21"/>
+    <p:sldId id="282" r:id="rId22"/>
+    <p:sldId id="283" r:id="rId23"/>
+    <p:sldId id="284" r:id="rId24"/>
+    <p:sldId id="285" r:id="rId25"/>
+    <p:sldId id="286" r:id="rId26"/>
+    <p:sldId id="287" r:id="rId27"/>
+    <p:sldId id="288" r:id="rId28"/>
+    <p:sldId id="289" r:id="rId29"/>
+    <p:sldId id="290" r:id="rId30"/>
+    <p:sldId id="291" r:id="rId31"/>
+    <p:sldId id="292" r:id="rId32"/>
+    <p:sldId id="293" r:id="rId33"/>
   </p:sldIdLst>
   <p:sldSz cx="9144000" cy="6858000" type="screen4x3"/>
   <p:notesSz cx="6858000" cy="9144000"/>
@@ -141,7 +140,7 @@
 
 <file path=ppt/slideLayouts/slideLayout1.xml><?xml version="1.0" encoding="utf-8"?>
 <p:sldLayout xmlns:a="http://schemas.openxmlformats.org/drawingml/2006/main" xmlns:r="http://schemas.openxmlformats.org/officeDocument/2006/relationships" xmlns:p="http://schemas.openxmlformats.org/presentationml/2006/main" type="title" preserve="1">
-  <p:cSld name="Title Slide">
+  <p:cSld name="Cover Page">
     <p:spTree>
       <p:nvGrpSpPr>
         <p:cNvPr id="1" name=""/>
@@ -156,6 +155,47 @@
           <a:chExt cx="0" cy="0"/>
         </a:xfrm>
       </p:grpSpPr>
+      <p:pic>
+        <p:nvPicPr>
+          <p:cNvPr id="1027" name="Picture 3" descr="C:\Users\Leung\Dropbox\oppoi\Logo\green-blank-blackboard.png"/>
+          <p:cNvPicPr>
+            <a:picLocks noChangeAspect="1" noChangeArrowheads="1"/>
+          </p:cNvPicPr>
+          <p:nvPr/>
+        </p:nvPicPr>
+        <p:blipFill>
+          <a:blip r:embed="rId2">
+            <a:extLst>
+              <a:ext uri="{28A0092B-C50C-407E-A947-70E740481C1C}">
+                <a14:useLocalDpi xmlns:a14="http://schemas.microsoft.com/office/drawing/2010/main" val="0"/>
+              </a:ext>
+            </a:extLst>
+          </a:blip>
+          <a:srcRect/>
+          <a:stretch>
+            <a:fillRect/>
+          </a:stretch>
+        </p:blipFill>
+        <p:spPr bwMode="auto">
+          <a:xfrm>
+            <a:off x="467543" y="373832"/>
+            <a:ext cx="7920881" cy="5940661"/>
+          </a:xfrm>
+          <a:prstGeom prst="rect">
+            <a:avLst/>
+          </a:prstGeom>
+          <a:noFill/>
+          <a:extLst>
+            <a:ext uri="{909E8E84-426E-40DD-AFC4-6F175D3DCCD1}">
+              <a14:hiddenFill xmlns:a14="http://schemas.microsoft.com/office/drawing/2010/main">
+                <a:solidFill>
+                  <a:srgbClr val="FFFFFF"/>
+                </a:solidFill>
+              </a14:hiddenFill>
+            </a:ext>
+          </a:extLst>
+        </p:spPr>
+      </p:pic>
       <p:sp>
         <p:nvSpPr>
           <p:cNvPr id="2" name="Title 1"/>
@@ -163,24 +203,36 @@
             <a:spLocks noGrp="1"/>
           </p:cNvSpPr>
           <p:nvPr>
-            <p:ph type="ctrTitle"/>
+            <p:ph type="ctrTitle" hasCustomPrompt="1"/>
           </p:nvPr>
         </p:nvSpPr>
         <p:spPr>
           <a:xfrm>
-            <a:off x="685800" y="2130425"/>
+            <a:off x="544016" y="1598935"/>
             <a:ext cx="7772400" cy="1470025"/>
           </a:xfrm>
         </p:spPr>
         <p:txBody>
-          <a:bodyPr/>
-          <a:lstStyle/>
-          <a:p>
-            <a:r>
-              <a:rPr lang="en-US" smtClean="0"/>
-              <a:t>Click to edit Master title style</a:t>
-            </a:r>
-            <a:endParaRPr lang="en-SG"/>
+          <a:bodyPr>
+            <a:normAutofit/>
+          </a:bodyPr>
+          <a:lstStyle>
+            <a:lvl1pPr algn="ctr">
+              <a:defRPr sz="4000">
+                <a:latin typeface="Sketch Rockwell" pitchFamily="2" charset="0"/>
+              </a:defRPr>
+            </a:lvl1pPr>
+          </a:lstStyle>
+          <a:p>
+            <a:r>
+              <a:rPr lang="en-US" dirty="0" smtClean="0"/>
+              <a:t>Preparing your computer for </a:t>
+            </a:r>
+            <a:r>
+              <a:rPr lang="en-US" dirty="0" err="1" smtClean="0"/>
+              <a:t>Git</a:t>
+            </a:r>
+            <a:endParaRPr lang="en-SG" dirty="0"/>
           </a:p>
         </p:txBody>
       </p:sp>
@@ -191,26 +243,27 @@
             <a:spLocks noGrp="1"/>
           </p:cNvSpPr>
           <p:nvPr>
-            <p:ph type="subTitle" idx="1"/>
+            <p:ph type="subTitle" idx="1" hasCustomPrompt="1"/>
           </p:nvPr>
         </p:nvSpPr>
         <p:spPr>
           <a:xfrm>
-            <a:off x="1371600" y="3886200"/>
-            <a:ext cx="6400800" cy="1752600"/>
-          </a:xfrm>
-        </p:spPr>
-        <p:txBody>
-          <a:bodyPr/>
+            <a:off x="1043608" y="3573016"/>
+            <a:ext cx="6768752" cy="576064"/>
+          </a:xfrm>
+        </p:spPr>
+        <p:txBody>
+          <a:bodyPr>
+            <a:noAutofit/>
+          </a:bodyPr>
           <a:lstStyle>
             <a:lvl1pPr marL="0" indent="0" algn="ctr">
               <a:buNone/>
-              <a:defRPr>
-                <a:solidFill>
-                  <a:schemeClr val="tx1">
-                    <a:tint val="75000"/>
-                  </a:schemeClr>
-                </a:solidFill>
+              <a:defRPr sz="3000">
+                <a:solidFill>
+                  <a:schemeClr val="bg1"/>
+                </a:solidFill>
+                <a:latin typeface="AR CARTER" pitchFamily="2" charset="0"/>
               </a:defRPr>
             </a:lvl1pPr>
             <a:lvl2pPr marL="457200" indent="0" algn="ctr">
@@ -296,94 +349,85 @@
           </a:lstStyle>
           <a:p>
             <a:r>
-              <a:rPr lang="en-US" smtClean="0"/>
-              <a:t>Click to edit Master subtitle style</a:t>
-            </a:r>
-            <a:endParaRPr lang="en-SG"/>
-          </a:p>
-        </p:txBody>
-      </p:sp>
-      <p:sp>
-        <p:nvSpPr>
-          <p:cNvPr id="4" name="Date Placeholder 3"/>
-          <p:cNvSpPr>
-            <a:spLocks noGrp="1"/>
-          </p:cNvSpPr>
-          <p:nvPr>
-            <p:ph type="dt" sz="half" idx="10"/>
-          </p:nvPr>
-        </p:nvSpPr>
-        <p:spPr/>
-        <p:txBody>
-          <a:bodyPr/>
-          <a:lstStyle/>
-          <a:p>
-            <a:fld id="{8839E6B8-AE44-4E4D-B3CE-5639A35B70C6}" type="datetimeFigureOut">
-              <a:rPr lang="en-SG" smtClean="0"/>
-              <a:t>4/4/2013</a:t>
-            </a:fld>
-            <a:endParaRPr lang="en-SG"/>
-          </a:p>
-        </p:txBody>
-      </p:sp>
-      <p:sp>
-        <p:nvSpPr>
-          <p:cNvPr id="5" name="Footer Placeholder 4"/>
-          <p:cNvSpPr>
-            <a:spLocks noGrp="1"/>
-          </p:cNvSpPr>
-          <p:nvPr>
-            <p:ph type="ftr" sz="quarter" idx="11"/>
-          </p:nvPr>
-        </p:nvSpPr>
-        <p:spPr/>
-        <p:txBody>
-          <a:bodyPr/>
-          <a:lstStyle/>
-          <a:p>
-            <a:endParaRPr lang="en-SG"/>
-          </a:p>
-        </p:txBody>
-      </p:sp>
-      <p:sp>
-        <p:nvSpPr>
-          <p:cNvPr id="6" name="Slide Number Placeholder 5"/>
-          <p:cNvSpPr>
-            <a:spLocks noGrp="1"/>
-          </p:cNvSpPr>
-          <p:nvPr>
-            <p:ph type="sldNum" sz="quarter" idx="12"/>
-          </p:nvPr>
-        </p:nvSpPr>
-        <p:spPr/>
-        <p:txBody>
-          <a:bodyPr/>
-          <a:lstStyle/>
-          <a:p>
-            <a:fld id="{FCF4ED2B-DE2B-46BD-969D-904CA2FBB047}" type="slidenum">
-              <a:rPr lang="en-SG" smtClean="0"/>
-              <a:t>‹#›</a:t>
-            </a:fld>
-            <a:endParaRPr lang="en-SG"/>
-          </a:p>
-        </p:txBody>
-      </p:sp>
+              <a:rPr lang="en-US" dirty="0" smtClean="0"/>
+              <a:t>The trilogy before you even run a single </a:t>
+            </a:r>
+            <a:r>
+              <a:rPr lang="en-US" dirty="0" err="1" smtClean="0"/>
+              <a:t>Git</a:t>
+            </a:r>
+            <a:r>
+              <a:rPr lang="en-US" dirty="0" smtClean="0"/>
+              <a:t> Command</a:t>
+            </a:r>
+            <a:endParaRPr lang="en-SG" dirty="0"/>
+          </a:p>
+        </p:txBody>
+      </p:sp>
+      <p:pic>
+        <p:nvPicPr>
+          <p:cNvPr id="1028" name="Picture 4" descr="C:\Users\Leung\Dropbox\oppoi\Logo\Oct only.png"/>
+          <p:cNvPicPr>
+            <a:picLocks noChangeAspect="1" noChangeArrowheads="1"/>
+          </p:cNvPicPr>
+          <p:nvPr/>
+        </p:nvPicPr>
+        <p:blipFill>
+          <a:blip r:embed="rId3">
+            <a:extLst>
+              <a:ext uri="{28A0092B-C50C-407E-A947-70E740481C1C}">
+                <a14:useLocalDpi xmlns:a14="http://schemas.microsoft.com/office/drawing/2010/main" val="0"/>
+              </a:ext>
+            </a:extLst>
+          </a:blip>
+          <a:srcRect/>
+          <a:stretch>
+            <a:fillRect/>
+          </a:stretch>
+        </p:blipFill>
+        <p:spPr bwMode="auto">
+          <a:xfrm>
+            <a:off x="5544616" y="3599470"/>
+            <a:ext cx="3635896" cy="3357922"/>
+          </a:xfrm>
+          <a:prstGeom prst="rect">
+            <a:avLst/>
+          </a:prstGeom>
+          <a:noFill/>
+          <a:extLst>
+            <a:ext uri="{909E8E84-426E-40DD-AFC4-6F175D3DCCD1}">
+              <a14:hiddenFill xmlns:a14="http://schemas.microsoft.com/office/drawing/2010/main">
+                <a:solidFill>
+                  <a:srgbClr val="FFFFFF"/>
+                </a:solidFill>
+              </a14:hiddenFill>
+            </a:ext>
+          </a:extLst>
+        </p:spPr>
+      </p:pic>
     </p:spTree>
     <p:extLst>
       <p:ext uri="{BB962C8B-B14F-4D97-AF65-F5344CB8AC3E}">
-        <p14:creationId xmlns:p14="http://schemas.microsoft.com/office/powerpoint/2010/main" val="3914703354"/>
+        <p14:creationId xmlns:p14="http://schemas.microsoft.com/office/powerpoint/2010/main" val="2136525064"/>
       </p:ext>
     </p:extLst>
   </p:cSld>
   <p:clrMapOvr>
     <a:masterClrMapping/>
   </p:clrMapOvr>
+  <p:timing>
+    <p:tnLst>
+      <p:par>
+        <p:cTn id="1" dur="indefinite" restart="never" nodeType="tmRoot"/>
+      </p:par>
+    </p:tnLst>
+  </p:timing>
 </p:sldLayout>
 </file>
 
 <file path=ppt/slideLayouts/slideLayout10.xml><?xml version="1.0" encoding="utf-8"?>
-<p:sldLayout xmlns:a="http://schemas.openxmlformats.org/drawingml/2006/main" xmlns:r="http://schemas.openxmlformats.org/officeDocument/2006/relationships" xmlns:p="http://schemas.openxmlformats.org/presentationml/2006/main" type="vertTx" preserve="1">
-  <p:cSld name="Title and Vertical Text">
+<p:sldLayout xmlns:a="http://schemas.openxmlformats.org/drawingml/2006/main" xmlns:r="http://schemas.openxmlformats.org/officeDocument/2006/relationships" xmlns:p="http://schemas.openxmlformats.org/presentationml/2006/main" preserve="1">
+  <p:cSld name="Content (With note)">
     <p:spTree>
       <p:nvGrpSpPr>
         <p:cNvPr id="1" name=""/>
@@ -400,105 +444,435 @@
       </p:grpSpPr>
       <p:sp>
         <p:nvSpPr>
-          <p:cNvPr id="2" name="Title 1"/>
+          <p:cNvPr id="3" name="Content Placeholder 2"/>
           <p:cNvSpPr>
             <a:spLocks noGrp="1"/>
           </p:cNvSpPr>
           <p:nvPr>
-            <p:ph type="title"/>
+            <p:ph idx="1" hasCustomPrompt="1"/>
           </p:nvPr>
         </p:nvSpPr>
-        <p:spPr/>
-        <p:txBody>
-          <a:bodyPr/>
+        <p:spPr>
+          <a:xfrm>
+            <a:off x="457200" y="1091877"/>
+            <a:ext cx="6203032" cy="5217443"/>
+          </a:xfrm>
+        </p:spPr>
+        <p:txBody>
+          <a:bodyPr>
+            <a:normAutofit/>
+          </a:bodyPr>
+          <a:lstStyle>
+            <a:lvl1pPr marL="0" indent="0" algn="l">
+              <a:buNone/>
+              <a:defRPr sz="1800" baseline="0">
+                <a:latin typeface="Arial" pitchFamily="34" charset="0"/>
+                <a:cs typeface="Arial" pitchFamily="34" charset="0"/>
+              </a:defRPr>
+            </a:lvl1pPr>
+          </a:lstStyle>
+          <a:p>
+            <a:pPr marL="0" indent="0">
+              <a:buNone/>
+            </a:pPr>
+            <a:r>
+              <a:rPr lang="en-US" dirty="0" smtClean="0"/>
+              <a:t>Once you’ve successfully installed </a:t>
+            </a:r>
+            <a:r>
+              <a:rPr lang="en-US" dirty="0" err="1" smtClean="0"/>
+              <a:t>GitBash</a:t>
+            </a:r>
+            <a:r>
+              <a:rPr lang="en-US" dirty="0" smtClean="0"/>
+              <a:t>, open it up. Yeah, it looks a little like command prompt.</a:t>
+            </a:r>
+          </a:p>
+          <a:p>
+            <a:pPr marL="0" indent="0">
+              <a:buNone/>
+            </a:pPr>
+            <a:endParaRPr lang="en-US" dirty="0" smtClean="0"/>
+          </a:p>
+          <a:p>
+            <a:pPr marL="0" indent="0">
+              <a:buNone/>
+            </a:pPr>
+            <a:r>
+              <a:rPr lang="en-US" dirty="0" smtClean="0"/>
+              <a:t>Type in </a:t>
+            </a:r>
+            <a:r>
+              <a:rPr lang="en-US" dirty="0" smtClean="0">
+                <a:solidFill>
+                  <a:srgbClr val="00B050"/>
+                </a:solidFill>
+              </a:rPr>
+              <a:t>cd ~/.</a:t>
+            </a:r>
+            <a:r>
+              <a:rPr lang="en-US" dirty="0" err="1" smtClean="0">
+                <a:solidFill>
+                  <a:srgbClr val="00B050"/>
+                </a:solidFill>
+              </a:rPr>
+              <a:t>ssh</a:t>
+            </a:r>
+            <a:r>
+              <a:rPr lang="en-US" dirty="0" smtClean="0">
+                <a:solidFill>
+                  <a:srgbClr val="00B050"/>
+                </a:solidFill>
+              </a:rPr>
+              <a:t> </a:t>
+            </a:r>
+            <a:r>
+              <a:rPr lang="en-US" dirty="0" smtClean="0"/>
+              <a:t>and press Enter.</a:t>
+            </a:r>
+          </a:p>
+          <a:p>
+            <a:pPr marL="0" indent="0">
+              <a:buNone/>
+            </a:pPr>
+            <a:endParaRPr lang="en-US" dirty="0" smtClean="0"/>
+          </a:p>
+          <a:p>
+            <a:pPr marL="0" indent="0">
+              <a:buNone/>
+            </a:pPr>
+            <a:r>
+              <a:rPr lang="en-US" dirty="0" smtClean="0"/>
+              <a:t>If it says “No such file or directory”, it means that you don’t have a </a:t>
+            </a:r>
+            <a:r>
+              <a:rPr lang="en-US" dirty="0" err="1" smtClean="0"/>
+              <a:t>keypair</a:t>
+            </a:r>
+            <a:r>
+              <a:rPr lang="en-US" dirty="0" smtClean="0"/>
+              <a:t> yet, so you’ll have to make one.</a:t>
+            </a:r>
+          </a:p>
+          <a:p>
+            <a:pPr marL="0" indent="0">
+              <a:buNone/>
+            </a:pPr>
+            <a:endParaRPr lang="en-SG" dirty="0" smtClean="0"/>
+          </a:p>
+          <a:p>
+            <a:pPr marL="0" indent="0">
+              <a:buNone/>
+            </a:pPr>
+            <a:r>
+              <a:rPr lang="en-US" dirty="0" smtClean="0"/>
+              <a:t>If you do have a </a:t>
+            </a:r>
+            <a:r>
+              <a:rPr lang="en-US" dirty="0" err="1" smtClean="0"/>
+              <a:t>keypair</a:t>
+            </a:r>
+            <a:r>
+              <a:rPr lang="en-US" dirty="0" smtClean="0"/>
+              <a:t>, note down the name of the file (It’s probably id_rsa.pub). You can now skip to Part 2.</a:t>
+            </a:r>
+            <a:endParaRPr lang="en-SG" dirty="0" smtClean="0"/>
+          </a:p>
+          <a:p>
+            <a:pPr marL="0" indent="0">
+              <a:buNone/>
+            </a:pPr>
+            <a:endParaRPr lang="en-US" dirty="0" smtClean="0"/>
+          </a:p>
+        </p:txBody>
+      </p:sp>
+      <p:sp>
+        <p:nvSpPr>
+          <p:cNvPr id="7" name="Rectangle 6"/>
+          <p:cNvSpPr/>
+          <p:nvPr/>
+        </p:nvSpPr>
+        <p:spPr>
+          <a:xfrm>
+            <a:off x="6911752" y="1484784"/>
+            <a:ext cx="2232248" cy="2088232"/>
+          </a:xfrm>
+          <a:prstGeom prst="rect">
+            <a:avLst/>
+          </a:prstGeom>
+          <a:solidFill>
+            <a:srgbClr val="B3D366"/>
+          </a:solidFill>
+          <a:ln>
+            <a:noFill/>
+          </a:ln>
+        </p:spPr>
+        <p:style>
+          <a:lnRef idx="2">
+            <a:schemeClr val="accent1">
+              <a:shade val="50000"/>
+            </a:schemeClr>
+          </a:lnRef>
+          <a:fillRef idx="1">
+            <a:schemeClr val="accent1"/>
+          </a:fillRef>
+          <a:effectRef idx="0">
+            <a:schemeClr val="accent1"/>
+          </a:effectRef>
+          <a:fontRef idx="minor">
+            <a:schemeClr val="lt1"/>
+          </a:fontRef>
+        </p:style>
+        <p:txBody>
+          <a:bodyPr rtlCol="0" anchor="t"/>
           <a:lstStyle/>
           <a:p>
-            <a:r>
-              <a:rPr lang="en-US" smtClean="0"/>
-              <a:t>Click to edit Master title style</a:t>
-            </a:r>
-            <a:endParaRPr lang="en-SG"/>
-          </a:p>
-        </p:txBody>
-      </p:sp>
-      <p:sp>
-        <p:nvSpPr>
-          <p:cNvPr id="3" name="Vertical Text Placeholder 2"/>
-          <p:cNvSpPr>
-            <a:spLocks noGrp="1"/>
+            <a:pPr algn="l"/>
+            <a:r>
+              <a:rPr lang="en-US" sz="1800" b="1" dirty="0" smtClean="0">
+                <a:solidFill>
+                  <a:schemeClr val="bg1"/>
+                </a:solidFill>
+                <a:latin typeface="Arial" pitchFamily="34" charset="0"/>
+                <a:cs typeface="Arial" pitchFamily="34" charset="0"/>
+              </a:rPr>
+              <a:t>Side Note:</a:t>
+            </a:r>
+          </a:p>
+          <a:p>
+            <a:pPr algn="just"/>
+            <a:r>
+              <a:rPr lang="en-SG" sz="1500" b="0" i="0" u="none" strike="noStrike" kern="1200" baseline="0" dirty="0" smtClean="0">
+                <a:solidFill>
+                  <a:schemeClr val="bg1"/>
+                </a:solidFill>
+                <a:latin typeface="+mn-lt"/>
+                <a:ea typeface="+mn-ea"/>
+                <a:cs typeface="+mn-cs"/>
+              </a:rPr>
+              <a:t>Occasionally your issues might be backend</a:t>
+            </a:r>
+          </a:p>
+          <a:p>
+            <a:pPr algn="l"/>
+            <a:r>
+              <a:rPr lang="en-US" sz="1500" b="0" i="0" u="none" strike="noStrike" kern="1200" baseline="0" dirty="0" smtClean="0">
+                <a:solidFill>
+                  <a:schemeClr val="bg1"/>
+                </a:solidFill>
+                <a:latin typeface="+mn-lt"/>
+                <a:ea typeface="+mn-ea"/>
+                <a:cs typeface="+mn-cs"/>
+              </a:rPr>
+              <a:t>issues.</a:t>
+            </a:r>
+            <a:r>
+              <a:rPr lang="en-US" sz="1500" b="1" baseline="0" dirty="0" smtClean="0">
+                <a:solidFill>
+                  <a:schemeClr val="bg1"/>
+                </a:solidFill>
+                <a:latin typeface="Arial" pitchFamily="34" charset="0"/>
+                <a:cs typeface="Arial" pitchFamily="34" charset="0"/>
+              </a:rPr>
+              <a:t> </a:t>
+            </a:r>
+            <a:endParaRPr lang="en-US" sz="1500" b="1" dirty="0">
+              <a:solidFill>
+                <a:schemeClr val="bg1"/>
+              </a:solidFill>
+              <a:latin typeface="Arial" pitchFamily="34" charset="0"/>
+              <a:cs typeface="Arial" pitchFamily="34" charset="0"/>
+            </a:endParaRPr>
+          </a:p>
+        </p:txBody>
+      </p:sp>
+      <p:sp>
+        <p:nvSpPr>
+          <p:cNvPr id="8" name="Slide Number Placeholder 5"/>
+          <p:cNvSpPr txBox="1">
+            <a:spLocks/>
           </p:cNvSpPr>
-          <p:nvPr>
-            <p:ph type="body" orient="vert" idx="1"/>
-          </p:nvPr>
-        </p:nvSpPr>
-        <p:spPr/>
-        <p:txBody>
-          <a:bodyPr vert="eaVert"/>
+          <p:nvPr/>
+        </p:nvSpPr>
+        <p:spPr>
+          <a:xfrm>
+            <a:off x="8316416" y="6356350"/>
+            <a:ext cx="370384" cy="501650"/>
+          </a:xfrm>
+          <a:prstGeom prst="rect">
+            <a:avLst/>
+          </a:prstGeom>
+          <a:solidFill>
+            <a:srgbClr val="B3D366"/>
+          </a:solidFill>
+        </p:spPr>
+        <p:txBody>
+          <a:bodyPr vert="horz" lIns="91440" tIns="45720" rIns="91440" bIns="45720" rtlCol="0" anchor="ctr"/>
+          <a:lstStyle>
+            <a:defPPr>
+              <a:defRPr lang="en-US"/>
+            </a:defPPr>
+            <a:lvl1pPr marL="0" algn="r" defTabSz="914400" rtl="0" eaLnBrk="1" latinLnBrk="0" hangingPunct="1">
+              <a:defRPr sz="1200" kern="1200">
+                <a:solidFill>
+                  <a:schemeClr val="tx1">
+                    <a:tint val="75000"/>
+                  </a:schemeClr>
+                </a:solidFill>
+                <a:latin typeface="+mn-lt"/>
+                <a:ea typeface="+mn-ea"/>
+                <a:cs typeface="+mn-cs"/>
+              </a:defRPr>
+            </a:lvl1pPr>
+            <a:lvl2pPr marL="457200" algn="l" defTabSz="914400" rtl="0" eaLnBrk="1" latinLnBrk="0" hangingPunct="1">
+              <a:defRPr sz="1800" kern="1200">
+                <a:solidFill>
+                  <a:schemeClr val="tx1"/>
+                </a:solidFill>
+                <a:latin typeface="+mn-lt"/>
+                <a:ea typeface="+mn-ea"/>
+                <a:cs typeface="+mn-cs"/>
+              </a:defRPr>
+            </a:lvl2pPr>
+            <a:lvl3pPr marL="914400" algn="l" defTabSz="914400" rtl="0" eaLnBrk="1" latinLnBrk="0" hangingPunct="1">
+              <a:defRPr sz="1800" kern="1200">
+                <a:solidFill>
+                  <a:schemeClr val="tx1"/>
+                </a:solidFill>
+                <a:latin typeface="+mn-lt"/>
+                <a:ea typeface="+mn-ea"/>
+                <a:cs typeface="+mn-cs"/>
+              </a:defRPr>
+            </a:lvl3pPr>
+            <a:lvl4pPr marL="1371600" algn="l" defTabSz="914400" rtl="0" eaLnBrk="1" latinLnBrk="0" hangingPunct="1">
+              <a:defRPr sz="1800" kern="1200">
+                <a:solidFill>
+                  <a:schemeClr val="tx1"/>
+                </a:solidFill>
+                <a:latin typeface="+mn-lt"/>
+                <a:ea typeface="+mn-ea"/>
+                <a:cs typeface="+mn-cs"/>
+              </a:defRPr>
+            </a:lvl4pPr>
+            <a:lvl5pPr marL="1828800" algn="l" defTabSz="914400" rtl="0" eaLnBrk="1" latinLnBrk="0" hangingPunct="1">
+              <a:defRPr sz="1800" kern="1200">
+                <a:solidFill>
+                  <a:schemeClr val="tx1"/>
+                </a:solidFill>
+                <a:latin typeface="+mn-lt"/>
+                <a:ea typeface="+mn-ea"/>
+                <a:cs typeface="+mn-cs"/>
+              </a:defRPr>
+            </a:lvl5pPr>
+            <a:lvl6pPr marL="2286000" algn="l" defTabSz="914400" rtl="0" eaLnBrk="1" latinLnBrk="0" hangingPunct="1">
+              <a:defRPr sz="1800" kern="1200">
+                <a:solidFill>
+                  <a:schemeClr val="tx1"/>
+                </a:solidFill>
+                <a:latin typeface="+mn-lt"/>
+                <a:ea typeface="+mn-ea"/>
+                <a:cs typeface="+mn-cs"/>
+              </a:defRPr>
+            </a:lvl6pPr>
+            <a:lvl7pPr marL="2743200" algn="l" defTabSz="914400" rtl="0" eaLnBrk="1" latinLnBrk="0" hangingPunct="1">
+              <a:defRPr sz="1800" kern="1200">
+                <a:solidFill>
+                  <a:schemeClr val="tx1"/>
+                </a:solidFill>
+                <a:latin typeface="+mn-lt"/>
+                <a:ea typeface="+mn-ea"/>
+                <a:cs typeface="+mn-cs"/>
+              </a:defRPr>
+            </a:lvl7pPr>
+            <a:lvl8pPr marL="3200400" algn="l" defTabSz="914400" rtl="0" eaLnBrk="1" latinLnBrk="0" hangingPunct="1">
+              <a:defRPr sz="1800" kern="1200">
+                <a:solidFill>
+                  <a:schemeClr val="tx1"/>
+                </a:solidFill>
+                <a:latin typeface="+mn-lt"/>
+                <a:ea typeface="+mn-ea"/>
+                <a:cs typeface="+mn-cs"/>
+              </a:defRPr>
+            </a:lvl8pPr>
+            <a:lvl9pPr marL="3657600" algn="l" defTabSz="914400" rtl="0" eaLnBrk="1" latinLnBrk="0" hangingPunct="1">
+              <a:defRPr sz="1800" kern="1200">
+                <a:solidFill>
+                  <a:schemeClr val="tx1"/>
+                </a:solidFill>
+                <a:latin typeface="+mn-lt"/>
+                <a:ea typeface="+mn-ea"/>
+                <a:cs typeface="+mn-cs"/>
+              </a:defRPr>
+            </a:lvl9pPr>
+          </a:lstStyle>
+          <a:p>
+            <a:pPr algn="ctr"/>
+            <a:fld id="{AC8EEFA1-F671-48C2-87BC-A59F95BB3E93}" type="slidenum">
+              <a:rPr lang="en-SG" smtClean="0">
+                <a:solidFill>
+                  <a:srgbClr val="FFFFFF"/>
+                </a:solidFill>
+              </a:rPr>
+              <a:pPr algn="ctr"/>
+              <a:t>‹#›</a:t>
+            </a:fld>
+            <a:endParaRPr lang="en-SG" dirty="0">
+              <a:solidFill>
+                <a:srgbClr val="FFFFFF"/>
+              </a:solidFill>
+            </a:endParaRPr>
+          </a:p>
+        </p:txBody>
+      </p:sp>
+      <p:sp>
+        <p:nvSpPr>
+          <p:cNvPr id="10" name="Rectangle 9"/>
+          <p:cNvSpPr/>
+          <p:nvPr/>
+        </p:nvSpPr>
+        <p:spPr>
+          <a:xfrm>
+            <a:off x="0" y="260648"/>
+            <a:ext cx="9144000" cy="360040"/>
+          </a:xfrm>
+          <a:prstGeom prst="rect">
+            <a:avLst/>
+          </a:prstGeom>
+          <a:solidFill>
+            <a:srgbClr val="B3D366"/>
+          </a:solidFill>
+          <a:ln>
+            <a:noFill/>
+          </a:ln>
+        </p:spPr>
+        <p:style>
+          <a:lnRef idx="2">
+            <a:schemeClr val="accent1">
+              <a:shade val="50000"/>
+            </a:schemeClr>
+          </a:lnRef>
+          <a:fillRef idx="1">
+            <a:schemeClr val="accent1"/>
+          </a:fillRef>
+          <a:effectRef idx="0">
+            <a:schemeClr val="accent1"/>
+          </a:effectRef>
+          <a:fontRef idx="minor">
+            <a:schemeClr val="lt1"/>
+          </a:fontRef>
+        </p:style>
+        <p:txBody>
+          <a:bodyPr rtlCol="0" anchor="ctr"/>
           <a:lstStyle/>
           <a:p>
-            <a:pPr lvl="0"/>
-            <a:r>
-              <a:rPr lang="en-US" smtClean="0"/>
-              <a:t>Click to edit Master text styles</a:t>
-            </a:r>
-          </a:p>
-          <a:p>
-            <a:pPr lvl="1"/>
-            <a:r>
-              <a:rPr lang="en-US" smtClean="0"/>
-              <a:t>Second level</a:t>
-            </a:r>
-          </a:p>
-          <a:p>
-            <a:pPr lvl="2"/>
-            <a:r>
-              <a:rPr lang="en-US" smtClean="0"/>
-              <a:t>Third level</a:t>
-            </a:r>
-          </a:p>
-          <a:p>
-            <a:pPr lvl="3"/>
-            <a:r>
-              <a:rPr lang="en-US" smtClean="0"/>
-              <a:t>Fourth level</a:t>
-            </a:r>
-          </a:p>
-          <a:p>
-            <a:pPr lvl="4"/>
-            <a:r>
-              <a:rPr lang="en-US" smtClean="0"/>
-              <a:t>Fifth level</a:t>
-            </a:r>
-            <a:endParaRPr lang="en-SG"/>
-          </a:p>
-        </p:txBody>
-      </p:sp>
-      <p:sp>
-        <p:nvSpPr>
-          <p:cNvPr id="4" name="Date Placeholder 3"/>
-          <p:cNvSpPr>
-            <a:spLocks noGrp="1"/>
-          </p:cNvSpPr>
-          <p:nvPr>
-            <p:ph type="dt" sz="half" idx="10"/>
-          </p:nvPr>
-        </p:nvSpPr>
-        <p:spPr/>
-        <p:txBody>
-          <a:bodyPr/>
-          <a:lstStyle/>
-          <a:p>
-            <a:fld id="{8839E6B8-AE44-4E4D-B3CE-5639A35B70C6}" type="datetimeFigureOut">
-              <a:rPr lang="en-SG" smtClean="0"/>
-              <a:t>4/4/2013</a:t>
-            </a:fld>
-            <a:endParaRPr lang="en-SG"/>
-          </a:p>
-        </p:txBody>
-      </p:sp>
-      <p:sp>
-        <p:nvSpPr>
-          <p:cNvPr id="5" name="Footer Placeholder 4"/>
+            <a:pPr algn="ctr"/>
+            <a:endParaRPr lang="en-US"/>
+          </a:p>
+        </p:txBody>
+      </p:sp>
+      <p:sp>
+        <p:nvSpPr>
+          <p:cNvPr id="11" name="Footer Placeholder 4"/>
           <p:cNvSpPr>
             <a:spLocks noGrp="1"/>
           </p:cNvSpPr>
@@ -506,34 +880,25 @@
             <p:ph type="ftr" sz="quarter" idx="11"/>
           </p:nvPr>
         </p:nvSpPr>
-        <p:spPr/>
+        <p:spPr>
+          <a:xfrm>
+            <a:off x="438200" y="260648"/>
+            <a:ext cx="6222032" cy="365125"/>
+          </a:xfrm>
+        </p:spPr>
         <p:txBody>
           <a:bodyPr/>
-          <a:lstStyle/>
-          <a:p>
-            <a:endParaRPr lang="en-SG"/>
-          </a:p>
-        </p:txBody>
-      </p:sp>
-      <p:sp>
-        <p:nvSpPr>
-          <p:cNvPr id="6" name="Slide Number Placeholder 5"/>
-          <p:cNvSpPr>
-            <a:spLocks noGrp="1"/>
-          </p:cNvSpPr>
-          <p:nvPr>
-            <p:ph type="sldNum" sz="quarter" idx="12"/>
-          </p:nvPr>
-        </p:nvSpPr>
-        <p:spPr/>
-        <p:txBody>
-          <a:bodyPr/>
-          <a:lstStyle/>
-          <a:p>
-            <a:fld id="{FCF4ED2B-DE2B-46BD-969D-904CA2FBB047}" type="slidenum">
-              <a:rPr lang="en-SG" smtClean="0"/>
-              <a:t>‹#›</a:t>
-            </a:fld>
+          <a:lstStyle>
+            <a:lvl1pPr algn="l">
+              <a:defRPr sz="1500">
+                <a:solidFill>
+                  <a:srgbClr val="FFFFFF"/>
+                </a:solidFill>
+                <a:latin typeface="Jokerman" pitchFamily="82" charset="0"/>
+              </a:defRPr>
+            </a:lvl1pPr>
+          </a:lstStyle>
+          <a:p>
             <a:endParaRPr lang="en-SG"/>
           </a:p>
         </p:txBody>
@@ -541,19 +906,26 @@
     </p:spTree>
     <p:extLst>
       <p:ext uri="{BB962C8B-B14F-4D97-AF65-F5344CB8AC3E}">
-        <p14:creationId xmlns:p14="http://schemas.microsoft.com/office/powerpoint/2010/main" val="2309884047"/>
+        <p14:creationId xmlns:p14="http://schemas.microsoft.com/office/powerpoint/2010/main" val="1867617186"/>
       </p:ext>
     </p:extLst>
   </p:cSld>
   <p:clrMapOvr>
     <a:masterClrMapping/>
   </p:clrMapOvr>
+  <p:timing>
+    <p:tnLst>
+      <p:par>
+        <p:cTn id="1" dur="indefinite" restart="never" nodeType="tmRoot"/>
+      </p:par>
+    </p:tnLst>
+  </p:timing>
 </p:sldLayout>
 </file>
 
 <file path=ppt/slideLayouts/slideLayout11.xml><?xml version="1.0" encoding="utf-8"?>
-<p:sldLayout xmlns:a="http://schemas.openxmlformats.org/drawingml/2006/main" xmlns:r="http://schemas.openxmlformats.org/officeDocument/2006/relationships" xmlns:p="http://schemas.openxmlformats.org/presentationml/2006/main" type="vertTitleAndTx" preserve="1">
-  <p:cSld name="Vertical Title and Text">
+<p:sldLayout xmlns:a="http://schemas.openxmlformats.org/drawingml/2006/main" xmlns:r="http://schemas.openxmlformats.org/officeDocument/2006/relationships" xmlns:p="http://schemas.openxmlformats.org/presentationml/2006/main" preserve="1">
+  <p:cSld name="Content (Full Image)">
     <p:spTree>
       <p:nvGrpSpPr>
         <p:cNvPr id="1" name=""/>
@@ -570,115 +942,53 @@
       </p:grpSpPr>
       <p:sp>
         <p:nvSpPr>
-          <p:cNvPr id="2" name="Vertical Title 1"/>
-          <p:cNvSpPr>
-            <a:spLocks noGrp="1"/>
-          </p:cNvSpPr>
-          <p:nvPr>
-            <p:ph type="title" orient="vert"/>
-          </p:nvPr>
-        </p:nvSpPr>
-        <p:spPr>
-          <a:xfrm>
-            <a:off x="6629400" y="274638"/>
-            <a:ext cx="2057400" cy="5851525"/>
-          </a:xfrm>
-        </p:spPr>
-        <p:txBody>
-          <a:bodyPr vert="eaVert"/>
+          <p:cNvPr id="2" name="Rectangle 1"/>
+          <p:cNvSpPr/>
+          <p:nvPr/>
+        </p:nvSpPr>
+        <p:spPr>
+          <a:xfrm>
+            <a:off x="0" y="260648"/>
+            <a:ext cx="9144000" cy="360040"/>
+          </a:xfrm>
+          <a:prstGeom prst="rect">
+            <a:avLst/>
+          </a:prstGeom>
+          <a:solidFill>
+            <a:srgbClr val="B3D366"/>
+          </a:solidFill>
+          <a:ln>
+            <a:noFill/>
+          </a:ln>
+        </p:spPr>
+        <p:style>
+          <a:lnRef idx="2">
+            <a:schemeClr val="accent1">
+              <a:shade val="50000"/>
+            </a:schemeClr>
+          </a:lnRef>
+          <a:fillRef idx="1">
+            <a:schemeClr val="accent1"/>
+          </a:fillRef>
+          <a:effectRef idx="0">
+            <a:schemeClr val="accent1"/>
+          </a:effectRef>
+          <a:fontRef idx="minor">
+            <a:schemeClr val="lt1"/>
+          </a:fontRef>
+        </p:style>
+        <p:txBody>
+          <a:bodyPr rtlCol="0" anchor="ctr"/>
           <a:lstStyle/>
           <a:p>
-            <a:r>
-              <a:rPr lang="en-US" smtClean="0"/>
-              <a:t>Click to edit Master title style</a:t>
-            </a:r>
-            <a:endParaRPr lang="en-SG"/>
-          </a:p>
-        </p:txBody>
-      </p:sp>
-      <p:sp>
-        <p:nvSpPr>
-          <p:cNvPr id="3" name="Vertical Text Placeholder 2"/>
-          <p:cNvSpPr>
-            <a:spLocks noGrp="1"/>
-          </p:cNvSpPr>
-          <p:nvPr>
-            <p:ph type="body" orient="vert" idx="1"/>
-          </p:nvPr>
-        </p:nvSpPr>
-        <p:spPr>
-          <a:xfrm>
-            <a:off x="457200" y="274638"/>
-            <a:ext cx="6019800" cy="5851525"/>
-          </a:xfrm>
-        </p:spPr>
-        <p:txBody>
-          <a:bodyPr vert="eaVert"/>
-          <a:lstStyle/>
-          <a:p>
-            <a:pPr lvl="0"/>
-            <a:r>
-              <a:rPr lang="en-US" smtClean="0"/>
-              <a:t>Click to edit Master text styles</a:t>
-            </a:r>
-          </a:p>
-          <a:p>
-            <a:pPr lvl="1"/>
-            <a:r>
-              <a:rPr lang="en-US" smtClean="0"/>
-              <a:t>Second level</a:t>
-            </a:r>
-          </a:p>
-          <a:p>
-            <a:pPr lvl="2"/>
-            <a:r>
-              <a:rPr lang="en-US" smtClean="0"/>
-              <a:t>Third level</a:t>
-            </a:r>
-          </a:p>
-          <a:p>
-            <a:pPr lvl="3"/>
-            <a:r>
-              <a:rPr lang="en-US" smtClean="0"/>
-              <a:t>Fourth level</a:t>
-            </a:r>
-          </a:p>
-          <a:p>
-            <a:pPr lvl="4"/>
-            <a:r>
-              <a:rPr lang="en-US" smtClean="0"/>
-              <a:t>Fifth level</a:t>
-            </a:r>
-            <a:endParaRPr lang="en-SG"/>
-          </a:p>
-        </p:txBody>
-      </p:sp>
-      <p:sp>
-        <p:nvSpPr>
-          <p:cNvPr id="4" name="Date Placeholder 3"/>
-          <p:cNvSpPr>
-            <a:spLocks noGrp="1"/>
-          </p:cNvSpPr>
-          <p:nvPr>
-            <p:ph type="dt" sz="half" idx="10"/>
-          </p:nvPr>
-        </p:nvSpPr>
-        <p:spPr/>
-        <p:txBody>
-          <a:bodyPr/>
-          <a:lstStyle/>
-          <a:p>
-            <a:fld id="{8839E6B8-AE44-4E4D-B3CE-5639A35B70C6}" type="datetimeFigureOut">
-              <a:rPr lang="en-SG" smtClean="0"/>
-              <a:t>4/4/2013</a:t>
-            </a:fld>
-            <a:endParaRPr lang="en-SG"/>
-          </a:p>
-        </p:txBody>
-      </p:sp>
-      <p:sp>
-        <p:nvSpPr>
-          <p:cNvPr id="5" name="Footer Placeholder 4"/>
+            <a:pPr algn="ctr"/>
+            <a:endParaRPr lang="en-US"/>
+          </a:p>
+        </p:txBody>
+      </p:sp>
+      <p:sp>
+        <p:nvSpPr>
+          <p:cNvPr id="6" name="Footer Placeholder 4"/>
           <p:cNvSpPr>
             <a:spLocks noGrp="1"/>
           </p:cNvSpPr>
@@ -686,10 +996,24 @@
             <p:ph type="ftr" sz="quarter" idx="11"/>
           </p:nvPr>
         </p:nvSpPr>
-        <p:spPr/>
+        <p:spPr>
+          <a:xfrm>
+            <a:off x="438200" y="260648"/>
+            <a:ext cx="6222032" cy="365125"/>
+          </a:xfrm>
+        </p:spPr>
         <p:txBody>
           <a:bodyPr/>
-          <a:lstStyle/>
+          <a:lstStyle>
+            <a:lvl1pPr algn="l">
+              <a:defRPr sz="1500">
+                <a:solidFill>
+                  <a:srgbClr val="FFFFFF"/>
+                </a:solidFill>
+                <a:latin typeface="Jokerman" pitchFamily="82" charset="0"/>
+              </a:defRPr>
+            </a:lvl1pPr>
+          </a:lstStyle>
           <a:p>
             <a:endParaRPr lang="en-SG"/>
           </a:p>
@@ -697,42 +1021,197 @@
       </p:sp>
       <p:sp>
         <p:nvSpPr>
-          <p:cNvPr id="6" name="Slide Number Placeholder 5"/>
+          <p:cNvPr id="12" name="Slide Number Placeholder 5"/>
+          <p:cNvSpPr txBox="1">
+            <a:spLocks/>
+          </p:cNvSpPr>
+          <p:nvPr/>
+        </p:nvSpPr>
+        <p:spPr>
+          <a:xfrm>
+            <a:off x="8316416" y="6356350"/>
+            <a:ext cx="370384" cy="501650"/>
+          </a:xfrm>
+          <a:prstGeom prst="rect">
+            <a:avLst/>
+          </a:prstGeom>
+          <a:solidFill>
+            <a:srgbClr val="B3D366"/>
+          </a:solidFill>
+        </p:spPr>
+        <p:txBody>
+          <a:bodyPr vert="horz" lIns="91440" tIns="45720" rIns="91440" bIns="45720" rtlCol="0" anchor="ctr"/>
+          <a:lstStyle>
+            <a:defPPr>
+              <a:defRPr lang="en-US"/>
+            </a:defPPr>
+            <a:lvl1pPr marL="0" algn="r" defTabSz="914400" rtl="0" eaLnBrk="1" latinLnBrk="0" hangingPunct="1">
+              <a:defRPr sz="1200" kern="1200">
+                <a:solidFill>
+                  <a:schemeClr val="tx1">
+                    <a:tint val="75000"/>
+                  </a:schemeClr>
+                </a:solidFill>
+                <a:latin typeface="+mn-lt"/>
+                <a:ea typeface="+mn-ea"/>
+                <a:cs typeface="+mn-cs"/>
+              </a:defRPr>
+            </a:lvl1pPr>
+            <a:lvl2pPr marL="457200" algn="l" defTabSz="914400" rtl="0" eaLnBrk="1" latinLnBrk="0" hangingPunct="1">
+              <a:defRPr sz="1800" kern="1200">
+                <a:solidFill>
+                  <a:schemeClr val="tx1"/>
+                </a:solidFill>
+                <a:latin typeface="+mn-lt"/>
+                <a:ea typeface="+mn-ea"/>
+                <a:cs typeface="+mn-cs"/>
+              </a:defRPr>
+            </a:lvl2pPr>
+            <a:lvl3pPr marL="914400" algn="l" defTabSz="914400" rtl="0" eaLnBrk="1" latinLnBrk="0" hangingPunct="1">
+              <a:defRPr sz="1800" kern="1200">
+                <a:solidFill>
+                  <a:schemeClr val="tx1"/>
+                </a:solidFill>
+                <a:latin typeface="+mn-lt"/>
+                <a:ea typeface="+mn-ea"/>
+                <a:cs typeface="+mn-cs"/>
+              </a:defRPr>
+            </a:lvl3pPr>
+            <a:lvl4pPr marL="1371600" algn="l" defTabSz="914400" rtl="0" eaLnBrk="1" latinLnBrk="0" hangingPunct="1">
+              <a:defRPr sz="1800" kern="1200">
+                <a:solidFill>
+                  <a:schemeClr val="tx1"/>
+                </a:solidFill>
+                <a:latin typeface="+mn-lt"/>
+                <a:ea typeface="+mn-ea"/>
+                <a:cs typeface="+mn-cs"/>
+              </a:defRPr>
+            </a:lvl4pPr>
+            <a:lvl5pPr marL="1828800" algn="l" defTabSz="914400" rtl="0" eaLnBrk="1" latinLnBrk="0" hangingPunct="1">
+              <a:defRPr sz="1800" kern="1200">
+                <a:solidFill>
+                  <a:schemeClr val="tx1"/>
+                </a:solidFill>
+                <a:latin typeface="+mn-lt"/>
+                <a:ea typeface="+mn-ea"/>
+                <a:cs typeface="+mn-cs"/>
+              </a:defRPr>
+            </a:lvl5pPr>
+            <a:lvl6pPr marL="2286000" algn="l" defTabSz="914400" rtl="0" eaLnBrk="1" latinLnBrk="0" hangingPunct="1">
+              <a:defRPr sz="1800" kern="1200">
+                <a:solidFill>
+                  <a:schemeClr val="tx1"/>
+                </a:solidFill>
+                <a:latin typeface="+mn-lt"/>
+                <a:ea typeface="+mn-ea"/>
+                <a:cs typeface="+mn-cs"/>
+              </a:defRPr>
+            </a:lvl6pPr>
+            <a:lvl7pPr marL="2743200" algn="l" defTabSz="914400" rtl="0" eaLnBrk="1" latinLnBrk="0" hangingPunct="1">
+              <a:defRPr sz="1800" kern="1200">
+                <a:solidFill>
+                  <a:schemeClr val="tx1"/>
+                </a:solidFill>
+                <a:latin typeface="+mn-lt"/>
+                <a:ea typeface="+mn-ea"/>
+                <a:cs typeface="+mn-cs"/>
+              </a:defRPr>
+            </a:lvl7pPr>
+            <a:lvl8pPr marL="3200400" algn="l" defTabSz="914400" rtl="0" eaLnBrk="1" latinLnBrk="0" hangingPunct="1">
+              <a:defRPr sz="1800" kern="1200">
+                <a:solidFill>
+                  <a:schemeClr val="tx1"/>
+                </a:solidFill>
+                <a:latin typeface="+mn-lt"/>
+                <a:ea typeface="+mn-ea"/>
+                <a:cs typeface="+mn-cs"/>
+              </a:defRPr>
+            </a:lvl8pPr>
+            <a:lvl9pPr marL="3657600" algn="l" defTabSz="914400" rtl="0" eaLnBrk="1" latinLnBrk="0" hangingPunct="1">
+              <a:defRPr sz="1800" kern="1200">
+                <a:solidFill>
+                  <a:schemeClr val="tx1"/>
+                </a:solidFill>
+                <a:latin typeface="+mn-lt"/>
+                <a:ea typeface="+mn-ea"/>
+                <a:cs typeface="+mn-cs"/>
+              </a:defRPr>
+            </a:lvl9pPr>
+          </a:lstStyle>
+          <a:p>
+            <a:pPr algn="ctr"/>
+            <a:fld id="{AC8EEFA1-F671-48C2-87BC-A59F95BB3E93}" type="slidenum">
+              <a:rPr lang="en-SG" smtClean="0">
+                <a:solidFill>
+                  <a:srgbClr val="FFFFFF"/>
+                </a:solidFill>
+              </a:rPr>
+              <a:pPr algn="ctr"/>
+              <a:t>‹#›</a:t>
+            </a:fld>
+            <a:endParaRPr lang="en-SG" dirty="0">
+              <a:solidFill>
+                <a:srgbClr val="FFFFFF"/>
+              </a:solidFill>
+            </a:endParaRPr>
+          </a:p>
+        </p:txBody>
+      </p:sp>
+      <p:sp>
+        <p:nvSpPr>
+          <p:cNvPr id="7" name="Picture Placeholder 3"/>
           <p:cNvSpPr>
             <a:spLocks noGrp="1"/>
           </p:cNvSpPr>
           <p:nvPr>
-            <p:ph type="sldNum" sz="quarter" idx="12"/>
+            <p:ph type="pic" sz="quarter" idx="10" hasCustomPrompt="1"/>
           </p:nvPr>
         </p:nvSpPr>
-        <p:spPr/>
+        <p:spPr>
+          <a:xfrm>
+            <a:off x="468313" y="1124744"/>
+            <a:ext cx="8207375" cy="5040560"/>
+          </a:xfrm>
+        </p:spPr>
         <p:txBody>
           <a:bodyPr/>
-          <a:lstStyle/>
-          <a:p>
-            <a:fld id="{FCF4ED2B-DE2B-46BD-969D-904CA2FBB047}" type="slidenum">
-              <a:rPr lang="en-SG" smtClean="0"/>
-              <a:t>‹#›</a:t>
-            </a:fld>
-            <a:endParaRPr lang="en-SG"/>
+          <a:lstStyle>
+            <a:lvl1pPr marL="0" indent="0">
+              <a:buNone/>
+              <a:defRPr baseline="0"/>
+            </a:lvl1pPr>
+          </a:lstStyle>
+          <a:p>
+            <a:r>
+              <a:rPr lang="en-US" dirty="0" smtClean="0"/>
+              <a:t>For image related to this topic and not show it at the start</a:t>
+            </a:r>
+            <a:endParaRPr lang="en-US" dirty="0"/>
           </a:p>
         </p:txBody>
       </p:sp>
     </p:spTree>
     <p:extLst>
       <p:ext uri="{BB962C8B-B14F-4D97-AF65-F5344CB8AC3E}">
-        <p14:creationId xmlns:p14="http://schemas.microsoft.com/office/powerpoint/2010/main" val="401871370"/>
+        <p14:creationId xmlns:p14="http://schemas.microsoft.com/office/powerpoint/2010/main" val="3743260970"/>
       </p:ext>
     </p:extLst>
   </p:cSld>
   <p:clrMapOvr>
     <a:masterClrMapping/>
   </p:clrMapOvr>
+  <p:timing>
+    <p:tnLst>
+      <p:par>
+        <p:cTn id="1" dur="indefinite" restart="never" nodeType="tmRoot"/>
+      </p:par>
+    </p:tnLst>
+  </p:timing>
 </p:sldLayout>
 </file>
 
-<file path=ppt/slideLayouts/slideLayout2.xml><?xml version="1.0" encoding="utf-8"?>
-<p:sldLayout xmlns:a="http://schemas.openxmlformats.org/drawingml/2006/main" xmlns:r="http://schemas.openxmlformats.org/officeDocument/2006/relationships" xmlns:p="http://schemas.openxmlformats.org/presentationml/2006/main" type="obj" preserve="1">
+<file path=ppt/slideLayouts/slideLayout12.xml><?xml version="1.0" encoding="utf-8"?>
+<p:sldLayout xmlns:a="http://schemas.openxmlformats.org/drawingml/2006/main" xmlns:r="http://schemas.openxmlformats.org/officeDocument/2006/relationships" xmlns:p="http://schemas.openxmlformats.org/presentationml/2006/main" type="obj">
   <p:cSld name="Title and Content">
     <p:spTree>
       <p:nvGrpSpPr>
@@ -901,9 +1380,9 @@
 </p:sldLayout>
 </file>
 
-<file path=ppt/slideLayouts/slideLayout3.xml><?xml version="1.0" encoding="utf-8"?>
-<p:sldLayout xmlns:a="http://schemas.openxmlformats.org/drawingml/2006/main" xmlns:r="http://schemas.openxmlformats.org/officeDocument/2006/relationships" xmlns:p="http://schemas.openxmlformats.org/presentationml/2006/main" type="secHead" preserve="1">
-  <p:cSld name="Section Header">
+<file path=ppt/slideLayouts/slideLayout2.xml><?xml version="1.0" encoding="utf-8"?>
+<p:sldLayout xmlns:a="http://schemas.openxmlformats.org/drawingml/2006/main" xmlns:r="http://schemas.openxmlformats.org/officeDocument/2006/relationships" xmlns:p="http://schemas.openxmlformats.org/presentationml/2006/main" preserve="1">
+  <p:cSld name="Intro">
     <p:spTree>
       <p:nvGrpSpPr>
         <p:cNvPr id="1" name=""/>
@@ -918,226 +1397,311 @@
           <a:chExt cx="0" cy="0"/>
         </a:xfrm>
       </p:grpSpPr>
-      <p:sp>
-        <p:nvSpPr>
-          <p:cNvPr id="2" name="Title 1"/>
+      <p:pic>
+        <p:nvPicPr>
+          <p:cNvPr id="1027" name="Picture 3" descr="C:\Users\Leung\Desktop\original.jpg"/>
+          <p:cNvPicPr>
+            <a:picLocks noChangeAspect="1" noChangeArrowheads="1"/>
+          </p:cNvPicPr>
+          <p:nvPr/>
+        </p:nvPicPr>
+        <p:blipFill>
+          <a:blip r:embed="rId2">
+            <a:extLst>
+              <a:ext uri="{28A0092B-C50C-407E-A947-70E740481C1C}">
+                <a14:useLocalDpi xmlns:a14="http://schemas.microsoft.com/office/drawing/2010/main" val="0"/>
+              </a:ext>
+            </a:extLst>
+          </a:blip>
+          <a:srcRect/>
+          <a:stretch>
+            <a:fillRect/>
+          </a:stretch>
+        </p:blipFill>
+        <p:spPr bwMode="auto">
+          <a:xfrm>
+            <a:off x="5148064" y="0"/>
+            <a:ext cx="3995936" cy="5805264"/>
+          </a:xfrm>
+          <a:prstGeom prst="rect">
+            <a:avLst/>
+          </a:prstGeom>
+          <a:noFill/>
+          <a:extLst>
+            <a:ext uri="{909E8E84-426E-40DD-AFC4-6F175D3DCCD1}">
+              <a14:hiddenFill xmlns:a14="http://schemas.microsoft.com/office/drawing/2010/main">
+                <a:solidFill>
+                  <a:srgbClr val="FFFFFF"/>
+                </a:solidFill>
+              </a14:hiddenFill>
+            </a:ext>
+          </a:extLst>
+        </p:spPr>
+      </p:pic>
+      <p:sp>
+        <p:nvSpPr>
+          <p:cNvPr id="8" name="Rectangle 7"/>
+          <p:cNvSpPr/>
+          <p:nvPr/>
+        </p:nvSpPr>
+        <p:spPr>
+          <a:xfrm>
+            <a:off x="4788024" y="692696"/>
+            <a:ext cx="4392488" cy="720080"/>
+          </a:xfrm>
+          <a:prstGeom prst="rect">
+            <a:avLst/>
+          </a:prstGeom>
+          <a:solidFill>
+            <a:srgbClr val="B3D366"/>
+          </a:solidFill>
+          <a:ln>
+            <a:noFill/>
+          </a:ln>
+        </p:spPr>
+        <p:style>
+          <a:lnRef idx="2">
+            <a:schemeClr val="accent1">
+              <a:shade val="50000"/>
+            </a:schemeClr>
+          </a:lnRef>
+          <a:fillRef idx="1">
+            <a:schemeClr val="accent1"/>
+          </a:fillRef>
+          <a:effectRef idx="0">
+            <a:schemeClr val="accent1"/>
+          </a:effectRef>
+          <a:fontRef idx="minor">
+            <a:schemeClr val="lt1"/>
+          </a:fontRef>
+        </p:style>
+        <p:txBody>
+          <a:bodyPr rtlCol="0" anchor="t"/>
+          <a:lstStyle/>
+          <a:p>
+            <a:pPr algn="r">
+              <a:lnSpc>
+                <a:spcPct val="100000"/>
+              </a:lnSpc>
+            </a:pPr>
+            <a:r>
+              <a:rPr lang="en-US" sz="3500" b="1" dirty="0" smtClean="0">
+                <a:solidFill>
+                  <a:schemeClr val="bg1"/>
+                </a:solidFill>
+                <a:latin typeface="Arial" pitchFamily="34" charset="0"/>
+                <a:cs typeface="Arial" pitchFamily="34" charset="0"/>
+              </a:rPr>
+              <a:t>“</a:t>
+            </a:r>
+            <a:r>
+              <a:rPr lang="en-US" sz="1500" b="1" dirty="0" smtClean="0">
+                <a:solidFill>
+                  <a:schemeClr val="bg1"/>
+                </a:solidFill>
+                <a:latin typeface="Arial" pitchFamily="34" charset="0"/>
+                <a:cs typeface="Arial" pitchFamily="34" charset="0"/>
+              </a:rPr>
+              <a:t> </a:t>
+            </a:r>
+            <a:r>
+              <a:rPr lang="en-US" sz="1800" b="0" dirty="0" smtClean="0">
+                <a:solidFill>
+                  <a:schemeClr val="bg1"/>
+                </a:solidFill>
+                <a:latin typeface="Arial" pitchFamily="34" charset="0"/>
+                <a:cs typeface="Arial" pitchFamily="34" charset="0"/>
+              </a:rPr>
+              <a:t>You have</a:t>
+            </a:r>
+            <a:r>
+              <a:rPr lang="en-US" sz="1800" b="0" baseline="0" dirty="0" smtClean="0">
+                <a:solidFill>
+                  <a:schemeClr val="bg1"/>
+                </a:solidFill>
+                <a:latin typeface="Arial" pitchFamily="34" charset="0"/>
+                <a:cs typeface="Arial" pitchFamily="34" charset="0"/>
+              </a:rPr>
+              <a:t> the</a:t>
+            </a:r>
+            <a:r>
+              <a:rPr lang="en-US" sz="1500" b="0" baseline="0" dirty="0" smtClean="0">
+                <a:solidFill>
+                  <a:schemeClr val="bg1"/>
+                </a:solidFill>
+                <a:latin typeface="Arial" pitchFamily="34" charset="0"/>
+                <a:cs typeface="Arial" pitchFamily="34" charset="0"/>
+              </a:rPr>
+              <a:t> </a:t>
+            </a:r>
+            <a:r>
+              <a:rPr lang="en-US" sz="2500" b="0" baseline="0" dirty="0" smtClean="0">
+                <a:solidFill>
+                  <a:schemeClr val="bg1"/>
+                </a:solidFill>
+                <a:latin typeface="Arial" pitchFamily="34" charset="0"/>
+                <a:cs typeface="Arial" pitchFamily="34" charset="0"/>
+              </a:rPr>
+              <a:t>potential</a:t>
+            </a:r>
+            <a:r>
+              <a:rPr lang="en-US" sz="2000" b="0" baseline="0" dirty="0" smtClean="0">
+                <a:solidFill>
+                  <a:schemeClr val="bg1"/>
+                </a:solidFill>
+                <a:latin typeface="Arial" pitchFamily="34" charset="0"/>
+                <a:cs typeface="Arial" pitchFamily="34" charset="0"/>
+              </a:rPr>
+              <a:t> </a:t>
+            </a:r>
+            <a:r>
+              <a:rPr lang="en-US" sz="1600" b="0" baseline="0" dirty="0" smtClean="0">
+                <a:solidFill>
+                  <a:schemeClr val="bg1"/>
+                </a:solidFill>
+                <a:latin typeface="Arial" pitchFamily="34" charset="0"/>
+                <a:cs typeface="Arial" pitchFamily="34" charset="0"/>
+              </a:rPr>
+              <a:t>to excel</a:t>
+            </a:r>
+            <a:r>
+              <a:rPr lang="en-US" sz="1500" b="0" baseline="0" dirty="0" smtClean="0">
+                <a:solidFill>
+                  <a:schemeClr val="bg1"/>
+                </a:solidFill>
+                <a:latin typeface="Arial" pitchFamily="34" charset="0"/>
+                <a:cs typeface="Arial" pitchFamily="34" charset="0"/>
+              </a:rPr>
+              <a:t>.</a:t>
+            </a:r>
+            <a:r>
+              <a:rPr lang="en-US" sz="3500" b="1" baseline="0" dirty="0" smtClean="0">
+                <a:solidFill>
+                  <a:schemeClr val="bg1"/>
+                </a:solidFill>
+                <a:latin typeface="Arial" pitchFamily="34" charset="0"/>
+                <a:cs typeface="Arial" pitchFamily="34" charset="0"/>
+              </a:rPr>
+              <a:t>”</a:t>
+            </a:r>
+            <a:r>
+              <a:rPr lang="en-US" sz="3000" b="1" dirty="0" smtClean="0">
+                <a:solidFill>
+                  <a:schemeClr val="bg1"/>
+                </a:solidFill>
+                <a:latin typeface="Arial" pitchFamily="34" charset="0"/>
+                <a:cs typeface="Arial" pitchFamily="34" charset="0"/>
+              </a:rPr>
+              <a:t> </a:t>
+            </a:r>
+          </a:p>
+          <a:p>
+            <a:pPr algn="l">
+              <a:lnSpc>
+                <a:spcPct val="100000"/>
+              </a:lnSpc>
+            </a:pPr>
+            <a:endParaRPr lang="en-US" sz="1500" b="1" dirty="0">
+              <a:solidFill>
+                <a:schemeClr val="bg1"/>
+              </a:solidFill>
+              <a:latin typeface="Arial" pitchFamily="34" charset="0"/>
+              <a:cs typeface="Arial" pitchFamily="34" charset="0"/>
+            </a:endParaRPr>
+          </a:p>
+        </p:txBody>
+      </p:sp>
+      <p:sp>
+        <p:nvSpPr>
+          <p:cNvPr id="14" name="Text Placeholder 13"/>
           <p:cNvSpPr>
             <a:spLocks noGrp="1"/>
           </p:cNvSpPr>
           <p:nvPr>
-            <p:ph type="title"/>
+            <p:ph type="body" sz="quarter" idx="11" hasCustomPrompt="1"/>
           </p:nvPr>
         </p:nvSpPr>
         <p:spPr>
           <a:xfrm>
-            <a:off x="722313" y="4406900"/>
-            <a:ext cx="7772400" cy="1362075"/>
-          </a:xfrm>
-        </p:spPr>
-        <p:txBody>
-          <a:bodyPr anchor="t"/>
+            <a:off x="107951" y="2132856"/>
+            <a:ext cx="5040114" cy="4536232"/>
+          </a:xfrm>
+        </p:spPr>
+        <p:txBody>
+          <a:bodyPr>
+            <a:normAutofit/>
+          </a:bodyPr>
           <a:lstStyle>
-            <a:lvl1pPr algn="l">
-              <a:defRPr sz="4000" b="1" cap="all"/>
+            <a:lvl1pPr marL="0" indent="0">
+              <a:buNone/>
+              <a:defRPr lang="en-SG" sz="1800" b="0" i="0" u="none" strike="noStrike" baseline="0" smtClean="0">
+                <a:solidFill>
+                  <a:srgbClr val="FFFFFF"/>
+                </a:solidFill>
+                <a:latin typeface="Arial" pitchFamily="34" charset="0"/>
+                <a:cs typeface="Arial" pitchFamily="34" charset="0"/>
+              </a:defRPr>
             </a:lvl1pPr>
           </a:lstStyle>
           <a:p>
             <a:r>
-              <a:rPr lang="en-US" smtClean="0"/>
-              <a:t>Click to edit Master title style</a:t>
-            </a:r>
-            <a:endParaRPr lang="en-SG"/>
-          </a:p>
-        </p:txBody>
-      </p:sp>
-      <p:sp>
-        <p:nvSpPr>
-          <p:cNvPr id="3" name="Text Placeholder 2"/>
+              <a:rPr lang="en-US" dirty="0" smtClean="0"/>
+              <a:t>We want to share our hard-won expertise with the world for a reasonable price so we can keep on creating free and cheap content, code and art for everyone to enjoy.</a:t>
+            </a:r>
+          </a:p>
+          <a:p>
+            <a:endParaRPr lang="en-US" dirty="0" smtClean="0"/>
+          </a:p>
+          <a:p>
+            <a:endParaRPr lang="en-US" dirty="0"/>
+          </a:p>
+        </p:txBody>
+      </p:sp>
+      <p:sp>
+        <p:nvSpPr>
+          <p:cNvPr id="17" name="Text Placeholder 13"/>
           <p:cNvSpPr>
             <a:spLocks noGrp="1"/>
           </p:cNvSpPr>
           <p:nvPr>
-            <p:ph type="body" idx="1"/>
+            <p:ph type="body" sz="quarter" idx="12" hasCustomPrompt="1"/>
           </p:nvPr>
         </p:nvSpPr>
         <p:spPr>
           <a:xfrm>
-            <a:off x="722313" y="2906713"/>
-            <a:ext cx="7772400" cy="1500187"/>
-          </a:xfrm>
-        </p:spPr>
-        <p:txBody>
-          <a:bodyPr anchor="b"/>
+            <a:off x="107950" y="1485056"/>
+            <a:ext cx="5040114" cy="647800"/>
+          </a:xfrm>
+        </p:spPr>
+        <p:txBody>
+          <a:bodyPr>
+            <a:normAutofit/>
+          </a:bodyPr>
           <a:lstStyle>
             <a:lvl1pPr marL="0" indent="0">
               <a:buNone/>
-              <a:defRPr sz="2000">
-                <a:solidFill>
-                  <a:schemeClr val="tx1">
-                    <a:tint val="75000"/>
-                  </a:schemeClr>
-                </a:solidFill>
+              <a:defRPr lang="en-SG" sz="2500" b="1" i="0" u="none" strike="noStrike" baseline="0" smtClean="0">
+                <a:solidFill>
+                  <a:srgbClr val="4D90BB"/>
+                </a:solidFill>
+                <a:latin typeface="Cambria" pitchFamily="18" charset="0"/>
+                <a:cs typeface="Arial" pitchFamily="34" charset="0"/>
               </a:defRPr>
             </a:lvl1pPr>
-            <a:lvl2pPr marL="457200" indent="0">
-              <a:buNone/>
-              <a:defRPr sz="1800">
-                <a:solidFill>
-                  <a:schemeClr val="tx1">
-                    <a:tint val="75000"/>
-                  </a:schemeClr>
-                </a:solidFill>
-              </a:defRPr>
-            </a:lvl2pPr>
-            <a:lvl3pPr marL="914400" indent="0">
-              <a:buNone/>
-              <a:defRPr sz="1600">
-                <a:solidFill>
-                  <a:schemeClr val="tx1">
-                    <a:tint val="75000"/>
-                  </a:schemeClr>
-                </a:solidFill>
-              </a:defRPr>
-            </a:lvl3pPr>
-            <a:lvl4pPr marL="1371600" indent="0">
-              <a:buNone/>
-              <a:defRPr sz="1400">
-                <a:solidFill>
-                  <a:schemeClr val="tx1">
-                    <a:tint val="75000"/>
-                  </a:schemeClr>
-                </a:solidFill>
-              </a:defRPr>
-            </a:lvl4pPr>
-            <a:lvl5pPr marL="1828800" indent="0">
-              <a:buNone/>
-              <a:defRPr sz="1400">
-                <a:solidFill>
-                  <a:schemeClr val="tx1">
-                    <a:tint val="75000"/>
-                  </a:schemeClr>
-                </a:solidFill>
-              </a:defRPr>
-            </a:lvl5pPr>
-            <a:lvl6pPr marL="2286000" indent="0">
-              <a:buNone/>
-              <a:defRPr sz="1400">
-                <a:solidFill>
-                  <a:schemeClr val="tx1">
-                    <a:tint val="75000"/>
-                  </a:schemeClr>
-                </a:solidFill>
-              </a:defRPr>
-            </a:lvl6pPr>
-            <a:lvl7pPr marL="2743200" indent="0">
-              <a:buNone/>
-              <a:defRPr sz="1400">
-                <a:solidFill>
-                  <a:schemeClr val="tx1">
-                    <a:tint val="75000"/>
-                  </a:schemeClr>
-                </a:solidFill>
-              </a:defRPr>
-            </a:lvl7pPr>
-            <a:lvl8pPr marL="3200400" indent="0">
-              <a:buNone/>
-              <a:defRPr sz="1400">
-                <a:solidFill>
-                  <a:schemeClr val="tx1">
-                    <a:tint val="75000"/>
-                  </a:schemeClr>
-                </a:solidFill>
-              </a:defRPr>
-            </a:lvl8pPr>
-            <a:lvl9pPr marL="3657600" indent="0">
-              <a:buNone/>
-              <a:defRPr sz="1400">
-                <a:solidFill>
-                  <a:schemeClr val="tx1">
-                    <a:tint val="75000"/>
-                  </a:schemeClr>
-                </a:solidFill>
-              </a:defRPr>
-            </a:lvl9pPr>
           </a:lstStyle>
           <a:p>
-            <a:pPr lvl="0"/>
-            <a:r>
-              <a:rPr lang="en-US" smtClean="0"/>
-              <a:t>Click to edit Master text styles</a:t>
-            </a:r>
-          </a:p>
-        </p:txBody>
-      </p:sp>
-      <p:sp>
-        <p:nvSpPr>
-          <p:cNvPr id="4" name="Date Placeholder 3"/>
-          <p:cNvSpPr>
-            <a:spLocks noGrp="1"/>
-          </p:cNvSpPr>
-          <p:nvPr>
-            <p:ph type="dt" sz="half" idx="10"/>
-          </p:nvPr>
-        </p:nvSpPr>
-        <p:spPr/>
-        <p:txBody>
-          <a:bodyPr/>
-          <a:lstStyle/>
-          <a:p>
-            <a:fld id="{8839E6B8-AE44-4E4D-B3CE-5639A35B70C6}" type="datetimeFigureOut">
-              <a:rPr lang="en-SG" smtClean="0"/>
-              <a:t>4/4/2013</a:t>
-            </a:fld>
-            <a:endParaRPr lang="en-SG"/>
-          </a:p>
-        </p:txBody>
-      </p:sp>
-      <p:sp>
-        <p:nvSpPr>
-          <p:cNvPr id="5" name="Footer Placeholder 4"/>
-          <p:cNvSpPr>
-            <a:spLocks noGrp="1"/>
-          </p:cNvSpPr>
-          <p:nvPr>
-            <p:ph type="ftr" sz="quarter" idx="11"/>
-          </p:nvPr>
-        </p:nvSpPr>
-        <p:spPr/>
-        <p:txBody>
-          <a:bodyPr/>
-          <a:lstStyle/>
-          <a:p>
-            <a:endParaRPr lang="en-SG"/>
-          </a:p>
-        </p:txBody>
-      </p:sp>
-      <p:sp>
-        <p:nvSpPr>
-          <p:cNvPr id="6" name="Slide Number Placeholder 5"/>
-          <p:cNvSpPr>
-            <a:spLocks noGrp="1"/>
-          </p:cNvSpPr>
-          <p:nvPr>
-            <p:ph type="sldNum" sz="quarter" idx="12"/>
-          </p:nvPr>
-        </p:nvSpPr>
-        <p:spPr/>
-        <p:txBody>
-          <a:bodyPr/>
-          <a:lstStyle/>
-          <a:p>
-            <a:fld id="{FCF4ED2B-DE2B-46BD-969D-904CA2FBB047}" type="slidenum">
-              <a:rPr lang="en-SG" smtClean="0"/>
-              <a:t>‹#›</a:t>
-            </a:fld>
-            <a:endParaRPr lang="en-SG"/>
+            <a:r>
+              <a:rPr lang="en-US" dirty="0" smtClean="0"/>
+              <a:t>Why this book cost money</a:t>
+            </a:r>
+            <a:endParaRPr lang="en-US" dirty="0"/>
           </a:p>
         </p:txBody>
       </p:sp>
     </p:spTree>
     <p:extLst>
       <p:ext uri="{BB962C8B-B14F-4D97-AF65-F5344CB8AC3E}">
-        <p14:creationId xmlns:p14="http://schemas.microsoft.com/office/powerpoint/2010/main" val="2295343785"/>
+        <p14:creationId xmlns:p14="http://schemas.microsoft.com/office/powerpoint/2010/main" val="2820089771"/>
       </p:ext>
     </p:extLst>
   </p:cSld>
@@ -1147,9 +1711,9 @@
 </p:sldLayout>
 </file>
 
-<file path=ppt/slideLayouts/slideLayout4.xml><?xml version="1.0" encoding="utf-8"?>
-<p:sldLayout xmlns:a="http://schemas.openxmlformats.org/drawingml/2006/main" xmlns:r="http://schemas.openxmlformats.org/officeDocument/2006/relationships" xmlns:p="http://schemas.openxmlformats.org/presentationml/2006/main" type="twoObj" preserve="1">
-  <p:cSld name="Two Content">
+<file path=ppt/slideLayouts/slideLayout3.xml><?xml version="1.0" encoding="utf-8"?>
+<p:sldLayout xmlns:a="http://schemas.openxmlformats.org/drawingml/2006/main" xmlns:r="http://schemas.openxmlformats.org/officeDocument/2006/relationships" xmlns:p="http://schemas.openxmlformats.org/presentationml/2006/main" preserve="1">
+  <p:cSld name="Content Page">
     <p:spTree>
       <p:nvGrpSpPr>
         <p:cNvPr id="1" name=""/>
@@ -1166,278 +1730,437 @@
       </p:grpSpPr>
       <p:sp>
         <p:nvSpPr>
-          <p:cNvPr id="2" name="Title 1"/>
+          <p:cNvPr id="12" name="Title 1"/>
           <p:cNvSpPr>
             <a:spLocks noGrp="1"/>
           </p:cNvSpPr>
           <p:nvPr>
-            <p:ph type="title"/>
+            <p:ph type="title" hasCustomPrompt="1"/>
           </p:nvPr>
         </p:nvSpPr>
-        <p:spPr/>
-        <p:txBody>
-          <a:bodyPr/>
-          <a:lstStyle/>
-          <a:p>
-            <a:r>
-              <a:rPr lang="en-US" smtClean="0"/>
-              <a:t>Click to edit Master title style</a:t>
-            </a:r>
-            <a:endParaRPr lang="en-SG"/>
-          </a:p>
-        </p:txBody>
-      </p:sp>
-      <p:sp>
-        <p:nvSpPr>
-          <p:cNvPr id="3" name="Content Placeholder 2"/>
-          <p:cNvSpPr>
-            <a:spLocks noGrp="1"/>
-          </p:cNvSpPr>
+        <p:spPr>
+          <a:xfrm>
+            <a:off x="457200" y="404664"/>
+            <a:ext cx="8229600" cy="634082"/>
+          </a:xfrm>
+        </p:spPr>
+        <p:txBody>
+          <a:bodyPr>
+            <a:noAutofit/>
+          </a:bodyPr>
+          <a:lstStyle>
+            <a:lvl1pPr algn="l">
+              <a:defRPr sz="3500" b="1" spc="300">
+                <a:solidFill>
+                  <a:srgbClr val="B3D366"/>
+                </a:solidFill>
+                <a:latin typeface="Jokerman" pitchFamily="82" charset="0"/>
+              </a:defRPr>
+            </a:lvl1pPr>
+          </a:lstStyle>
+          <a:p>
+            <a:r>
+              <a:rPr lang="en-US" dirty="0" smtClean="0"/>
+              <a:t>Content</a:t>
+            </a:r>
+            <a:endParaRPr lang="en-SG" dirty="0"/>
+          </a:p>
+        </p:txBody>
+      </p:sp>
+      <p:graphicFrame>
+        <p:nvGraphicFramePr>
+          <p:cNvPr id="2" name="Table 1"/>
+          <p:cNvGraphicFramePr>
+            <a:graphicFrameLocks noGrp="1"/>
+          </p:cNvGraphicFramePr>
           <p:nvPr>
-            <p:ph sz="half" idx="1"/>
+            <p:extLst>
+              <p:ext uri="{D42A27DB-BD31-4B8C-83A1-F6EECF244321}">
+                <p14:modId xmlns:p14="http://schemas.microsoft.com/office/powerpoint/2010/main" val="1776987957"/>
+              </p:ext>
+            </p:extLst>
           </p:nvPr>
-        </p:nvSpPr>
-        <p:spPr>
-          <a:xfrm>
-            <a:off x="457200" y="1600200"/>
-            <a:ext cx="4038600" cy="4525963"/>
-          </a:xfrm>
-        </p:spPr>
-        <p:txBody>
-          <a:bodyPr/>
-          <a:lstStyle>
-            <a:lvl1pPr>
-              <a:defRPr sz="2800"/>
-            </a:lvl1pPr>
-            <a:lvl2pPr>
-              <a:defRPr sz="2400"/>
-            </a:lvl2pPr>
-            <a:lvl3pPr>
-              <a:defRPr sz="2000"/>
-            </a:lvl3pPr>
-            <a:lvl4pPr>
-              <a:defRPr sz="1800"/>
-            </a:lvl4pPr>
-            <a:lvl5pPr>
-              <a:defRPr sz="1800"/>
-            </a:lvl5pPr>
-            <a:lvl6pPr>
-              <a:defRPr sz="1800"/>
-            </a:lvl6pPr>
-            <a:lvl7pPr>
-              <a:defRPr sz="1800"/>
-            </a:lvl7pPr>
-            <a:lvl8pPr>
-              <a:defRPr sz="1800"/>
-            </a:lvl8pPr>
-            <a:lvl9pPr>
-              <a:defRPr sz="1800"/>
-            </a:lvl9pPr>
-          </a:lstStyle>
-          <a:p>
-            <a:pPr lvl="0"/>
-            <a:r>
-              <a:rPr lang="en-US" smtClean="0"/>
-              <a:t>Click to edit Master text styles</a:t>
-            </a:r>
-          </a:p>
-          <a:p>
-            <a:pPr lvl="1"/>
-            <a:r>
-              <a:rPr lang="en-US" smtClean="0"/>
-              <a:t>Second level</a:t>
-            </a:r>
-          </a:p>
-          <a:p>
-            <a:pPr lvl="2"/>
-            <a:r>
-              <a:rPr lang="en-US" smtClean="0"/>
-              <a:t>Third level</a:t>
-            </a:r>
-          </a:p>
-          <a:p>
-            <a:pPr lvl="3"/>
-            <a:r>
-              <a:rPr lang="en-US" smtClean="0"/>
-              <a:t>Fourth level</a:t>
-            </a:r>
-          </a:p>
-          <a:p>
-            <a:pPr lvl="4"/>
-            <a:r>
-              <a:rPr lang="en-US" smtClean="0"/>
-              <a:t>Fifth level</a:t>
-            </a:r>
-            <a:endParaRPr lang="en-SG"/>
-          </a:p>
-        </p:txBody>
-      </p:sp>
-      <p:sp>
-        <p:nvSpPr>
-          <p:cNvPr id="4" name="Content Placeholder 3"/>
-          <p:cNvSpPr>
-            <a:spLocks noGrp="1"/>
-          </p:cNvSpPr>
-          <p:nvPr>
-            <p:ph sz="half" idx="2"/>
-          </p:nvPr>
-        </p:nvSpPr>
-        <p:spPr>
-          <a:xfrm>
-            <a:off x="4648200" y="1600200"/>
-            <a:ext cx="4038600" cy="4525963"/>
-          </a:xfrm>
-        </p:spPr>
-        <p:txBody>
-          <a:bodyPr/>
-          <a:lstStyle>
-            <a:lvl1pPr>
-              <a:defRPr sz="2800"/>
-            </a:lvl1pPr>
-            <a:lvl2pPr>
-              <a:defRPr sz="2400"/>
-            </a:lvl2pPr>
-            <a:lvl3pPr>
-              <a:defRPr sz="2000"/>
-            </a:lvl3pPr>
-            <a:lvl4pPr>
-              <a:defRPr sz="1800"/>
-            </a:lvl4pPr>
-            <a:lvl5pPr>
-              <a:defRPr sz="1800"/>
-            </a:lvl5pPr>
-            <a:lvl6pPr>
-              <a:defRPr sz="1800"/>
-            </a:lvl6pPr>
-            <a:lvl7pPr>
-              <a:defRPr sz="1800"/>
-            </a:lvl7pPr>
-            <a:lvl8pPr>
-              <a:defRPr sz="1800"/>
-            </a:lvl8pPr>
-            <a:lvl9pPr>
-              <a:defRPr sz="1800"/>
-            </a:lvl9pPr>
-          </a:lstStyle>
-          <a:p>
-            <a:pPr lvl="0"/>
-            <a:r>
-              <a:rPr lang="en-US" smtClean="0"/>
-              <a:t>Click to edit Master text styles</a:t>
-            </a:r>
-          </a:p>
-          <a:p>
-            <a:pPr lvl="1"/>
-            <a:r>
-              <a:rPr lang="en-US" smtClean="0"/>
-              <a:t>Second level</a:t>
-            </a:r>
-          </a:p>
-          <a:p>
-            <a:pPr lvl="2"/>
-            <a:r>
-              <a:rPr lang="en-US" smtClean="0"/>
-              <a:t>Third level</a:t>
-            </a:r>
-          </a:p>
-          <a:p>
-            <a:pPr lvl="3"/>
-            <a:r>
-              <a:rPr lang="en-US" smtClean="0"/>
-              <a:t>Fourth level</a:t>
-            </a:r>
-          </a:p>
-          <a:p>
-            <a:pPr lvl="4"/>
-            <a:r>
-              <a:rPr lang="en-US" smtClean="0"/>
-              <a:t>Fifth level</a:t>
-            </a:r>
-            <a:endParaRPr lang="en-SG"/>
-          </a:p>
-        </p:txBody>
-      </p:sp>
-      <p:sp>
-        <p:nvSpPr>
-          <p:cNvPr id="5" name="Date Placeholder 4"/>
-          <p:cNvSpPr>
-            <a:spLocks noGrp="1"/>
-          </p:cNvSpPr>
-          <p:nvPr>
-            <p:ph type="dt" sz="half" idx="10"/>
-          </p:nvPr>
-        </p:nvSpPr>
-        <p:spPr/>
-        <p:txBody>
-          <a:bodyPr/>
-          <a:lstStyle/>
-          <a:p>
-            <a:fld id="{8839E6B8-AE44-4E4D-B3CE-5639A35B70C6}" type="datetimeFigureOut">
-              <a:rPr lang="en-SG" smtClean="0"/>
-              <a:t>4/4/2013</a:t>
-            </a:fld>
-            <a:endParaRPr lang="en-SG"/>
-          </a:p>
-        </p:txBody>
-      </p:sp>
-      <p:sp>
-        <p:nvSpPr>
-          <p:cNvPr id="6" name="Footer Placeholder 5"/>
-          <p:cNvSpPr>
-            <a:spLocks noGrp="1"/>
-          </p:cNvSpPr>
-          <p:nvPr>
-            <p:ph type="ftr" sz="quarter" idx="11"/>
-          </p:nvPr>
-        </p:nvSpPr>
-        <p:spPr/>
-        <p:txBody>
-          <a:bodyPr/>
-          <a:lstStyle/>
-          <a:p>
-            <a:endParaRPr lang="en-SG"/>
-          </a:p>
-        </p:txBody>
-      </p:sp>
-      <p:sp>
-        <p:nvSpPr>
-          <p:cNvPr id="7" name="Slide Number Placeholder 6"/>
-          <p:cNvSpPr>
-            <a:spLocks noGrp="1"/>
-          </p:cNvSpPr>
-          <p:nvPr>
-            <p:ph type="sldNum" sz="quarter" idx="12"/>
-          </p:nvPr>
-        </p:nvSpPr>
-        <p:spPr/>
-        <p:txBody>
-          <a:bodyPr/>
-          <a:lstStyle/>
-          <a:p>
-            <a:fld id="{FCF4ED2B-DE2B-46BD-969D-904CA2FBB047}" type="slidenum">
-              <a:rPr lang="en-SG" smtClean="0"/>
-              <a:t>‹#›</a:t>
-            </a:fld>
-            <a:endParaRPr lang="en-SG"/>
-          </a:p>
-        </p:txBody>
-      </p:sp>
+        </p:nvGraphicFramePr>
+        <p:xfrm>
+          <a:off x="467544" y="1196752"/>
+          <a:ext cx="8208912" cy="1508760"/>
+        </p:xfrm>
+        <a:graphic>
+          <a:graphicData uri="http://schemas.openxmlformats.org/drawingml/2006/table">
+            <a:tbl>
+              <a:tblPr firstRow="1" bandRow="1">
+                <a:tableStyleId>{69CF1AB2-1976-4502-BF36-3FF5EA218861}</a:tableStyleId>
+              </a:tblPr>
+              <a:tblGrid>
+                <a:gridCol w="6819516"/>
+                <a:gridCol w="1389396"/>
+              </a:tblGrid>
+              <a:tr h="370840">
+                <a:tc>
+                  <a:txBody>
+                    <a:bodyPr/>
+                    <a:lstStyle/>
+                    <a:p>
+                      <a:pPr marL="0" marR="0" lvl="0" indent="0" algn="l" defTabSz="914400" rtl="0" eaLnBrk="1" fontAlgn="auto" latinLnBrk="0" hangingPunct="1">
+                        <a:lnSpc>
+                          <a:spcPct val="150000"/>
+                        </a:lnSpc>
+                        <a:spcBef>
+                          <a:spcPts val="0"/>
+                        </a:spcBef>
+                        <a:spcAft>
+                          <a:spcPts val="0"/>
+                        </a:spcAft>
+                        <a:buClrTx/>
+                        <a:buSzTx/>
+                        <a:buFontTx/>
+                        <a:buNone/>
+                        <a:tabLst/>
+                        <a:defRPr/>
+                      </a:pPr>
+                      <a:r>
+                        <a:rPr lang="en-US" b="0" u="none" dirty="0" smtClean="0">
+                          <a:hlinkClick r:id="rId2" action="ppaction://hlinksldjump"/>
+                        </a:rPr>
+                        <a:t>Generate an SSH </a:t>
+                      </a:r>
+                      <a:r>
+                        <a:rPr lang="en-US" b="0" u="none" dirty="0" err="1" smtClean="0">
+                          <a:hlinkClick r:id="rId2" action="ppaction://hlinksldjump"/>
+                        </a:rPr>
+                        <a:t>Keypair</a:t>
+                      </a:r>
+                      <a:endParaRPr lang="en-US" b="0" u="none" dirty="0" smtClean="0"/>
+                    </a:p>
+                  </a:txBody>
+                  <a:tcPr>
+                    <a:lnL w="12700" cmpd="sng">
+                      <a:noFill/>
+                    </a:lnL>
+                    <a:lnR w="12700" cmpd="sng">
+                      <a:noFill/>
+                    </a:lnR>
+                    <a:lnT w="12700" cmpd="sng">
+                      <a:noFill/>
+                    </a:lnT>
+                    <a:lnB w="12700" cmpd="sng">
+                      <a:noFill/>
+                    </a:lnB>
+                    <a:lnTlToBr w="12700" cmpd="sng">
+                      <a:noFill/>
+                      <a:prstDash val="solid"/>
+                    </a:lnTlToBr>
+                    <a:lnBlToTr w="12700" cmpd="sng">
+                      <a:noFill/>
+                      <a:prstDash val="solid"/>
+                    </a:lnBlToTr>
+                  </a:tcPr>
+                </a:tc>
+                <a:tc>
+                  <a:txBody>
+                    <a:bodyPr/>
+                    <a:lstStyle/>
+                    <a:p>
+                      <a:pPr algn="ctr">
+                        <a:lnSpc>
+                          <a:spcPct val="150000"/>
+                        </a:lnSpc>
+                      </a:pPr>
+                      <a:r>
+                        <a:rPr lang="en-US" b="0" dirty="0" smtClean="0">
+                          <a:latin typeface="Arial" pitchFamily="34" charset="0"/>
+                          <a:cs typeface="Arial" pitchFamily="34" charset="0"/>
+                        </a:rPr>
+                        <a:t>4</a:t>
+                      </a:r>
+                      <a:endParaRPr lang="en-US" b="0" dirty="0">
+                        <a:latin typeface="Arial" pitchFamily="34" charset="0"/>
+                        <a:cs typeface="Arial" pitchFamily="34" charset="0"/>
+                      </a:endParaRPr>
+                    </a:p>
+                  </a:txBody>
+                  <a:tcPr>
+                    <a:lnL w="12700" cmpd="sng">
+                      <a:noFill/>
+                    </a:lnL>
+                    <a:lnR w="12700" cmpd="sng">
+                      <a:noFill/>
+                    </a:lnR>
+                    <a:lnT w="12700" cmpd="sng">
+                      <a:noFill/>
+                    </a:lnT>
+                    <a:lnB w="12700" cmpd="sng">
+                      <a:noFill/>
+                    </a:lnB>
+                    <a:lnTlToBr w="12700" cmpd="sng">
+                      <a:noFill/>
+                      <a:prstDash val="solid"/>
+                    </a:lnTlToBr>
+                    <a:lnBlToTr w="12700" cmpd="sng">
+                      <a:noFill/>
+                      <a:prstDash val="solid"/>
+                    </a:lnBlToTr>
+                    <a:noFill/>
+                  </a:tcPr>
+                </a:tc>
+              </a:tr>
+              <a:tr h="370840">
+                <a:tc>
+                  <a:txBody>
+                    <a:bodyPr/>
+                    <a:lstStyle/>
+                    <a:p>
+                      <a:pPr marL="0" marR="0" lvl="0" indent="0" algn="l" defTabSz="914400" rtl="0" eaLnBrk="1" fontAlgn="auto" latinLnBrk="0" hangingPunct="1">
+                        <a:lnSpc>
+                          <a:spcPct val="150000"/>
+                        </a:lnSpc>
+                        <a:spcBef>
+                          <a:spcPts val="0"/>
+                        </a:spcBef>
+                        <a:spcAft>
+                          <a:spcPts val="0"/>
+                        </a:spcAft>
+                        <a:buClrTx/>
+                        <a:buSzTx/>
+                        <a:buFontTx/>
+                        <a:buNone/>
+                        <a:tabLst/>
+                        <a:defRPr/>
+                      </a:pPr>
+                      <a:r>
+                        <a:rPr lang="en-US" b="0" u="none" dirty="0" smtClean="0">
+                          <a:hlinkClick r:id="rId3" action="ppaction://hlinksldjump"/>
+                        </a:rPr>
+                        <a:t>Sign up with a </a:t>
+                      </a:r>
+                      <a:r>
+                        <a:rPr lang="en-US" b="0" u="none" dirty="0" err="1" smtClean="0">
+                          <a:hlinkClick r:id="rId3" action="ppaction://hlinksldjump"/>
+                        </a:rPr>
+                        <a:t>Git</a:t>
+                      </a:r>
+                      <a:r>
+                        <a:rPr lang="en-US" b="0" u="none" dirty="0" smtClean="0">
+                          <a:hlinkClick r:id="rId3" action="ppaction://hlinksldjump"/>
+                        </a:rPr>
+                        <a:t> Repo Website</a:t>
+                      </a:r>
+                      <a:endParaRPr lang="en-US" b="0" u="none" dirty="0" smtClean="0"/>
+                    </a:p>
+                  </a:txBody>
+                  <a:tcPr>
+                    <a:lnL w="12700" cmpd="sng">
+                      <a:noFill/>
+                    </a:lnL>
+                    <a:lnR w="12700" cmpd="sng">
+                      <a:noFill/>
+                    </a:lnR>
+                    <a:lnT w="12700" cmpd="sng">
+                      <a:noFill/>
+                    </a:lnT>
+                    <a:lnB w="12700" cmpd="sng">
+                      <a:noFill/>
+                    </a:lnB>
+                    <a:lnTlToBr w="12700" cmpd="sng">
+                      <a:noFill/>
+                      <a:prstDash val="solid"/>
+                    </a:lnTlToBr>
+                    <a:lnBlToTr w="12700" cmpd="sng">
+                      <a:noFill/>
+                      <a:prstDash val="solid"/>
+                    </a:lnBlToTr>
+                  </a:tcPr>
+                </a:tc>
+                <a:tc>
+                  <a:txBody>
+                    <a:bodyPr/>
+                    <a:lstStyle/>
+                    <a:p>
+                      <a:pPr algn="ctr">
+                        <a:lnSpc>
+                          <a:spcPct val="150000"/>
+                        </a:lnSpc>
+                      </a:pPr>
+                      <a:r>
+                        <a:rPr lang="en-US" b="0" dirty="0" smtClean="0">
+                          <a:latin typeface="Arial" pitchFamily="34" charset="0"/>
+                          <a:cs typeface="Arial" pitchFamily="34" charset="0"/>
+                        </a:rPr>
+                        <a:t>8</a:t>
+                      </a:r>
+                      <a:endParaRPr lang="en-US" b="0" dirty="0">
+                        <a:latin typeface="Arial" pitchFamily="34" charset="0"/>
+                        <a:cs typeface="Arial" pitchFamily="34" charset="0"/>
+                      </a:endParaRPr>
+                    </a:p>
+                  </a:txBody>
+                  <a:tcPr>
+                    <a:lnL w="12700" cmpd="sng">
+                      <a:noFill/>
+                    </a:lnL>
+                    <a:lnR w="12700" cmpd="sng">
+                      <a:noFill/>
+                    </a:lnR>
+                    <a:lnT w="12700" cmpd="sng">
+                      <a:noFill/>
+                    </a:lnT>
+                    <a:lnB w="12700" cmpd="sng">
+                      <a:noFill/>
+                    </a:lnB>
+                    <a:lnTlToBr w="12700" cmpd="sng">
+                      <a:noFill/>
+                      <a:prstDash val="solid"/>
+                    </a:lnTlToBr>
+                    <a:lnBlToTr w="12700" cmpd="sng">
+                      <a:noFill/>
+                      <a:prstDash val="solid"/>
+                    </a:lnBlToTr>
+                    <a:noFill/>
+                  </a:tcPr>
+                </a:tc>
+              </a:tr>
+              <a:tr h="370840">
+                <a:tc>
+                  <a:txBody>
+                    <a:bodyPr/>
+                    <a:lstStyle/>
+                    <a:p>
+                      <a:pPr marL="0" marR="0" lvl="0" indent="0" algn="l" defTabSz="914400" rtl="0" eaLnBrk="1" fontAlgn="auto" latinLnBrk="0" hangingPunct="1">
+                        <a:lnSpc>
+                          <a:spcPct val="150000"/>
+                        </a:lnSpc>
+                        <a:spcBef>
+                          <a:spcPts val="0"/>
+                        </a:spcBef>
+                        <a:spcAft>
+                          <a:spcPts val="0"/>
+                        </a:spcAft>
+                        <a:buClrTx/>
+                        <a:buSzTx/>
+                        <a:buFontTx/>
+                        <a:buNone/>
+                        <a:tabLst/>
+                        <a:defRPr/>
+                      </a:pPr>
+                      <a:r>
+                        <a:rPr lang="en-US" b="0" u="none" dirty="0" smtClean="0">
+                          <a:hlinkClick r:id="rId4" action="ppaction://hlinksldjump"/>
+                        </a:rPr>
+                        <a:t>Put SSH Public key on </a:t>
+                      </a:r>
+                      <a:r>
+                        <a:rPr lang="en-US" b="0" u="none" dirty="0" err="1" smtClean="0">
+                          <a:hlinkClick r:id="rId4" action="ppaction://hlinksldjump"/>
+                        </a:rPr>
+                        <a:t>Git</a:t>
+                      </a:r>
+                      <a:r>
+                        <a:rPr lang="en-US" b="0" u="none" dirty="0" smtClean="0">
+                          <a:hlinkClick r:id="rId4" action="ppaction://hlinksldjump"/>
+                        </a:rPr>
+                        <a:t> Repo Website</a:t>
+                      </a:r>
+                      <a:endParaRPr lang="en-US" b="0" u="none" dirty="0" smtClean="0"/>
+                    </a:p>
+                  </a:txBody>
+                  <a:tcPr>
+                    <a:lnL w="12700" cmpd="sng">
+                      <a:noFill/>
+                    </a:lnL>
+                    <a:lnR w="12700" cmpd="sng">
+                      <a:noFill/>
+                    </a:lnR>
+                    <a:lnT w="12700" cmpd="sng">
+                      <a:noFill/>
+                    </a:lnT>
+                    <a:lnB w="12700" cmpd="sng">
+                      <a:noFill/>
+                    </a:lnB>
+                    <a:lnTlToBr w="12700" cmpd="sng">
+                      <a:noFill/>
+                      <a:prstDash val="solid"/>
+                    </a:lnTlToBr>
+                    <a:lnBlToTr w="12700" cmpd="sng">
+                      <a:noFill/>
+                      <a:prstDash val="solid"/>
+                    </a:lnBlToTr>
+                  </a:tcPr>
+                </a:tc>
+                <a:tc>
+                  <a:txBody>
+                    <a:bodyPr/>
+                    <a:lstStyle/>
+                    <a:p>
+                      <a:pPr algn="ctr">
+                        <a:lnSpc>
+                          <a:spcPct val="150000"/>
+                        </a:lnSpc>
+                      </a:pPr>
+                      <a:r>
+                        <a:rPr lang="en-US" b="0" dirty="0" smtClean="0">
+                          <a:latin typeface="Arial" pitchFamily="34" charset="0"/>
+                          <a:cs typeface="Arial" pitchFamily="34" charset="0"/>
+                        </a:rPr>
+                        <a:t>11</a:t>
+                      </a:r>
+                      <a:endParaRPr lang="en-US" b="0" dirty="0">
+                        <a:latin typeface="Arial" pitchFamily="34" charset="0"/>
+                        <a:cs typeface="Arial" pitchFamily="34" charset="0"/>
+                      </a:endParaRPr>
+                    </a:p>
+                  </a:txBody>
+                  <a:tcPr>
+                    <a:lnL w="12700" cmpd="sng">
+                      <a:noFill/>
+                    </a:lnL>
+                    <a:lnR w="12700" cmpd="sng">
+                      <a:noFill/>
+                    </a:lnR>
+                    <a:lnT w="12700" cmpd="sng">
+                      <a:noFill/>
+                    </a:lnT>
+                    <a:lnB w="12700" cmpd="sng">
+                      <a:noFill/>
+                    </a:lnB>
+                    <a:lnTlToBr w="12700" cmpd="sng">
+                      <a:noFill/>
+                      <a:prstDash val="solid"/>
+                    </a:lnTlToBr>
+                    <a:lnBlToTr w="12700" cmpd="sng">
+                      <a:noFill/>
+                      <a:prstDash val="solid"/>
+                    </a:lnBlToTr>
+                    <a:noFill/>
+                  </a:tcPr>
+                </a:tc>
+              </a:tr>
+            </a:tbl>
+          </a:graphicData>
+        </a:graphic>
+      </p:graphicFrame>
     </p:spTree>
     <p:extLst>
       <p:ext uri="{BB962C8B-B14F-4D97-AF65-F5344CB8AC3E}">
-        <p14:creationId xmlns:p14="http://schemas.microsoft.com/office/powerpoint/2010/main" val="4238856201"/>
+        <p14:creationId xmlns:p14="http://schemas.microsoft.com/office/powerpoint/2010/main" val="438896034"/>
       </p:ext>
     </p:extLst>
   </p:cSld>
   <p:clrMapOvr>
     <a:masterClrMapping/>
   </p:clrMapOvr>
+  <p:timing>
+    <p:tnLst>
+      <p:par>
+        <p:cTn id="1" dur="indefinite" restart="never" nodeType="tmRoot"/>
+      </p:par>
+    </p:tnLst>
+  </p:timing>
 </p:sldLayout>
 </file>
 
-<file path=ppt/slideLayouts/slideLayout5.xml><?xml version="1.0" encoding="utf-8"?>
-<p:sldLayout xmlns:a="http://schemas.openxmlformats.org/drawingml/2006/main" xmlns:r="http://schemas.openxmlformats.org/officeDocument/2006/relationships" xmlns:p="http://schemas.openxmlformats.org/presentationml/2006/main" type="twoTxTwoObj" preserve="1">
-  <p:cSld name="Comparison">
+<file path=ppt/slideLayouts/slideLayout4.xml><?xml version="1.0" encoding="utf-8"?>
+<p:sldLayout xmlns:a="http://schemas.openxmlformats.org/drawingml/2006/main" xmlns:r="http://schemas.openxmlformats.org/officeDocument/2006/relationships" xmlns:p="http://schemas.openxmlformats.org/presentationml/2006/main" preserve="1">
+  <p:cSld name="Overview">
     <p:spTree>
       <p:nvGrpSpPr>
         <p:cNvPr id="1" name=""/>
@@ -1454,412 +2177,99 @@
       </p:grpSpPr>
       <p:sp>
         <p:nvSpPr>
-          <p:cNvPr id="2" name="Title 1"/>
+          <p:cNvPr id="12" name="Title 1"/>
           <p:cNvSpPr>
             <a:spLocks noGrp="1"/>
           </p:cNvSpPr>
           <p:nvPr>
-            <p:ph type="title"/>
+            <p:ph type="title" hasCustomPrompt="1"/>
           </p:nvPr>
         </p:nvSpPr>
-        <p:spPr/>
-        <p:txBody>
-          <a:bodyPr/>
+        <p:spPr>
+          <a:xfrm>
+            <a:off x="457200" y="404664"/>
+            <a:ext cx="8229600" cy="634082"/>
+          </a:xfrm>
+        </p:spPr>
+        <p:txBody>
+          <a:bodyPr>
+            <a:noAutofit/>
+          </a:bodyPr>
           <a:lstStyle>
-            <a:lvl1pPr>
-              <a:defRPr/>
+            <a:lvl1pPr algn="l">
+              <a:defRPr sz="3500" b="1" spc="300" baseline="0">
+                <a:solidFill>
+                  <a:srgbClr val="B3D366"/>
+                </a:solidFill>
+                <a:latin typeface="Jokerman" pitchFamily="82" charset="0"/>
+              </a:defRPr>
             </a:lvl1pPr>
           </a:lstStyle>
           <a:p>
             <a:r>
-              <a:rPr lang="en-US" smtClean="0"/>
-              <a:t>Click to edit Master title style</a:t>
-            </a:r>
-            <a:endParaRPr lang="en-SG"/>
-          </a:p>
-        </p:txBody>
-      </p:sp>
-      <p:sp>
-        <p:nvSpPr>
-          <p:cNvPr id="3" name="Text Placeholder 2"/>
+              <a:rPr lang="en-US" dirty="0" smtClean="0"/>
+              <a:t>&lt;Heading&gt;</a:t>
+            </a:r>
+            <a:endParaRPr lang="en-SG" dirty="0"/>
+          </a:p>
+        </p:txBody>
+      </p:sp>
+      <p:sp>
+        <p:nvSpPr>
+          <p:cNvPr id="4" name="Picture Placeholder 3"/>
           <p:cNvSpPr>
             <a:spLocks noGrp="1"/>
           </p:cNvSpPr>
           <p:nvPr>
-            <p:ph type="body" idx="1"/>
+            <p:ph type="pic" sz="quarter" idx="10" hasCustomPrompt="1"/>
           </p:nvPr>
         </p:nvSpPr>
         <p:spPr>
           <a:xfrm>
-            <a:off x="457200" y="1535113"/>
-            <a:ext cx="4040188" cy="639762"/>
-          </a:xfrm>
-        </p:spPr>
-        <p:txBody>
-          <a:bodyPr anchor="b"/>
+            <a:off x="468313" y="1341438"/>
+            <a:ext cx="8207375" cy="4823866"/>
+          </a:xfrm>
+        </p:spPr>
+        <p:txBody>
+          <a:bodyPr/>
           <a:lstStyle>
             <a:lvl1pPr marL="0" indent="0">
               <a:buNone/>
-              <a:defRPr sz="2400" b="1"/>
+              <a:defRPr baseline="0"/>
             </a:lvl1pPr>
-            <a:lvl2pPr marL="457200" indent="0">
-              <a:buNone/>
-              <a:defRPr sz="2000" b="1"/>
-            </a:lvl2pPr>
-            <a:lvl3pPr marL="914400" indent="0">
-              <a:buNone/>
-              <a:defRPr sz="1800" b="1"/>
-            </a:lvl3pPr>
-            <a:lvl4pPr marL="1371600" indent="0">
-              <a:buNone/>
-              <a:defRPr sz="1600" b="1"/>
-            </a:lvl4pPr>
-            <a:lvl5pPr marL="1828800" indent="0">
-              <a:buNone/>
-              <a:defRPr sz="1600" b="1"/>
-            </a:lvl5pPr>
-            <a:lvl6pPr marL="2286000" indent="0">
-              <a:buNone/>
-              <a:defRPr sz="1600" b="1"/>
-            </a:lvl6pPr>
-            <a:lvl7pPr marL="2743200" indent="0">
-              <a:buNone/>
-              <a:defRPr sz="1600" b="1"/>
-            </a:lvl7pPr>
-            <a:lvl8pPr marL="3200400" indent="0">
-              <a:buNone/>
-              <a:defRPr sz="1600" b="1"/>
-            </a:lvl8pPr>
-            <a:lvl9pPr marL="3657600" indent="0">
-              <a:buNone/>
-              <a:defRPr sz="1600" b="1"/>
-            </a:lvl9pPr>
           </a:lstStyle>
           <a:p>
-            <a:pPr lvl="0"/>
-            <a:r>
-              <a:rPr lang="en-US" smtClean="0"/>
-              <a:t>Click to edit Master text styles</a:t>
-            </a:r>
-          </a:p>
-        </p:txBody>
-      </p:sp>
-      <p:sp>
-        <p:nvSpPr>
-          <p:cNvPr id="4" name="Content Placeholder 3"/>
-          <p:cNvSpPr>
-            <a:spLocks noGrp="1"/>
-          </p:cNvSpPr>
-          <p:nvPr>
-            <p:ph sz="half" idx="2"/>
-          </p:nvPr>
-        </p:nvSpPr>
-        <p:spPr>
-          <a:xfrm>
-            <a:off x="457200" y="2174875"/>
-            <a:ext cx="4040188" cy="3951288"/>
-          </a:xfrm>
-        </p:spPr>
-        <p:txBody>
-          <a:bodyPr/>
-          <a:lstStyle>
-            <a:lvl1pPr>
-              <a:defRPr sz="2400"/>
-            </a:lvl1pPr>
-            <a:lvl2pPr>
-              <a:defRPr sz="2000"/>
-            </a:lvl2pPr>
-            <a:lvl3pPr>
-              <a:defRPr sz="1800"/>
-            </a:lvl3pPr>
-            <a:lvl4pPr>
-              <a:defRPr sz="1600"/>
-            </a:lvl4pPr>
-            <a:lvl5pPr>
-              <a:defRPr sz="1600"/>
-            </a:lvl5pPr>
-            <a:lvl6pPr>
-              <a:defRPr sz="1600"/>
-            </a:lvl6pPr>
-            <a:lvl7pPr>
-              <a:defRPr sz="1600"/>
-            </a:lvl7pPr>
-            <a:lvl8pPr>
-              <a:defRPr sz="1600"/>
-            </a:lvl8pPr>
-            <a:lvl9pPr>
-              <a:defRPr sz="1600"/>
-            </a:lvl9pPr>
-          </a:lstStyle>
-          <a:p>
-            <a:pPr lvl="0"/>
-            <a:r>
-              <a:rPr lang="en-US" smtClean="0"/>
-              <a:t>Click to edit Master text styles</a:t>
-            </a:r>
-          </a:p>
-          <a:p>
-            <a:pPr lvl="1"/>
-            <a:r>
-              <a:rPr lang="en-US" smtClean="0"/>
-              <a:t>Second level</a:t>
-            </a:r>
-          </a:p>
-          <a:p>
-            <a:pPr lvl="2"/>
-            <a:r>
-              <a:rPr lang="en-US" smtClean="0"/>
-              <a:t>Third level</a:t>
-            </a:r>
-          </a:p>
-          <a:p>
-            <a:pPr lvl="3"/>
-            <a:r>
-              <a:rPr lang="en-US" smtClean="0"/>
-              <a:t>Fourth level</a:t>
-            </a:r>
-          </a:p>
-          <a:p>
-            <a:pPr lvl="4"/>
-            <a:r>
-              <a:rPr lang="en-US" smtClean="0"/>
-              <a:t>Fifth level</a:t>
-            </a:r>
-            <a:endParaRPr lang="en-SG"/>
-          </a:p>
-        </p:txBody>
-      </p:sp>
-      <p:sp>
-        <p:nvSpPr>
-          <p:cNvPr id="5" name="Text Placeholder 4"/>
-          <p:cNvSpPr>
-            <a:spLocks noGrp="1"/>
-          </p:cNvSpPr>
-          <p:nvPr>
-            <p:ph type="body" sz="quarter" idx="3"/>
-          </p:nvPr>
-        </p:nvSpPr>
-        <p:spPr>
-          <a:xfrm>
-            <a:off x="4645025" y="1535113"/>
-            <a:ext cx="4041775" cy="639762"/>
-          </a:xfrm>
-        </p:spPr>
-        <p:txBody>
-          <a:bodyPr anchor="b"/>
-          <a:lstStyle>
-            <a:lvl1pPr marL="0" indent="0">
-              <a:buNone/>
-              <a:defRPr sz="2400" b="1"/>
-            </a:lvl1pPr>
-            <a:lvl2pPr marL="457200" indent="0">
-              <a:buNone/>
-              <a:defRPr sz="2000" b="1"/>
-            </a:lvl2pPr>
-            <a:lvl3pPr marL="914400" indent="0">
-              <a:buNone/>
-              <a:defRPr sz="1800" b="1"/>
-            </a:lvl3pPr>
-            <a:lvl4pPr marL="1371600" indent="0">
-              <a:buNone/>
-              <a:defRPr sz="1600" b="1"/>
-            </a:lvl4pPr>
-            <a:lvl5pPr marL="1828800" indent="0">
-              <a:buNone/>
-              <a:defRPr sz="1600" b="1"/>
-            </a:lvl5pPr>
-            <a:lvl6pPr marL="2286000" indent="0">
-              <a:buNone/>
-              <a:defRPr sz="1600" b="1"/>
-            </a:lvl6pPr>
-            <a:lvl7pPr marL="2743200" indent="0">
-              <a:buNone/>
-              <a:defRPr sz="1600" b="1"/>
-            </a:lvl7pPr>
-            <a:lvl8pPr marL="3200400" indent="0">
-              <a:buNone/>
-              <a:defRPr sz="1600" b="1"/>
-            </a:lvl8pPr>
-            <a:lvl9pPr marL="3657600" indent="0">
-              <a:buNone/>
-              <a:defRPr sz="1600" b="1"/>
-            </a:lvl9pPr>
-          </a:lstStyle>
-          <a:p>
-            <a:pPr lvl="0"/>
-            <a:r>
-              <a:rPr lang="en-US" smtClean="0"/>
-              <a:t>Click to edit Master text styles</a:t>
-            </a:r>
-          </a:p>
-        </p:txBody>
-      </p:sp>
-      <p:sp>
-        <p:nvSpPr>
-          <p:cNvPr id="6" name="Content Placeholder 5"/>
-          <p:cNvSpPr>
-            <a:spLocks noGrp="1"/>
-          </p:cNvSpPr>
-          <p:nvPr>
-            <p:ph sz="quarter" idx="4"/>
-          </p:nvPr>
-        </p:nvSpPr>
-        <p:spPr>
-          <a:xfrm>
-            <a:off x="4645025" y="2174875"/>
-            <a:ext cx="4041775" cy="3951288"/>
-          </a:xfrm>
-        </p:spPr>
-        <p:txBody>
-          <a:bodyPr/>
-          <a:lstStyle>
-            <a:lvl1pPr>
-              <a:defRPr sz="2400"/>
-            </a:lvl1pPr>
-            <a:lvl2pPr>
-              <a:defRPr sz="2000"/>
-            </a:lvl2pPr>
-            <a:lvl3pPr>
-              <a:defRPr sz="1800"/>
-            </a:lvl3pPr>
-            <a:lvl4pPr>
-              <a:defRPr sz="1600"/>
-            </a:lvl4pPr>
-            <a:lvl5pPr>
-              <a:defRPr sz="1600"/>
-            </a:lvl5pPr>
-            <a:lvl6pPr>
-              <a:defRPr sz="1600"/>
-            </a:lvl6pPr>
-            <a:lvl7pPr>
-              <a:defRPr sz="1600"/>
-            </a:lvl7pPr>
-            <a:lvl8pPr>
-              <a:defRPr sz="1600"/>
-            </a:lvl8pPr>
-            <a:lvl9pPr>
-              <a:defRPr sz="1600"/>
-            </a:lvl9pPr>
-          </a:lstStyle>
-          <a:p>
-            <a:pPr lvl="0"/>
-            <a:r>
-              <a:rPr lang="en-US" smtClean="0"/>
-              <a:t>Click to edit Master text styles</a:t>
-            </a:r>
-          </a:p>
-          <a:p>
-            <a:pPr lvl="1"/>
-            <a:r>
-              <a:rPr lang="en-US" smtClean="0"/>
-              <a:t>Second level</a:t>
-            </a:r>
-          </a:p>
-          <a:p>
-            <a:pPr lvl="2"/>
-            <a:r>
-              <a:rPr lang="en-US" smtClean="0"/>
-              <a:t>Third level</a:t>
-            </a:r>
-          </a:p>
-          <a:p>
-            <a:pPr lvl="3"/>
-            <a:r>
-              <a:rPr lang="en-US" smtClean="0"/>
-              <a:t>Fourth level</a:t>
-            </a:r>
-          </a:p>
-          <a:p>
-            <a:pPr lvl="4"/>
-            <a:r>
-              <a:rPr lang="en-US" smtClean="0"/>
-              <a:t>Fifth level</a:t>
-            </a:r>
-            <a:endParaRPr lang="en-SG"/>
-          </a:p>
-        </p:txBody>
-      </p:sp>
-      <p:sp>
-        <p:nvSpPr>
-          <p:cNvPr id="7" name="Date Placeholder 6"/>
-          <p:cNvSpPr>
-            <a:spLocks noGrp="1"/>
-          </p:cNvSpPr>
-          <p:nvPr>
-            <p:ph type="dt" sz="half" idx="10"/>
-          </p:nvPr>
-        </p:nvSpPr>
-        <p:spPr/>
-        <p:txBody>
-          <a:bodyPr/>
-          <a:lstStyle/>
-          <a:p>
-            <a:fld id="{8839E6B8-AE44-4E4D-B3CE-5639A35B70C6}" type="datetimeFigureOut">
-              <a:rPr lang="en-SG" smtClean="0"/>
-              <a:t>4/4/2013</a:t>
-            </a:fld>
-            <a:endParaRPr lang="en-SG"/>
-          </a:p>
-        </p:txBody>
-      </p:sp>
-      <p:sp>
-        <p:nvSpPr>
-          <p:cNvPr id="8" name="Footer Placeholder 7"/>
-          <p:cNvSpPr>
-            <a:spLocks noGrp="1"/>
-          </p:cNvSpPr>
-          <p:nvPr>
-            <p:ph type="ftr" sz="quarter" idx="11"/>
-          </p:nvPr>
-        </p:nvSpPr>
-        <p:spPr/>
-        <p:txBody>
-          <a:bodyPr/>
-          <a:lstStyle/>
-          <a:p>
-            <a:endParaRPr lang="en-SG"/>
-          </a:p>
-        </p:txBody>
-      </p:sp>
-      <p:sp>
-        <p:nvSpPr>
-          <p:cNvPr id="9" name="Slide Number Placeholder 8"/>
-          <p:cNvSpPr>
-            <a:spLocks noGrp="1"/>
-          </p:cNvSpPr>
-          <p:nvPr>
-            <p:ph type="sldNum" sz="quarter" idx="12"/>
-          </p:nvPr>
-        </p:nvSpPr>
-        <p:spPr/>
-        <p:txBody>
-          <a:bodyPr/>
-          <a:lstStyle/>
-          <a:p>
-            <a:fld id="{FCF4ED2B-DE2B-46BD-969D-904CA2FBB047}" type="slidenum">
-              <a:rPr lang="en-SG" smtClean="0"/>
-              <a:t>‹#›</a:t>
-            </a:fld>
-            <a:endParaRPr lang="en-SG"/>
+            <a:r>
+              <a:rPr lang="en-US" dirty="0" smtClean="0"/>
+              <a:t>For overview</a:t>
+            </a:r>
+            <a:endParaRPr lang="en-US" dirty="0"/>
           </a:p>
         </p:txBody>
       </p:sp>
     </p:spTree>
     <p:extLst>
       <p:ext uri="{BB962C8B-B14F-4D97-AF65-F5344CB8AC3E}">
-        <p14:creationId xmlns:p14="http://schemas.microsoft.com/office/powerpoint/2010/main" val="670115798"/>
+        <p14:creationId xmlns:p14="http://schemas.microsoft.com/office/powerpoint/2010/main" val="1540810209"/>
       </p:ext>
     </p:extLst>
   </p:cSld>
   <p:clrMapOvr>
     <a:masterClrMapping/>
   </p:clrMapOvr>
+  <p:timing>
+    <p:tnLst>
+      <p:par>
+        <p:cTn id="1" dur="indefinite" restart="never" nodeType="tmRoot"/>
+      </p:par>
+    </p:tnLst>
+  </p:timing>
 </p:sldLayout>
 </file>
 
-<file path=ppt/slideLayouts/slideLayout6.xml><?xml version="1.0" encoding="utf-8"?>
-<p:sldLayout xmlns:a="http://schemas.openxmlformats.org/drawingml/2006/main" xmlns:r="http://schemas.openxmlformats.org/officeDocument/2006/relationships" xmlns:p="http://schemas.openxmlformats.org/presentationml/2006/main" type="titleOnly" preserve="1">
-  <p:cSld name="Title Only">
+<file path=ppt/slideLayouts/slideLayout5.xml><?xml version="1.0" encoding="utf-8"?>
+<p:sldLayout xmlns:a="http://schemas.openxmlformats.org/drawingml/2006/main" xmlns:r="http://schemas.openxmlformats.org/officeDocument/2006/relationships" xmlns:p="http://schemas.openxmlformats.org/presentationml/2006/main" preserve="1">
+  <p:cSld name="Overview (Example 1)">
     <p:spTree>
       <p:nvGrpSpPr>
         <p:cNvPr id="1" name=""/>
@@ -1876,108 +2286,997 @@
       </p:grpSpPr>
       <p:sp>
         <p:nvSpPr>
-          <p:cNvPr id="2" name="Title 1"/>
+          <p:cNvPr id="12" name="Title 1"/>
           <p:cNvSpPr>
             <a:spLocks noGrp="1"/>
           </p:cNvSpPr>
           <p:nvPr>
-            <p:ph type="title"/>
+            <p:ph type="title" hasCustomPrompt="1"/>
           </p:nvPr>
         </p:nvSpPr>
-        <p:spPr/>
-        <p:txBody>
-          <a:bodyPr/>
+        <p:spPr>
+          <a:xfrm>
+            <a:off x="457200" y="404664"/>
+            <a:ext cx="8229600" cy="634082"/>
+          </a:xfrm>
+        </p:spPr>
+        <p:txBody>
+          <a:bodyPr>
+            <a:noAutofit/>
+          </a:bodyPr>
+          <a:lstStyle>
+            <a:lvl1pPr algn="l">
+              <a:defRPr sz="3500" b="1" spc="300">
+                <a:solidFill>
+                  <a:srgbClr val="B3D366"/>
+                </a:solidFill>
+                <a:latin typeface="Jokerman" pitchFamily="82" charset="0"/>
+              </a:defRPr>
+            </a:lvl1pPr>
+          </a:lstStyle>
+          <a:p>
+            <a:r>
+              <a:rPr lang="en-US" dirty="0" smtClean="0"/>
+              <a:t>Overview</a:t>
+            </a:r>
+            <a:endParaRPr lang="en-SG" dirty="0"/>
+          </a:p>
+        </p:txBody>
+      </p:sp>
+      <p:sp>
+        <p:nvSpPr>
+          <p:cNvPr id="4" name="Rectangle 3"/>
+          <p:cNvSpPr/>
+          <p:nvPr/>
+        </p:nvSpPr>
+        <p:spPr>
+          <a:xfrm>
+            <a:off x="728295" y="2132856"/>
+            <a:ext cx="1620000" cy="720000"/>
+          </a:xfrm>
+          <a:prstGeom prst="rect">
+            <a:avLst/>
+          </a:prstGeom>
+          <a:solidFill>
+            <a:srgbClr val="92D050"/>
+          </a:solidFill>
+          <a:ln>
+            <a:noFill/>
+          </a:ln>
+        </p:spPr>
+        <p:style>
+          <a:lnRef idx="2">
+            <a:schemeClr val="accent1">
+              <a:shade val="50000"/>
+            </a:schemeClr>
+          </a:lnRef>
+          <a:fillRef idx="1">
+            <a:schemeClr val="accent1"/>
+          </a:fillRef>
+          <a:effectRef idx="0">
+            <a:schemeClr val="accent1"/>
+          </a:effectRef>
+          <a:fontRef idx="minor">
+            <a:schemeClr val="lt1"/>
+          </a:fontRef>
+        </p:style>
+        <p:txBody>
+          <a:bodyPr rtlCol="0" anchor="ctr"/>
           <a:lstStyle/>
           <a:p>
-            <a:r>
-              <a:rPr lang="en-US" smtClean="0"/>
-              <a:t>Click to edit Master title style</a:t>
-            </a:r>
-            <a:endParaRPr lang="en-SG"/>
-          </a:p>
-        </p:txBody>
-      </p:sp>
-      <p:sp>
-        <p:nvSpPr>
-          <p:cNvPr id="3" name="Date Placeholder 2"/>
-          <p:cNvSpPr>
-            <a:spLocks noGrp="1"/>
-          </p:cNvSpPr>
-          <p:nvPr>
-            <p:ph type="dt" sz="half" idx="10"/>
-          </p:nvPr>
-        </p:nvSpPr>
-        <p:spPr/>
-        <p:txBody>
-          <a:bodyPr/>
+            <a:pPr algn="ctr"/>
+            <a:r>
+              <a:rPr lang="en-US" b="1" dirty="0" smtClean="0"/>
+              <a:t>Install </a:t>
+            </a:r>
+            <a:r>
+              <a:rPr lang="en-US" b="1" dirty="0" err="1" smtClean="0"/>
+              <a:t>GitBash</a:t>
+            </a:r>
+            <a:endParaRPr lang="en-SG" b="1" dirty="0"/>
+          </a:p>
+        </p:txBody>
+      </p:sp>
+      <p:sp>
+        <p:nvSpPr>
+          <p:cNvPr id="5" name="Flowchart: Decision 4"/>
+          <p:cNvSpPr/>
+          <p:nvPr/>
+        </p:nvSpPr>
+        <p:spPr>
+          <a:xfrm>
+            <a:off x="548295" y="3112043"/>
+            <a:ext cx="1980000" cy="1080000"/>
+          </a:xfrm>
+          <a:prstGeom prst="flowChartDecision">
+            <a:avLst/>
+          </a:prstGeom>
+          <a:solidFill>
+            <a:srgbClr val="92D050"/>
+          </a:solidFill>
+          <a:ln>
+            <a:noFill/>
+          </a:ln>
+        </p:spPr>
+        <p:style>
+          <a:lnRef idx="2">
+            <a:schemeClr val="accent1">
+              <a:shade val="50000"/>
+            </a:schemeClr>
+          </a:lnRef>
+          <a:fillRef idx="1">
+            <a:schemeClr val="accent1"/>
+          </a:fillRef>
+          <a:effectRef idx="0">
+            <a:schemeClr val="accent1"/>
+          </a:effectRef>
+          <a:fontRef idx="minor">
+            <a:schemeClr val="lt1"/>
+          </a:fontRef>
+        </p:style>
+        <p:txBody>
+          <a:bodyPr rtlCol="0" anchor="ctr"/>
           <a:lstStyle/>
           <a:p>
-            <a:fld id="{8839E6B8-AE44-4E4D-B3CE-5639A35B70C6}" type="datetimeFigureOut">
-              <a:rPr lang="en-SG" smtClean="0"/>
-              <a:t>4/4/2013</a:t>
-            </a:fld>
-            <a:endParaRPr lang="en-SG"/>
-          </a:p>
-        </p:txBody>
-      </p:sp>
-      <p:sp>
-        <p:nvSpPr>
-          <p:cNvPr id="4" name="Footer Placeholder 3"/>
-          <p:cNvSpPr>
-            <a:spLocks noGrp="1"/>
-          </p:cNvSpPr>
-          <p:nvPr>
-            <p:ph type="ftr" sz="quarter" idx="11"/>
-          </p:nvPr>
-        </p:nvSpPr>
-        <p:spPr/>
-        <p:txBody>
-          <a:bodyPr/>
+            <a:pPr algn="ctr"/>
+            <a:r>
+              <a:rPr lang="en-US" b="1" dirty="0" smtClean="0"/>
+              <a:t>Have </a:t>
+            </a:r>
+            <a:r>
+              <a:rPr lang="en-US" b="1" dirty="0" err="1" smtClean="0"/>
+              <a:t>KeyPair</a:t>
+            </a:r>
+            <a:r>
+              <a:rPr lang="en-US" b="1" dirty="0" smtClean="0"/>
+              <a:t>?</a:t>
+            </a:r>
+            <a:endParaRPr lang="en-SG" b="1" dirty="0"/>
+          </a:p>
+        </p:txBody>
+      </p:sp>
+      <p:sp>
+        <p:nvSpPr>
+          <p:cNvPr id="6" name="Rectangle 5"/>
+          <p:cNvSpPr/>
+          <p:nvPr/>
+        </p:nvSpPr>
+        <p:spPr>
+          <a:xfrm>
+            <a:off x="728295" y="4653056"/>
+            <a:ext cx="1620000" cy="720000"/>
+          </a:xfrm>
+          <a:prstGeom prst="rect">
+            <a:avLst/>
+          </a:prstGeom>
+          <a:solidFill>
+            <a:srgbClr val="92D050"/>
+          </a:solidFill>
+          <a:ln>
+            <a:noFill/>
+          </a:ln>
+        </p:spPr>
+        <p:style>
+          <a:lnRef idx="2">
+            <a:schemeClr val="accent1">
+              <a:shade val="50000"/>
+            </a:schemeClr>
+          </a:lnRef>
+          <a:fillRef idx="1">
+            <a:schemeClr val="accent1"/>
+          </a:fillRef>
+          <a:effectRef idx="0">
+            <a:schemeClr val="accent1"/>
+          </a:effectRef>
+          <a:fontRef idx="minor">
+            <a:schemeClr val="lt1"/>
+          </a:fontRef>
+        </p:style>
+        <p:txBody>
+          <a:bodyPr rtlCol="0" anchor="ctr"/>
           <a:lstStyle/>
           <a:p>
-            <a:endParaRPr lang="en-SG"/>
-          </a:p>
-        </p:txBody>
-      </p:sp>
-      <p:sp>
-        <p:nvSpPr>
-          <p:cNvPr id="5" name="Slide Number Placeholder 4"/>
-          <p:cNvSpPr>
-            <a:spLocks noGrp="1"/>
-          </p:cNvSpPr>
-          <p:nvPr>
-            <p:ph type="sldNum" sz="quarter" idx="12"/>
-          </p:nvPr>
-        </p:nvSpPr>
-        <p:spPr/>
-        <p:txBody>
-          <a:bodyPr/>
+            <a:pPr algn="ctr"/>
+            <a:r>
+              <a:rPr lang="en-US" b="1" dirty="0" smtClean="0"/>
+              <a:t>Make </a:t>
+            </a:r>
+            <a:r>
+              <a:rPr lang="en-US" b="1" dirty="0" err="1" smtClean="0"/>
+              <a:t>KeyPair</a:t>
+            </a:r>
+            <a:r>
+              <a:rPr lang="en-US" b="1" dirty="0" smtClean="0"/>
+              <a:t>!</a:t>
+            </a:r>
+            <a:endParaRPr lang="en-SG" b="1" dirty="0"/>
+          </a:p>
+        </p:txBody>
+      </p:sp>
+      <p:sp>
+        <p:nvSpPr>
+          <p:cNvPr id="7" name="Rectangle 6"/>
+          <p:cNvSpPr/>
+          <p:nvPr/>
+        </p:nvSpPr>
+        <p:spPr>
+          <a:xfrm>
+            <a:off x="3681269" y="3292043"/>
+            <a:ext cx="1620000" cy="720000"/>
+          </a:xfrm>
+          <a:prstGeom prst="rect">
+            <a:avLst/>
+          </a:prstGeom>
+          <a:solidFill>
+            <a:srgbClr val="92D050"/>
+          </a:solidFill>
+          <a:ln>
+            <a:noFill/>
+          </a:ln>
+        </p:spPr>
+        <p:style>
+          <a:lnRef idx="2">
+            <a:schemeClr val="accent1">
+              <a:shade val="50000"/>
+            </a:schemeClr>
+          </a:lnRef>
+          <a:fillRef idx="1">
+            <a:schemeClr val="accent1"/>
+          </a:fillRef>
+          <a:effectRef idx="0">
+            <a:schemeClr val="accent1"/>
+          </a:effectRef>
+          <a:fontRef idx="minor">
+            <a:schemeClr val="lt1"/>
+          </a:fontRef>
+        </p:style>
+        <p:txBody>
+          <a:bodyPr rtlCol="0" anchor="ctr"/>
           <a:lstStyle/>
           <a:p>
-            <a:fld id="{FCF4ED2B-DE2B-46BD-969D-904CA2FBB047}" type="slidenum">
-              <a:rPr lang="en-SG" smtClean="0"/>
-              <a:t>‹#›</a:t>
-            </a:fld>
-            <a:endParaRPr lang="en-SG"/>
-          </a:p>
-        </p:txBody>
-      </p:sp>
+            <a:pPr algn="ctr"/>
+            <a:r>
+              <a:rPr lang="en-US" b="1" dirty="0" smtClean="0"/>
+              <a:t>Sign Up for it!</a:t>
+            </a:r>
+            <a:endParaRPr lang="en-SG" b="1" dirty="0"/>
+          </a:p>
+        </p:txBody>
+      </p:sp>
+      <p:sp>
+        <p:nvSpPr>
+          <p:cNvPr id="8" name="Rectangle 7"/>
+          <p:cNvSpPr/>
+          <p:nvPr/>
+        </p:nvSpPr>
+        <p:spPr>
+          <a:xfrm>
+            <a:off x="728295" y="5949280"/>
+            <a:ext cx="1620000" cy="720000"/>
+          </a:xfrm>
+          <a:prstGeom prst="rect">
+            <a:avLst/>
+          </a:prstGeom>
+          <a:solidFill>
+            <a:srgbClr val="92D050"/>
+          </a:solidFill>
+          <a:ln>
+            <a:noFill/>
+          </a:ln>
+        </p:spPr>
+        <p:style>
+          <a:lnRef idx="2">
+            <a:schemeClr val="accent1">
+              <a:shade val="50000"/>
+            </a:schemeClr>
+          </a:lnRef>
+          <a:fillRef idx="1">
+            <a:schemeClr val="accent1"/>
+          </a:fillRef>
+          <a:effectRef idx="0">
+            <a:schemeClr val="accent1"/>
+          </a:effectRef>
+          <a:fontRef idx="minor">
+            <a:schemeClr val="lt1"/>
+          </a:fontRef>
+        </p:style>
+        <p:txBody>
+          <a:bodyPr rtlCol="0" anchor="ctr"/>
+          <a:lstStyle/>
+          <a:p>
+            <a:pPr algn="ctr"/>
+            <a:r>
+              <a:rPr lang="en-US" b="1" dirty="0" smtClean="0"/>
+              <a:t>Locate </a:t>
+            </a:r>
+            <a:r>
+              <a:rPr lang="en-US" b="1" dirty="0" err="1" smtClean="0"/>
+              <a:t>KeyPair</a:t>
+            </a:r>
+            <a:r>
+              <a:rPr lang="en-US" b="1" dirty="0" smtClean="0"/>
+              <a:t> Files</a:t>
+            </a:r>
+          </a:p>
+        </p:txBody>
+      </p:sp>
+      <p:cxnSp>
+        <p:nvCxnSpPr>
+          <p:cNvPr id="9" name="Straight Arrow Connector 8"/>
+          <p:cNvCxnSpPr>
+            <a:stCxn id="4" idx="2"/>
+            <a:endCxn id="5" idx="0"/>
+          </p:cNvCxnSpPr>
+          <p:nvPr/>
+        </p:nvCxnSpPr>
+        <p:spPr>
+          <a:xfrm>
+            <a:off x="1538295" y="2852856"/>
+            <a:ext cx="0" cy="259187"/>
+          </a:xfrm>
+          <a:prstGeom prst="straightConnector1">
+            <a:avLst/>
+          </a:prstGeom>
+          <a:ln>
+            <a:tailEnd type="arrow"/>
+          </a:ln>
+        </p:spPr>
+        <p:style>
+          <a:lnRef idx="1">
+            <a:schemeClr val="accent1"/>
+          </a:lnRef>
+          <a:fillRef idx="0">
+            <a:schemeClr val="accent1"/>
+          </a:fillRef>
+          <a:effectRef idx="0">
+            <a:schemeClr val="accent1"/>
+          </a:effectRef>
+          <a:fontRef idx="minor">
+            <a:schemeClr val="tx1"/>
+          </a:fontRef>
+        </p:style>
+      </p:cxnSp>
+      <p:cxnSp>
+        <p:nvCxnSpPr>
+          <p:cNvPr id="10" name="Straight Arrow Connector 9"/>
+          <p:cNvCxnSpPr>
+            <a:stCxn id="5" idx="2"/>
+            <a:endCxn id="6" idx="0"/>
+          </p:cNvCxnSpPr>
+          <p:nvPr/>
+        </p:nvCxnSpPr>
+        <p:spPr>
+          <a:xfrm>
+            <a:off x="1538295" y="4192043"/>
+            <a:ext cx="0" cy="461013"/>
+          </a:xfrm>
+          <a:prstGeom prst="straightConnector1">
+            <a:avLst/>
+          </a:prstGeom>
+          <a:ln>
+            <a:tailEnd type="arrow"/>
+          </a:ln>
+        </p:spPr>
+        <p:style>
+          <a:lnRef idx="1">
+            <a:schemeClr val="accent1"/>
+          </a:lnRef>
+          <a:fillRef idx="0">
+            <a:schemeClr val="accent1"/>
+          </a:fillRef>
+          <a:effectRef idx="0">
+            <a:schemeClr val="accent1"/>
+          </a:effectRef>
+          <a:fontRef idx="minor">
+            <a:schemeClr val="tx1"/>
+          </a:fontRef>
+        </p:style>
+      </p:cxnSp>
+      <p:cxnSp>
+        <p:nvCxnSpPr>
+          <p:cNvPr id="11" name="Straight Arrow Connector 10"/>
+          <p:cNvCxnSpPr>
+            <a:stCxn id="6" idx="2"/>
+            <a:endCxn id="8" idx="0"/>
+          </p:cNvCxnSpPr>
+          <p:nvPr/>
+        </p:nvCxnSpPr>
+        <p:spPr>
+          <a:xfrm>
+            <a:off x="1538295" y="5373056"/>
+            <a:ext cx="0" cy="576224"/>
+          </a:xfrm>
+          <a:prstGeom prst="straightConnector1">
+            <a:avLst/>
+          </a:prstGeom>
+          <a:ln>
+            <a:tailEnd type="arrow"/>
+          </a:ln>
+        </p:spPr>
+        <p:style>
+          <a:lnRef idx="1">
+            <a:schemeClr val="accent1"/>
+          </a:lnRef>
+          <a:fillRef idx="0">
+            <a:schemeClr val="accent1"/>
+          </a:fillRef>
+          <a:effectRef idx="0">
+            <a:schemeClr val="accent1"/>
+          </a:effectRef>
+          <a:fontRef idx="minor">
+            <a:schemeClr val="tx1"/>
+          </a:fontRef>
+        </p:style>
+      </p:cxnSp>
+      <p:sp>
+        <p:nvSpPr>
+          <p:cNvPr id="13" name="TextBox 12"/>
+          <p:cNvSpPr txBox="1"/>
+          <p:nvPr/>
+        </p:nvSpPr>
+        <p:spPr>
+          <a:xfrm>
+            <a:off x="1543123" y="4221088"/>
+            <a:ext cx="455574" cy="369332"/>
+          </a:xfrm>
+          <a:prstGeom prst="rect">
+            <a:avLst/>
+          </a:prstGeom>
+          <a:noFill/>
+        </p:spPr>
+        <p:txBody>
+          <a:bodyPr wrap="none" rtlCol="0">
+            <a:spAutoFit/>
+          </a:bodyPr>
+          <a:lstStyle/>
+          <a:p>
+            <a:r>
+              <a:rPr lang="en-US" dirty="0" smtClean="0"/>
+              <a:t>No</a:t>
+            </a:r>
+            <a:endParaRPr lang="en-SG" dirty="0"/>
+          </a:p>
+        </p:txBody>
+      </p:sp>
+      <p:sp>
+        <p:nvSpPr>
+          <p:cNvPr id="14" name="TextBox 13"/>
+          <p:cNvSpPr txBox="1"/>
+          <p:nvPr/>
+        </p:nvSpPr>
+        <p:spPr>
+          <a:xfrm>
+            <a:off x="323528" y="3995772"/>
+            <a:ext cx="485518" cy="369332"/>
+          </a:xfrm>
+          <a:prstGeom prst="rect">
+            <a:avLst/>
+          </a:prstGeom>
+          <a:noFill/>
+        </p:spPr>
+        <p:txBody>
+          <a:bodyPr wrap="none" rtlCol="0">
+            <a:spAutoFit/>
+          </a:bodyPr>
+          <a:lstStyle/>
+          <a:p>
+            <a:r>
+              <a:rPr lang="en-US" dirty="0" smtClean="0"/>
+              <a:t>Yes</a:t>
+            </a:r>
+            <a:endParaRPr lang="en-SG" dirty="0"/>
+          </a:p>
+        </p:txBody>
+      </p:sp>
+      <p:sp>
+        <p:nvSpPr>
+          <p:cNvPr id="16" name="TextBox 15"/>
+          <p:cNvSpPr txBox="1"/>
+          <p:nvPr/>
+        </p:nvSpPr>
+        <p:spPr>
+          <a:xfrm>
+            <a:off x="107824" y="1268760"/>
+            <a:ext cx="2880000" cy="400110"/>
+          </a:xfrm>
+          <a:prstGeom prst="rect">
+            <a:avLst/>
+          </a:prstGeom>
+          <a:noFill/>
+        </p:spPr>
+        <p:txBody>
+          <a:bodyPr wrap="square" rtlCol="0">
+            <a:spAutoFit/>
+          </a:bodyPr>
+          <a:lstStyle/>
+          <a:p>
+            <a:pPr algn="ctr"/>
+            <a:r>
+              <a:rPr lang="en-US" sz="2000" b="1" dirty="0" smtClean="0">
+                <a:solidFill>
+                  <a:srgbClr val="4D90BB"/>
+                </a:solidFill>
+              </a:rPr>
+              <a:t>Generate an SSH </a:t>
+            </a:r>
+            <a:r>
+              <a:rPr lang="en-US" sz="2000" b="1" dirty="0" err="1" smtClean="0">
+                <a:solidFill>
+                  <a:srgbClr val="4D90BB"/>
+                </a:solidFill>
+              </a:rPr>
+              <a:t>Keypair</a:t>
+            </a:r>
+            <a:endParaRPr lang="en-US" sz="2000" b="1" dirty="0" smtClean="0">
+              <a:solidFill>
+                <a:srgbClr val="4D90BB"/>
+              </a:solidFill>
+            </a:endParaRPr>
+          </a:p>
+        </p:txBody>
+      </p:sp>
+      <p:cxnSp>
+        <p:nvCxnSpPr>
+          <p:cNvPr id="17" name="Straight Arrow Connector 16"/>
+          <p:cNvCxnSpPr>
+            <a:stCxn id="19" idx="2"/>
+            <a:endCxn id="7" idx="0"/>
+          </p:cNvCxnSpPr>
+          <p:nvPr/>
+        </p:nvCxnSpPr>
+        <p:spPr>
+          <a:xfrm flipH="1">
+            <a:off x="4491269" y="2873261"/>
+            <a:ext cx="8562" cy="418782"/>
+          </a:xfrm>
+          <a:prstGeom prst="straightConnector1">
+            <a:avLst/>
+          </a:prstGeom>
+          <a:ln>
+            <a:tailEnd type="arrow"/>
+          </a:ln>
+        </p:spPr>
+        <p:style>
+          <a:lnRef idx="1">
+            <a:schemeClr val="accent1"/>
+          </a:lnRef>
+          <a:fillRef idx="0">
+            <a:schemeClr val="accent1"/>
+          </a:fillRef>
+          <a:effectRef idx="0">
+            <a:schemeClr val="accent1"/>
+          </a:effectRef>
+          <a:fontRef idx="minor">
+            <a:schemeClr val="tx1"/>
+          </a:fontRef>
+        </p:style>
+      </p:cxnSp>
+      <p:sp>
+        <p:nvSpPr>
+          <p:cNvPr id="18" name="TextBox 17"/>
+          <p:cNvSpPr txBox="1"/>
+          <p:nvPr/>
+        </p:nvSpPr>
+        <p:spPr>
+          <a:xfrm>
+            <a:off x="3059831" y="1208946"/>
+            <a:ext cx="2880000" cy="707886"/>
+          </a:xfrm>
+          <a:prstGeom prst="rect">
+            <a:avLst/>
+          </a:prstGeom>
+          <a:noFill/>
+        </p:spPr>
+        <p:txBody>
+          <a:bodyPr wrap="square" rtlCol="0">
+            <a:spAutoFit/>
+          </a:bodyPr>
+          <a:lstStyle/>
+          <a:p>
+            <a:pPr algn="ctr"/>
+            <a:r>
+              <a:rPr lang="en-US" sz="2000" b="1" dirty="0" smtClean="0">
+                <a:solidFill>
+                  <a:srgbClr val="4D90BB"/>
+                </a:solidFill>
+              </a:rPr>
+              <a:t>Sign up with a </a:t>
+            </a:r>
+            <a:r>
+              <a:rPr lang="en-US" sz="2000" b="1" dirty="0" err="1" smtClean="0">
+                <a:solidFill>
+                  <a:srgbClr val="4D90BB"/>
+                </a:solidFill>
+              </a:rPr>
+              <a:t>Git</a:t>
+            </a:r>
+            <a:r>
+              <a:rPr lang="en-US" sz="2000" b="1" dirty="0" smtClean="0">
+                <a:solidFill>
+                  <a:srgbClr val="4D90BB"/>
+                </a:solidFill>
+              </a:rPr>
+              <a:t> Repo Website</a:t>
+            </a:r>
+          </a:p>
+        </p:txBody>
+      </p:sp>
+      <p:sp>
+        <p:nvSpPr>
+          <p:cNvPr id="19" name="Rectangle 18"/>
+          <p:cNvSpPr/>
+          <p:nvPr/>
+        </p:nvSpPr>
+        <p:spPr>
+          <a:xfrm>
+            <a:off x="3689831" y="2153261"/>
+            <a:ext cx="1620000" cy="720000"/>
+          </a:xfrm>
+          <a:prstGeom prst="rect">
+            <a:avLst/>
+          </a:prstGeom>
+          <a:solidFill>
+            <a:srgbClr val="92D050"/>
+          </a:solidFill>
+          <a:ln>
+            <a:noFill/>
+          </a:ln>
+        </p:spPr>
+        <p:style>
+          <a:lnRef idx="2">
+            <a:schemeClr val="accent1">
+              <a:shade val="50000"/>
+            </a:schemeClr>
+          </a:lnRef>
+          <a:fillRef idx="1">
+            <a:schemeClr val="accent1"/>
+          </a:fillRef>
+          <a:effectRef idx="0">
+            <a:schemeClr val="accent1"/>
+          </a:effectRef>
+          <a:fontRef idx="minor">
+            <a:schemeClr val="lt1"/>
+          </a:fontRef>
+        </p:style>
+        <p:txBody>
+          <a:bodyPr rtlCol="0" anchor="ctr"/>
+          <a:lstStyle/>
+          <a:p>
+            <a:pPr algn="ctr"/>
+            <a:r>
+              <a:rPr lang="en-US" b="1" dirty="0" smtClean="0"/>
+              <a:t>Choose a </a:t>
+            </a:r>
+            <a:r>
+              <a:rPr lang="en-US" b="1" dirty="0" err="1" smtClean="0"/>
+              <a:t>git</a:t>
+            </a:r>
+            <a:r>
+              <a:rPr lang="en-US" b="1" dirty="0" smtClean="0"/>
+              <a:t> repo website</a:t>
+            </a:r>
+            <a:endParaRPr lang="en-SG" b="1" dirty="0"/>
+          </a:p>
+        </p:txBody>
+      </p:sp>
+      <p:cxnSp>
+        <p:nvCxnSpPr>
+          <p:cNvPr id="20" name="Straight Connector 19"/>
+          <p:cNvCxnSpPr/>
+          <p:nvPr/>
+        </p:nvCxnSpPr>
+        <p:spPr>
+          <a:xfrm>
+            <a:off x="5939831" y="1052736"/>
+            <a:ext cx="0" cy="5832648"/>
+          </a:xfrm>
+          <a:prstGeom prst="line">
+            <a:avLst/>
+          </a:prstGeom>
+          <a:ln>
+            <a:prstDash val="dash"/>
+          </a:ln>
+        </p:spPr>
+        <p:style>
+          <a:lnRef idx="1">
+            <a:schemeClr val="accent1"/>
+          </a:lnRef>
+          <a:fillRef idx="0">
+            <a:schemeClr val="accent1"/>
+          </a:fillRef>
+          <a:effectRef idx="0">
+            <a:schemeClr val="accent1"/>
+          </a:effectRef>
+          <a:fontRef idx="minor">
+            <a:schemeClr val="tx1"/>
+          </a:fontRef>
+        </p:style>
+      </p:cxnSp>
+      <p:sp>
+        <p:nvSpPr>
+          <p:cNvPr id="21" name="TextBox 20"/>
+          <p:cNvSpPr txBox="1"/>
+          <p:nvPr/>
+        </p:nvSpPr>
+        <p:spPr>
+          <a:xfrm>
+            <a:off x="6084168" y="1208946"/>
+            <a:ext cx="2880000" cy="707886"/>
+          </a:xfrm>
+          <a:prstGeom prst="rect">
+            <a:avLst/>
+          </a:prstGeom>
+          <a:noFill/>
+        </p:spPr>
+        <p:txBody>
+          <a:bodyPr wrap="square" rtlCol="0">
+            <a:spAutoFit/>
+          </a:bodyPr>
+          <a:lstStyle/>
+          <a:p>
+            <a:pPr algn="ctr"/>
+            <a:r>
+              <a:rPr lang="en-US" sz="2000" b="1" dirty="0" smtClean="0">
+                <a:solidFill>
+                  <a:srgbClr val="4D90BB"/>
+                </a:solidFill>
+              </a:rPr>
+              <a:t>Put SSH Public key on </a:t>
+            </a:r>
+            <a:r>
+              <a:rPr lang="en-US" sz="2000" b="1" dirty="0" err="1" smtClean="0">
+                <a:solidFill>
+                  <a:srgbClr val="4D90BB"/>
+                </a:solidFill>
+              </a:rPr>
+              <a:t>Git</a:t>
+            </a:r>
+            <a:r>
+              <a:rPr lang="en-US" sz="2000" b="1" dirty="0" smtClean="0">
+                <a:solidFill>
+                  <a:srgbClr val="4D90BB"/>
+                </a:solidFill>
+              </a:rPr>
+              <a:t> Repo Website</a:t>
+            </a:r>
+            <a:endParaRPr lang="en-SG" sz="2000" b="1" dirty="0">
+              <a:solidFill>
+                <a:srgbClr val="4D90BB"/>
+              </a:solidFill>
+            </a:endParaRPr>
+          </a:p>
+        </p:txBody>
+      </p:sp>
+      <p:sp>
+        <p:nvSpPr>
+          <p:cNvPr id="22" name="Rectangle 21"/>
+          <p:cNvSpPr/>
+          <p:nvPr/>
+        </p:nvSpPr>
+        <p:spPr>
+          <a:xfrm>
+            <a:off x="6714168" y="2153261"/>
+            <a:ext cx="1620000" cy="720000"/>
+          </a:xfrm>
+          <a:prstGeom prst="rect">
+            <a:avLst/>
+          </a:prstGeom>
+          <a:solidFill>
+            <a:srgbClr val="92D050"/>
+          </a:solidFill>
+          <a:ln>
+            <a:noFill/>
+          </a:ln>
+        </p:spPr>
+        <p:style>
+          <a:lnRef idx="2">
+            <a:schemeClr val="accent1">
+              <a:shade val="50000"/>
+            </a:schemeClr>
+          </a:lnRef>
+          <a:fillRef idx="1">
+            <a:schemeClr val="accent1"/>
+          </a:fillRef>
+          <a:effectRef idx="0">
+            <a:schemeClr val="accent1"/>
+          </a:effectRef>
+          <a:fontRef idx="minor">
+            <a:schemeClr val="lt1"/>
+          </a:fontRef>
+        </p:style>
+        <p:txBody>
+          <a:bodyPr rtlCol="0" anchor="ctr"/>
+          <a:lstStyle/>
+          <a:p>
+            <a:pPr algn="ctr"/>
+            <a:r>
+              <a:rPr lang="en-US" b="1" dirty="0" smtClean="0"/>
+              <a:t>Put public key onto website</a:t>
+            </a:r>
+            <a:endParaRPr lang="en-SG" b="1" dirty="0"/>
+          </a:p>
+        </p:txBody>
+      </p:sp>
+      <p:sp>
+        <p:nvSpPr>
+          <p:cNvPr id="23" name="Rectangle 22"/>
+          <p:cNvSpPr/>
+          <p:nvPr/>
+        </p:nvSpPr>
+        <p:spPr>
+          <a:xfrm>
+            <a:off x="6714168" y="3292043"/>
+            <a:ext cx="1620000" cy="720000"/>
+          </a:xfrm>
+          <a:prstGeom prst="rect">
+            <a:avLst/>
+          </a:prstGeom>
+          <a:solidFill>
+            <a:srgbClr val="92D050"/>
+          </a:solidFill>
+          <a:ln>
+            <a:noFill/>
+          </a:ln>
+        </p:spPr>
+        <p:style>
+          <a:lnRef idx="2">
+            <a:schemeClr val="accent1">
+              <a:shade val="50000"/>
+            </a:schemeClr>
+          </a:lnRef>
+          <a:fillRef idx="1">
+            <a:schemeClr val="accent1"/>
+          </a:fillRef>
+          <a:effectRef idx="0">
+            <a:schemeClr val="accent1"/>
+          </a:effectRef>
+          <a:fontRef idx="minor">
+            <a:schemeClr val="lt1"/>
+          </a:fontRef>
+        </p:style>
+        <p:txBody>
+          <a:bodyPr rtlCol="0" anchor="ctr"/>
+          <a:lstStyle/>
+          <a:p>
+            <a:pPr algn="ctr"/>
+            <a:r>
+              <a:rPr lang="en-US" b="1" dirty="0" smtClean="0"/>
+              <a:t>Test SSH Connection</a:t>
+            </a:r>
+            <a:endParaRPr lang="en-SG" b="1" dirty="0"/>
+          </a:p>
+        </p:txBody>
+      </p:sp>
+      <p:cxnSp>
+        <p:nvCxnSpPr>
+          <p:cNvPr id="24" name="Straight Arrow Connector 23"/>
+          <p:cNvCxnSpPr>
+            <a:stCxn id="22" idx="2"/>
+            <a:endCxn id="23" idx="0"/>
+          </p:cNvCxnSpPr>
+          <p:nvPr/>
+        </p:nvCxnSpPr>
+        <p:spPr>
+          <a:xfrm>
+            <a:off x="7524168" y="2873261"/>
+            <a:ext cx="0" cy="418782"/>
+          </a:xfrm>
+          <a:prstGeom prst="straightConnector1">
+            <a:avLst/>
+          </a:prstGeom>
+          <a:ln>
+            <a:tailEnd type="arrow"/>
+          </a:ln>
+        </p:spPr>
+        <p:style>
+          <a:lnRef idx="1">
+            <a:schemeClr val="accent1"/>
+          </a:lnRef>
+          <a:fillRef idx="0">
+            <a:schemeClr val="accent1"/>
+          </a:fillRef>
+          <a:effectRef idx="0">
+            <a:schemeClr val="accent1"/>
+          </a:effectRef>
+          <a:fontRef idx="minor">
+            <a:schemeClr val="tx1"/>
+          </a:fontRef>
+        </p:style>
+      </p:cxnSp>
+      <p:cxnSp>
+        <p:nvCxnSpPr>
+          <p:cNvPr id="25" name="Elbow Connector 24"/>
+          <p:cNvCxnSpPr>
+            <a:stCxn id="5" idx="1"/>
+            <a:endCxn id="8" idx="1"/>
+          </p:cNvCxnSpPr>
+          <p:nvPr/>
+        </p:nvCxnSpPr>
+        <p:spPr>
+          <a:xfrm rot="10800000" flipH="1" flipV="1">
+            <a:off x="548295" y="3652042"/>
+            <a:ext cx="180000" cy="2657237"/>
+          </a:xfrm>
+          <a:prstGeom prst="bentConnector3">
+            <a:avLst>
+              <a:gd name="adj1" fmla="val -127000"/>
+            </a:avLst>
+          </a:prstGeom>
+          <a:ln>
+            <a:tailEnd type="arrow"/>
+          </a:ln>
+        </p:spPr>
+        <p:style>
+          <a:lnRef idx="1">
+            <a:schemeClr val="accent1"/>
+          </a:lnRef>
+          <a:fillRef idx="0">
+            <a:schemeClr val="accent1"/>
+          </a:fillRef>
+          <a:effectRef idx="0">
+            <a:schemeClr val="accent1"/>
+          </a:effectRef>
+          <a:fontRef idx="minor">
+            <a:schemeClr val="tx1"/>
+          </a:fontRef>
+        </p:style>
+      </p:cxnSp>
+      <p:cxnSp>
+        <p:nvCxnSpPr>
+          <p:cNvPr id="35" name="Straight Connector 34"/>
+          <p:cNvCxnSpPr/>
+          <p:nvPr/>
+        </p:nvCxnSpPr>
+        <p:spPr>
+          <a:xfrm>
+            <a:off x="3059832" y="1052736"/>
+            <a:ext cx="0" cy="5832648"/>
+          </a:xfrm>
+          <a:prstGeom prst="line">
+            <a:avLst/>
+          </a:prstGeom>
+          <a:ln>
+            <a:prstDash val="dash"/>
+          </a:ln>
+        </p:spPr>
+        <p:style>
+          <a:lnRef idx="1">
+            <a:schemeClr val="accent1"/>
+          </a:lnRef>
+          <a:fillRef idx="0">
+            <a:schemeClr val="accent1"/>
+          </a:fillRef>
+          <a:effectRef idx="0">
+            <a:schemeClr val="accent1"/>
+          </a:effectRef>
+          <a:fontRef idx="minor">
+            <a:schemeClr val="tx1"/>
+          </a:fontRef>
+        </p:style>
+      </p:cxnSp>
     </p:spTree>
     <p:extLst>
       <p:ext uri="{BB962C8B-B14F-4D97-AF65-F5344CB8AC3E}">
-        <p14:creationId xmlns:p14="http://schemas.microsoft.com/office/powerpoint/2010/main" val="68886091"/>
+        <p14:creationId xmlns:p14="http://schemas.microsoft.com/office/powerpoint/2010/main" val="815540027"/>
       </p:ext>
     </p:extLst>
   </p:cSld>
   <p:clrMapOvr>
     <a:masterClrMapping/>
   </p:clrMapOvr>
+  <p:timing>
+    <p:tnLst>
+      <p:par>
+        <p:cTn id="1" dur="indefinite" restart="never" nodeType="tmRoot"/>
+      </p:par>
+    </p:tnLst>
+  </p:timing>
 </p:sldLayout>
 </file>
 
-<file path=ppt/slideLayouts/slideLayout7.xml><?xml version="1.0" encoding="utf-8"?>
-<p:sldLayout xmlns:a="http://schemas.openxmlformats.org/drawingml/2006/main" xmlns:r="http://schemas.openxmlformats.org/officeDocument/2006/relationships" xmlns:p="http://schemas.openxmlformats.org/presentationml/2006/main" type="blank" preserve="1">
-  <p:cSld name="Blank">
+<file path=ppt/slideLayouts/slideLayout6.xml><?xml version="1.0" encoding="utf-8"?>
+<p:sldLayout xmlns:a="http://schemas.openxmlformats.org/drawingml/2006/main" xmlns:r="http://schemas.openxmlformats.org/officeDocument/2006/relationships" xmlns:p="http://schemas.openxmlformats.org/presentationml/2006/main" preserve="1">
+  <p:cSld name="Title and Content (W/o note)">
     <p:spTree>
       <p:nvGrpSpPr>
         <p:cNvPr id="1" name=""/>
@@ -1994,85 +3293,388 @@
       </p:grpSpPr>
       <p:sp>
         <p:nvSpPr>
-          <p:cNvPr id="2" name="Date Placeholder 1"/>
+          <p:cNvPr id="15" name="Flowchart: Delay 14"/>
+          <p:cNvSpPr/>
+          <p:nvPr/>
+        </p:nvSpPr>
+        <p:spPr>
+          <a:xfrm>
+            <a:off x="0" y="476672"/>
+            <a:ext cx="9036496" cy="792088"/>
+          </a:xfrm>
+          <a:prstGeom prst="flowChartDelay">
+            <a:avLst/>
+          </a:prstGeom>
+          <a:solidFill>
+            <a:srgbClr val="B3D366"/>
+          </a:solidFill>
+          <a:ln>
+            <a:noFill/>
+          </a:ln>
+        </p:spPr>
+        <p:style>
+          <a:lnRef idx="2">
+            <a:schemeClr val="accent1">
+              <a:shade val="50000"/>
+            </a:schemeClr>
+          </a:lnRef>
+          <a:fillRef idx="1">
+            <a:schemeClr val="accent1"/>
+          </a:fillRef>
+          <a:effectRef idx="0">
+            <a:schemeClr val="accent1"/>
+          </a:effectRef>
+          <a:fontRef idx="minor">
+            <a:schemeClr val="lt1"/>
+          </a:fontRef>
+        </p:style>
+        <p:txBody>
+          <a:bodyPr rtlCol="0" anchor="ctr"/>
+          <a:lstStyle/>
+          <a:p>
+            <a:pPr algn="ctr"/>
+            <a:endParaRPr lang="en-US"/>
+          </a:p>
+        </p:txBody>
+      </p:sp>
+      <p:sp>
+        <p:nvSpPr>
+          <p:cNvPr id="2" name="Title 1"/>
           <p:cNvSpPr>
             <a:spLocks noGrp="1"/>
           </p:cNvSpPr>
           <p:nvPr>
-            <p:ph type="dt" sz="half" idx="10"/>
+            <p:ph type="title" hasCustomPrompt="1"/>
           </p:nvPr>
         </p:nvSpPr>
-        <p:spPr/>
-        <p:txBody>
-          <a:bodyPr/>
-          <a:lstStyle/>
-          <a:p>
-            <a:fld id="{8839E6B8-AE44-4E4D-B3CE-5639A35B70C6}" type="datetimeFigureOut">
-              <a:rPr lang="en-SG" smtClean="0"/>
-              <a:t>4/4/2013</a:t>
-            </a:fld>
-            <a:endParaRPr lang="en-SG"/>
-          </a:p>
-        </p:txBody>
-      </p:sp>
-      <p:sp>
-        <p:nvSpPr>
-          <p:cNvPr id="3" name="Footer Placeholder 2"/>
+        <p:spPr>
+          <a:xfrm>
+            <a:off x="323528" y="634678"/>
+            <a:ext cx="8748464" cy="562074"/>
+          </a:xfrm>
+        </p:spPr>
+        <p:txBody>
+          <a:bodyPr>
+            <a:noAutofit/>
+          </a:bodyPr>
+          <a:lstStyle>
+            <a:lvl1pPr algn="l">
+              <a:defRPr sz="3500" b="1" spc="300">
+                <a:solidFill>
+                  <a:srgbClr val="FFFFFF"/>
+                </a:solidFill>
+                <a:latin typeface="Jokerman" pitchFamily="82" charset="0"/>
+              </a:defRPr>
+            </a:lvl1pPr>
+          </a:lstStyle>
+          <a:p>
+            <a:r>
+              <a:rPr lang="en-US" dirty="0" smtClean="0"/>
+              <a:t>Generate an SSH </a:t>
+            </a:r>
+            <a:r>
+              <a:rPr lang="en-US" dirty="0" err="1" smtClean="0"/>
+              <a:t>Keypair</a:t>
+            </a:r>
+            <a:endParaRPr lang="en-SG" dirty="0"/>
+          </a:p>
+        </p:txBody>
+      </p:sp>
+      <p:sp>
+        <p:nvSpPr>
+          <p:cNvPr id="3" name="Content Placeholder 2"/>
           <p:cNvSpPr>
             <a:spLocks noGrp="1"/>
           </p:cNvSpPr>
           <p:nvPr>
-            <p:ph type="ftr" sz="quarter" idx="11"/>
+            <p:ph idx="1" hasCustomPrompt="1"/>
           </p:nvPr>
         </p:nvSpPr>
-        <p:spPr/>
-        <p:txBody>
-          <a:bodyPr/>
-          <a:lstStyle/>
-          <a:p>
-            <a:endParaRPr lang="en-SG"/>
-          </a:p>
-        </p:txBody>
-      </p:sp>
-      <p:sp>
-        <p:nvSpPr>
-          <p:cNvPr id="4" name="Slide Number Placeholder 3"/>
+        <p:spPr>
+          <a:xfrm>
+            <a:off x="457200" y="1999381"/>
+            <a:ext cx="6203032" cy="4381947"/>
+          </a:xfrm>
+        </p:spPr>
+        <p:txBody>
+          <a:bodyPr>
+            <a:normAutofit/>
+          </a:bodyPr>
+          <a:lstStyle>
+            <a:lvl1pPr marL="0" indent="0" algn="l">
+              <a:buNone/>
+              <a:defRPr sz="1800" baseline="0">
+                <a:latin typeface="Arial" pitchFamily="34" charset="0"/>
+                <a:cs typeface="Arial" pitchFamily="34" charset="0"/>
+              </a:defRPr>
+            </a:lvl1pPr>
+          </a:lstStyle>
+          <a:p>
+            <a:pPr marL="0" indent="0">
+              <a:buNone/>
+            </a:pPr>
+            <a:r>
+              <a:rPr lang="en-US" dirty="0" smtClean="0"/>
+              <a:t>First you’ll need to install </a:t>
+            </a:r>
+            <a:r>
+              <a:rPr lang="en-US" dirty="0" err="1" smtClean="0"/>
+              <a:t>GitBash</a:t>
+            </a:r>
+            <a:r>
+              <a:rPr lang="en-US" dirty="0" smtClean="0"/>
+              <a:t>, which is kind of like Command Prompt. Relax! We’ll guide you through EVERYTHING.</a:t>
+            </a:r>
+          </a:p>
+          <a:p>
+            <a:pPr marL="0" indent="0">
+              <a:buNone/>
+            </a:pPr>
+            <a:endParaRPr lang="en-US" dirty="0" smtClean="0"/>
+          </a:p>
+        </p:txBody>
+      </p:sp>
+      <p:sp>
+        <p:nvSpPr>
+          <p:cNvPr id="14" name="Slide Number Placeholder 5"/>
+          <p:cNvSpPr txBox="1">
+            <a:spLocks/>
+          </p:cNvSpPr>
+          <p:nvPr/>
+        </p:nvSpPr>
+        <p:spPr>
+          <a:xfrm>
+            <a:off x="8316416" y="6356350"/>
+            <a:ext cx="370384" cy="501650"/>
+          </a:xfrm>
+          <a:prstGeom prst="rect">
+            <a:avLst/>
+          </a:prstGeom>
+          <a:solidFill>
+            <a:srgbClr val="B3D366"/>
+          </a:solidFill>
+        </p:spPr>
+        <p:txBody>
+          <a:bodyPr vert="horz" lIns="91440" tIns="45720" rIns="91440" bIns="45720" rtlCol="0" anchor="ctr"/>
+          <a:lstStyle>
+            <a:defPPr>
+              <a:defRPr lang="en-US"/>
+            </a:defPPr>
+            <a:lvl1pPr marL="0" algn="r" defTabSz="914400" rtl="0" eaLnBrk="1" latinLnBrk="0" hangingPunct="1">
+              <a:defRPr sz="1200" kern="1200">
+                <a:solidFill>
+                  <a:schemeClr val="tx1">
+                    <a:tint val="75000"/>
+                  </a:schemeClr>
+                </a:solidFill>
+                <a:latin typeface="+mn-lt"/>
+                <a:ea typeface="+mn-ea"/>
+                <a:cs typeface="+mn-cs"/>
+              </a:defRPr>
+            </a:lvl1pPr>
+            <a:lvl2pPr marL="457200" algn="l" defTabSz="914400" rtl="0" eaLnBrk="1" latinLnBrk="0" hangingPunct="1">
+              <a:defRPr sz="1800" kern="1200">
+                <a:solidFill>
+                  <a:schemeClr val="tx1"/>
+                </a:solidFill>
+                <a:latin typeface="+mn-lt"/>
+                <a:ea typeface="+mn-ea"/>
+                <a:cs typeface="+mn-cs"/>
+              </a:defRPr>
+            </a:lvl2pPr>
+            <a:lvl3pPr marL="914400" algn="l" defTabSz="914400" rtl="0" eaLnBrk="1" latinLnBrk="0" hangingPunct="1">
+              <a:defRPr sz="1800" kern="1200">
+                <a:solidFill>
+                  <a:schemeClr val="tx1"/>
+                </a:solidFill>
+                <a:latin typeface="+mn-lt"/>
+                <a:ea typeface="+mn-ea"/>
+                <a:cs typeface="+mn-cs"/>
+              </a:defRPr>
+            </a:lvl3pPr>
+            <a:lvl4pPr marL="1371600" algn="l" defTabSz="914400" rtl="0" eaLnBrk="1" latinLnBrk="0" hangingPunct="1">
+              <a:defRPr sz="1800" kern="1200">
+                <a:solidFill>
+                  <a:schemeClr val="tx1"/>
+                </a:solidFill>
+                <a:latin typeface="+mn-lt"/>
+                <a:ea typeface="+mn-ea"/>
+                <a:cs typeface="+mn-cs"/>
+              </a:defRPr>
+            </a:lvl4pPr>
+            <a:lvl5pPr marL="1828800" algn="l" defTabSz="914400" rtl="0" eaLnBrk="1" latinLnBrk="0" hangingPunct="1">
+              <a:defRPr sz="1800" kern="1200">
+                <a:solidFill>
+                  <a:schemeClr val="tx1"/>
+                </a:solidFill>
+                <a:latin typeface="+mn-lt"/>
+                <a:ea typeface="+mn-ea"/>
+                <a:cs typeface="+mn-cs"/>
+              </a:defRPr>
+            </a:lvl5pPr>
+            <a:lvl6pPr marL="2286000" algn="l" defTabSz="914400" rtl="0" eaLnBrk="1" latinLnBrk="0" hangingPunct="1">
+              <a:defRPr sz="1800" kern="1200">
+                <a:solidFill>
+                  <a:schemeClr val="tx1"/>
+                </a:solidFill>
+                <a:latin typeface="+mn-lt"/>
+                <a:ea typeface="+mn-ea"/>
+                <a:cs typeface="+mn-cs"/>
+              </a:defRPr>
+            </a:lvl6pPr>
+            <a:lvl7pPr marL="2743200" algn="l" defTabSz="914400" rtl="0" eaLnBrk="1" latinLnBrk="0" hangingPunct="1">
+              <a:defRPr sz="1800" kern="1200">
+                <a:solidFill>
+                  <a:schemeClr val="tx1"/>
+                </a:solidFill>
+                <a:latin typeface="+mn-lt"/>
+                <a:ea typeface="+mn-ea"/>
+                <a:cs typeface="+mn-cs"/>
+              </a:defRPr>
+            </a:lvl7pPr>
+            <a:lvl8pPr marL="3200400" algn="l" defTabSz="914400" rtl="0" eaLnBrk="1" latinLnBrk="0" hangingPunct="1">
+              <a:defRPr sz="1800" kern="1200">
+                <a:solidFill>
+                  <a:schemeClr val="tx1"/>
+                </a:solidFill>
+                <a:latin typeface="+mn-lt"/>
+                <a:ea typeface="+mn-ea"/>
+                <a:cs typeface="+mn-cs"/>
+              </a:defRPr>
+            </a:lvl8pPr>
+            <a:lvl9pPr marL="3657600" algn="l" defTabSz="914400" rtl="0" eaLnBrk="1" latinLnBrk="0" hangingPunct="1">
+              <a:defRPr sz="1800" kern="1200">
+                <a:solidFill>
+                  <a:schemeClr val="tx1"/>
+                </a:solidFill>
+                <a:latin typeface="+mn-lt"/>
+                <a:ea typeface="+mn-ea"/>
+                <a:cs typeface="+mn-cs"/>
+              </a:defRPr>
+            </a:lvl9pPr>
+          </a:lstStyle>
+          <a:p>
+            <a:pPr algn="ctr"/>
+            <a:fld id="{AC8EEFA1-F671-48C2-87BC-A59F95BB3E93}" type="slidenum">
+              <a:rPr lang="en-SG" smtClean="0">
+                <a:solidFill>
+                  <a:srgbClr val="FFFFFF"/>
+                </a:solidFill>
+              </a:rPr>
+              <a:pPr algn="ctr"/>
+              <a:t>‹#›</a:t>
+            </a:fld>
+            <a:endParaRPr lang="en-SG" dirty="0">
+              <a:solidFill>
+                <a:srgbClr val="FFFFFF"/>
+              </a:solidFill>
+            </a:endParaRPr>
+          </a:p>
+        </p:txBody>
+      </p:sp>
+      <p:sp>
+        <p:nvSpPr>
+          <p:cNvPr id="11" name="Content Placeholder 2"/>
           <p:cNvSpPr>
             <a:spLocks noGrp="1"/>
           </p:cNvSpPr>
           <p:nvPr>
-            <p:ph type="sldNum" sz="quarter" idx="12"/>
+            <p:ph idx="11" hasCustomPrompt="1"/>
           </p:nvPr>
         </p:nvSpPr>
-        <p:spPr/>
-        <p:txBody>
-          <a:bodyPr/>
-          <a:lstStyle/>
-          <a:p>
-            <a:fld id="{FCF4ED2B-DE2B-46BD-969D-904CA2FBB047}" type="slidenum">
-              <a:rPr lang="en-SG" smtClean="0"/>
-              <a:t>‹#›</a:t>
-            </a:fld>
-            <a:endParaRPr lang="en-SG"/>
+        <p:spPr>
+          <a:xfrm>
+            <a:off x="476641" y="1340769"/>
+            <a:ext cx="8568952" cy="432047"/>
+          </a:xfrm>
+        </p:spPr>
+        <p:txBody>
+          <a:bodyPr>
+            <a:normAutofit/>
+          </a:bodyPr>
+          <a:lstStyle>
+            <a:lvl1pPr marL="0" marR="0" indent="0" algn="l" defTabSz="914400" rtl="0" eaLnBrk="1" fontAlgn="auto" latinLnBrk="0" hangingPunct="1">
+              <a:lnSpc>
+                <a:spcPct val="100000"/>
+              </a:lnSpc>
+              <a:spcBef>
+                <a:spcPct val="20000"/>
+              </a:spcBef>
+              <a:spcAft>
+                <a:spcPts val="0"/>
+              </a:spcAft>
+              <a:buClrTx/>
+              <a:buSzTx/>
+              <a:buFont typeface="Arial" pitchFamily="34" charset="0"/>
+              <a:buNone/>
+              <a:tabLst/>
+              <a:defRPr lang="en-SG" sz="2500" b="0" i="1" kern="1200" dirty="0" smtClean="0">
+                <a:solidFill>
+                  <a:srgbClr val="4D90BB"/>
+                </a:solidFill>
+                <a:latin typeface="+mn-lt"/>
+                <a:ea typeface="+mn-ea"/>
+                <a:cs typeface="+mn-cs"/>
+              </a:defRPr>
+            </a:lvl1pPr>
+          </a:lstStyle>
+          <a:p>
+            <a:pPr marL="0" marR="0" lvl="0" indent="0" algn="l" defTabSz="914400" rtl="0" eaLnBrk="1" fontAlgn="auto" latinLnBrk="0" hangingPunct="1">
+              <a:lnSpc>
+                <a:spcPct val="100000"/>
+              </a:lnSpc>
+              <a:spcBef>
+                <a:spcPct val="20000"/>
+              </a:spcBef>
+              <a:spcAft>
+                <a:spcPts val="0"/>
+              </a:spcAft>
+              <a:buClrTx/>
+              <a:buSzTx/>
+              <a:buFont typeface="Arial" pitchFamily="34" charset="0"/>
+              <a:buNone/>
+              <a:tabLst/>
+              <a:defRPr/>
+            </a:pPr>
+            <a:r>
+              <a:rPr lang="en-US" sz="2500" b="0" i="1" dirty="0" smtClean="0">
+                <a:solidFill>
+                  <a:srgbClr val="4D90BB"/>
+                </a:solidFill>
+              </a:rPr>
+              <a:t>Create a pair of keys!</a:t>
+            </a:r>
+            <a:endParaRPr lang="en-SG" sz="2500" b="0" i="1" dirty="0" smtClean="0">
+              <a:solidFill>
+                <a:srgbClr val="4D90BB"/>
+              </a:solidFill>
+            </a:endParaRPr>
           </a:p>
         </p:txBody>
       </p:sp>
     </p:spTree>
     <p:extLst>
       <p:ext uri="{BB962C8B-B14F-4D97-AF65-F5344CB8AC3E}">
-        <p14:creationId xmlns:p14="http://schemas.microsoft.com/office/powerpoint/2010/main" val="2944495830"/>
+        <p14:creationId xmlns:p14="http://schemas.microsoft.com/office/powerpoint/2010/main" val="3997937132"/>
       </p:ext>
     </p:extLst>
   </p:cSld>
   <p:clrMapOvr>
     <a:masterClrMapping/>
   </p:clrMapOvr>
+  <p:timing>
+    <p:tnLst>
+      <p:par>
+        <p:cTn id="1" dur="indefinite" restart="never" nodeType="tmRoot"/>
+      </p:par>
+    </p:tnLst>
+  </p:timing>
 </p:sldLayout>
 </file>
 
-<file path=ppt/slideLayouts/slideLayout8.xml><?xml version="1.0" encoding="utf-8"?>
-<p:sldLayout xmlns:a="http://schemas.openxmlformats.org/drawingml/2006/main" xmlns:r="http://schemas.openxmlformats.org/officeDocument/2006/relationships" xmlns:p="http://schemas.openxmlformats.org/presentationml/2006/main" type="objTx" preserve="1">
-  <p:cSld name="Content with Caption">
+<file path=ppt/slideLayouts/slideLayout7.xml><?xml version="1.0" encoding="utf-8"?>
+<p:sldLayout xmlns:a="http://schemas.openxmlformats.org/drawingml/2006/main" xmlns:r="http://schemas.openxmlformats.org/officeDocument/2006/relationships" xmlns:p="http://schemas.openxmlformats.org/presentationml/2006/main" preserve="1">
+  <p:cSld name="Title and Content (With note)">
     <p:spTree>
       <p:nvGrpSpPr>
         <p:cNvPr id="1" name=""/>
@@ -2089,231 +3691,61 @@
       </p:grpSpPr>
       <p:sp>
         <p:nvSpPr>
-          <p:cNvPr id="2" name="Title 1"/>
-          <p:cNvSpPr>
-            <a:spLocks noGrp="1"/>
-          </p:cNvSpPr>
-          <p:nvPr>
-            <p:ph type="title"/>
-          </p:nvPr>
-        </p:nvSpPr>
-        <p:spPr>
-          <a:xfrm>
-            <a:off x="457200" y="273050"/>
-            <a:ext cx="3008313" cy="1162050"/>
-          </a:xfrm>
-        </p:spPr>
-        <p:txBody>
-          <a:bodyPr anchor="b"/>
-          <a:lstStyle>
-            <a:lvl1pPr algn="l">
-              <a:defRPr sz="2000" b="1"/>
-            </a:lvl1pPr>
-          </a:lstStyle>
-          <a:p>
-            <a:r>
-              <a:rPr lang="en-US" smtClean="0"/>
-              <a:t>Click to edit Master title style</a:t>
-            </a:r>
-            <a:endParaRPr lang="en-SG"/>
-          </a:p>
-        </p:txBody>
-      </p:sp>
-      <p:sp>
-        <p:nvSpPr>
           <p:cNvPr id="3" name="Content Placeholder 2"/>
           <p:cNvSpPr>
             <a:spLocks noGrp="1"/>
           </p:cNvSpPr>
           <p:nvPr>
-            <p:ph idx="1"/>
+            <p:ph idx="1" hasCustomPrompt="1"/>
           </p:nvPr>
         </p:nvSpPr>
         <p:spPr>
           <a:xfrm>
-            <a:off x="3575050" y="273050"/>
-            <a:ext cx="5111750" cy="5853113"/>
-          </a:xfrm>
-        </p:spPr>
-        <p:txBody>
-          <a:bodyPr/>
+            <a:off x="457200" y="1999381"/>
+            <a:ext cx="6203032" cy="4381947"/>
+          </a:xfrm>
+        </p:spPr>
+        <p:txBody>
+          <a:bodyPr>
+            <a:normAutofit/>
+          </a:bodyPr>
           <a:lstStyle>
-            <a:lvl1pPr>
-              <a:defRPr sz="3200"/>
+            <a:lvl1pPr marL="0" indent="0" algn="l">
+              <a:buNone/>
+              <a:defRPr sz="1800" baseline="0">
+                <a:latin typeface="Arial" pitchFamily="34" charset="0"/>
+                <a:cs typeface="Arial" pitchFamily="34" charset="0"/>
+              </a:defRPr>
             </a:lvl1pPr>
-            <a:lvl2pPr>
-              <a:defRPr sz="2800"/>
-            </a:lvl2pPr>
-            <a:lvl3pPr>
-              <a:defRPr sz="2400"/>
-            </a:lvl3pPr>
-            <a:lvl4pPr>
-              <a:defRPr sz="2000"/>
-            </a:lvl4pPr>
-            <a:lvl5pPr>
-              <a:defRPr sz="2000"/>
-            </a:lvl5pPr>
-            <a:lvl6pPr>
-              <a:defRPr sz="2000"/>
-            </a:lvl6pPr>
-            <a:lvl7pPr>
-              <a:defRPr sz="2000"/>
-            </a:lvl7pPr>
-            <a:lvl8pPr>
-              <a:defRPr sz="2000"/>
-            </a:lvl8pPr>
-            <a:lvl9pPr>
-              <a:defRPr sz="2000"/>
-            </a:lvl9pPr>
           </a:lstStyle>
           <a:p>
-            <a:pPr lvl="0"/>
-            <a:r>
-              <a:rPr lang="en-US" smtClean="0"/>
-              <a:t>Click to edit Master text styles</a:t>
-            </a:r>
-          </a:p>
-          <a:p>
-            <a:pPr lvl="1"/>
-            <a:r>
-              <a:rPr lang="en-US" smtClean="0"/>
-              <a:t>Second level</a:t>
-            </a:r>
-          </a:p>
-          <a:p>
-            <a:pPr lvl="2"/>
-            <a:r>
-              <a:rPr lang="en-US" smtClean="0"/>
-              <a:t>Third level</a:t>
-            </a:r>
-          </a:p>
-          <a:p>
-            <a:pPr lvl="3"/>
-            <a:r>
-              <a:rPr lang="en-US" smtClean="0"/>
-              <a:t>Fourth level</a:t>
-            </a:r>
-          </a:p>
-          <a:p>
-            <a:pPr lvl="4"/>
-            <a:r>
-              <a:rPr lang="en-US" smtClean="0"/>
-              <a:t>Fifth level</a:t>
-            </a:r>
-            <a:endParaRPr lang="en-SG"/>
-          </a:p>
-        </p:txBody>
-      </p:sp>
-      <p:sp>
-        <p:nvSpPr>
-          <p:cNvPr id="4" name="Text Placeholder 3"/>
-          <p:cNvSpPr>
-            <a:spLocks noGrp="1"/>
-          </p:cNvSpPr>
-          <p:nvPr>
-            <p:ph type="body" sz="half" idx="2"/>
-          </p:nvPr>
-        </p:nvSpPr>
-        <p:spPr>
-          <a:xfrm>
-            <a:off x="457200" y="1435100"/>
-            <a:ext cx="3008313" cy="4691063"/>
-          </a:xfrm>
-        </p:spPr>
-        <p:txBody>
-          <a:bodyPr/>
-          <a:lstStyle>
-            <a:lvl1pPr marL="0" indent="0">
+            <a:pPr marL="0" indent="0">
               <a:buNone/>
-              <a:defRPr sz="1400"/>
-            </a:lvl1pPr>
-            <a:lvl2pPr marL="457200" indent="0">
+            </a:pPr>
+            <a:r>
+              <a:rPr lang="en-US" dirty="0" smtClean="0"/>
+              <a:t>First you’ll need to install </a:t>
+            </a:r>
+            <a:r>
+              <a:rPr lang="en-US" dirty="0" err="1" smtClean="0"/>
+              <a:t>GitBash</a:t>
+            </a:r>
+            <a:r>
+              <a:rPr lang="en-US" dirty="0" smtClean="0"/>
+              <a:t>, which is kind of like Command Prompt. Relax! We’ll guide you through EVERYTHING.</a:t>
+            </a:r>
+          </a:p>
+          <a:p>
+            <a:pPr marL="0" indent="0">
               <a:buNone/>
-              <a:defRPr sz="1200"/>
-            </a:lvl2pPr>
-            <a:lvl3pPr marL="914400" indent="0">
-              <a:buNone/>
-              <a:defRPr sz="1000"/>
-            </a:lvl3pPr>
-            <a:lvl4pPr marL="1371600" indent="0">
-              <a:buNone/>
-              <a:defRPr sz="900"/>
-            </a:lvl4pPr>
-            <a:lvl5pPr marL="1828800" indent="0">
-              <a:buNone/>
-              <a:defRPr sz="900"/>
-            </a:lvl5pPr>
-            <a:lvl6pPr marL="2286000" indent="0">
-              <a:buNone/>
-              <a:defRPr sz="900"/>
-            </a:lvl6pPr>
-            <a:lvl7pPr marL="2743200" indent="0">
-              <a:buNone/>
-              <a:defRPr sz="900"/>
-            </a:lvl7pPr>
-            <a:lvl8pPr marL="3200400" indent="0">
-              <a:buNone/>
-              <a:defRPr sz="900"/>
-            </a:lvl8pPr>
-            <a:lvl9pPr marL="3657600" indent="0">
-              <a:buNone/>
-              <a:defRPr sz="900"/>
-            </a:lvl9pPr>
-          </a:lstStyle>
-          <a:p>
-            <a:pPr lvl="0"/>
-            <a:r>
-              <a:rPr lang="en-US" smtClean="0"/>
-              <a:t>Click to edit Master text styles</a:t>
-            </a:r>
-          </a:p>
-        </p:txBody>
-      </p:sp>
-      <p:sp>
-        <p:nvSpPr>
-          <p:cNvPr id="5" name="Date Placeholder 4"/>
-          <p:cNvSpPr>
-            <a:spLocks noGrp="1"/>
-          </p:cNvSpPr>
-          <p:nvPr>
-            <p:ph type="dt" sz="half" idx="10"/>
-          </p:nvPr>
-        </p:nvSpPr>
-        <p:spPr/>
-        <p:txBody>
-          <a:bodyPr/>
-          <a:lstStyle/>
-          <a:p>
-            <a:fld id="{8839E6B8-AE44-4E4D-B3CE-5639A35B70C6}" type="datetimeFigureOut">
-              <a:rPr lang="en-SG" smtClean="0"/>
-              <a:t>4/4/2013</a:t>
-            </a:fld>
-            <a:endParaRPr lang="en-SG"/>
-          </a:p>
-        </p:txBody>
-      </p:sp>
-      <p:sp>
-        <p:nvSpPr>
-          <p:cNvPr id="6" name="Footer Placeholder 5"/>
-          <p:cNvSpPr>
-            <a:spLocks noGrp="1"/>
-          </p:cNvSpPr>
-          <p:nvPr>
-            <p:ph type="ftr" sz="quarter" idx="11"/>
-          </p:nvPr>
-        </p:nvSpPr>
-        <p:spPr/>
-        <p:txBody>
-          <a:bodyPr/>
-          <a:lstStyle/>
-          <a:p>
-            <a:endParaRPr lang="en-SG"/>
-          </a:p>
-        </p:txBody>
-      </p:sp>
-      <p:sp>
-        <p:nvSpPr>
-          <p:cNvPr id="7" name="Slide Number Placeholder 6"/>
+            </a:pPr>
+            <a:endParaRPr lang="en-US" dirty="0" smtClean="0"/>
+          </a:p>
+        </p:txBody>
+      </p:sp>
+      <p:sp>
+        <p:nvSpPr>
+          <p:cNvPr id="11" name="Slide Number Placeholder 5"/>
           <p:cNvSpPr>
             <a:spLocks noGrp="1"/>
           </p:cNvSpPr>
@@ -2321,10 +3753,26 @@
             <p:ph type="sldNum" sz="quarter" idx="12"/>
           </p:nvPr>
         </p:nvSpPr>
-        <p:spPr/>
+        <p:spPr>
+          <a:xfrm>
+            <a:off x="8316416" y="6356350"/>
+            <a:ext cx="370384" cy="501650"/>
+          </a:xfrm>
+          <a:solidFill>
+            <a:srgbClr val="B3D366"/>
+          </a:solidFill>
+        </p:spPr>
         <p:txBody>
           <a:bodyPr/>
-          <a:lstStyle/>
+          <a:lstStyle>
+            <a:lvl1pPr algn="ctr">
+              <a:defRPr>
+                <a:solidFill>
+                  <a:srgbClr val="FFFFFF"/>
+                </a:solidFill>
+              </a:defRPr>
+            </a:lvl1pPr>
+          </a:lstStyle>
           <a:p>
             <a:fld id="{FCF4ED2B-DE2B-46BD-969D-904CA2FBB047}" type="slidenum">
               <a:rPr lang="en-SG" smtClean="0"/>
@@ -2334,22 +3782,295 @@
           </a:p>
         </p:txBody>
       </p:sp>
+      <p:sp>
+        <p:nvSpPr>
+          <p:cNvPr id="6" name="Rectangle 5"/>
+          <p:cNvSpPr/>
+          <p:nvPr/>
+        </p:nvSpPr>
+        <p:spPr>
+          <a:xfrm>
+            <a:off x="6948264" y="2276872"/>
+            <a:ext cx="2232248" cy="2088232"/>
+          </a:xfrm>
+          <a:prstGeom prst="rect">
+            <a:avLst/>
+          </a:prstGeom>
+          <a:solidFill>
+            <a:srgbClr val="B3D366"/>
+          </a:solidFill>
+          <a:ln>
+            <a:noFill/>
+          </a:ln>
+        </p:spPr>
+        <p:style>
+          <a:lnRef idx="2">
+            <a:schemeClr val="accent1">
+              <a:shade val="50000"/>
+            </a:schemeClr>
+          </a:lnRef>
+          <a:fillRef idx="1">
+            <a:schemeClr val="accent1"/>
+          </a:fillRef>
+          <a:effectRef idx="0">
+            <a:schemeClr val="accent1"/>
+          </a:effectRef>
+          <a:fontRef idx="minor">
+            <a:schemeClr val="lt1"/>
+          </a:fontRef>
+        </p:style>
+        <p:txBody>
+          <a:bodyPr rtlCol="0" anchor="t"/>
+          <a:lstStyle/>
+          <a:p>
+            <a:pPr algn="l"/>
+            <a:r>
+              <a:rPr lang="en-US" sz="1800" b="1" dirty="0" smtClean="0">
+                <a:solidFill>
+                  <a:schemeClr val="bg1"/>
+                </a:solidFill>
+                <a:latin typeface="Arial" pitchFamily="34" charset="0"/>
+                <a:cs typeface="Arial" pitchFamily="34" charset="0"/>
+              </a:rPr>
+              <a:t>Side Note:</a:t>
+            </a:r>
+          </a:p>
+          <a:p>
+            <a:pPr algn="l"/>
+            <a:r>
+              <a:rPr lang="en-SG" sz="1500" b="0" i="0" u="none" strike="noStrike" kern="1200" baseline="0" dirty="0" smtClean="0">
+                <a:solidFill>
+                  <a:schemeClr val="bg1"/>
+                </a:solidFill>
+                <a:latin typeface="Arial" pitchFamily="34" charset="0"/>
+                <a:ea typeface="+mn-ea"/>
+                <a:cs typeface="Arial" pitchFamily="34" charset="0"/>
+              </a:rPr>
+              <a:t>Occasionally your issues might be backend </a:t>
+            </a:r>
+            <a:r>
+              <a:rPr lang="en-US" sz="1500" b="0" i="0" u="none" strike="noStrike" kern="1200" baseline="0" dirty="0" smtClean="0">
+                <a:solidFill>
+                  <a:schemeClr val="bg1"/>
+                </a:solidFill>
+                <a:latin typeface="Arial" pitchFamily="34" charset="0"/>
+                <a:ea typeface="+mn-ea"/>
+                <a:cs typeface="Arial" pitchFamily="34" charset="0"/>
+              </a:rPr>
+              <a:t>issues.</a:t>
+            </a:r>
+            <a:r>
+              <a:rPr lang="en-US" sz="1500" b="1" baseline="0" dirty="0" smtClean="0">
+                <a:solidFill>
+                  <a:schemeClr val="bg1"/>
+                </a:solidFill>
+                <a:latin typeface="Arial" pitchFamily="34" charset="0"/>
+                <a:cs typeface="Arial" pitchFamily="34" charset="0"/>
+              </a:rPr>
+              <a:t> </a:t>
+            </a:r>
+            <a:endParaRPr lang="en-US" sz="1500" b="1" dirty="0">
+              <a:solidFill>
+                <a:schemeClr val="bg1"/>
+              </a:solidFill>
+              <a:latin typeface="Arial" pitchFamily="34" charset="0"/>
+              <a:cs typeface="Arial" pitchFamily="34" charset="0"/>
+            </a:endParaRPr>
+          </a:p>
+        </p:txBody>
+      </p:sp>
+      <p:sp>
+        <p:nvSpPr>
+          <p:cNvPr id="8" name="Flowchart: Delay 7"/>
+          <p:cNvSpPr/>
+          <p:nvPr/>
+        </p:nvSpPr>
+        <p:spPr>
+          <a:xfrm>
+            <a:off x="0" y="476672"/>
+            <a:ext cx="9036496" cy="792088"/>
+          </a:xfrm>
+          <a:prstGeom prst="flowChartDelay">
+            <a:avLst/>
+          </a:prstGeom>
+          <a:solidFill>
+            <a:srgbClr val="B3D366"/>
+          </a:solidFill>
+          <a:ln>
+            <a:noFill/>
+          </a:ln>
+        </p:spPr>
+        <p:style>
+          <a:lnRef idx="2">
+            <a:schemeClr val="accent1">
+              <a:shade val="50000"/>
+            </a:schemeClr>
+          </a:lnRef>
+          <a:fillRef idx="1">
+            <a:schemeClr val="accent1"/>
+          </a:fillRef>
+          <a:effectRef idx="0">
+            <a:schemeClr val="accent1"/>
+          </a:effectRef>
+          <a:fontRef idx="minor">
+            <a:schemeClr val="lt1"/>
+          </a:fontRef>
+        </p:style>
+        <p:txBody>
+          <a:bodyPr rtlCol="0" anchor="ctr"/>
+          <a:lstStyle/>
+          <a:p>
+            <a:pPr algn="ctr"/>
+            <a:endParaRPr lang="en-US"/>
+          </a:p>
+        </p:txBody>
+      </p:sp>
+      <p:sp>
+        <p:nvSpPr>
+          <p:cNvPr id="9" name="Title 1"/>
+          <p:cNvSpPr>
+            <a:spLocks noGrp="1"/>
+          </p:cNvSpPr>
+          <p:nvPr>
+            <p:ph type="title" hasCustomPrompt="1"/>
+          </p:nvPr>
+        </p:nvSpPr>
+        <p:spPr>
+          <a:xfrm>
+            <a:off x="323528" y="634678"/>
+            <a:ext cx="8748464" cy="562074"/>
+          </a:xfrm>
+        </p:spPr>
+        <p:txBody>
+          <a:bodyPr>
+            <a:noAutofit/>
+          </a:bodyPr>
+          <a:lstStyle>
+            <a:lvl1pPr algn="l">
+              <a:defRPr sz="3500" b="1" spc="300">
+                <a:solidFill>
+                  <a:srgbClr val="FFFFFF"/>
+                </a:solidFill>
+                <a:latin typeface="Jokerman" pitchFamily="82" charset="0"/>
+              </a:defRPr>
+            </a:lvl1pPr>
+          </a:lstStyle>
+          <a:p>
+            <a:r>
+              <a:rPr lang="en-US" dirty="0" smtClean="0"/>
+              <a:t>Generate an SSH </a:t>
+            </a:r>
+            <a:r>
+              <a:rPr lang="en-US" dirty="0" err="1" smtClean="0"/>
+              <a:t>Keypair</a:t>
+            </a:r>
+            <a:endParaRPr lang="en-SG" dirty="0"/>
+          </a:p>
+        </p:txBody>
+      </p:sp>
+      <p:sp>
+        <p:nvSpPr>
+          <p:cNvPr id="12" name="Content Placeholder 2"/>
+          <p:cNvSpPr>
+            <a:spLocks noGrp="1"/>
+          </p:cNvSpPr>
+          <p:nvPr>
+            <p:ph idx="11" hasCustomPrompt="1"/>
+          </p:nvPr>
+        </p:nvSpPr>
+        <p:spPr>
+          <a:xfrm>
+            <a:off x="476641" y="1340769"/>
+            <a:ext cx="8568952" cy="432047"/>
+          </a:xfrm>
+        </p:spPr>
+        <p:txBody>
+          <a:bodyPr>
+            <a:normAutofit/>
+          </a:bodyPr>
+          <a:lstStyle>
+            <a:lvl1pPr marL="0" marR="0" indent="0" algn="l" defTabSz="914400" rtl="0" eaLnBrk="1" fontAlgn="auto" latinLnBrk="0" hangingPunct="1">
+              <a:lnSpc>
+                <a:spcPct val="100000"/>
+              </a:lnSpc>
+              <a:spcBef>
+                <a:spcPct val="20000"/>
+              </a:spcBef>
+              <a:spcAft>
+                <a:spcPts val="0"/>
+              </a:spcAft>
+              <a:buClrTx/>
+              <a:buSzTx/>
+              <a:buFont typeface="Arial" pitchFamily="34" charset="0"/>
+              <a:buNone/>
+              <a:tabLst/>
+              <a:defRPr lang="en-SG" sz="2500" b="0" i="1" kern="1200" dirty="0" smtClean="0">
+                <a:solidFill>
+                  <a:srgbClr val="4D90BB"/>
+                </a:solidFill>
+                <a:latin typeface="+mn-lt"/>
+                <a:ea typeface="+mn-ea"/>
+                <a:cs typeface="+mn-cs"/>
+              </a:defRPr>
+            </a:lvl1pPr>
+          </a:lstStyle>
+          <a:p>
+            <a:pPr marL="0" marR="0" lvl="0" indent="0" algn="l" defTabSz="914400" rtl="0" eaLnBrk="1" fontAlgn="auto" latinLnBrk="0" hangingPunct="1">
+              <a:lnSpc>
+                <a:spcPct val="100000"/>
+              </a:lnSpc>
+              <a:spcBef>
+                <a:spcPct val="20000"/>
+              </a:spcBef>
+              <a:spcAft>
+                <a:spcPts val="0"/>
+              </a:spcAft>
+              <a:buClrTx/>
+              <a:buSzTx/>
+              <a:buFont typeface="Arial" pitchFamily="34" charset="0"/>
+              <a:buNone/>
+              <a:tabLst/>
+              <a:defRPr/>
+            </a:pPr>
+            <a:r>
+              <a:rPr lang="en-US" sz="2500" b="0" i="1" dirty="0" smtClean="0">
+                <a:solidFill>
+                  <a:srgbClr val="4D90BB"/>
+                </a:solidFill>
+              </a:rPr>
+              <a:t>Create a pair of keys!</a:t>
+            </a:r>
+            <a:endParaRPr lang="en-SG" sz="2500" b="0" i="1" dirty="0" smtClean="0">
+              <a:solidFill>
+                <a:srgbClr val="4D90BB"/>
+              </a:solidFill>
+            </a:endParaRPr>
+          </a:p>
+        </p:txBody>
+      </p:sp>
     </p:spTree>
     <p:extLst>
       <p:ext uri="{BB962C8B-B14F-4D97-AF65-F5344CB8AC3E}">
-        <p14:creationId xmlns:p14="http://schemas.microsoft.com/office/powerpoint/2010/main" val="3656779765"/>
+        <p14:creationId xmlns:p14="http://schemas.microsoft.com/office/powerpoint/2010/main" val="3684376153"/>
       </p:ext>
     </p:extLst>
   </p:cSld>
   <p:clrMapOvr>
     <a:masterClrMapping/>
   </p:clrMapOvr>
+  <p:timing>
+    <p:tnLst>
+      <p:par>
+        <p:cTn id="1" dur="indefinite" restart="never" nodeType="tmRoot"/>
+      </p:par>
+    </p:tnLst>
+  </p:timing>
 </p:sldLayout>
 </file>
 
-<file path=ppt/slideLayouts/slideLayout9.xml><?xml version="1.0" encoding="utf-8"?>
-<p:sldLayout xmlns:a="http://schemas.openxmlformats.org/drawingml/2006/main" xmlns:r="http://schemas.openxmlformats.org/officeDocument/2006/relationships" xmlns:p="http://schemas.openxmlformats.org/presentationml/2006/main" type="picTx" preserve="1">
-  <p:cSld name="Picture with Caption">
+<file path=ppt/slideLayouts/slideLayout8.xml><?xml version="1.0" encoding="utf-8"?>
+<p:sldLayout xmlns:a="http://schemas.openxmlformats.org/drawingml/2006/main" xmlns:r="http://schemas.openxmlformats.org/officeDocument/2006/relationships" xmlns:p="http://schemas.openxmlformats.org/presentationml/2006/main" preserve="1">
+  <p:cSld name="Title and Content (Full Image)">
     <p:spTree>
       <p:nvGrpSpPr>
         <p:cNvPr id="1" name=""/>
@@ -2366,50 +4087,245 @@
       </p:grpSpPr>
       <p:sp>
         <p:nvSpPr>
+          <p:cNvPr id="15" name="Flowchart: Delay 14"/>
+          <p:cNvSpPr/>
+          <p:nvPr/>
+        </p:nvSpPr>
+        <p:spPr>
+          <a:xfrm>
+            <a:off x="0" y="476672"/>
+            <a:ext cx="9036496" cy="792088"/>
+          </a:xfrm>
+          <a:prstGeom prst="flowChartDelay">
+            <a:avLst/>
+          </a:prstGeom>
+          <a:solidFill>
+            <a:srgbClr val="B3D366"/>
+          </a:solidFill>
+          <a:ln>
+            <a:noFill/>
+          </a:ln>
+        </p:spPr>
+        <p:style>
+          <a:lnRef idx="2">
+            <a:schemeClr val="accent1">
+              <a:shade val="50000"/>
+            </a:schemeClr>
+          </a:lnRef>
+          <a:fillRef idx="1">
+            <a:schemeClr val="accent1"/>
+          </a:fillRef>
+          <a:effectRef idx="0">
+            <a:schemeClr val="accent1"/>
+          </a:effectRef>
+          <a:fontRef idx="minor">
+            <a:schemeClr val="lt1"/>
+          </a:fontRef>
+        </p:style>
+        <p:txBody>
+          <a:bodyPr rtlCol="0" anchor="ctr"/>
+          <a:lstStyle/>
+          <a:p>
+            <a:pPr algn="ctr"/>
+            <a:endParaRPr lang="en-US"/>
+          </a:p>
+        </p:txBody>
+      </p:sp>
+      <p:sp>
+        <p:nvSpPr>
           <p:cNvPr id="2" name="Title 1"/>
           <p:cNvSpPr>
             <a:spLocks noGrp="1"/>
           </p:cNvSpPr>
           <p:nvPr>
-            <p:ph type="title"/>
+            <p:ph type="title" hasCustomPrompt="1"/>
           </p:nvPr>
         </p:nvSpPr>
         <p:spPr>
           <a:xfrm>
-            <a:off x="1792288" y="4800600"/>
-            <a:ext cx="5486400" cy="566738"/>
-          </a:xfrm>
-        </p:spPr>
-        <p:txBody>
-          <a:bodyPr anchor="b"/>
+            <a:off x="323528" y="634678"/>
+            <a:ext cx="8748464" cy="562074"/>
+          </a:xfrm>
+        </p:spPr>
+        <p:txBody>
+          <a:bodyPr>
+            <a:noAutofit/>
+          </a:bodyPr>
           <a:lstStyle>
             <a:lvl1pPr algn="l">
-              <a:defRPr sz="2000" b="1"/>
+              <a:defRPr sz="3500" b="1" spc="300">
+                <a:solidFill>
+                  <a:srgbClr val="FFFFFF"/>
+                </a:solidFill>
+                <a:latin typeface="Jokerman" pitchFamily="82" charset="0"/>
+              </a:defRPr>
             </a:lvl1pPr>
           </a:lstStyle>
           <a:p>
             <a:r>
-              <a:rPr lang="en-US" smtClean="0"/>
-              <a:t>Click to edit Master title style</a:t>
-            </a:r>
-            <a:endParaRPr lang="en-SG"/>
-          </a:p>
-        </p:txBody>
-      </p:sp>
-      <p:sp>
-        <p:nvSpPr>
-          <p:cNvPr id="3" name="Picture Placeholder 2"/>
+              <a:rPr lang="en-US" dirty="0" smtClean="0"/>
+              <a:t>Generate an SSH </a:t>
+            </a:r>
+            <a:r>
+              <a:rPr lang="en-US" dirty="0" err="1" smtClean="0"/>
+              <a:t>Keypair</a:t>
+            </a:r>
+            <a:endParaRPr lang="en-SG" dirty="0"/>
+          </a:p>
+        </p:txBody>
+      </p:sp>
+      <p:sp>
+        <p:nvSpPr>
+          <p:cNvPr id="14" name="Slide Number Placeholder 5"/>
+          <p:cNvSpPr txBox="1">
+            <a:spLocks/>
+          </p:cNvSpPr>
+          <p:nvPr/>
+        </p:nvSpPr>
+        <p:spPr>
+          <a:xfrm>
+            <a:off x="8316416" y="6356350"/>
+            <a:ext cx="370384" cy="501650"/>
+          </a:xfrm>
+          <a:prstGeom prst="rect">
+            <a:avLst/>
+          </a:prstGeom>
+          <a:solidFill>
+            <a:srgbClr val="B3D366"/>
+          </a:solidFill>
+        </p:spPr>
+        <p:txBody>
+          <a:bodyPr vert="horz" lIns="91440" tIns="45720" rIns="91440" bIns="45720" rtlCol="0" anchor="ctr"/>
+          <a:lstStyle>
+            <a:defPPr>
+              <a:defRPr lang="en-US"/>
+            </a:defPPr>
+            <a:lvl1pPr marL="0" algn="r" defTabSz="914400" rtl="0" eaLnBrk="1" latinLnBrk="0" hangingPunct="1">
+              <a:defRPr sz="1200" kern="1200">
+                <a:solidFill>
+                  <a:schemeClr val="tx1">
+                    <a:tint val="75000"/>
+                  </a:schemeClr>
+                </a:solidFill>
+                <a:latin typeface="+mn-lt"/>
+                <a:ea typeface="+mn-ea"/>
+                <a:cs typeface="+mn-cs"/>
+              </a:defRPr>
+            </a:lvl1pPr>
+            <a:lvl2pPr marL="457200" algn="l" defTabSz="914400" rtl="0" eaLnBrk="1" latinLnBrk="0" hangingPunct="1">
+              <a:defRPr sz="1800" kern="1200">
+                <a:solidFill>
+                  <a:schemeClr val="tx1"/>
+                </a:solidFill>
+                <a:latin typeface="+mn-lt"/>
+                <a:ea typeface="+mn-ea"/>
+                <a:cs typeface="+mn-cs"/>
+              </a:defRPr>
+            </a:lvl2pPr>
+            <a:lvl3pPr marL="914400" algn="l" defTabSz="914400" rtl="0" eaLnBrk="1" latinLnBrk="0" hangingPunct="1">
+              <a:defRPr sz="1800" kern="1200">
+                <a:solidFill>
+                  <a:schemeClr val="tx1"/>
+                </a:solidFill>
+                <a:latin typeface="+mn-lt"/>
+                <a:ea typeface="+mn-ea"/>
+                <a:cs typeface="+mn-cs"/>
+              </a:defRPr>
+            </a:lvl3pPr>
+            <a:lvl4pPr marL="1371600" algn="l" defTabSz="914400" rtl="0" eaLnBrk="1" latinLnBrk="0" hangingPunct="1">
+              <a:defRPr sz="1800" kern="1200">
+                <a:solidFill>
+                  <a:schemeClr val="tx1"/>
+                </a:solidFill>
+                <a:latin typeface="+mn-lt"/>
+                <a:ea typeface="+mn-ea"/>
+                <a:cs typeface="+mn-cs"/>
+              </a:defRPr>
+            </a:lvl4pPr>
+            <a:lvl5pPr marL="1828800" algn="l" defTabSz="914400" rtl="0" eaLnBrk="1" latinLnBrk="0" hangingPunct="1">
+              <a:defRPr sz="1800" kern="1200">
+                <a:solidFill>
+                  <a:schemeClr val="tx1"/>
+                </a:solidFill>
+                <a:latin typeface="+mn-lt"/>
+                <a:ea typeface="+mn-ea"/>
+                <a:cs typeface="+mn-cs"/>
+              </a:defRPr>
+            </a:lvl5pPr>
+            <a:lvl6pPr marL="2286000" algn="l" defTabSz="914400" rtl="0" eaLnBrk="1" latinLnBrk="0" hangingPunct="1">
+              <a:defRPr sz="1800" kern="1200">
+                <a:solidFill>
+                  <a:schemeClr val="tx1"/>
+                </a:solidFill>
+                <a:latin typeface="+mn-lt"/>
+                <a:ea typeface="+mn-ea"/>
+                <a:cs typeface="+mn-cs"/>
+              </a:defRPr>
+            </a:lvl6pPr>
+            <a:lvl7pPr marL="2743200" algn="l" defTabSz="914400" rtl="0" eaLnBrk="1" latinLnBrk="0" hangingPunct="1">
+              <a:defRPr sz="1800" kern="1200">
+                <a:solidFill>
+                  <a:schemeClr val="tx1"/>
+                </a:solidFill>
+                <a:latin typeface="+mn-lt"/>
+                <a:ea typeface="+mn-ea"/>
+                <a:cs typeface="+mn-cs"/>
+              </a:defRPr>
+            </a:lvl7pPr>
+            <a:lvl8pPr marL="3200400" algn="l" defTabSz="914400" rtl="0" eaLnBrk="1" latinLnBrk="0" hangingPunct="1">
+              <a:defRPr sz="1800" kern="1200">
+                <a:solidFill>
+                  <a:schemeClr val="tx1"/>
+                </a:solidFill>
+                <a:latin typeface="+mn-lt"/>
+                <a:ea typeface="+mn-ea"/>
+                <a:cs typeface="+mn-cs"/>
+              </a:defRPr>
+            </a:lvl8pPr>
+            <a:lvl9pPr marL="3657600" algn="l" defTabSz="914400" rtl="0" eaLnBrk="1" latinLnBrk="0" hangingPunct="1">
+              <a:defRPr sz="1800" kern="1200">
+                <a:solidFill>
+                  <a:schemeClr val="tx1"/>
+                </a:solidFill>
+                <a:latin typeface="+mn-lt"/>
+                <a:ea typeface="+mn-ea"/>
+                <a:cs typeface="+mn-cs"/>
+              </a:defRPr>
+            </a:lvl9pPr>
+          </a:lstStyle>
+          <a:p>
+            <a:pPr algn="ctr"/>
+            <a:fld id="{AC8EEFA1-F671-48C2-87BC-A59F95BB3E93}" type="slidenum">
+              <a:rPr lang="en-SG" smtClean="0">
+                <a:solidFill>
+                  <a:srgbClr val="FFFFFF"/>
+                </a:solidFill>
+              </a:rPr>
+              <a:pPr algn="ctr"/>
+              <a:t>‹#›</a:t>
+            </a:fld>
+            <a:endParaRPr lang="en-SG" dirty="0">
+              <a:solidFill>
+                <a:srgbClr val="FFFFFF"/>
+              </a:solidFill>
+            </a:endParaRPr>
+          </a:p>
+        </p:txBody>
+      </p:sp>
+      <p:sp>
+        <p:nvSpPr>
+          <p:cNvPr id="9" name="Picture Placeholder 3"/>
           <p:cNvSpPr>
             <a:spLocks noGrp="1"/>
           </p:cNvSpPr>
           <p:nvPr>
-            <p:ph type="pic" idx="1"/>
+            <p:ph type="pic" sz="quarter" idx="10" hasCustomPrompt="1"/>
           </p:nvPr>
         </p:nvSpPr>
         <p:spPr>
           <a:xfrm>
-            <a:off x="1792288" y="612775"/>
-            <a:ext cx="5486400" cy="4114800"/>
+            <a:off x="468313" y="1341438"/>
+            <a:ext cx="8207375" cy="4823866"/>
           </a:xfrm>
         </p:spPr>
         <p:txBody>
@@ -2417,137 +4333,248 @@
           <a:lstStyle>
             <a:lvl1pPr marL="0" indent="0">
               <a:buNone/>
-              <a:defRPr sz="3200"/>
+              <a:defRPr baseline="0"/>
             </a:lvl1pPr>
-            <a:lvl2pPr marL="457200" indent="0">
-              <a:buNone/>
-              <a:defRPr sz="2800"/>
-            </a:lvl2pPr>
-            <a:lvl3pPr marL="914400" indent="0">
-              <a:buNone/>
-              <a:defRPr sz="2400"/>
-            </a:lvl3pPr>
-            <a:lvl4pPr marL="1371600" indent="0">
-              <a:buNone/>
-              <a:defRPr sz="2000"/>
-            </a:lvl4pPr>
-            <a:lvl5pPr marL="1828800" indent="0">
-              <a:buNone/>
-              <a:defRPr sz="2000"/>
-            </a:lvl5pPr>
-            <a:lvl6pPr marL="2286000" indent="0">
-              <a:buNone/>
-              <a:defRPr sz="2000"/>
-            </a:lvl6pPr>
-            <a:lvl7pPr marL="2743200" indent="0">
-              <a:buNone/>
-              <a:defRPr sz="2000"/>
-            </a:lvl7pPr>
-            <a:lvl8pPr marL="3200400" indent="0">
-              <a:buNone/>
-              <a:defRPr sz="2000"/>
-            </a:lvl8pPr>
-            <a:lvl9pPr marL="3657600" indent="0">
-              <a:buNone/>
-              <a:defRPr sz="2000"/>
-            </a:lvl9pPr>
           </a:lstStyle>
           <a:p>
-            <a:endParaRPr lang="en-SG"/>
-          </a:p>
-        </p:txBody>
-      </p:sp>
-      <p:sp>
-        <p:nvSpPr>
-          <p:cNvPr id="4" name="Text Placeholder 3"/>
+            <a:r>
+              <a:rPr lang="en-US" dirty="0" smtClean="0"/>
+              <a:t>For image related to this topic and show it at the start</a:t>
+            </a:r>
+            <a:endParaRPr lang="en-US" dirty="0"/>
+          </a:p>
+        </p:txBody>
+      </p:sp>
+    </p:spTree>
+    <p:extLst>
+      <p:ext uri="{BB962C8B-B14F-4D97-AF65-F5344CB8AC3E}">
+        <p14:creationId xmlns:p14="http://schemas.microsoft.com/office/powerpoint/2010/main" val="2555733015"/>
+      </p:ext>
+    </p:extLst>
+  </p:cSld>
+  <p:clrMapOvr>
+    <a:masterClrMapping/>
+  </p:clrMapOvr>
+  <p:timing>
+    <p:tnLst>
+      <p:par>
+        <p:cTn id="1" dur="indefinite" restart="never" nodeType="tmRoot"/>
+      </p:par>
+    </p:tnLst>
+  </p:timing>
+</p:sldLayout>
+</file>
+
+<file path=ppt/slideLayouts/slideLayout9.xml><?xml version="1.0" encoding="utf-8"?>
+<p:sldLayout xmlns:a="http://schemas.openxmlformats.org/drawingml/2006/main" xmlns:r="http://schemas.openxmlformats.org/officeDocument/2006/relationships" xmlns:p="http://schemas.openxmlformats.org/presentationml/2006/main" preserve="1">
+  <p:cSld name="Content (W/o note)">
+    <p:spTree>
+      <p:nvGrpSpPr>
+        <p:cNvPr id="1" name=""/>
+        <p:cNvGrpSpPr/>
+        <p:nvPr/>
+      </p:nvGrpSpPr>
+      <p:grpSpPr>
+        <a:xfrm>
+          <a:off x="0" y="0"/>
+          <a:ext cx="0" cy="0"/>
+          <a:chOff x="0" y="0"/>
+          <a:chExt cx="0" cy="0"/>
+        </a:xfrm>
+      </p:grpSpPr>
+      <p:sp>
+        <p:nvSpPr>
+          <p:cNvPr id="2" name="Rectangle 1"/>
+          <p:cNvSpPr/>
+          <p:nvPr/>
+        </p:nvSpPr>
+        <p:spPr>
+          <a:xfrm>
+            <a:off x="0" y="260648"/>
+            <a:ext cx="9144000" cy="360040"/>
+          </a:xfrm>
+          <a:prstGeom prst="rect">
+            <a:avLst/>
+          </a:prstGeom>
+          <a:solidFill>
+            <a:srgbClr val="B3D366"/>
+          </a:solidFill>
+          <a:ln>
+            <a:noFill/>
+          </a:ln>
+        </p:spPr>
+        <p:style>
+          <a:lnRef idx="2">
+            <a:schemeClr val="accent1">
+              <a:shade val="50000"/>
+            </a:schemeClr>
+          </a:lnRef>
+          <a:fillRef idx="1">
+            <a:schemeClr val="accent1"/>
+          </a:fillRef>
+          <a:effectRef idx="0">
+            <a:schemeClr val="accent1"/>
+          </a:effectRef>
+          <a:fontRef idx="minor">
+            <a:schemeClr val="lt1"/>
+          </a:fontRef>
+        </p:style>
+        <p:txBody>
+          <a:bodyPr rtlCol="0" anchor="ctr"/>
+          <a:lstStyle/>
+          <a:p>
+            <a:pPr algn="ctr"/>
+            <a:endParaRPr lang="en-US"/>
+          </a:p>
+        </p:txBody>
+      </p:sp>
+      <p:sp>
+        <p:nvSpPr>
+          <p:cNvPr id="3" name="Content Placeholder 2"/>
           <p:cNvSpPr>
             <a:spLocks noGrp="1"/>
           </p:cNvSpPr>
           <p:nvPr>
-            <p:ph type="body" sz="half" idx="2"/>
+            <p:ph idx="1" hasCustomPrompt="1"/>
           </p:nvPr>
         </p:nvSpPr>
         <p:spPr>
           <a:xfrm>
-            <a:off x="1792288" y="5367338"/>
-            <a:ext cx="5486400" cy="804862"/>
-          </a:xfrm>
-        </p:spPr>
-        <p:txBody>
-          <a:bodyPr/>
+            <a:off x="457200" y="1091877"/>
+            <a:ext cx="6203032" cy="5217443"/>
+          </a:xfrm>
+        </p:spPr>
+        <p:txBody>
+          <a:bodyPr>
+            <a:normAutofit/>
+          </a:bodyPr>
           <a:lstStyle>
-            <a:lvl1pPr marL="0" indent="0">
+            <a:lvl1pPr marL="0" indent="0" algn="l">
               <a:buNone/>
-              <a:defRPr sz="1400"/>
+              <a:defRPr sz="1800" baseline="0">
+                <a:latin typeface="Arial" pitchFamily="34" charset="0"/>
+                <a:cs typeface="Arial" pitchFamily="34" charset="0"/>
+              </a:defRPr>
             </a:lvl1pPr>
-            <a:lvl2pPr marL="457200" indent="0">
+          </a:lstStyle>
+          <a:p>
+            <a:pPr marL="0" indent="0">
               <a:buNone/>
-              <a:defRPr sz="1200"/>
-            </a:lvl2pPr>
-            <a:lvl3pPr marL="914400" indent="0">
+            </a:pPr>
+            <a:r>
+              <a:rPr lang="en-US" dirty="0" smtClean="0"/>
+              <a:t>Once you’ve successfully installed </a:t>
+            </a:r>
+            <a:r>
+              <a:rPr lang="en-US" dirty="0" err="1" smtClean="0"/>
+              <a:t>GitBash</a:t>
+            </a:r>
+            <a:r>
+              <a:rPr lang="en-US" dirty="0" smtClean="0"/>
+              <a:t>, open it up. Yeah, it looks a little like command prompt.</a:t>
+            </a:r>
+          </a:p>
+          <a:p>
+            <a:pPr marL="0" indent="0">
               <a:buNone/>
-              <a:defRPr sz="1000"/>
-            </a:lvl3pPr>
-            <a:lvl4pPr marL="1371600" indent="0">
+            </a:pPr>
+            <a:endParaRPr lang="en-US" dirty="0" smtClean="0"/>
+          </a:p>
+          <a:p>
+            <a:pPr marL="0" indent="0">
               <a:buNone/>
-              <a:defRPr sz="900"/>
-            </a:lvl4pPr>
-            <a:lvl5pPr marL="1828800" indent="0">
+            </a:pPr>
+            <a:r>
+              <a:rPr lang="en-US" dirty="0" smtClean="0"/>
+              <a:t>Type in </a:t>
+            </a:r>
+            <a:r>
+              <a:rPr lang="en-US" dirty="0" smtClean="0">
+                <a:solidFill>
+                  <a:srgbClr val="00B050"/>
+                </a:solidFill>
+              </a:rPr>
+              <a:t>cd ~/.</a:t>
+            </a:r>
+            <a:r>
+              <a:rPr lang="en-US" dirty="0" err="1" smtClean="0">
+                <a:solidFill>
+                  <a:srgbClr val="00B050"/>
+                </a:solidFill>
+              </a:rPr>
+              <a:t>ssh</a:t>
+            </a:r>
+            <a:r>
+              <a:rPr lang="en-US" dirty="0" smtClean="0">
+                <a:solidFill>
+                  <a:srgbClr val="00B050"/>
+                </a:solidFill>
+              </a:rPr>
+              <a:t> </a:t>
+            </a:r>
+            <a:r>
+              <a:rPr lang="en-US" dirty="0" smtClean="0"/>
+              <a:t>and press Enter.</a:t>
+            </a:r>
+          </a:p>
+          <a:p>
+            <a:pPr marL="0" indent="0">
               <a:buNone/>
-              <a:defRPr sz="900"/>
-            </a:lvl5pPr>
-            <a:lvl6pPr marL="2286000" indent="0">
+            </a:pPr>
+            <a:endParaRPr lang="en-US" dirty="0" smtClean="0"/>
+          </a:p>
+          <a:p>
+            <a:pPr marL="0" indent="0">
               <a:buNone/>
-              <a:defRPr sz="900"/>
-            </a:lvl6pPr>
-            <a:lvl7pPr marL="2743200" indent="0">
+            </a:pPr>
+            <a:r>
+              <a:rPr lang="en-US" dirty="0" smtClean="0"/>
+              <a:t>If it says “No such file or directory”, it means that you don’t have a </a:t>
+            </a:r>
+            <a:r>
+              <a:rPr lang="en-US" dirty="0" err="1" smtClean="0"/>
+              <a:t>keypair</a:t>
+            </a:r>
+            <a:r>
+              <a:rPr lang="en-US" dirty="0" smtClean="0"/>
+              <a:t> yet, so you’ll have to make one.</a:t>
+            </a:r>
+          </a:p>
+          <a:p>
+            <a:pPr marL="0" indent="0">
               <a:buNone/>
-              <a:defRPr sz="900"/>
-            </a:lvl7pPr>
-            <a:lvl8pPr marL="3200400" indent="0">
+            </a:pPr>
+            <a:endParaRPr lang="en-SG" dirty="0" smtClean="0"/>
+          </a:p>
+          <a:p>
+            <a:pPr marL="0" indent="0">
               <a:buNone/>
-              <a:defRPr sz="900"/>
-            </a:lvl8pPr>
-            <a:lvl9pPr marL="3657600" indent="0">
+            </a:pPr>
+            <a:r>
+              <a:rPr lang="en-US" dirty="0" smtClean="0"/>
+              <a:t>If you do have a </a:t>
+            </a:r>
+            <a:r>
+              <a:rPr lang="en-US" dirty="0" err="1" smtClean="0"/>
+              <a:t>keypair</a:t>
+            </a:r>
+            <a:r>
+              <a:rPr lang="en-US" dirty="0" smtClean="0"/>
+              <a:t>, note down the name of the file (It’s probably id_rsa.pub). You can now skip to Part 2.</a:t>
+            </a:r>
+            <a:endParaRPr lang="en-SG" dirty="0" smtClean="0"/>
+          </a:p>
+          <a:p>
+            <a:pPr marL="0" indent="0">
               <a:buNone/>
-              <a:defRPr sz="900"/>
-            </a:lvl9pPr>
-          </a:lstStyle>
-          <a:p>
-            <a:pPr lvl="0"/>
-            <a:r>
-              <a:rPr lang="en-US" smtClean="0"/>
-              <a:t>Click to edit Master text styles</a:t>
-            </a:r>
-          </a:p>
-        </p:txBody>
-      </p:sp>
-      <p:sp>
-        <p:nvSpPr>
-          <p:cNvPr id="5" name="Date Placeholder 4"/>
-          <p:cNvSpPr>
-            <a:spLocks noGrp="1"/>
-          </p:cNvSpPr>
-          <p:nvPr>
-            <p:ph type="dt" sz="half" idx="10"/>
-          </p:nvPr>
-        </p:nvSpPr>
-        <p:spPr/>
-        <p:txBody>
-          <a:bodyPr/>
-          <a:lstStyle/>
-          <a:p>
-            <a:fld id="{8839E6B8-AE44-4E4D-B3CE-5639A35B70C6}" type="datetimeFigureOut">
-              <a:rPr lang="en-SG" smtClean="0"/>
-              <a:t>4/4/2013</a:t>
-            </a:fld>
-            <a:endParaRPr lang="en-SG"/>
-          </a:p>
-        </p:txBody>
-      </p:sp>
-      <p:sp>
-        <p:nvSpPr>
-          <p:cNvPr id="6" name="Footer Placeholder 5"/>
+            </a:pPr>
+            <a:endParaRPr lang="en-US" dirty="0" smtClean="0"/>
+          </a:p>
+        </p:txBody>
+      </p:sp>
+      <p:sp>
+        <p:nvSpPr>
+          <p:cNvPr id="6" name="Footer Placeholder 4"/>
           <p:cNvSpPr>
             <a:spLocks noGrp="1"/>
           </p:cNvSpPr>
@@ -2555,10 +4582,24 @@
             <p:ph type="ftr" sz="quarter" idx="11"/>
           </p:nvPr>
         </p:nvSpPr>
-        <p:spPr/>
+        <p:spPr>
+          <a:xfrm>
+            <a:off x="438200" y="260648"/>
+            <a:ext cx="6222032" cy="365125"/>
+          </a:xfrm>
+        </p:spPr>
         <p:txBody>
           <a:bodyPr/>
-          <a:lstStyle/>
+          <a:lstStyle>
+            <a:lvl1pPr algn="l">
+              <a:defRPr sz="1500">
+                <a:solidFill>
+                  <a:srgbClr val="FFFFFF"/>
+                </a:solidFill>
+                <a:latin typeface="Jokerman" pitchFamily="82" charset="0"/>
+              </a:defRPr>
+            </a:lvl1pPr>
+          </a:lstStyle>
           <a:p>
             <a:endParaRPr lang="en-SG"/>
           </a:p>
@@ -2566,37 +4607,159 @@
       </p:sp>
       <p:sp>
         <p:nvSpPr>
-          <p:cNvPr id="7" name="Slide Number Placeholder 6"/>
-          <p:cNvSpPr>
-            <a:spLocks noGrp="1"/>
+          <p:cNvPr id="12" name="Slide Number Placeholder 5"/>
+          <p:cNvSpPr txBox="1">
+            <a:spLocks/>
           </p:cNvSpPr>
-          <p:nvPr>
-            <p:ph type="sldNum" sz="quarter" idx="12"/>
-          </p:nvPr>
-        </p:nvSpPr>
-        <p:spPr/>
-        <p:txBody>
-          <a:bodyPr/>
-          <a:lstStyle/>
-          <a:p>
-            <a:fld id="{FCF4ED2B-DE2B-46BD-969D-904CA2FBB047}" type="slidenum">
-              <a:rPr lang="en-SG" smtClean="0"/>
+          <p:nvPr/>
+        </p:nvSpPr>
+        <p:spPr>
+          <a:xfrm>
+            <a:off x="8316416" y="6356350"/>
+            <a:ext cx="370384" cy="501650"/>
+          </a:xfrm>
+          <a:prstGeom prst="rect">
+            <a:avLst/>
+          </a:prstGeom>
+          <a:solidFill>
+            <a:srgbClr val="B3D366"/>
+          </a:solidFill>
+        </p:spPr>
+        <p:txBody>
+          <a:bodyPr vert="horz" lIns="91440" tIns="45720" rIns="91440" bIns="45720" rtlCol="0" anchor="ctr"/>
+          <a:lstStyle>
+            <a:defPPr>
+              <a:defRPr lang="en-US"/>
+            </a:defPPr>
+            <a:lvl1pPr marL="0" algn="r" defTabSz="914400" rtl="0" eaLnBrk="1" latinLnBrk="0" hangingPunct="1">
+              <a:defRPr sz="1200" kern="1200">
+                <a:solidFill>
+                  <a:schemeClr val="tx1">
+                    <a:tint val="75000"/>
+                  </a:schemeClr>
+                </a:solidFill>
+                <a:latin typeface="+mn-lt"/>
+                <a:ea typeface="+mn-ea"/>
+                <a:cs typeface="+mn-cs"/>
+              </a:defRPr>
+            </a:lvl1pPr>
+            <a:lvl2pPr marL="457200" algn="l" defTabSz="914400" rtl="0" eaLnBrk="1" latinLnBrk="0" hangingPunct="1">
+              <a:defRPr sz="1800" kern="1200">
+                <a:solidFill>
+                  <a:schemeClr val="tx1"/>
+                </a:solidFill>
+                <a:latin typeface="+mn-lt"/>
+                <a:ea typeface="+mn-ea"/>
+                <a:cs typeface="+mn-cs"/>
+              </a:defRPr>
+            </a:lvl2pPr>
+            <a:lvl3pPr marL="914400" algn="l" defTabSz="914400" rtl="0" eaLnBrk="1" latinLnBrk="0" hangingPunct="1">
+              <a:defRPr sz="1800" kern="1200">
+                <a:solidFill>
+                  <a:schemeClr val="tx1"/>
+                </a:solidFill>
+                <a:latin typeface="+mn-lt"/>
+                <a:ea typeface="+mn-ea"/>
+                <a:cs typeface="+mn-cs"/>
+              </a:defRPr>
+            </a:lvl3pPr>
+            <a:lvl4pPr marL="1371600" algn="l" defTabSz="914400" rtl="0" eaLnBrk="1" latinLnBrk="0" hangingPunct="1">
+              <a:defRPr sz="1800" kern="1200">
+                <a:solidFill>
+                  <a:schemeClr val="tx1"/>
+                </a:solidFill>
+                <a:latin typeface="+mn-lt"/>
+                <a:ea typeface="+mn-ea"/>
+                <a:cs typeface="+mn-cs"/>
+              </a:defRPr>
+            </a:lvl4pPr>
+            <a:lvl5pPr marL="1828800" algn="l" defTabSz="914400" rtl="0" eaLnBrk="1" latinLnBrk="0" hangingPunct="1">
+              <a:defRPr sz="1800" kern="1200">
+                <a:solidFill>
+                  <a:schemeClr val="tx1"/>
+                </a:solidFill>
+                <a:latin typeface="+mn-lt"/>
+                <a:ea typeface="+mn-ea"/>
+                <a:cs typeface="+mn-cs"/>
+              </a:defRPr>
+            </a:lvl5pPr>
+            <a:lvl6pPr marL="2286000" algn="l" defTabSz="914400" rtl="0" eaLnBrk="1" latinLnBrk="0" hangingPunct="1">
+              <a:defRPr sz="1800" kern="1200">
+                <a:solidFill>
+                  <a:schemeClr val="tx1"/>
+                </a:solidFill>
+                <a:latin typeface="+mn-lt"/>
+                <a:ea typeface="+mn-ea"/>
+                <a:cs typeface="+mn-cs"/>
+              </a:defRPr>
+            </a:lvl6pPr>
+            <a:lvl7pPr marL="2743200" algn="l" defTabSz="914400" rtl="0" eaLnBrk="1" latinLnBrk="0" hangingPunct="1">
+              <a:defRPr sz="1800" kern="1200">
+                <a:solidFill>
+                  <a:schemeClr val="tx1"/>
+                </a:solidFill>
+                <a:latin typeface="+mn-lt"/>
+                <a:ea typeface="+mn-ea"/>
+                <a:cs typeface="+mn-cs"/>
+              </a:defRPr>
+            </a:lvl7pPr>
+            <a:lvl8pPr marL="3200400" algn="l" defTabSz="914400" rtl="0" eaLnBrk="1" latinLnBrk="0" hangingPunct="1">
+              <a:defRPr sz="1800" kern="1200">
+                <a:solidFill>
+                  <a:schemeClr val="tx1"/>
+                </a:solidFill>
+                <a:latin typeface="+mn-lt"/>
+                <a:ea typeface="+mn-ea"/>
+                <a:cs typeface="+mn-cs"/>
+              </a:defRPr>
+            </a:lvl8pPr>
+            <a:lvl9pPr marL="3657600" algn="l" defTabSz="914400" rtl="0" eaLnBrk="1" latinLnBrk="0" hangingPunct="1">
+              <a:defRPr sz="1800" kern="1200">
+                <a:solidFill>
+                  <a:schemeClr val="tx1"/>
+                </a:solidFill>
+                <a:latin typeface="+mn-lt"/>
+                <a:ea typeface="+mn-ea"/>
+                <a:cs typeface="+mn-cs"/>
+              </a:defRPr>
+            </a:lvl9pPr>
+          </a:lstStyle>
+          <a:p>
+            <a:pPr algn="ctr"/>
+            <a:fld id="{AC8EEFA1-F671-48C2-87BC-A59F95BB3E93}" type="slidenum">
+              <a:rPr lang="en-SG" smtClean="0">
+                <a:solidFill>
+                  <a:srgbClr val="FFFFFF"/>
+                </a:solidFill>
+              </a:rPr>
+              <a:pPr algn="ctr"/>
               <a:t>‹#›</a:t>
             </a:fld>
-            <a:endParaRPr lang="en-SG"/>
+            <a:endParaRPr lang="en-SG" dirty="0">
+              <a:solidFill>
+                <a:srgbClr val="FFFFFF"/>
+              </a:solidFill>
+            </a:endParaRPr>
           </a:p>
         </p:txBody>
       </p:sp>
     </p:spTree>
     <p:extLst>
       <p:ext uri="{BB962C8B-B14F-4D97-AF65-F5344CB8AC3E}">
-        <p14:creationId xmlns:p14="http://schemas.microsoft.com/office/powerpoint/2010/main" val="977899653"/>
+        <p14:creationId xmlns:p14="http://schemas.microsoft.com/office/powerpoint/2010/main" val="1881586124"/>
       </p:ext>
     </p:extLst>
   </p:cSld>
   <p:clrMapOvr>
     <a:masterClrMapping/>
   </p:clrMapOvr>
+  <p:timing>
+    <p:tnLst>
+      <p:par>
+        <p:cTn id="1" dur="indefinite" restart="never" nodeType="tmRoot"/>
+      </p:par>
+    </p:tnLst>
+  </p:timing>
 </p:sldLayout>
 </file>
 
@@ -2604,9 +4767,12 @@
 <p:sldMaster xmlns:a="http://schemas.openxmlformats.org/drawingml/2006/main" xmlns:r="http://schemas.openxmlformats.org/officeDocument/2006/relationships" xmlns:p="http://schemas.openxmlformats.org/presentationml/2006/main">
   <p:cSld>
     <p:bg>
-      <p:bgRef idx="1001">
-        <a:schemeClr val="bg1"/>
-      </p:bgRef>
+      <p:bgPr>
+        <a:solidFill>
+          <a:srgbClr val="92D050"/>
+        </a:solidFill>
+        <a:effectLst/>
+      </p:bgPr>
     </p:bg>
     <p:spTree>
       <p:nvGrpSpPr>
@@ -2839,24 +5005,32 @@
     </p:spTree>
     <p:extLst>
       <p:ext uri="{BB962C8B-B14F-4D97-AF65-F5344CB8AC3E}">
-        <p14:creationId xmlns:p14="http://schemas.microsoft.com/office/powerpoint/2010/main" val="2618035771"/>
+        <p14:creationId xmlns:p14="http://schemas.microsoft.com/office/powerpoint/2010/main" val="2632722093"/>
       </p:ext>
     </p:extLst>
   </p:cSld>
   <p:clrMap bg1="lt1" tx1="dk1" bg2="lt2" tx2="dk2" accent1="accent1" accent2="accent2" accent3="accent3" accent4="accent4" accent5="accent5" accent6="accent6" hlink="hlink" folHlink="folHlink"/>
   <p:sldLayoutIdLst>
-    <p:sldLayoutId id="2147483649" r:id="rId1"/>
-    <p:sldLayoutId id="2147483650" r:id="rId2"/>
-    <p:sldLayoutId id="2147483651" r:id="rId3"/>
-    <p:sldLayoutId id="2147483652" r:id="rId4"/>
-    <p:sldLayoutId id="2147483653" r:id="rId5"/>
-    <p:sldLayoutId id="2147483654" r:id="rId6"/>
-    <p:sldLayoutId id="2147483655" r:id="rId7"/>
-    <p:sldLayoutId id="2147483656" r:id="rId8"/>
-    <p:sldLayoutId id="2147483657" r:id="rId9"/>
-    <p:sldLayoutId id="2147483658" r:id="rId10"/>
-    <p:sldLayoutId id="2147483659" r:id="rId11"/>
+    <p:sldLayoutId id="2147483661" r:id="rId1"/>
+    <p:sldLayoutId id="2147483662" r:id="rId2"/>
+    <p:sldLayoutId id="2147483663" r:id="rId3"/>
+    <p:sldLayoutId id="2147483664" r:id="rId4"/>
+    <p:sldLayoutId id="2147483665" r:id="rId5"/>
+    <p:sldLayoutId id="2147483666" r:id="rId6"/>
+    <p:sldLayoutId id="2147483667" r:id="rId7"/>
+    <p:sldLayoutId id="2147483668" r:id="rId8"/>
+    <p:sldLayoutId id="2147483669" r:id="rId9"/>
+    <p:sldLayoutId id="2147483670" r:id="rId10"/>
+    <p:sldLayoutId id="2147483671" r:id="rId11"/>
+    <p:sldLayoutId id="2147483672" r:id="rId12"/>
   </p:sldLayoutIdLst>
+  <p:timing>
+    <p:tnLst>
+      <p:par>
+        <p:cTn id="1" dur="indefinite" restart="never" nodeType="tmRoot"/>
+      </p:par>
+    </p:tnLst>
+  </p:timing>
   <p:txStyles>
     <p:titleStyle>
       <a:lvl1pPr algn="ctr" defTabSz="914400" rtl="0" eaLnBrk="1" latinLnBrk="0" hangingPunct="1">
@@ -3143,14 +5317,26 @@
           <a:lstStyle/>
           <a:p>
             <a:r>
-              <a:rPr lang="en-US" dirty="0" err="1" smtClean="0"/>
+              <a:rPr lang="en-US" dirty="0" err="1" smtClean="0">
+                <a:solidFill>
+                  <a:schemeClr val="bg1"/>
+                </a:solidFill>
+              </a:rPr>
               <a:t>Github</a:t>
             </a:r>
             <a:r>
-              <a:rPr lang="en-US" dirty="0" smtClean="0"/>
+              <a:rPr lang="en-US" dirty="0" smtClean="0">
+                <a:solidFill>
+                  <a:schemeClr val="bg1"/>
+                </a:solidFill>
+              </a:rPr>
               <a:t> Commands</a:t>
             </a:r>
-            <a:endParaRPr lang="en-SG" dirty="0"/>
+            <a:endParaRPr lang="en-SG" dirty="0">
+              <a:solidFill>
+                <a:schemeClr val="bg1"/>
+              </a:solidFill>
+            </a:endParaRPr>
           </a:p>
         </p:txBody>
       </p:sp>
@@ -3164,22 +5350,27 @@
             <p:ph type="subTitle" idx="1"/>
           </p:nvPr>
         </p:nvSpPr>
-        <p:spPr/>
+        <p:spPr>
+          <a:xfrm>
+            <a:off x="1043608" y="3212976"/>
+            <a:ext cx="6768752" cy="576064"/>
+          </a:xfrm>
+        </p:spPr>
         <p:txBody>
           <a:bodyPr/>
           <a:lstStyle/>
           <a:p>
             <a:r>
               <a:rPr lang="en-US" dirty="0" smtClean="0"/>
-              <a:t>Stuff you can do with the </a:t>
+              <a:t>Learning how to use the </a:t>
             </a:r>
             <a:r>
               <a:rPr lang="en-US" dirty="0" err="1" smtClean="0"/>
-              <a:t>github</a:t>
-            </a:r>
-            <a:r>
-              <a:rPr lang="en-US" dirty="0" smtClean="0"/>
-              <a:t> app</a:t>
+              <a:t>Git</a:t>
+            </a:r>
+            <a:r>
+              <a:rPr lang="en-US" dirty="0" smtClean="0"/>
+              <a:t> Hub Application</a:t>
             </a:r>
             <a:endParaRPr lang="en-SG" dirty="0"/>
           </a:p>
@@ -3237,126 +5428,6 @@
           <a:p>
             <a:r>
               <a:rPr lang="en-US" dirty="0" smtClean="0"/>
-              <a:t>Viewing your repo status</a:t>
-            </a:r>
-            <a:endParaRPr lang="en-SG" dirty="0"/>
-          </a:p>
-        </p:txBody>
-      </p:sp>
-      <p:pic>
-        <p:nvPicPr>
-          <p:cNvPr id="4" name="Picture 3"/>
-          <p:cNvPicPr/>
-          <p:nvPr/>
-        </p:nvPicPr>
-        <p:blipFill>
-          <a:blip r:embed="rId2"/>
-          <a:stretch>
-            <a:fillRect/>
-          </a:stretch>
-        </p:blipFill>
-        <p:spPr>
-          <a:xfrm>
-            <a:off x="799564" y="1143000"/>
-            <a:ext cx="7772400" cy="5460642"/>
-          </a:xfrm>
-          <a:prstGeom prst="rect">
-            <a:avLst/>
-          </a:prstGeom>
-          <a:ln>
-            <a:noFill/>
-          </a:ln>
-          <a:effectLst>
-            <a:outerShdw blurRad="292100" dist="139700" dir="2700000" algn="tl" rotWithShape="0">
-              <a:srgbClr val="333333">
-                <a:alpha val="65000"/>
-              </a:srgbClr>
-            </a:outerShdw>
-          </a:effectLst>
-        </p:spPr>
-      </p:pic>
-      <p:sp>
-        <p:nvSpPr>
-          <p:cNvPr id="5" name="TextBox 4"/>
-          <p:cNvSpPr txBox="1"/>
-          <p:nvPr/>
-        </p:nvSpPr>
-        <p:spPr>
-          <a:xfrm>
-            <a:off x="1675864" y="4953000"/>
-            <a:ext cx="6019800" cy="646331"/>
-          </a:xfrm>
-          <a:prstGeom prst="rect">
-            <a:avLst/>
-          </a:prstGeom>
-          <a:noFill/>
-        </p:spPr>
-        <p:txBody>
-          <a:bodyPr wrap="square" rtlCol="0">
-            <a:spAutoFit/>
-          </a:bodyPr>
-          <a:lstStyle/>
-          <a:p>
-            <a:r>
-              <a:rPr lang="en-US" dirty="0" smtClean="0"/>
-              <a:t>After using your repo for quite some time and making some commits. It should look something like this screenshot.</a:t>
-            </a:r>
-            <a:endParaRPr lang="en-SG" dirty="0"/>
-          </a:p>
-        </p:txBody>
-      </p:sp>
-    </p:spTree>
-    <p:extLst>
-      <p:ext uri="{BB962C8B-B14F-4D97-AF65-F5344CB8AC3E}">
-        <p14:creationId xmlns:p14="http://schemas.microsoft.com/office/powerpoint/2010/main" val="780073545"/>
-      </p:ext>
-    </p:extLst>
-  </p:cSld>
-  <p:clrMapOvr>
-    <a:masterClrMapping/>
-  </p:clrMapOvr>
-</p:sld>
-</file>
-
-<file path=ppt/slides/slide11.xml><?xml version="1.0" encoding="utf-8"?>
-<p:sld xmlns:a="http://schemas.openxmlformats.org/drawingml/2006/main" xmlns:r="http://schemas.openxmlformats.org/officeDocument/2006/relationships" xmlns:p="http://schemas.openxmlformats.org/presentationml/2006/main">
-  <p:cSld>
-    <p:spTree>
-      <p:nvGrpSpPr>
-        <p:cNvPr id="1" name=""/>
-        <p:cNvGrpSpPr/>
-        <p:nvPr/>
-      </p:nvGrpSpPr>
-      <p:grpSpPr>
-        <a:xfrm>
-          <a:off x="0" y="0"/>
-          <a:ext cx="0" cy="0"/>
-          <a:chOff x="0" y="0"/>
-          <a:chExt cx="0" cy="0"/>
-        </a:xfrm>
-      </p:grpSpPr>
-      <p:sp>
-        <p:nvSpPr>
-          <p:cNvPr id="2" name="Title 1"/>
-          <p:cNvSpPr>
-            <a:spLocks noGrp="1"/>
-          </p:cNvSpPr>
-          <p:nvPr>
-            <p:ph type="title"/>
-          </p:nvPr>
-        </p:nvSpPr>
-        <p:spPr>
-          <a:xfrm>
-            <a:off x="457200" y="17058"/>
-            <a:ext cx="8229600" cy="1143000"/>
-          </a:xfrm>
-        </p:spPr>
-        <p:txBody>
-          <a:bodyPr/>
-          <a:lstStyle/>
-          <a:p>
-            <a:r>
-              <a:rPr lang="en-US" dirty="0" smtClean="0"/>
               <a:t>Committing your changes</a:t>
             </a:r>
             <a:endParaRPr lang="en-SG" dirty="0"/>
@@ -3651,7 +5722,7 @@
 </p:sld>
 </file>
 
-<file path=ppt/slides/slide12.xml><?xml version="1.0" encoding="utf-8"?>
+<file path=ppt/slides/slide11.xml><?xml version="1.0" encoding="utf-8"?>
 <p:sld xmlns:a="http://schemas.openxmlformats.org/drawingml/2006/main" xmlns:r="http://schemas.openxmlformats.org/officeDocument/2006/relationships" xmlns:p="http://schemas.openxmlformats.org/presentationml/2006/main">
   <p:cSld>
     <p:spTree>
@@ -3850,6 +5921,126 @@
 </p:sld>
 </file>
 
+<file path=ppt/slides/slide12.xml><?xml version="1.0" encoding="utf-8"?>
+<p:sld xmlns:a="http://schemas.openxmlformats.org/drawingml/2006/main" xmlns:r="http://schemas.openxmlformats.org/officeDocument/2006/relationships" xmlns:p="http://schemas.openxmlformats.org/presentationml/2006/main">
+  <p:cSld>
+    <p:spTree>
+      <p:nvGrpSpPr>
+        <p:cNvPr id="1" name=""/>
+        <p:cNvGrpSpPr/>
+        <p:nvPr/>
+      </p:nvGrpSpPr>
+      <p:grpSpPr>
+        <a:xfrm>
+          <a:off x="0" y="0"/>
+          <a:ext cx="0" cy="0"/>
+          <a:chOff x="0" y="0"/>
+          <a:chExt cx="0" cy="0"/>
+        </a:xfrm>
+      </p:grpSpPr>
+      <p:sp>
+        <p:nvSpPr>
+          <p:cNvPr id="2" name="Title 1"/>
+          <p:cNvSpPr>
+            <a:spLocks noGrp="1"/>
+          </p:cNvSpPr>
+          <p:nvPr>
+            <p:ph type="title"/>
+          </p:nvPr>
+        </p:nvSpPr>
+        <p:spPr>
+          <a:xfrm>
+            <a:off x="457200" y="4179"/>
+            <a:ext cx="8229600" cy="1143000"/>
+          </a:xfrm>
+        </p:spPr>
+        <p:txBody>
+          <a:bodyPr/>
+          <a:lstStyle/>
+          <a:p>
+            <a:r>
+              <a:rPr lang="en-US" dirty="0" smtClean="0"/>
+              <a:t>Committing your changes</a:t>
+            </a:r>
+            <a:endParaRPr lang="en-SG" dirty="0"/>
+          </a:p>
+        </p:txBody>
+      </p:sp>
+      <p:pic>
+        <p:nvPicPr>
+          <p:cNvPr id="4" name="Picture 3"/>
+          <p:cNvPicPr/>
+          <p:nvPr/>
+        </p:nvPicPr>
+        <p:blipFill>
+          <a:blip r:embed="rId2"/>
+          <a:stretch>
+            <a:fillRect/>
+          </a:stretch>
+        </p:blipFill>
+        <p:spPr>
+          <a:xfrm>
+            <a:off x="609600" y="1295400"/>
+            <a:ext cx="7924800" cy="5181600"/>
+          </a:xfrm>
+          <a:prstGeom prst="rect">
+            <a:avLst/>
+          </a:prstGeom>
+          <a:ln>
+            <a:noFill/>
+          </a:ln>
+          <a:effectLst>
+            <a:outerShdw blurRad="292100" dist="139700" dir="2700000" algn="tl" rotWithShape="0">
+              <a:srgbClr val="333333">
+                <a:alpha val="65000"/>
+              </a:srgbClr>
+            </a:outerShdw>
+          </a:effectLst>
+        </p:spPr>
+      </p:pic>
+      <p:sp>
+        <p:nvSpPr>
+          <p:cNvPr id="5" name="TextBox 4"/>
+          <p:cNvSpPr txBox="1"/>
+          <p:nvPr/>
+        </p:nvSpPr>
+        <p:spPr>
+          <a:xfrm>
+            <a:off x="1143000" y="4417461"/>
+            <a:ext cx="6781800" cy="923330"/>
+          </a:xfrm>
+          <a:prstGeom prst="rect">
+            <a:avLst/>
+          </a:prstGeom>
+          <a:noFill/>
+        </p:spPr>
+        <p:txBody>
+          <a:bodyPr wrap="square" rtlCol="0">
+            <a:spAutoFit/>
+          </a:bodyPr>
+          <a:lstStyle/>
+          <a:p>
+            <a:r>
+              <a:rPr lang="en-US" dirty="0" smtClean="0"/>
+              <a:t>Lets us try committing another change to better understand the committing process. First mouse over the repo to get the directory path of the repo aka the location of the repo in your local computer.</a:t>
+            </a:r>
+            <a:endParaRPr lang="en-SG" dirty="0"/>
+          </a:p>
+        </p:txBody>
+      </p:sp>
+    </p:spTree>
+    <p:extLst>
+      <p:ext uri="{BB962C8B-B14F-4D97-AF65-F5344CB8AC3E}">
+        <p14:creationId xmlns:p14="http://schemas.microsoft.com/office/powerpoint/2010/main" val="424358700"/>
+      </p:ext>
+    </p:extLst>
+  </p:cSld>
+  <p:clrMapOvr>
+    <a:masterClrMapping/>
+  </p:clrMapOvr>
+</p:sld>
+</file>
+
 <file path=ppt/slides/slide13.xml><?xml version="1.0" encoding="utf-8"?>
 <p:sld xmlns:a="http://schemas.openxmlformats.org/drawingml/2006/main" xmlns:r="http://schemas.openxmlformats.org/officeDocument/2006/relationships" xmlns:p="http://schemas.openxmlformats.org/presentationml/2006/main">
   <p:cSld>
@@ -3879,7 +6070,7 @@
         </p:nvSpPr>
         <p:spPr>
           <a:xfrm>
-            <a:off x="457200" y="4179"/>
+            <a:off x="457200" y="17058"/>
             <a:ext cx="8229600" cy="1143000"/>
           </a:xfrm>
         </p:spPr>
@@ -3909,8 +6100,8 @@
         </p:blipFill>
         <p:spPr>
           <a:xfrm>
-            <a:off x="609600" y="1295400"/>
-            <a:ext cx="7924800" cy="5181600"/>
+            <a:off x="609600" y="1143000"/>
+            <a:ext cx="8229600" cy="5410200"/>
           </a:xfrm>
           <a:prstGeom prst="rect">
             <a:avLst/>
@@ -3935,8 +6126,8 @@
         </p:nvSpPr>
         <p:spPr>
           <a:xfrm>
-            <a:off x="1143000" y="4417461"/>
-            <a:ext cx="6781800" cy="923330"/>
+            <a:off x="2209800" y="3733800"/>
+            <a:ext cx="5715000" cy="923330"/>
           </a:xfrm>
           <a:prstGeom prst="rect">
             <a:avLst/>
@@ -3951,7 +6142,31 @@
           <a:p>
             <a:r>
               <a:rPr lang="en-US" dirty="0" smtClean="0"/>
-              <a:t>Lets us try committing another change to better understand the committing process. First mouse over the repo to get the directory path of the repo aka the location of the repo in your local computer.</a:t>
+              <a:t>After you navigate your way to the new repo, you should be able to see a hidden .</a:t>
+            </a:r>
+            <a:r>
+              <a:rPr lang="en-US" dirty="0" err="1" smtClean="0"/>
+              <a:t>git</a:t>
+            </a:r>
+            <a:r>
+              <a:rPr lang="en-US" dirty="0" smtClean="0"/>
+              <a:t> file and the two new files, </a:t>
+            </a:r>
+            <a:r>
+              <a:rPr lang="en-US" dirty="0" err="1" smtClean="0"/>
+              <a:t>gitignore</a:t>
+            </a:r>
+            <a:r>
+              <a:rPr lang="en-US" dirty="0" smtClean="0"/>
+              <a:t> and </a:t>
+            </a:r>
+            <a:r>
+              <a:rPr lang="en-US" dirty="0" err="1" smtClean="0"/>
+              <a:t>gitattributes</a:t>
+            </a:r>
+            <a:r>
+              <a:rPr lang="en-US" dirty="0" smtClean="0"/>
+              <a:t>.</a:t>
             </a:r>
             <a:endParaRPr lang="en-SG" dirty="0"/>
           </a:p>
@@ -3960,7 +6175,7 @@
     </p:spTree>
     <p:extLst>
       <p:ext uri="{BB962C8B-B14F-4D97-AF65-F5344CB8AC3E}">
-        <p14:creationId xmlns:p14="http://schemas.microsoft.com/office/powerpoint/2010/main" val="424358700"/>
+        <p14:creationId xmlns:p14="http://schemas.microsoft.com/office/powerpoint/2010/main" val="3928976"/>
       </p:ext>
     </p:extLst>
   </p:cSld>
@@ -4029,8 +6244,8 @@
         </p:blipFill>
         <p:spPr>
           <a:xfrm>
-            <a:off x="609600" y="1143000"/>
-            <a:ext cx="8229600" cy="5410200"/>
+            <a:off x="685800" y="1066800"/>
+            <a:ext cx="7772400" cy="5105400"/>
           </a:xfrm>
           <a:prstGeom prst="rect">
             <a:avLst/>
@@ -4055,8 +6270,8 @@
         </p:nvSpPr>
         <p:spPr>
           <a:xfrm>
-            <a:off x="2209800" y="3733800"/>
-            <a:ext cx="5715000" cy="923330"/>
+            <a:off x="2404056" y="4419600"/>
+            <a:ext cx="5181600" cy="369332"/>
           </a:xfrm>
           <a:prstGeom prst="rect">
             <a:avLst/>
@@ -4071,40 +6286,15 @@
           <a:p>
             <a:r>
               <a:rPr lang="en-US" dirty="0" smtClean="0"/>
-              <a:t>After you navigate your way to the new repo, you should be able to see a hidden .</a:t>
-            </a:r>
-            <a:r>
-              <a:rPr lang="en-US" dirty="0" err="1" smtClean="0"/>
-              <a:t>git</a:t>
-            </a:r>
-            <a:r>
-              <a:rPr lang="en-US" dirty="0" smtClean="0"/>
-              <a:t> file and the two new files, </a:t>
-            </a:r>
-            <a:r>
-              <a:rPr lang="en-US" dirty="0" err="1" smtClean="0"/>
-              <a:t>gitignore</a:t>
-            </a:r>
-            <a:r>
-              <a:rPr lang="en-US" dirty="0" smtClean="0"/>
-              <a:t> and </a:t>
-            </a:r>
-            <a:r>
-              <a:rPr lang="en-US" dirty="0" err="1" smtClean="0"/>
-              <a:t>gitattributes</a:t>
-            </a:r>
-            <a:r>
-              <a:rPr lang="en-US" dirty="0" smtClean="0"/>
-              <a:t>.</a:t>
-            </a:r>
-            <a:endParaRPr lang="en-SG" dirty="0"/>
+              <a:t>I will then add new text file called Hi there.txt</a:t>
+            </a:r>
           </a:p>
         </p:txBody>
       </p:sp>
     </p:spTree>
     <p:extLst>
       <p:ext uri="{BB962C8B-B14F-4D97-AF65-F5344CB8AC3E}">
-        <p14:creationId xmlns:p14="http://schemas.microsoft.com/office/powerpoint/2010/main" val="3928976"/>
+        <p14:creationId xmlns:p14="http://schemas.microsoft.com/office/powerpoint/2010/main" val="3616102315"/>
       </p:ext>
     </p:extLst>
   </p:cSld>
@@ -4143,7 +6333,7 @@
         </p:nvSpPr>
         <p:spPr>
           <a:xfrm>
-            <a:off x="457200" y="17058"/>
+            <a:off x="520521" y="-4293"/>
             <a:ext cx="8229600" cy="1143000"/>
           </a:xfrm>
         </p:spPr>
@@ -4173,8 +6363,8 @@
         </p:blipFill>
         <p:spPr>
           <a:xfrm>
-            <a:off x="685800" y="1066800"/>
-            <a:ext cx="7772400" cy="5105400"/>
+            <a:off x="277969" y="1219200"/>
+            <a:ext cx="8661042" cy="5181600"/>
           </a:xfrm>
           <a:prstGeom prst="rect">
             <a:avLst/>
@@ -4199,8 +6389,8 @@
         </p:nvSpPr>
         <p:spPr>
           <a:xfrm>
-            <a:off x="2404056" y="4419600"/>
-            <a:ext cx="5181600" cy="369332"/>
+            <a:off x="609600" y="3657600"/>
+            <a:ext cx="4800600" cy="646331"/>
           </a:xfrm>
           <a:prstGeom prst="rect">
             <a:avLst/>
@@ -4215,15 +6405,24 @@
           <a:p>
             <a:r>
               <a:rPr lang="en-US" dirty="0" smtClean="0"/>
-              <a:t>I will then add new text file called Hi there.txt</a:t>
-            </a:r>
+              <a:t>This new change in the repo will be automatically reflected in </a:t>
+            </a:r>
+            <a:r>
+              <a:rPr lang="en-US" dirty="0" err="1" smtClean="0"/>
+              <a:t>git</a:t>
+            </a:r>
+            <a:r>
+              <a:rPr lang="en-US" dirty="0" smtClean="0"/>
+              <a:t> hub application.</a:t>
+            </a:r>
+            <a:endParaRPr lang="en-SG" dirty="0"/>
           </a:p>
         </p:txBody>
       </p:sp>
     </p:spTree>
     <p:extLst>
       <p:ext uri="{BB962C8B-B14F-4D97-AF65-F5344CB8AC3E}">
-        <p14:creationId xmlns:p14="http://schemas.microsoft.com/office/powerpoint/2010/main" val="3616102315"/>
+        <p14:creationId xmlns:p14="http://schemas.microsoft.com/office/powerpoint/2010/main" val="2094253289"/>
       </p:ext>
     </p:extLst>
   </p:cSld>
@@ -4252,7 +6451,7 @@
       </p:grpSpPr>
       <p:sp>
         <p:nvSpPr>
-          <p:cNvPr id="2" name="Title 1"/>
+          <p:cNvPr id="4" name="Title 1"/>
           <p:cNvSpPr>
             <a:spLocks noGrp="1"/>
           </p:cNvSpPr>
@@ -4280,7 +6479,7 @@
       </p:sp>
       <p:pic>
         <p:nvPicPr>
-          <p:cNvPr id="4" name="Picture 3"/>
+          <p:cNvPr id="5" name="Picture 4"/>
           <p:cNvPicPr/>
           <p:nvPr/>
         </p:nvPicPr>
@@ -4292,8 +6491,8 @@
         </p:blipFill>
         <p:spPr>
           <a:xfrm>
-            <a:off x="277969" y="1219200"/>
-            <a:ext cx="8661042" cy="5181600"/>
+            <a:off x="475445" y="1143000"/>
+            <a:ext cx="8229600" cy="5029200"/>
           </a:xfrm>
           <a:prstGeom prst="rect">
             <a:avLst/>
@@ -4312,14 +6511,14 @@
       </p:pic>
       <p:sp>
         <p:nvSpPr>
-          <p:cNvPr id="5" name="TextBox 4"/>
+          <p:cNvPr id="7" name="TextBox 6"/>
           <p:cNvSpPr txBox="1"/>
           <p:nvPr/>
         </p:nvSpPr>
         <p:spPr>
           <a:xfrm>
-            <a:off x="609600" y="3657600"/>
-            <a:ext cx="4800600" cy="646331"/>
+            <a:off x="780245" y="4647127"/>
+            <a:ext cx="7467600" cy="923330"/>
           </a:xfrm>
           <a:prstGeom prst="rect">
             <a:avLst/>
@@ -4334,24 +6533,20 @@
           <a:p>
             <a:r>
               <a:rPr lang="en-US" dirty="0" smtClean="0"/>
-              <a:t>This new change in the repo will be automatically reflected in </a:t>
-            </a:r>
-            <a:r>
-              <a:rPr lang="en-US" dirty="0" err="1" smtClean="0"/>
-              <a:t>git</a:t>
-            </a:r>
-            <a:r>
-              <a:rPr lang="en-US" dirty="0" smtClean="0"/>
-              <a:t> hub application.</a:t>
-            </a:r>
-            <a:endParaRPr lang="en-SG" dirty="0"/>
+              <a:t>I then commit these change and your repo now should have two commits, first commit with only the two default files and the second with a newly added text file called Hi there.txt</a:t>
+            </a:r>
+            <a:r>
+              <a:rPr lang="en-SG" dirty="0"/>
+              <a:t>.</a:t>
+            </a:r>
+            <a:endParaRPr lang="en-US" dirty="0" smtClean="0"/>
           </a:p>
         </p:txBody>
       </p:sp>
     </p:spTree>
     <p:extLst>
       <p:ext uri="{BB962C8B-B14F-4D97-AF65-F5344CB8AC3E}">
-        <p14:creationId xmlns:p14="http://schemas.microsoft.com/office/powerpoint/2010/main" val="2094253289"/>
+        <p14:creationId xmlns:p14="http://schemas.microsoft.com/office/powerpoint/2010/main" val="2173577143"/>
       </p:ext>
     </p:extLst>
   </p:cSld>
@@ -4390,130 +6585,6 @@
         </p:nvSpPr>
         <p:spPr>
           <a:xfrm>
-            <a:off x="520521" y="-4293"/>
-            <a:ext cx="8229600" cy="1143000"/>
-          </a:xfrm>
-        </p:spPr>
-        <p:txBody>
-          <a:bodyPr/>
-          <a:lstStyle/>
-          <a:p>
-            <a:r>
-              <a:rPr lang="en-US" dirty="0" smtClean="0"/>
-              <a:t>Committing your changes</a:t>
-            </a:r>
-            <a:endParaRPr lang="en-SG" dirty="0"/>
-          </a:p>
-        </p:txBody>
-      </p:sp>
-      <p:pic>
-        <p:nvPicPr>
-          <p:cNvPr id="5" name="Picture 4"/>
-          <p:cNvPicPr/>
-          <p:nvPr/>
-        </p:nvPicPr>
-        <p:blipFill>
-          <a:blip r:embed="rId2"/>
-          <a:stretch>
-            <a:fillRect/>
-          </a:stretch>
-        </p:blipFill>
-        <p:spPr>
-          <a:xfrm>
-            <a:off x="475445" y="1143000"/>
-            <a:ext cx="8229600" cy="5029200"/>
-          </a:xfrm>
-          <a:prstGeom prst="rect">
-            <a:avLst/>
-          </a:prstGeom>
-          <a:ln>
-            <a:noFill/>
-          </a:ln>
-          <a:effectLst>
-            <a:outerShdw blurRad="292100" dist="139700" dir="2700000" algn="tl" rotWithShape="0">
-              <a:srgbClr val="333333">
-                <a:alpha val="65000"/>
-              </a:srgbClr>
-            </a:outerShdw>
-          </a:effectLst>
-        </p:spPr>
-      </p:pic>
-      <p:sp>
-        <p:nvSpPr>
-          <p:cNvPr id="7" name="TextBox 6"/>
-          <p:cNvSpPr txBox="1"/>
-          <p:nvPr/>
-        </p:nvSpPr>
-        <p:spPr>
-          <a:xfrm>
-            <a:off x="780245" y="4647127"/>
-            <a:ext cx="7467600" cy="923330"/>
-          </a:xfrm>
-          <a:prstGeom prst="rect">
-            <a:avLst/>
-          </a:prstGeom>
-          <a:noFill/>
-        </p:spPr>
-        <p:txBody>
-          <a:bodyPr wrap="square" rtlCol="0">
-            <a:spAutoFit/>
-          </a:bodyPr>
-          <a:lstStyle/>
-          <a:p>
-            <a:r>
-              <a:rPr lang="en-US" dirty="0" smtClean="0"/>
-              <a:t>I then commit these change and your repo now should have two commits, first commit with only the two default files and the second with a newly added text file called Hi there.txt</a:t>
-            </a:r>
-            <a:r>
-              <a:rPr lang="en-SG" dirty="0"/>
-              <a:t>.</a:t>
-            </a:r>
-            <a:endParaRPr lang="en-US" dirty="0" smtClean="0"/>
-          </a:p>
-        </p:txBody>
-      </p:sp>
-    </p:spTree>
-    <p:extLst>
-      <p:ext uri="{BB962C8B-B14F-4D97-AF65-F5344CB8AC3E}">
-        <p14:creationId xmlns:p14="http://schemas.microsoft.com/office/powerpoint/2010/main" val="2173577143"/>
-      </p:ext>
-    </p:extLst>
-  </p:cSld>
-  <p:clrMapOvr>
-    <a:masterClrMapping/>
-  </p:clrMapOvr>
-</p:sld>
-</file>
-
-<file path=ppt/slides/slide18.xml><?xml version="1.0" encoding="utf-8"?>
-<p:sld xmlns:a="http://schemas.openxmlformats.org/drawingml/2006/main" xmlns:r="http://schemas.openxmlformats.org/officeDocument/2006/relationships" xmlns:p="http://schemas.openxmlformats.org/presentationml/2006/main">
-  <p:cSld>
-    <p:spTree>
-      <p:nvGrpSpPr>
-        <p:cNvPr id="1" name=""/>
-        <p:cNvGrpSpPr/>
-        <p:nvPr/>
-      </p:nvGrpSpPr>
-      <p:grpSpPr>
-        <a:xfrm>
-          <a:off x="0" y="0"/>
-          <a:ext cx="0" cy="0"/>
-          <a:chOff x="0" y="0"/>
-          <a:chExt cx="0" cy="0"/>
-        </a:xfrm>
-      </p:grpSpPr>
-      <p:sp>
-        <p:nvSpPr>
-          <p:cNvPr id="4" name="Title 1"/>
-          <p:cNvSpPr>
-            <a:spLocks noGrp="1"/>
-          </p:cNvSpPr>
-          <p:nvPr>
-            <p:ph type="title"/>
-          </p:nvPr>
-        </p:nvSpPr>
-        <p:spPr>
-          <a:xfrm>
             <a:off x="457200" y="17463"/>
             <a:ext cx="8229600" cy="1143000"/>
           </a:xfrm>
@@ -4593,7 +6664,7 @@
 </p:sld>
 </file>
 
-<file path=ppt/slides/slide19.xml><?xml version="1.0" encoding="utf-8"?>
+<file path=ppt/slides/slide18.xml><?xml version="1.0" encoding="utf-8"?>
 <p:sld xmlns:a="http://schemas.openxmlformats.org/drawingml/2006/main" xmlns:r="http://schemas.openxmlformats.org/officeDocument/2006/relationships" xmlns:p="http://schemas.openxmlformats.org/presentationml/2006/main">
   <p:cSld>
     <p:spTree>
@@ -4777,6 +6848,144 @@
 </p:sld>
 </file>
 
+<file path=ppt/slides/slide19.xml><?xml version="1.0" encoding="utf-8"?>
+<p:sld xmlns:a="http://schemas.openxmlformats.org/drawingml/2006/main" xmlns:r="http://schemas.openxmlformats.org/officeDocument/2006/relationships" xmlns:p="http://schemas.openxmlformats.org/presentationml/2006/main">
+  <p:cSld>
+    <p:spTree>
+      <p:nvGrpSpPr>
+        <p:cNvPr id="1" name=""/>
+        <p:cNvGrpSpPr/>
+        <p:nvPr/>
+      </p:nvGrpSpPr>
+      <p:grpSpPr>
+        <a:xfrm>
+          <a:off x="0" y="0"/>
+          <a:ext cx="0" cy="0"/>
+          <a:chOff x="0" y="0"/>
+          <a:chExt cx="0" cy="0"/>
+        </a:xfrm>
+      </p:grpSpPr>
+      <p:sp>
+        <p:nvSpPr>
+          <p:cNvPr id="4" name="Title 1"/>
+          <p:cNvSpPr>
+            <a:spLocks noGrp="1"/>
+          </p:cNvSpPr>
+          <p:nvPr>
+            <p:ph type="title"/>
+          </p:nvPr>
+        </p:nvSpPr>
+        <p:spPr>
+          <a:xfrm>
+            <a:off x="457200" y="8586"/>
+            <a:ext cx="8229600" cy="1143000"/>
+          </a:xfrm>
+        </p:spPr>
+        <p:txBody>
+          <a:bodyPr>
+            <a:normAutofit fontScale="90000"/>
+          </a:bodyPr>
+          <a:lstStyle/>
+          <a:p>
+            <a:r>
+              <a:rPr lang="en-US" dirty="0" smtClean="0"/>
+              <a:t>Rolling back and Reverting Commits</a:t>
+            </a:r>
+            <a:endParaRPr lang="en-SG" dirty="0"/>
+          </a:p>
+        </p:txBody>
+      </p:sp>
+      <p:pic>
+        <p:nvPicPr>
+          <p:cNvPr id="5" name="Picture 4"/>
+          <p:cNvPicPr/>
+          <p:nvPr/>
+        </p:nvPicPr>
+        <p:blipFill>
+          <a:blip r:embed="rId2"/>
+          <a:stretch>
+            <a:fillRect/>
+          </a:stretch>
+        </p:blipFill>
+        <p:spPr>
+          <a:xfrm>
+            <a:off x="561304" y="990600"/>
+            <a:ext cx="8077200" cy="5638800"/>
+          </a:xfrm>
+          <a:prstGeom prst="rect">
+            <a:avLst/>
+          </a:prstGeom>
+          <a:ln>
+            <a:noFill/>
+          </a:ln>
+          <a:effectLst>
+            <a:outerShdw blurRad="292100" dist="139700" dir="2700000" algn="tl" rotWithShape="0">
+              <a:srgbClr val="333333">
+                <a:alpha val="65000"/>
+              </a:srgbClr>
+            </a:outerShdw>
+          </a:effectLst>
+        </p:spPr>
+      </p:pic>
+      <p:sp>
+        <p:nvSpPr>
+          <p:cNvPr id="6" name="TextBox 5"/>
+          <p:cNvSpPr txBox="1"/>
+          <p:nvPr/>
+        </p:nvSpPr>
+        <p:spPr>
+          <a:xfrm>
+            <a:off x="838200" y="3844619"/>
+            <a:ext cx="4724400" cy="1477328"/>
+          </a:xfrm>
+          <a:prstGeom prst="rect">
+            <a:avLst/>
+          </a:prstGeom>
+          <a:noFill/>
+        </p:spPr>
+        <p:txBody>
+          <a:bodyPr wrap="square" rtlCol="0">
+            <a:spAutoFit/>
+          </a:bodyPr>
+          <a:lstStyle/>
+          <a:p>
+            <a:r>
+              <a:rPr lang="en-US" dirty="0" smtClean="0"/>
+              <a:t>In this screenshot I have </a:t>
+            </a:r>
+            <a:r>
+              <a:rPr lang="en-US" dirty="0" err="1" smtClean="0"/>
+              <a:t>rollbacked</a:t>
+            </a:r>
+            <a:r>
+              <a:rPr lang="en-US" dirty="0" smtClean="0"/>
+              <a:t> my most recent commit (the commit with the new Hi there.txt file). You can see that the rollback </a:t>
+            </a:r>
+            <a:r>
+              <a:rPr lang="en-US" dirty="0" err="1" smtClean="0"/>
+              <a:t>uncommits</a:t>
+            </a:r>
+            <a:r>
+              <a:rPr lang="en-US" dirty="0" smtClean="0"/>
+              <a:t> this commit however the text file will still be in your repo.</a:t>
+            </a:r>
+            <a:endParaRPr lang="en-SG" dirty="0"/>
+          </a:p>
+        </p:txBody>
+      </p:sp>
+    </p:spTree>
+    <p:extLst>
+      <p:ext uri="{BB962C8B-B14F-4D97-AF65-F5344CB8AC3E}">
+        <p14:creationId xmlns:p14="http://schemas.microsoft.com/office/powerpoint/2010/main" val="3737333655"/>
+      </p:ext>
+    </p:extLst>
+  </p:cSld>
+  <p:clrMapOvr>
+    <a:masterClrMapping/>
+  </p:clrMapOvr>
+</p:sld>
+</file>
+
 <file path=ppt/slides/slide2.xml><?xml version="1.0" encoding="utf-8"?>
 <p:sld xmlns:a="http://schemas.openxmlformats.org/drawingml/2006/main" xmlns:r="http://schemas.openxmlformats.org/officeDocument/2006/relationships" xmlns:p="http://schemas.openxmlformats.org/presentationml/2006/main">
   <p:cSld>
@@ -4804,24 +7013,104 @@
             <p:ph type="ctrTitle"/>
           </p:nvPr>
         </p:nvSpPr>
-        <p:spPr/>
-        <p:txBody>
-          <a:bodyPr/>
+        <p:spPr>
+          <a:xfrm>
+            <a:off x="827584" y="908720"/>
+            <a:ext cx="6984776" cy="4320480"/>
+          </a:xfrm>
+        </p:spPr>
+        <p:txBody>
+          <a:bodyPr>
+            <a:noAutofit/>
+          </a:bodyPr>
           <a:lstStyle/>
           <a:p>
-            <a:r>
-              <a:rPr lang="en-US" dirty="0" smtClean="0"/>
-              <a:t>Learning how to use the </a:t>
-            </a:r>
-            <a:r>
-              <a:rPr lang="en-US" dirty="0" err="1" smtClean="0"/>
+            <a:pPr algn="just"/>
+            <a:r>
+              <a:rPr lang="en-US" sz="2800" dirty="0">
+                <a:solidFill>
+                  <a:schemeClr val="bg1"/>
+                </a:solidFill>
+              </a:rPr>
+              <a:t>The </a:t>
+            </a:r>
+            <a:r>
+              <a:rPr lang="en-US" sz="2800" dirty="0" err="1">
+                <a:solidFill>
+                  <a:schemeClr val="bg1"/>
+                </a:solidFill>
+              </a:rPr>
               <a:t>Git</a:t>
             </a:r>
             <a:r>
-              <a:rPr lang="en-US" dirty="0" smtClean="0"/>
-              <a:t> Hub App</a:t>
-            </a:r>
-            <a:endParaRPr lang="en-SG" dirty="0"/>
+              <a:rPr lang="en-US" sz="2800" dirty="0">
+                <a:solidFill>
+                  <a:schemeClr val="bg1"/>
+                </a:solidFill>
+              </a:rPr>
+              <a:t> Hub App is a GUI interface to complement the </a:t>
+            </a:r>
+            <a:r>
+              <a:rPr lang="en-US" sz="2800" dirty="0" err="1">
+                <a:solidFill>
+                  <a:schemeClr val="bg1"/>
+                </a:solidFill>
+              </a:rPr>
+              <a:t>git</a:t>
+            </a:r>
+            <a:r>
+              <a:rPr lang="en-US" sz="2800" dirty="0">
+                <a:solidFill>
+                  <a:schemeClr val="bg1"/>
+                </a:solidFill>
+              </a:rPr>
+              <a:t> bash console. It is especially friendly towards non-tech savvy users who are not used to writing programming codes. However the trade-off with the user-friendly interface is the limited functional capability. For more advanced users, they may find the </a:t>
+            </a:r>
+            <a:r>
+              <a:rPr lang="en-US" sz="2800" dirty="0" err="1">
+                <a:solidFill>
+                  <a:schemeClr val="bg1"/>
+                </a:solidFill>
+              </a:rPr>
+              <a:t>Git</a:t>
+            </a:r>
+            <a:r>
+              <a:rPr lang="en-US" sz="2800" dirty="0">
+                <a:solidFill>
+                  <a:schemeClr val="bg1"/>
+                </a:solidFill>
+              </a:rPr>
+              <a:t> Hub App not very satisfying. In this tutorial, you will be learning the features that the </a:t>
+            </a:r>
+            <a:r>
+              <a:rPr lang="en-US" sz="2800" dirty="0" err="1">
+                <a:solidFill>
+                  <a:schemeClr val="bg1"/>
+                </a:solidFill>
+              </a:rPr>
+              <a:t>Git</a:t>
+            </a:r>
+            <a:r>
+              <a:rPr lang="en-US" sz="2800" dirty="0">
+                <a:solidFill>
+                  <a:schemeClr val="bg1"/>
+                </a:solidFill>
+              </a:rPr>
+              <a:t> Hub </a:t>
+            </a:r>
+            <a:r>
+              <a:rPr lang="en-US" sz="2800" dirty="0" smtClean="0">
+                <a:solidFill>
+                  <a:schemeClr val="bg1"/>
+                </a:solidFill>
+              </a:rPr>
+              <a:t>App provides.</a:t>
+            </a:r>
+            <a:endParaRPr lang="en-SG" sz="2800" dirty="0">
+              <a:solidFill>
+                <a:schemeClr val="bg1"/>
+              </a:solidFill>
+            </a:endParaRPr>
           </a:p>
         </p:txBody>
       </p:sp>
@@ -4899,8 +7188,8 @@
         </p:blipFill>
         <p:spPr>
           <a:xfrm>
-            <a:off x="561304" y="990600"/>
-            <a:ext cx="8077200" cy="5638800"/>
+            <a:off x="304800" y="914400"/>
+            <a:ext cx="8534400" cy="5410200"/>
           </a:xfrm>
           <a:prstGeom prst="rect">
             <a:avLst/>
@@ -4925,8 +7214,8 @@
         </p:nvSpPr>
         <p:spPr>
           <a:xfrm>
-            <a:off x="838200" y="3844619"/>
-            <a:ext cx="4724400" cy="1477328"/>
+            <a:off x="990600" y="4270422"/>
+            <a:ext cx="7239000" cy="1200329"/>
           </a:xfrm>
           <a:prstGeom prst="rect">
             <a:avLst/>
@@ -4941,23 +7230,7 @@
           <a:p>
             <a:r>
               <a:rPr lang="en-US" dirty="0" smtClean="0"/>
-              <a:t>In this screenshot I have </a:t>
-            </a:r>
-            <a:r>
-              <a:rPr lang="en-US" dirty="0" err="1" smtClean="0"/>
-              <a:t>rollbacked</a:t>
-            </a:r>
-            <a:r>
-              <a:rPr lang="en-US" dirty="0" smtClean="0"/>
-              <a:t> my most recent commit (the commit with the new Hi there.txt file). You can see that the rollback </a:t>
-            </a:r>
-            <a:r>
-              <a:rPr lang="en-US" dirty="0" err="1" smtClean="0"/>
-              <a:t>uncommits</a:t>
-            </a:r>
-            <a:r>
-              <a:rPr lang="en-US" dirty="0" smtClean="0"/>
-              <a:t> this commit however the text file will still be in your repo.</a:t>
+              <a:t>Here, I have done 2 more commits, by adding and editing some contents within the HI there text file. We will now use the rollback function again to better understand its mechanics. We will proceed to rollback to version  0.2 commit again.</a:t>
             </a:r>
             <a:endParaRPr lang="en-SG" dirty="0"/>
           </a:p>
@@ -4966,7 +7239,7 @@
     </p:spTree>
     <p:extLst>
       <p:ext uri="{BB962C8B-B14F-4D97-AF65-F5344CB8AC3E}">
-        <p14:creationId xmlns:p14="http://schemas.microsoft.com/office/powerpoint/2010/main" val="3737333655"/>
+        <p14:creationId xmlns:p14="http://schemas.microsoft.com/office/powerpoint/2010/main" val="4254201"/>
       </p:ext>
     </p:extLst>
   </p:cSld>
@@ -4995,25 +7268,41 @@
       </p:grpSpPr>
       <p:sp>
         <p:nvSpPr>
-          <p:cNvPr id="4" name="Title 1"/>
-          <p:cNvSpPr>
-            <a:spLocks noGrp="1"/>
+          <p:cNvPr id="5" name="Title 1"/>
+          <p:cNvSpPr txBox="1">
+            <a:spLocks/>
           </p:cNvSpPr>
-          <p:nvPr>
-            <p:ph type="title"/>
-          </p:nvPr>
+          <p:nvPr/>
         </p:nvSpPr>
         <p:spPr>
           <a:xfrm>
             <a:off x="457200" y="8586"/>
             <a:ext cx="8229600" cy="1143000"/>
           </a:xfrm>
-        </p:spPr>
-        <p:txBody>
-          <a:bodyPr>
-            <a:normAutofit fontScale="90000"/>
+          <a:prstGeom prst="rect">
+            <a:avLst/>
+          </a:prstGeom>
+        </p:spPr>
+        <p:txBody>
+          <a:bodyPr vert="horz" lIns="91440" tIns="45720" rIns="91440" bIns="45720" rtlCol="0" anchor="ctr">
+            <a:normAutofit fontScale="97500"/>
           </a:bodyPr>
-          <a:lstStyle/>
+          <a:lstStyle>
+            <a:lvl1pPr algn="ctr" defTabSz="914400" rtl="0" eaLnBrk="1" latinLnBrk="0" hangingPunct="1">
+              <a:spcBef>
+                <a:spcPct val="0"/>
+              </a:spcBef>
+              <a:buNone/>
+              <a:defRPr sz="4400" kern="1200">
+                <a:solidFill>
+                  <a:schemeClr val="tx1"/>
+                </a:solidFill>
+                <a:latin typeface="+mj-lt"/>
+                <a:ea typeface="+mj-ea"/>
+                <a:cs typeface="+mj-cs"/>
+              </a:defRPr>
+            </a:lvl1pPr>
+          </a:lstStyle>
           <a:p>
             <a:r>
               <a:rPr lang="en-US" dirty="0" smtClean="0"/>
@@ -5025,7 +7314,7 @@
       </p:sp>
       <p:pic>
         <p:nvPicPr>
-          <p:cNvPr id="5" name="Picture 4"/>
+          <p:cNvPr id="6" name="Picture 5"/>
           <p:cNvPicPr/>
           <p:nvPr/>
         </p:nvPicPr>
@@ -5037,8 +7326,8 @@
         </p:blipFill>
         <p:spPr>
           <a:xfrm>
-            <a:off x="304800" y="914400"/>
-            <a:ext cx="8534400" cy="5410200"/>
+            <a:off x="381000" y="1151586"/>
+            <a:ext cx="8382000" cy="5334000"/>
           </a:xfrm>
           <a:prstGeom prst="rect">
             <a:avLst/>
@@ -5057,14 +7346,14 @@
       </p:pic>
       <p:sp>
         <p:nvSpPr>
-          <p:cNvPr id="6" name="TextBox 5"/>
+          <p:cNvPr id="7" name="TextBox 6"/>
           <p:cNvSpPr txBox="1"/>
           <p:nvPr/>
         </p:nvSpPr>
         <p:spPr>
           <a:xfrm>
-            <a:off x="990600" y="4270422"/>
-            <a:ext cx="7239000" cy="1200329"/>
+            <a:off x="762000" y="3581400"/>
+            <a:ext cx="4648200" cy="1200329"/>
           </a:xfrm>
           <a:prstGeom prst="rect">
             <a:avLst/>
@@ -5079,7 +7368,23 @@
           <a:p>
             <a:r>
               <a:rPr lang="en-US" dirty="0" smtClean="0"/>
-              <a:t>Here, I have done 2 more commits, by adding and editing some contents within the HI there text file. We will now use the rollback function again to better understand its mechanics. We will proceed to rollback to version  0.2 commit again.</a:t>
+              <a:t>You should get this, all the previous commits after version 0.2 are gone and you are back to the uncommitted change of the newly </a:t>
+            </a:r>
+            <a:r>
+              <a:rPr lang="en-US" dirty="0" err="1" smtClean="0"/>
+              <a:t>addedd</a:t>
+            </a:r>
+            <a:r>
+              <a:rPr lang="en-US" dirty="0" smtClean="0"/>
+              <a:t> Hi there </a:t>
+            </a:r>
+            <a:r>
+              <a:rPr lang="en-US" dirty="0" err="1" smtClean="0"/>
+              <a:t>textfile</a:t>
+            </a:r>
+            <a:r>
+              <a:rPr lang="en-US" dirty="0" smtClean="0"/>
+              <a:t>.</a:t>
             </a:r>
             <a:endParaRPr lang="en-SG" dirty="0"/>
           </a:p>
@@ -5088,7 +7393,7 @@
     </p:spTree>
     <p:extLst>
       <p:ext uri="{BB962C8B-B14F-4D97-AF65-F5344CB8AC3E}">
-        <p14:creationId xmlns:p14="http://schemas.microsoft.com/office/powerpoint/2010/main" val="4254201"/>
+        <p14:creationId xmlns:p14="http://schemas.microsoft.com/office/powerpoint/2010/main" val="3024362152"/>
       </p:ext>
     </p:extLst>
   </p:cSld>
@@ -5117,7 +7422,7 @@
       </p:grpSpPr>
       <p:sp>
         <p:nvSpPr>
-          <p:cNvPr id="5" name="Title 1"/>
+          <p:cNvPr id="4" name="Title 1"/>
           <p:cNvSpPr txBox="1">
             <a:spLocks/>
           </p:cNvSpPr>
@@ -5163,7 +7468,7 @@
       </p:sp>
       <p:pic>
         <p:nvPicPr>
-          <p:cNvPr id="6" name="Picture 5"/>
+          <p:cNvPr id="5" name="Picture 4"/>
           <p:cNvPicPr/>
           <p:nvPr/>
         </p:nvPicPr>
@@ -5175,8 +7480,8 @@
         </p:blipFill>
         <p:spPr>
           <a:xfrm>
-            <a:off x="381000" y="1151586"/>
-            <a:ext cx="8382000" cy="5334000"/>
+            <a:off x="457200" y="1151586"/>
+            <a:ext cx="8229600" cy="5401614"/>
           </a:xfrm>
           <a:prstGeom prst="rect">
             <a:avLst/>
@@ -5195,14 +7500,14 @@
       </p:pic>
       <p:sp>
         <p:nvSpPr>
-          <p:cNvPr id="7" name="TextBox 6"/>
+          <p:cNvPr id="6" name="TextBox 5"/>
           <p:cNvSpPr txBox="1"/>
           <p:nvPr/>
         </p:nvSpPr>
         <p:spPr>
           <a:xfrm>
-            <a:off x="762000" y="3581400"/>
-            <a:ext cx="4648200" cy="1200329"/>
+            <a:off x="914400" y="3962400"/>
+            <a:ext cx="7239000" cy="923330"/>
           </a:xfrm>
           <a:prstGeom prst="rect">
             <a:avLst/>
@@ -5217,23 +7522,7 @@
           <a:p>
             <a:r>
               <a:rPr lang="en-US" dirty="0" smtClean="0"/>
-              <a:t>You should get this, all the previous commits after version 0.2 are gone and you are back to the uncommitted change of the newly </a:t>
-            </a:r>
-            <a:r>
-              <a:rPr lang="en-US" dirty="0" err="1" smtClean="0"/>
-              <a:t>addedd</a:t>
-            </a:r>
-            <a:r>
-              <a:rPr lang="en-US" dirty="0" smtClean="0"/>
-              <a:t> Hi there </a:t>
-            </a:r>
-            <a:r>
-              <a:rPr lang="en-US" dirty="0" err="1" smtClean="0"/>
-              <a:t>textfile</a:t>
-            </a:r>
-            <a:r>
-              <a:rPr lang="en-US" dirty="0" smtClean="0"/>
-              <a:t>.</a:t>
+              <a:t>Now that we have explored the rollback feature, let us investigate the revert commit feature. We will transform our repo back into its base status with its two commits.</a:t>
             </a:r>
             <a:endParaRPr lang="en-SG" dirty="0"/>
           </a:p>
@@ -5242,7 +7531,7 @@
     </p:spTree>
     <p:extLst>
       <p:ext uri="{BB962C8B-B14F-4D97-AF65-F5344CB8AC3E}">
-        <p14:creationId xmlns:p14="http://schemas.microsoft.com/office/powerpoint/2010/main" val="3024362152"/>
+        <p14:creationId xmlns:p14="http://schemas.microsoft.com/office/powerpoint/2010/main" val="3745790701"/>
       </p:ext>
     </p:extLst>
   </p:cSld>
@@ -5329,8 +7618,8 @@
         </p:blipFill>
         <p:spPr>
           <a:xfrm>
-            <a:off x="457200" y="1151586"/>
-            <a:ext cx="8229600" cy="5401614"/>
+            <a:off x="457200" y="914400"/>
+            <a:ext cx="8229600" cy="5486400"/>
           </a:xfrm>
           <a:prstGeom prst="rect">
             <a:avLst/>
@@ -5355,8 +7644,8 @@
         </p:nvSpPr>
         <p:spPr>
           <a:xfrm>
-            <a:off x="914400" y="3962400"/>
-            <a:ext cx="7239000" cy="923330"/>
+            <a:off x="576330" y="4343400"/>
+            <a:ext cx="7696200" cy="923330"/>
           </a:xfrm>
           <a:prstGeom prst="rect">
             <a:avLst/>
@@ -5369,9 +7658,10 @@
           </a:bodyPr>
           <a:lstStyle/>
           <a:p>
-            <a:r>
-              <a:rPr lang="en-US" dirty="0" smtClean="0"/>
-              <a:t>Now that we have explored the rollback feature, let us investigate the revert commit feature. We will transform our repo back into its base status with its two commits.</a:t>
+            <a:pPr algn="just"/>
+            <a:r>
+              <a:rPr lang="en-US" dirty="0" smtClean="0"/>
+              <a:t>As you can see, the revert commit function will create a new commit that undoes the changes of the commit that you chose to revert. In this case, the revert that I just did removed the Hi there text file.</a:t>
             </a:r>
             <a:endParaRPr lang="en-SG" dirty="0"/>
           </a:p>
@@ -5380,7 +7670,7 @@
     </p:spTree>
     <p:extLst>
       <p:ext uri="{BB962C8B-B14F-4D97-AF65-F5344CB8AC3E}">
-        <p14:creationId xmlns:p14="http://schemas.microsoft.com/office/powerpoint/2010/main" val="3745790701"/>
+        <p14:creationId xmlns:p14="http://schemas.microsoft.com/office/powerpoint/2010/main" val="1952885107"/>
       </p:ext>
     </p:extLst>
   </p:cSld>
@@ -5447,7 +7737,7 @@
           <a:p>
             <a:r>
               <a:rPr lang="en-US" dirty="0" smtClean="0"/>
-              <a:t>Rolling back and Reverting Commits</a:t>
+              <a:t>Switching branches</a:t>
             </a:r>
             <a:endParaRPr lang="en-SG" dirty="0"/>
           </a:p>
@@ -5467,8 +7757,8 @@
         </p:blipFill>
         <p:spPr>
           <a:xfrm>
-            <a:off x="457200" y="914400"/>
-            <a:ext cx="8229600" cy="5486400"/>
+            <a:off x="685800" y="1066800"/>
+            <a:ext cx="7772400" cy="5334000"/>
           </a:xfrm>
           <a:prstGeom prst="rect">
             <a:avLst/>
@@ -5493,8 +7783,8 @@
         </p:nvSpPr>
         <p:spPr>
           <a:xfrm>
-            <a:off x="576330" y="4343400"/>
-            <a:ext cx="7696200" cy="923330"/>
+            <a:off x="906887" y="4361765"/>
+            <a:ext cx="7162800" cy="923330"/>
           </a:xfrm>
           <a:prstGeom prst="rect">
             <a:avLst/>
@@ -5507,10 +7797,17 @@
           </a:bodyPr>
           <a:lstStyle/>
           <a:p>
-            <a:pPr algn="just"/>
-            <a:r>
-              <a:rPr lang="en-US" dirty="0" smtClean="0"/>
-              <a:t>As you can see, the revert commit function will create a new commit that undoes the changes of the commit that you chose to revert. In this case, the revert that I just did removed the Hi there text file.</a:t>
+            <a:r>
+              <a:rPr lang="en-US" dirty="0" smtClean="0"/>
+              <a:t>To switch to another branch, click on the branch icon as shown in this screenshot. Here I will proceed to switch to my newly created “</a:t>
+            </a:r>
+            <a:r>
+              <a:rPr lang="en-US" dirty="0" err="1" smtClean="0"/>
+              <a:t>heyyou</a:t>
+            </a:r>
+            <a:r>
+              <a:rPr lang="en-US" dirty="0" smtClean="0"/>
+              <a:t>” branch. Note the default branch is the “master”.</a:t>
             </a:r>
             <a:endParaRPr lang="en-SG" dirty="0"/>
           </a:p>
@@ -5519,7 +7816,7 @@
     </p:spTree>
     <p:extLst>
       <p:ext uri="{BB962C8B-B14F-4D97-AF65-F5344CB8AC3E}">
-        <p14:creationId xmlns:p14="http://schemas.microsoft.com/office/powerpoint/2010/main" val="1952885107"/>
+        <p14:creationId xmlns:p14="http://schemas.microsoft.com/office/powerpoint/2010/main" val="1474353636"/>
       </p:ext>
     </p:extLst>
   </p:cSld>
@@ -5548,152 +7845,6 @@
       </p:grpSpPr>
       <p:sp>
         <p:nvSpPr>
-          <p:cNvPr id="4" name="Title 1"/>
-          <p:cNvSpPr txBox="1">
-            <a:spLocks/>
-          </p:cNvSpPr>
-          <p:nvPr/>
-        </p:nvSpPr>
-        <p:spPr>
-          <a:xfrm>
-            <a:off x="457200" y="8586"/>
-            <a:ext cx="8229600" cy="1143000"/>
-          </a:xfrm>
-          <a:prstGeom prst="rect">
-            <a:avLst/>
-          </a:prstGeom>
-        </p:spPr>
-        <p:txBody>
-          <a:bodyPr vert="horz" lIns="91440" tIns="45720" rIns="91440" bIns="45720" rtlCol="0" anchor="ctr">
-            <a:normAutofit fontScale="97500"/>
-          </a:bodyPr>
-          <a:lstStyle>
-            <a:lvl1pPr algn="ctr" defTabSz="914400" rtl="0" eaLnBrk="1" latinLnBrk="0" hangingPunct="1">
-              <a:spcBef>
-                <a:spcPct val="0"/>
-              </a:spcBef>
-              <a:buNone/>
-              <a:defRPr sz="4400" kern="1200">
-                <a:solidFill>
-                  <a:schemeClr val="tx1"/>
-                </a:solidFill>
-                <a:latin typeface="+mj-lt"/>
-                <a:ea typeface="+mj-ea"/>
-                <a:cs typeface="+mj-cs"/>
-              </a:defRPr>
-            </a:lvl1pPr>
-          </a:lstStyle>
-          <a:p>
-            <a:r>
-              <a:rPr lang="en-US" dirty="0" smtClean="0"/>
-              <a:t>Switching branches</a:t>
-            </a:r>
-            <a:endParaRPr lang="en-SG" dirty="0"/>
-          </a:p>
-        </p:txBody>
-      </p:sp>
-      <p:pic>
-        <p:nvPicPr>
-          <p:cNvPr id="5" name="Picture 4"/>
-          <p:cNvPicPr/>
-          <p:nvPr/>
-        </p:nvPicPr>
-        <p:blipFill>
-          <a:blip r:embed="rId2"/>
-          <a:stretch>
-            <a:fillRect/>
-          </a:stretch>
-        </p:blipFill>
-        <p:spPr>
-          <a:xfrm>
-            <a:off x="685800" y="1066800"/>
-            <a:ext cx="7772400" cy="5334000"/>
-          </a:xfrm>
-          <a:prstGeom prst="rect">
-            <a:avLst/>
-          </a:prstGeom>
-          <a:ln>
-            <a:noFill/>
-          </a:ln>
-          <a:effectLst>
-            <a:outerShdw blurRad="292100" dist="139700" dir="2700000" algn="tl" rotWithShape="0">
-              <a:srgbClr val="333333">
-                <a:alpha val="65000"/>
-              </a:srgbClr>
-            </a:outerShdw>
-          </a:effectLst>
-        </p:spPr>
-      </p:pic>
-      <p:sp>
-        <p:nvSpPr>
-          <p:cNvPr id="6" name="TextBox 5"/>
-          <p:cNvSpPr txBox="1"/>
-          <p:nvPr/>
-        </p:nvSpPr>
-        <p:spPr>
-          <a:xfrm>
-            <a:off x="906887" y="4361765"/>
-            <a:ext cx="7162800" cy="923330"/>
-          </a:xfrm>
-          <a:prstGeom prst="rect">
-            <a:avLst/>
-          </a:prstGeom>
-          <a:noFill/>
-        </p:spPr>
-        <p:txBody>
-          <a:bodyPr wrap="square" rtlCol="0">
-            <a:spAutoFit/>
-          </a:bodyPr>
-          <a:lstStyle/>
-          <a:p>
-            <a:r>
-              <a:rPr lang="en-US" dirty="0" smtClean="0"/>
-              <a:t>To switch to another branch, click on the branch icon as shown in this screenshot. Here I will proceed to switch to my newly created “</a:t>
-            </a:r>
-            <a:r>
-              <a:rPr lang="en-US" dirty="0" err="1" smtClean="0"/>
-              <a:t>heyyou</a:t>
-            </a:r>
-            <a:r>
-              <a:rPr lang="en-US" dirty="0" smtClean="0"/>
-              <a:t>” branch. Note the default branch is the “master”.</a:t>
-            </a:r>
-            <a:endParaRPr lang="en-SG" dirty="0"/>
-          </a:p>
-        </p:txBody>
-      </p:sp>
-    </p:spTree>
-    <p:extLst>
-      <p:ext uri="{BB962C8B-B14F-4D97-AF65-F5344CB8AC3E}">
-        <p14:creationId xmlns:p14="http://schemas.microsoft.com/office/powerpoint/2010/main" val="1474353636"/>
-      </p:ext>
-    </p:extLst>
-  </p:cSld>
-  <p:clrMapOvr>
-    <a:masterClrMapping/>
-  </p:clrMapOvr>
-</p:sld>
-</file>
-
-<file path=ppt/slides/slide26.xml><?xml version="1.0" encoding="utf-8"?>
-<p:sld xmlns:a="http://schemas.openxmlformats.org/drawingml/2006/main" xmlns:r="http://schemas.openxmlformats.org/officeDocument/2006/relationships" xmlns:p="http://schemas.openxmlformats.org/presentationml/2006/main">
-  <p:cSld>
-    <p:spTree>
-      <p:nvGrpSpPr>
-        <p:cNvPr id="1" name=""/>
-        <p:cNvGrpSpPr/>
-        <p:nvPr/>
-      </p:nvGrpSpPr>
-      <p:grpSpPr>
-        <a:xfrm>
-          <a:off x="0" y="0"/>
-          <a:ext cx="0" cy="0"/>
-          <a:chOff x="0" y="0"/>
-          <a:chExt cx="0" cy="0"/>
-        </a:xfrm>
-      </p:grpSpPr>
-      <p:sp>
-        <p:nvSpPr>
           <p:cNvPr id="2" name="Title 1"/>
           <p:cNvSpPr>
             <a:spLocks noGrp="1"/>
@@ -5803,7 +7954,7 @@
 </p:sld>
 </file>
 
-<file path=ppt/slides/slide27.xml><?xml version="1.0" encoding="utf-8"?>
+<file path=ppt/slides/slide26.xml><?xml version="1.0" encoding="utf-8"?>
 <p:sld xmlns:a="http://schemas.openxmlformats.org/drawingml/2006/main" xmlns:r="http://schemas.openxmlformats.org/officeDocument/2006/relationships" xmlns:p="http://schemas.openxmlformats.org/presentationml/2006/main">
   <p:cSld>
     <p:spTree>
@@ -5965,7 +8116,7 @@
 </p:sld>
 </file>
 
-<file path=ppt/slides/slide28.xml><?xml version="1.0" encoding="utf-8"?>
+<file path=ppt/slides/slide27.xml><?xml version="1.0" encoding="utf-8"?>
 <p:sld xmlns:a="http://schemas.openxmlformats.org/drawingml/2006/main" xmlns:r="http://schemas.openxmlformats.org/officeDocument/2006/relationships" xmlns:p="http://schemas.openxmlformats.org/presentationml/2006/main">
   <p:cSld>
     <p:spTree>
@@ -6156,7 +8307,7 @@
 </p:sld>
 </file>
 
-<file path=ppt/slides/slide29.xml><?xml version="1.0" encoding="utf-8"?>
+<file path=ppt/slides/slide28.xml><?xml version="1.0" encoding="utf-8"?>
 <p:sld xmlns:a="http://schemas.openxmlformats.org/drawingml/2006/main" xmlns:r="http://schemas.openxmlformats.org/officeDocument/2006/relationships" xmlns:p="http://schemas.openxmlformats.org/presentationml/2006/main">
   <p:cSld>
     <p:spTree>
@@ -6317,100 +8468,7 @@
 </p:sld>
 </file>
 
-<file path=ppt/slides/slide3.xml><?xml version="1.0" encoding="utf-8"?>
-<p:sld xmlns:a="http://schemas.openxmlformats.org/drawingml/2006/main" xmlns:r="http://schemas.openxmlformats.org/officeDocument/2006/relationships" xmlns:p="http://schemas.openxmlformats.org/presentationml/2006/main">
-  <p:cSld>
-    <p:spTree>
-      <p:nvGrpSpPr>
-        <p:cNvPr id="1" name=""/>
-        <p:cNvGrpSpPr/>
-        <p:nvPr/>
-      </p:nvGrpSpPr>
-      <p:grpSpPr>
-        <a:xfrm>
-          <a:off x="0" y="0"/>
-          <a:ext cx="0" cy="0"/>
-          <a:chOff x="0" y="0"/>
-          <a:chExt cx="0" cy="0"/>
-        </a:xfrm>
-      </p:grpSpPr>
-      <p:sp>
-        <p:nvSpPr>
-          <p:cNvPr id="3" name="Content Placeholder 2"/>
-          <p:cNvSpPr>
-            <a:spLocks noGrp="1"/>
-          </p:cNvSpPr>
-          <p:nvPr>
-            <p:ph idx="1"/>
-          </p:nvPr>
-        </p:nvSpPr>
-        <p:spPr>
-          <a:xfrm>
-            <a:off x="539552" y="764704"/>
-            <a:ext cx="8229600" cy="5821363"/>
-          </a:xfrm>
-        </p:spPr>
-        <p:txBody>
-          <a:bodyPr/>
-          <a:lstStyle/>
-          <a:p>
-            <a:pPr marL="0" indent="0" algn="just">
-              <a:buNone/>
-            </a:pPr>
-            <a:r>
-              <a:rPr lang="en-US" dirty="0" smtClean="0"/>
-              <a:t>The </a:t>
-            </a:r>
-            <a:r>
-              <a:rPr lang="en-US" dirty="0" err="1" smtClean="0"/>
-              <a:t>Git</a:t>
-            </a:r>
-            <a:r>
-              <a:rPr lang="en-US" dirty="0" smtClean="0"/>
-              <a:t> Hub App is a GUI interface to complement the </a:t>
-            </a:r>
-            <a:r>
-              <a:rPr lang="en-US" dirty="0" err="1" smtClean="0"/>
-              <a:t>git</a:t>
-            </a:r>
-            <a:r>
-              <a:rPr lang="en-US" dirty="0" smtClean="0"/>
-              <a:t> bash console. It is especially friendly towards non-tech savvy users who are not used to writing programming codes. However the trade-off with the user-friendly interface is the limited functional capability. For more advanced users, they may find the </a:t>
-            </a:r>
-            <a:r>
-              <a:rPr lang="en-US" dirty="0" err="1" smtClean="0"/>
-              <a:t>Git</a:t>
-            </a:r>
-            <a:r>
-              <a:rPr lang="en-US" dirty="0" smtClean="0"/>
-              <a:t> Hub App not very satisfying. In this tutorial, you will be learning the features that the </a:t>
-            </a:r>
-            <a:r>
-              <a:rPr lang="en-US" dirty="0" err="1" smtClean="0"/>
-              <a:t>Git</a:t>
-            </a:r>
-            <a:r>
-              <a:rPr lang="en-US" dirty="0" smtClean="0"/>
-              <a:t> Hub App provides.</a:t>
-            </a:r>
-            <a:endParaRPr lang="en-SG" dirty="0"/>
-          </a:p>
-        </p:txBody>
-      </p:sp>
-    </p:spTree>
-    <p:extLst>
-      <p:ext uri="{BB962C8B-B14F-4D97-AF65-F5344CB8AC3E}">
-        <p14:creationId xmlns:p14="http://schemas.microsoft.com/office/powerpoint/2010/main" val="990498507"/>
-      </p:ext>
-    </p:extLst>
-  </p:cSld>
-  <p:clrMapOvr>
-    <a:masterClrMapping/>
-  </p:clrMapOvr>
-</p:sld>
-</file>
-
-<file path=ppt/slides/slide30.xml><?xml version="1.0" encoding="utf-8"?>
+<file path=ppt/slides/slide29.xml><?xml version="1.0" encoding="utf-8"?>
 <p:sld xmlns:a="http://schemas.openxmlformats.org/drawingml/2006/main" xmlns:r="http://schemas.openxmlformats.org/officeDocument/2006/relationships" xmlns:p="http://schemas.openxmlformats.org/presentationml/2006/main">
   <p:cSld>
     <p:spTree>
@@ -6571,7 +8629,157 @@
 </p:sld>
 </file>
 
-<file path=ppt/slides/slide31.xml><?xml version="1.0" encoding="utf-8"?>
+<file path=ppt/slides/slide3.xml><?xml version="1.0" encoding="utf-8"?>
+<p:sld xmlns:a="http://schemas.openxmlformats.org/drawingml/2006/main" xmlns:r="http://schemas.openxmlformats.org/officeDocument/2006/relationships" xmlns:p="http://schemas.openxmlformats.org/presentationml/2006/main">
+  <p:cSld>
+    <p:spTree>
+      <p:nvGrpSpPr>
+        <p:cNvPr id="1" name=""/>
+        <p:cNvGrpSpPr/>
+        <p:nvPr/>
+      </p:nvGrpSpPr>
+      <p:grpSpPr>
+        <a:xfrm>
+          <a:off x="0" y="0"/>
+          <a:ext cx="0" cy="0"/>
+          <a:chOff x="0" y="0"/>
+          <a:chExt cx="0" cy="0"/>
+        </a:xfrm>
+      </p:grpSpPr>
+      <p:sp>
+        <p:nvSpPr>
+          <p:cNvPr id="2" name="Title 1"/>
+          <p:cNvSpPr>
+            <a:spLocks noGrp="1"/>
+          </p:cNvSpPr>
+          <p:nvPr>
+            <p:ph type="title"/>
+          </p:nvPr>
+        </p:nvSpPr>
+        <p:spPr>
+          <a:xfrm>
+            <a:off x="457200" y="17058"/>
+            <a:ext cx="8229600" cy="1143000"/>
+          </a:xfrm>
+        </p:spPr>
+        <p:txBody>
+          <a:bodyPr/>
+          <a:lstStyle/>
+          <a:p>
+            <a:r>
+              <a:rPr lang="en-US" dirty="0" err="1" smtClean="0"/>
+              <a:t>Git</a:t>
+            </a:r>
+            <a:r>
+              <a:rPr lang="en-US" dirty="0" smtClean="0"/>
+              <a:t> Hub App Features</a:t>
+            </a:r>
+            <a:endParaRPr lang="en-SG" dirty="0"/>
+          </a:p>
+        </p:txBody>
+      </p:sp>
+      <p:sp>
+        <p:nvSpPr>
+          <p:cNvPr id="3" name="Content Placeholder 2"/>
+          <p:cNvSpPr>
+            <a:spLocks noGrp="1"/>
+          </p:cNvSpPr>
+          <p:nvPr>
+            <p:ph idx="1"/>
+          </p:nvPr>
+        </p:nvSpPr>
+        <p:spPr>
+          <a:xfrm>
+            <a:off x="457200" y="1548684"/>
+            <a:ext cx="8229600" cy="4525963"/>
+          </a:xfrm>
+        </p:spPr>
+        <p:txBody>
+          <a:bodyPr>
+            <a:normAutofit lnSpcReduction="10000"/>
+          </a:bodyPr>
+          <a:lstStyle/>
+          <a:p>
+            <a:r>
+              <a:rPr lang="en-US" dirty="0" smtClean="0"/>
+              <a:t>Creating a Repository</a:t>
+            </a:r>
+          </a:p>
+          <a:p>
+            <a:r>
+              <a:rPr lang="en-US" dirty="0" smtClean="0"/>
+              <a:t>Viewing your Repo Status</a:t>
+            </a:r>
+          </a:p>
+          <a:p>
+            <a:r>
+              <a:rPr lang="en-US" dirty="0" smtClean="0"/>
+              <a:t>Committing your changes</a:t>
+            </a:r>
+          </a:p>
+          <a:p>
+            <a:r>
+              <a:rPr lang="en-US" dirty="0" smtClean="0"/>
+              <a:t>Rolling back and reverting commits</a:t>
+            </a:r>
+          </a:p>
+          <a:p>
+            <a:r>
+              <a:rPr lang="en-US" dirty="0" smtClean="0"/>
+              <a:t>Switching branches</a:t>
+            </a:r>
+          </a:p>
+          <a:p>
+            <a:r>
+              <a:rPr lang="en-US" dirty="0" smtClean="0"/>
+              <a:t>Merging branches</a:t>
+            </a:r>
+          </a:p>
+          <a:p>
+            <a:r>
+              <a:rPr lang="en-US" dirty="0" smtClean="0"/>
+              <a:t>Publishing branches</a:t>
+            </a:r>
+          </a:p>
+          <a:p>
+            <a:r>
+              <a:rPr lang="en-US" dirty="0" smtClean="0"/>
+              <a:t>Syncing </a:t>
+            </a:r>
+            <a:r>
+              <a:rPr lang="en-US" dirty="0"/>
+              <a:t>local and remote branches</a:t>
+            </a:r>
+          </a:p>
+          <a:p>
+            <a:endParaRPr lang="en-US" dirty="0" smtClean="0"/>
+          </a:p>
+          <a:p>
+            <a:endParaRPr lang="en-SG" dirty="0"/>
+          </a:p>
+        </p:txBody>
+      </p:sp>
+    </p:spTree>
+    <p:extLst>
+      <p:ext uri="{BB962C8B-B14F-4D97-AF65-F5344CB8AC3E}">
+        <p14:creationId xmlns:p14="http://schemas.microsoft.com/office/powerpoint/2010/main" val="2798099289"/>
+      </p:ext>
+    </p:extLst>
+  </p:cSld>
+  <p:clrMapOvr>
+    <a:masterClrMapping/>
+  </p:clrMapOvr>
+  <p:timing>
+    <p:tnLst>
+      <p:par>
+        <p:cTn id="1" dur="indefinite" restart="never" nodeType="tmRoot"/>
+      </p:par>
+    </p:tnLst>
+  </p:timing>
+</p:sld>
+</file>
+
+<file path=ppt/slides/slide30.xml><?xml version="1.0" encoding="utf-8"?>
 <p:sld xmlns:a="http://schemas.openxmlformats.org/drawingml/2006/main" xmlns:r="http://schemas.openxmlformats.org/officeDocument/2006/relationships" xmlns:p="http://schemas.openxmlformats.org/presentationml/2006/main">
   <p:cSld>
     <p:spTree>
@@ -6740,7 +8948,7 @@
 </p:sld>
 </file>
 
-<file path=ppt/slides/slide32.xml><?xml version="1.0" encoding="utf-8"?>
+<file path=ppt/slides/slide31.xml><?xml version="1.0" encoding="utf-8"?>
 <p:sld xmlns:a="http://schemas.openxmlformats.org/drawingml/2006/main" xmlns:r="http://schemas.openxmlformats.org/officeDocument/2006/relationships" xmlns:p="http://schemas.openxmlformats.org/presentationml/2006/main">
   <p:cSld>
     <p:spTree>
@@ -6893,7 +9101,7 @@
 </p:sld>
 </file>
 
-<file path=ppt/slides/slide33.xml><?xml version="1.0" encoding="utf-8"?>
+<file path=ppt/slides/slide32.xml><?xml version="1.0" encoding="utf-8"?>
 <p:sld xmlns:a="http://schemas.openxmlformats.org/drawingml/2006/main" xmlns:r="http://schemas.openxmlformats.org/officeDocument/2006/relationships" xmlns:p="http://schemas.openxmlformats.org/presentationml/2006/main">
   <p:cSld>
     <p:spTree>
@@ -7083,7 +9291,7 @@
         </p:nvSpPr>
         <p:spPr>
           <a:xfrm>
-            <a:off x="457200" y="17058"/>
+            <a:off x="457200" y="4179"/>
             <a:ext cx="8229600" cy="1143000"/>
           </a:xfrm>
         </p:spPr>
@@ -7092,94 +9300,243 @@
           <a:lstStyle/>
           <a:p>
             <a:r>
+              <a:rPr lang="en-US" dirty="0" smtClean="0"/>
+              <a:t>Creating a </a:t>
+            </a:r>
+            <a:r>
+              <a:rPr lang="en-US" dirty="0" err="1" smtClean="0"/>
+              <a:t>Repositary</a:t>
+            </a:r>
+            <a:endParaRPr lang="en-SG" dirty="0"/>
+          </a:p>
+        </p:txBody>
+      </p:sp>
+      <p:pic>
+        <p:nvPicPr>
+          <p:cNvPr id="4" name="Picture 3"/>
+          <p:cNvPicPr/>
+          <p:nvPr/>
+        </p:nvPicPr>
+        <p:blipFill>
+          <a:blip r:embed="rId2"/>
+          <a:stretch>
+            <a:fillRect/>
+          </a:stretch>
+        </p:blipFill>
+        <p:spPr>
+          <a:xfrm>
+            <a:off x="370269" y="1600200"/>
+            <a:ext cx="8458200" cy="4572000"/>
+          </a:xfrm>
+          <a:prstGeom prst="rect">
+            <a:avLst/>
+          </a:prstGeom>
+          <a:ln>
+            <a:noFill/>
+          </a:ln>
+          <a:effectLst>
+            <a:outerShdw blurRad="190500" algn="tl" rotWithShape="0">
+              <a:srgbClr val="000000">
+                <a:alpha val="70000"/>
+              </a:srgbClr>
+            </a:outerShdw>
+          </a:effectLst>
+        </p:spPr>
+      </p:pic>
+      <p:sp>
+        <p:nvSpPr>
+          <p:cNvPr id="6" name="TextBox 5"/>
+          <p:cNvSpPr txBox="1"/>
+          <p:nvPr/>
+        </p:nvSpPr>
+        <p:spPr>
+          <a:xfrm>
+            <a:off x="5334000" y="980701"/>
+            <a:ext cx="2971800" cy="646331"/>
+          </a:xfrm>
+          <a:prstGeom prst="rect">
+            <a:avLst/>
+          </a:prstGeom>
+          <a:noFill/>
+        </p:spPr>
+        <p:txBody>
+          <a:bodyPr wrap="square" rtlCol="0">
+            <a:spAutoFit/>
+          </a:bodyPr>
+          <a:lstStyle/>
+          <a:p>
+            <a:r>
+              <a:rPr lang="en-US" dirty="0" smtClean="0"/>
+              <a:t>To create a new repo, click on the add sign.</a:t>
+            </a:r>
+            <a:endParaRPr lang="en-SG" dirty="0"/>
+          </a:p>
+        </p:txBody>
+      </p:sp>
+      <p:cxnSp>
+        <p:nvCxnSpPr>
+          <p:cNvPr id="11" name="Straight Arrow Connector 10"/>
+          <p:cNvCxnSpPr/>
+          <p:nvPr/>
+        </p:nvCxnSpPr>
+        <p:spPr>
+          <a:xfrm flipH="1">
+            <a:off x="3677992" y="1219200"/>
+            <a:ext cx="1656008" cy="495300"/>
+          </a:xfrm>
+          <a:prstGeom prst="straightConnector1">
+            <a:avLst/>
+          </a:prstGeom>
+          <a:ln>
+            <a:tailEnd type="arrow"/>
+          </a:ln>
+        </p:spPr>
+        <p:style>
+          <a:lnRef idx="2">
+            <a:schemeClr val="dk1"/>
+          </a:lnRef>
+          <a:fillRef idx="0">
+            <a:schemeClr val="dk1"/>
+          </a:fillRef>
+          <a:effectRef idx="1">
+            <a:schemeClr val="dk1"/>
+          </a:effectRef>
+          <a:fontRef idx="minor">
+            <a:schemeClr val="tx1"/>
+          </a:fontRef>
+        </p:style>
+      </p:cxnSp>
+      <p:sp>
+        <p:nvSpPr>
+          <p:cNvPr id="15" name="TextBox 14"/>
+          <p:cNvSpPr txBox="1"/>
+          <p:nvPr/>
+        </p:nvSpPr>
+        <p:spPr>
+          <a:xfrm>
+            <a:off x="1167684" y="5041014"/>
+            <a:ext cx="7239000" cy="923330"/>
+          </a:xfrm>
+          <a:prstGeom prst="rect">
+            <a:avLst/>
+          </a:prstGeom>
+          <a:noFill/>
+        </p:spPr>
+        <p:txBody>
+          <a:bodyPr wrap="square" rtlCol="0">
+            <a:spAutoFit/>
+          </a:bodyPr>
+          <a:lstStyle/>
+          <a:p>
+            <a:r>
+              <a:rPr lang="en-US" dirty="0" smtClean="0"/>
+              <a:t>You should get to a page like this after you login to the </a:t>
+            </a:r>
+            <a:r>
               <a:rPr lang="en-US" dirty="0" err="1" smtClean="0"/>
               <a:t>Git</a:t>
             </a:r>
             <a:r>
               <a:rPr lang="en-US" dirty="0" smtClean="0"/>
-              <a:t> Hub App Features</a:t>
+              <a:t> Hub App. At this page you are able to create a new repo and view all your available repos in your local computer and in your </a:t>
+            </a:r>
+            <a:r>
+              <a:rPr lang="en-US" dirty="0" err="1" smtClean="0"/>
+              <a:t>git</a:t>
+            </a:r>
+            <a:r>
+              <a:rPr lang="en-US" dirty="0" smtClean="0"/>
+              <a:t> hub account.</a:t>
             </a:r>
             <a:endParaRPr lang="en-SG" dirty="0"/>
           </a:p>
         </p:txBody>
       </p:sp>
-      <p:sp>
-        <p:nvSpPr>
-          <p:cNvPr id="3" name="Content Placeholder 2"/>
-          <p:cNvSpPr>
-            <a:spLocks noGrp="1"/>
-          </p:cNvSpPr>
-          <p:nvPr>
-            <p:ph idx="1"/>
-          </p:nvPr>
-        </p:nvSpPr>
-        <p:spPr>
-          <a:xfrm>
-            <a:off x="457200" y="1548684"/>
-            <a:ext cx="8229600" cy="4525963"/>
-          </a:xfrm>
-        </p:spPr>
-        <p:txBody>
-          <a:bodyPr>
-            <a:normAutofit lnSpcReduction="10000"/>
+      <p:cxnSp>
+        <p:nvCxnSpPr>
+          <p:cNvPr id="19" name="Straight Arrow Connector 18"/>
+          <p:cNvCxnSpPr/>
+          <p:nvPr/>
+        </p:nvCxnSpPr>
+        <p:spPr>
+          <a:xfrm flipV="1">
+            <a:off x="1752600" y="2819400"/>
+            <a:ext cx="533400" cy="609600"/>
+          </a:xfrm>
+          <a:prstGeom prst="straightConnector1">
+            <a:avLst/>
+          </a:prstGeom>
+          <a:ln>
+            <a:tailEnd type="arrow"/>
+          </a:ln>
+        </p:spPr>
+        <p:style>
+          <a:lnRef idx="2">
+            <a:schemeClr val="dk1"/>
+          </a:lnRef>
+          <a:fillRef idx="0">
+            <a:schemeClr val="dk1"/>
+          </a:fillRef>
+          <a:effectRef idx="1">
+            <a:schemeClr val="dk1"/>
+          </a:effectRef>
+          <a:fontRef idx="minor">
+            <a:schemeClr val="tx1"/>
+          </a:fontRef>
+        </p:style>
+      </p:cxnSp>
+      <p:sp>
+        <p:nvSpPr>
+          <p:cNvPr id="20" name="TextBox 19"/>
+          <p:cNvSpPr txBox="1"/>
+          <p:nvPr/>
+        </p:nvSpPr>
+        <p:spPr>
+          <a:xfrm>
+            <a:off x="685800" y="3429000"/>
+            <a:ext cx="2438400" cy="369332"/>
+          </a:xfrm>
+          <a:prstGeom prst="rect">
+            <a:avLst/>
+          </a:prstGeom>
+          <a:noFill/>
+        </p:spPr>
+        <p:txBody>
+          <a:bodyPr wrap="square" rtlCol="0">
+            <a:spAutoFit/>
           </a:bodyPr>
           <a:lstStyle/>
           <a:p>
-            <a:r>
-              <a:rPr lang="en-US" dirty="0" smtClean="0"/>
-              <a:t>Creating a Repository</a:t>
-            </a:r>
-          </a:p>
-          <a:p>
-            <a:r>
-              <a:rPr lang="en-US" dirty="0" smtClean="0"/>
-              <a:t>Viewing your Repo Status</a:t>
-            </a:r>
-          </a:p>
-          <a:p>
-            <a:r>
-              <a:rPr lang="en-US" dirty="0" smtClean="0"/>
-              <a:t>Committing your changes</a:t>
-            </a:r>
-          </a:p>
-          <a:p>
-            <a:r>
-              <a:rPr lang="en-US" dirty="0" smtClean="0"/>
-              <a:t>Rolling back and reverting commits</a:t>
-            </a:r>
-          </a:p>
-          <a:p>
-            <a:r>
-              <a:rPr lang="en-US" dirty="0" smtClean="0"/>
-              <a:t>Switching branches</a:t>
-            </a:r>
-          </a:p>
-          <a:p>
-            <a:r>
-              <a:rPr lang="en-US" dirty="0" smtClean="0"/>
-              <a:t>Merging branches</a:t>
-            </a:r>
-          </a:p>
-          <a:p>
-            <a:r>
-              <a:rPr lang="en-US" dirty="0" smtClean="0"/>
-              <a:t>Publishing branches</a:t>
-            </a:r>
-          </a:p>
-          <a:p>
-            <a:r>
-              <a:rPr lang="en-US" dirty="0" smtClean="0"/>
-              <a:t>Syncing </a:t>
-            </a:r>
-            <a:r>
-              <a:rPr lang="en-US" dirty="0"/>
-              <a:t>local and remote branches</a:t>
-            </a:r>
-          </a:p>
-          <a:p>
-            <a:endParaRPr lang="en-US" dirty="0" smtClean="0"/>
-          </a:p>
-          <a:p>
+            <a:endParaRPr lang="en-SG" dirty="0"/>
+          </a:p>
+        </p:txBody>
+      </p:sp>
+      <p:sp>
+        <p:nvSpPr>
+          <p:cNvPr id="21" name="TextBox 20"/>
+          <p:cNvSpPr txBox="1"/>
+          <p:nvPr/>
+        </p:nvSpPr>
+        <p:spPr>
+          <a:xfrm>
+            <a:off x="685800" y="3429000"/>
+            <a:ext cx="3200400" cy="923330"/>
+          </a:xfrm>
+          <a:prstGeom prst="rect">
+            <a:avLst/>
+          </a:prstGeom>
+          <a:noFill/>
+        </p:spPr>
+        <p:txBody>
+          <a:bodyPr wrap="square" rtlCol="0">
+            <a:spAutoFit/>
+          </a:bodyPr>
+          <a:lstStyle/>
+          <a:p>
+            <a:r>
+              <a:rPr lang="en-US" dirty="0" smtClean="0"/>
+              <a:t>All your repos will be shown here in this list, if you created any. </a:t>
+            </a:r>
             <a:endParaRPr lang="en-SG" dirty="0"/>
           </a:p>
         </p:txBody>
@@ -7187,7 +9544,7 @@
     </p:spTree>
     <p:extLst>
       <p:ext uri="{BB962C8B-B14F-4D97-AF65-F5344CB8AC3E}">
-        <p14:creationId xmlns:p14="http://schemas.microsoft.com/office/powerpoint/2010/main" val="2798099289"/>
+        <p14:creationId xmlns:p14="http://schemas.microsoft.com/office/powerpoint/2010/main" val="3196804817"/>
       </p:ext>
     </p:extLst>
   </p:cSld>
@@ -7223,7 +9580,7 @@
       </p:grpSpPr>
       <p:sp>
         <p:nvSpPr>
-          <p:cNvPr id="2" name="Title 1"/>
+          <p:cNvPr id="4" name="Title 1"/>
           <p:cNvSpPr>
             <a:spLocks noGrp="1"/>
           </p:cNvSpPr>
@@ -7233,7 +9590,7 @@
         </p:nvSpPr>
         <p:spPr>
           <a:xfrm>
-            <a:off x="457200" y="4179"/>
+            <a:off x="457200" y="17058"/>
             <a:ext cx="8229600" cy="1143000"/>
           </a:xfrm>
         </p:spPr>
@@ -7255,7 +9612,7 @@
       </p:sp>
       <p:pic>
         <p:nvPicPr>
-          <p:cNvPr id="4" name="Picture 3"/>
+          <p:cNvPr id="5" name="Picture 4"/>
           <p:cNvPicPr/>
           <p:nvPr/>
         </p:nvPicPr>
@@ -7267,8 +9624,8 @@
         </p:blipFill>
         <p:spPr>
           <a:xfrm>
-            <a:off x="370269" y="1600200"/>
-            <a:ext cx="8458200" cy="4572000"/>
+            <a:off x="838200" y="1600200"/>
+            <a:ext cx="7620000" cy="4876800"/>
           </a:xfrm>
           <a:prstGeom prst="rect">
             <a:avLst/>
@@ -7277,9 +9634,9 @@
             <a:noFill/>
           </a:ln>
           <a:effectLst>
-            <a:outerShdw blurRad="190500" algn="tl" rotWithShape="0">
-              <a:srgbClr val="000000">
-                <a:alpha val="70000"/>
+            <a:outerShdw blurRad="292100" dist="139700" dir="2700000" algn="tl" rotWithShape="0">
+              <a:srgbClr val="333333">
+                <a:alpha val="65000"/>
               </a:srgbClr>
             </a:outerShdw>
           </a:effectLst>
@@ -7293,8 +9650,8 @@
         </p:nvSpPr>
         <p:spPr>
           <a:xfrm>
-            <a:off x="5334000" y="980701"/>
-            <a:ext cx="2971800" cy="646331"/>
+            <a:off x="2895600" y="4643178"/>
+            <a:ext cx="4572000" cy="923330"/>
           </a:xfrm>
           <a:prstGeom prst="rect">
             <a:avLst/>
@@ -7308,23 +9665,31 @@
           <a:lstStyle/>
           <a:p>
             <a:r>
-              <a:rPr lang="en-US" dirty="0" smtClean="0"/>
-              <a:t>To create a new repo, click on the add sign.</a:t>
-            </a:r>
-            <a:endParaRPr lang="en-SG" dirty="0"/>
+              <a:rPr lang="en-US" dirty="0" smtClean="0">
+                <a:solidFill>
+                  <a:schemeClr val="bg1"/>
+                </a:solidFill>
+              </a:rPr>
+              <a:t>After you click on the add sign, you should get to this page where you key in your desired name and description for your new repo.</a:t>
+            </a:r>
+            <a:endParaRPr lang="en-SG" dirty="0">
+              <a:solidFill>
+                <a:schemeClr val="bg1"/>
+              </a:solidFill>
+            </a:endParaRPr>
           </a:p>
         </p:txBody>
       </p:sp>
       <p:cxnSp>
         <p:nvCxnSpPr>
-          <p:cNvPr id="11" name="Straight Arrow Connector 10"/>
+          <p:cNvPr id="8" name="Straight Arrow Connector 7"/>
           <p:cNvCxnSpPr/>
           <p:nvPr/>
         </p:nvCxnSpPr>
         <p:spPr>
           <a:xfrm flipH="1">
-            <a:off x="3677992" y="1219200"/>
-            <a:ext cx="1656008" cy="495300"/>
+            <a:off x="5029200" y="2057400"/>
+            <a:ext cx="609600" cy="76200"/>
           </a:xfrm>
           <a:prstGeom prst="straightConnector1">
             <a:avLst/>
@@ -7350,14 +9715,14 @@
       </p:cxnSp>
       <p:sp>
         <p:nvSpPr>
-          <p:cNvPr id="15" name="TextBox 14"/>
+          <p:cNvPr id="9" name="TextBox 8"/>
           <p:cNvSpPr txBox="1"/>
           <p:nvPr/>
         </p:nvSpPr>
         <p:spPr>
           <a:xfrm>
-            <a:off x="1167684" y="5041014"/>
-            <a:ext cx="7239000" cy="923330"/>
+            <a:off x="5598015" y="1842753"/>
+            <a:ext cx="1676400" cy="381000"/>
           </a:xfrm>
           <a:prstGeom prst="rect">
             <a:avLst/>
@@ -7371,39 +9736,31 @@
           <a:lstStyle/>
           <a:p>
             <a:r>
-              <a:rPr lang="en-US" dirty="0" smtClean="0"/>
-              <a:t>You should get to a page like this after you login to the </a:t>
-            </a:r>
-            <a:r>
-              <a:rPr lang="en-US" dirty="0" err="1" smtClean="0"/>
-              <a:t>Git</a:t>
-            </a:r>
-            <a:r>
-              <a:rPr lang="en-US" dirty="0" smtClean="0"/>
-              <a:t> Hub App. At this page you are able to create a new repo and view all your available repos in your local computer and in your </a:t>
-            </a:r>
-            <a:r>
-              <a:rPr lang="en-US" dirty="0" err="1" smtClean="0"/>
-              <a:t>git</a:t>
-            </a:r>
-            <a:r>
-              <a:rPr lang="en-US" dirty="0" smtClean="0"/>
-              <a:t> hub account.</a:t>
-            </a:r>
-            <a:endParaRPr lang="en-SG" dirty="0"/>
+              <a:rPr lang="en-US" dirty="0" smtClean="0">
+                <a:solidFill>
+                  <a:schemeClr val="bg1"/>
+                </a:solidFill>
+              </a:rPr>
+              <a:t>Name of repo</a:t>
+            </a:r>
+            <a:endParaRPr lang="en-SG" dirty="0">
+              <a:solidFill>
+                <a:schemeClr val="bg1"/>
+              </a:solidFill>
+            </a:endParaRPr>
           </a:p>
         </p:txBody>
       </p:sp>
       <p:cxnSp>
         <p:nvCxnSpPr>
-          <p:cNvPr id="19" name="Straight Arrow Connector 18"/>
+          <p:cNvPr id="10" name="Straight Arrow Connector 9"/>
           <p:cNvCxnSpPr/>
           <p:nvPr/>
         </p:nvCxnSpPr>
         <p:spPr>
-          <a:xfrm flipV="1">
-            <a:off x="1752600" y="2819400"/>
-            <a:ext cx="533400" cy="609600"/>
+          <a:xfrm flipH="1">
+            <a:off x="5029200" y="2475963"/>
+            <a:ext cx="685800" cy="0"/>
           </a:xfrm>
           <a:prstGeom prst="straightConnector1">
             <a:avLst/>
@@ -7429,14 +9786,14 @@
       </p:cxnSp>
       <p:sp>
         <p:nvSpPr>
-          <p:cNvPr id="20" name="TextBox 19"/>
+          <p:cNvPr id="12" name="TextBox 11"/>
           <p:cNvSpPr txBox="1"/>
           <p:nvPr/>
         </p:nvSpPr>
         <p:spPr>
           <a:xfrm>
-            <a:off x="685800" y="3429000"/>
-            <a:ext cx="2438400" cy="369332"/>
+            <a:off x="5686020" y="2265612"/>
+            <a:ext cx="2238780" cy="369332"/>
           </a:xfrm>
           <a:prstGeom prst="rect">
             <a:avLst/>
@@ -7449,20 +9806,65 @@
           </a:bodyPr>
           <a:lstStyle/>
           <a:p>
-            <a:endParaRPr lang="en-SG" dirty="0"/>
-          </a:p>
-        </p:txBody>
-      </p:sp>
-      <p:sp>
-        <p:nvSpPr>
-          <p:cNvPr id="21" name="TextBox 20"/>
+            <a:r>
+              <a:rPr lang="en-US" dirty="0" smtClean="0">
+                <a:solidFill>
+                  <a:schemeClr val="bg1"/>
+                </a:solidFill>
+              </a:rPr>
+              <a:t>Description of repo</a:t>
+            </a:r>
+            <a:endParaRPr lang="en-SG" dirty="0">
+              <a:solidFill>
+                <a:schemeClr val="bg1"/>
+              </a:solidFill>
+            </a:endParaRPr>
+          </a:p>
+        </p:txBody>
+      </p:sp>
+      <p:cxnSp>
+        <p:nvCxnSpPr>
+          <p:cNvPr id="13" name="Straight Arrow Connector 12"/>
+          <p:cNvCxnSpPr/>
+          <p:nvPr/>
+        </p:nvCxnSpPr>
+        <p:spPr>
+          <a:xfrm flipH="1" flipV="1">
+            <a:off x="5054421" y="2743200"/>
+            <a:ext cx="685800" cy="76200"/>
+          </a:xfrm>
+          <a:prstGeom prst="straightConnector1">
+            <a:avLst/>
+          </a:prstGeom>
+          <a:ln>
+            <a:tailEnd type="arrow"/>
+          </a:ln>
+        </p:spPr>
+        <p:style>
+          <a:lnRef idx="2">
+            <a:schemeClr val="dk1"/>
+          </a:lnRef>
+          <a:fillRef idx="0">
+            <a:schemeClr val="dk1"/>
+          </a:fillRef>
+          <a:effectRef idx="1">
+            <a:schemeClr val="dk1"/>
+          </a:effectRef>
+          <a:fontRef idx="minor">
+            <a:schemeClr val="tx1"/>
+          </a:fontRef>
+        </p:style>
+      </p:cxnSp>
+      <p:sp>
+        <p:nvSpPr>
+          <p:cNvPr id="15" name="TextBox 14"/>
           <p:cNvSpPr txBox="1"/>
           <p:nvPr/>
         </p:nvSpPr>
         <p:spPr>
           <a:xfrm>
-            <a:off x="685800" y="3429000"/>
-            <a:ext cx="3200400" cy="923330"/>
+            <a:off x="5838420" y="2743200"/>
+            <a:ext cx="2238780" cy="923330"/>
           </a:xfrm>
           <a:prstGeom prst="rect">
             <a:avLst/>
@@ -7476,8 +9878,87 @@
           <a:lstStyle/>
           <a:p>
             <a:r>
-              <a:rPr lang="en-US" dirty="0" smtClean="0"/>
-              <a:t>All your repos will be shown here in this list, if you created any. </a:t>
+              <a:rPr lang="en-US" dirty="0" smtClean="0">
+                <a:solidFill>
+                  <a:schemeClr val="bg1"/>
+                </a:solidFill>
+              </a:rPr>
+              <a:t>Directory pathway of your new repo in your local computer.</a:t>
+            </a:r>
+            <a:endParaRPr lang="en-SG" dirty="0">
+              <a:solidFill>
+                <a:schemeClr val="bg1"/>
+              </a:solidFill>
+            </a:endParaRPr>
+          </a:p>
+        </p:txBody>
+      </p:sp>
+      <p:cxnSp>
+        <p:nvCxnSpPr>
+          <p:cNvPr id="17" name="Straight Arrow Connector 16"/>
+          <p:cNvCxnSpPr/>
+          <p:nvPr/>
+        </p:nvCxnSpPr>
+        <p:spPr>
+          <a:xfrm flipV="1">
+            <a:off x="1943637" y="3338015"/>
+            <a:ext cx="457200" cy="369194"/>
+          </a:xfrm>
+          <a:prstGeom prst="straightConnector1">
+            <a:avLst/>
+          </a:prstGeom>
+          <a:ln>
+            <a:tailEnd type="arrow"/>
+          </a:ln>
+        </p:spPr>
+        <p:style>
+          <a:lnRef idx="2">
+            <a:schemeClr val="dk1"/>
+          </a:lnRef>
+          <a:fillRef idx="0">
+            <a:schemeClr val="dk1"/>
+          </a:fillRef>
+          <a:effectRef idx="1">
+            <a:schemeClr val="dk1"/>
+          </a:effectRef>
+          <a:fontRef idx="minor">
+            <a:schemeClr val="tx1"/>
+          </a:fontRef>
+        </p:style>
+      </p:cxnSp>
+      <p:sp>
+        <p:nvSpPr>
+          <p:cNvPr id="20" name="TextBox 19"/>
+          <p:cNvSpPr txBox="1"/>
+          <p:nvPr/>
+        </p:nvSpPr>
+        <p:spPr>
+          <a:xfrm>
+            <a:off x="533400" y="3522612"/>
+            <a:ext cx="1410237" cy="2031325"/>
+          </a:xfrm>
+          <a:prstGeom prst="rect">
+            <a:avLst/>
+          </a:prstGeom>
+          <a:noFill/>
+        </p:spPr>
+        <p:txBody>
+          <a:bodyPr wrap="square" rtlCol="0">
+            <a:spAutoFit/>
+          </a:bodyPr>
+          <a:lstStyle/>
+          <a:p>
+            <a:r>
+              <a:rPr lang="en-US" dirty="0" smtClean="0"/>
+              <a:t>Checking this option will create this repo in your </a:t>
+            </a:r>
+            <a:r>
+              <a:rPr lang="en-US" dirty="0" err="1" smtClean="0"/>
+              <a:t>git</a:t>
+            </a:r>
+            <a:r>
+              <a:rPr lang="en-US" dirty="0" smtClean="0"/>
+              <a:t> hub account aka remote repo.</a:t>
             </a:r>
             <a:endParaRPr lang="en-SG" dirty="0"/>
           </a:p>
@@ -7486,20 +9967,13 @@
     </p:spTree>
     <p:extLst>
       <p:ext uri="{BB962C8B-B14F-4D97-AF65-F5344CB8AC3E}">
-        <p14:creationId xmlns:p14="http://schemas.microsoft.com/office/powerpoint/2010/main" val="3196804817"/>
+        <p14:creationId xmlns:p14="http://schemas.microsoft.com/office/powerpoint/2010/main" val="2341024954"/>
       </p:ext>
     </p:extLst>
   </p:cSld>
   <p:clrMapOvr>
     <a:masterClrMapping/>
   </p:clrMapOvr>
-  <p:timing>
-    <p:tnLst>
-      <p:par>
-        <p:cTn id="1" dur="indefinite" restart="never" nodeType="tmRoot"/>
-      </p:par>
-    </p:tnLst>
-  </p:timing>
 </p:sld>
 </file>
 
@@ -7522,7 +9996,7 @@
       </p:grpSpPr>
       <p:sp>
         <p:nvSpPr>
-          <p:cNvPr id="4" name="Title 1"/>
+          <p:cNvPr id="2" name="Title 1"/>
           <p:cNvSpPr>
             <a:spLocks noGrp="1"/>
           </p:cNvSpPr>
@@ -7554,7 +10028,7 @@
       </p:sp>
       <p:pic>
         <p:nvPicPr>
-          <p:cNvPr id="5" name="Picture 4"/>
+          <p:cNvPr id="4" name="Picture 3"/>
           <p:cNvPicPr/>
           <p:nvPr/>
         </p:nvPicPr>
@@ -7566,8 +10040,8 @@
         </p:blipFill>
         <p:spPr>
           <a:xfrm>
-            <a:off x="838200" y="1600200"/>
-            <a:ext cx="7620000" cy="4876800"/>
+            <a:off x="876300" y="1101144"/>
+            <a:ext cx="7467600" cy="5413420"/>
           </a:xfrm>
           <a:prstGeom prst="rect">
             <a:avLst/>
@@ -7586,14 +10060,14 @@
       </p:pic>
       <p:sp>
         <p:nvSpPr>
-          <p:cNvPr id="6" name="TextBox 5"/>
+          <p:cNvPr id="5" name="TextBox 4"/>
           <p:cNvSpPr txBox="1"/>
           <p:nvPr/>
         </p:nvSpPr>
         <p:spPr>
           <a:xfrm>
-            <a:off x="2895600" y="4643178"/>
-            <a:ext cx="4572000" cy="923330"/>
+            <a:off x="1905000" y="4724400"/>
+            <a:ext cx="5410200" cy="369332"/>
           </a:xfrm>
           <a:prstGeom prst="rect">
             <a:avLst/>
@@ -7607,300 +10081,8 @@
           <a:lstStyle/>
           <a:p>
             <a:r>
-              <a:rPr lang="en-US" dirty="0" smtClean="0">
-                <a:solidFill>
-                  <a:schemeClr val="bg1"/>
-                </a:solidFill>
-              </a:rPr>
-              <a:t>After you click on the add sign, you should get to this page where you key in your desired name and description for your new repo.</a:t>
-            </a:r>
-            <a:endParaRPr lang="en-SG" dirty="0">
-              <a:solidFill>
-                <a:schemeClr val="bg1"/>
-              </a:solidFill>
-            </a:endParaRPr>
-          </a:p>
-        </p:txBody>
-      </p:sp>
-      <p:cxnSp>
-        <p:nvCxnSpPr>
-          <p:cNvPr id="8" name="Straight Arrow Connector 7"/>
-          <p:cNvCxnSpPr/>
-          <p:nvPr/>
-        </p:nvCxnSpPr>
-        <p:spPr>
-          <a:xfrm flipH="1">
-            <a:off x="5029200" y="2057400"/>
-            <a:ext cx="609600" cy="76200"/>
-          </a:xfrm>
-          <a:prstGeom prst="straightConnector1">
-            <a:avLst/>
-          </a:prstGeom>
-          <a:ln>
-            <a:tailEnd type="arrow"/>
-          </a:ln>
-        </p:spPr>
-        <p:style>
-          <a:lnRef idx="2">
-            <a:schemeClr val="dk1"/>
-          </a:lnRef>
-          <a:fillRef idx="0">
-            <a:schemeClr val="dk1"/>
-          </a:fillRef>
-          <a:effectRef idx="1">
-            <a:schemeClr val="dk1"/>
-          </a:effectRef>
-          <a:fontRef idx="minor">
-            <a:schemeClr val="tx1"/>
-          </a:fontRef>
-        </p:style>
-      </p:cxnSp>
-      <p:sp>
-        <p:nvSpPr>
-          <p:cNvPr id="9" name="TextBox 8"/>
-          <p:cNvSpPr txBox="1"/>
-          <p:nvPr/>
-        </p:nvSpPr>
-        <p:spPr>
-          <a:xfrm>
-            <a:off x="5598015" y="1842753"/>
-            <a:ext cx="1676400" cy="381000"/>
-          </a:xfrm>
-          <a:prstGeom prst="rect">
-            <a:avLst/>
-          </a:prstGeom>
-          <a:noFill/>
-        </p:spPr>
-        <p:txBody>
-          <a:bodyPr wrap="square" rtlCol="0">
-            <a:spAutoFit/>
-          </a:bodyPr>
-          <a:lstStyle/>
-          <a:p>
-            <a:r>
-              <a:rPr lang="en-US" dirty="0" smtClean="0">
-                <a:solidFill>
-                  <a:schemeClr val="bg1"/>
-                </a:solidFill>
-              </a:rPr>
-              <a:t>Name of repo</a:t>
-            </a:r>
-            <a:endParaRPr lang="en-SG" dirty="0">
-              <a:solidFill>
-                <a:schemeClr val="bg1"/>
-              </a:solidFill>
-            </a:endParaRPr>
-          </a:p>
-        </p:txBody>
-      </p:sp>
-      <p:cxnSp>
-        <p:nvCxnSpPr>
-          <p:cNvPr id="10" name="Straight Arrow Connector 9"/>
-          <p:cNvCxnSpPr/>
-          <p:nvPr/>
-        </p:nvCxnSpPr>
-        <p:spPr>
-          <a:xfrm flipH="1">
-            <a:off x="5029200" y="2475963"/>
-            <a:ext cx="685800" cy="0"/>
-          </a:xfrm>
-          <a:prstGeom prst="straightConnector1">
-            <a:avLst/>
-          </a:prstGeom>
-          <a:ln>
-            <a:tailEnd type="arrow"/>
-          </a:ln>
-        </p:spPr>
-        <p:style>
-          <a:lnRef idx="2">
-            <a:schemeClr val="dk1"/>
-          </a:lnRef>
-          <a:fillRef idx="0">
-            <a:schemeClr val="dk1"/>
-          </a:fillRef>
-          <a:effectRef idx="1">
-            <a:schemeClr val="dk1"/>
-          </a:effectRef>
-          <a:fontRef idx="minor">
-            <a:schemeClr val="tx1"/>
-          </a:fontRef>
-        </p:style>
-      </p:cxnSp>
-      <p:sp>
-        <p:nvSpPr>
-          <p:cNvPr id="12" name="TextBox 11"/>
-          <p:cNvSpPr txBox="1"/>
-          <p:nvPr/>
-        </p:nvSpPr>
-        <p:spPr>
-          <a:xfrm>
-            <a:off x="5686020" y="2265612"/>
-            <a:ext cx="2238780" cy="369332"/>
-          </a:xfrm>
-          <a:prstGeom prst="rect">
-            <a:avLst/>
-          </a:prstGeom>
-          <a:noFill/>
-        </p:spPr>
-        <p:txBody>
-          <a:bodyPr wrap="square" rtlCol="0">
-            <a:spAutoFit/>
-          </a:bodyPr>
-          <a:lstStyle/>
-          <a:p>
-            <a:r>
-              <a:rPr lang="en-US" dirty="0" smtClean="0">
-                <a:solidFill>
-                  <a:schemeClr val="bg1"/>
-                </a:solidFill>
-              </a:rPr>
-              <a:t>Description of repo</a:t>
-            </a:r>
-            <a:endParaRPr lang="en-SG" dirty="0">
-              <a:solidFill>
-                <a:schemeClr val="bg1"/>
-              </a:solidFill>
-            </a:endParaRPr>
-          </a:p>
-        </p:txBody>
-      </p:sp>
-      <p:cxnSp>
-        <p:nvCxnSpPr>
-          <p:cNvPr id="13" name="Straight Arrow Connector 12"/>
-          <p:cNvCxnSpPr/>
-          <p:nvPr/>
-        </p:nvCxnSpPr>
-        <p:spPr>
-          <a:xfrm flipH="1" flipV="1">
-            <a:off x="5054421" y="2743200"/>
-            <a:ext cx="685800" cy="76200"/>
-          </a:xfrm>
-          <a:prstGeom prst="straightConnector1">
-            <a:avLst/>
-          </a:prstGeom>
-          <a:ln>
-            <a:tailEnd type="arrow"/>
-          </a:ln>
-        </p:spPr>
-        <p:style>
-          <a:lnRef idx="2">
-            <a:schemeClr val="dk1"/>
-          </a:lnRef>
-          <a:fillRef idx="0">
-            <a:schemeClr val="dk1"/>
-          </a:fillRef>
-          <a:effectRef idx="1">
-            <a:schemeClr val="dk1"/>
-          </a:effectRef>
-          <a:fontRef idx="minor">
-            <a:schemeClr val="tx1"/>
-          </a:fontRef>
-        </p:style>
-      </p:cxnSp>
-      <p:sp>
-        <p:nvSpPr>
-          <p:cNvPr id="15" name="TextBox 14"/>
-          <p:cNvSpPr txBox="1"/>
-          <p:nvPr/>
-        </p:nvSpPr>
-        <p:spPr>
-          <a:xfrm>
-            <a:off x="5838420" y="2743200"/>
-            <a:ext cx="2238780" cy="923330"/>
-          </a:xfrm>
-          <a:prstGeom prst="rect">
-            <a:avLst/>
-          </a:prstGeom>
-          <a:noFill/>
-        </p:spPr>
-        <p:txBody>
-          <a:bodyPr wrap="square" rtlCol="0">
-            <a:spAutoFit/>
-          </a:bodyPr>
-          <a:lstStyle/>
-          <a:p>
-            <a:r>
-              <a:rPr lang="en-US" dirty="0" smtClean="0">
-                <a:solidFill>
-                  <a:schemeClr val="bg1"/>
-                </a:solidFill>
-              </a:rPr>
-              <a:t>Directory pathway of your new repo in your local computer.</a:t>
-            </a:r>
-            <a:endParaRPr lang="en-SG" dirty="0">
-              <a:solidFill>
-                <a:schemeClr val="bg1"/>
-              </a:solidFill>
-            </a:endParaRPr>
-          </a:p>
-        </p:txBody>
-      </p:sp>
-      <p:cxnSp>
-        <p:nvCxnSpPr>
-          <p:cNvPr id="17" name="Straight Arrow Connector 16"/>
-          <p:cNvCxnSpPr/>
-          <p:nvPr/>
-        </p:nvCxnSpPr>
-        <p:spPr>
-          <a:xfrm flipV="1">
-            <a:off x="1943637" y="3338015"/>
-            <a:ext cx="457200" cy="369194"/>
-          </a:xfrm>
-          <a:prstGeom prst="straightConnector1">
-            <a:avLst/>
-          </a:prstGeom>
-          <a:ln>
-            <a:tailEnd type="arrow"/>
-          </a:ln>
-        </p:spPr>
-        <p:style>
-          <a:lnRef idx="2">
-            <a:schemeClr val="dk1"/>
-          </a:lnRef>
-          <a:fillRef idx="0">
-            <a:schemeClr val="dk1"/>
-          </a:fillRef>
-          <a:effectRef idx="1">
-            <a:schemeClr val="dk1"/>
-          </a:effectRef>
-          <a:fontRef idx="minor">
-            <a:schemeClr val="tx1"/>
-          </a:fontRef>
-        </p:style>
-      </p:cxnSp>
-      <p:sp>
-        <p:nvSpPr>
-          <p:cNvPr id="20" name="TextBox 19"/>
-          <p:cNvSpPr txBox="1"/>
-          <p:nvPr/>
-        </p:nvSpPr>
-        <p:spPr>
-          <a:xfrm>
-            <a:off x="533400" y="3522612"/>
-            <a:ext cx="1410237" cy="2031325"/>
-          </a:xfrm>
-          <a:prstGeom prst="rect">
-            <a:avLst/>
-          </a:prstGeom>
-          <a:noFill/>
-        </p:spPr>
-        <p:txBody>
-          <a:bodyPr wrap="square" rtlCol="0">
-            <a:spAutoFit/>
-          </a:bodyPr>
-          <a:lstStyle/>
-          <a:p>
-            <a:r>
-              <a:rPr lang="en-US" dirty="0" smtClean="0"/>
-              <a:t>Checking this option will create this repo in your </a:t>
-            </a:r>
-            <a:r>
-              <a:rPr lang="en-US" dirty="0" err="1" smtClean="0"/>
-              <a:t>git</a:t>
-            </a:r>
-            <a:r>
-              <a:rPr lang="en-US" dirty="0" smtClean="0"/>
-              <a:t> hub account aka remote repo.</a:t>
+              <a:rPr lang="en-US" dirty="0" smtClean="0"/>
+              <a:t>As you can see I have created a new repo called test.</a:t>
             </a:r>
             <a:endParaRPr lang="en-SG" dirty="0"/>
           </a:p>
@@ -7909,7 +10091,7 @@
     </p:spTree>
     <p:extLst>
       <p:ext uri="{BB962C8B-B14F-4D97-AF65-F5344CB8AC3E}">
-        <p14:creationId xmlns:p14="http://schemas.microsoft.com/office/powerpoint/2010/main" val="2341024954"/>
+        <p14:creationId xmlns:p14="http://schemas.microsoft.com/office/powerpoint/2010/main" val="2548947713"/>
       </p:ext>
     </p:extLst>
   </p:cSld>
@@ -7982,130 +10164,6 @@
         </p:blipFill>
         <p:spPr>
           <a:xfrm>
-            <a:off x="876300" y="1101144"/>
-            <a:ext cx="7467600" cy="5413420"/>
-          </a:xfrm>
-          <a:prstGeom prst="rect">
-            <a:avLst/>
-          </a:prstGeom>
-          <a:ln>
-            <a:noFill/>
-          </a:ln>
-          <a:effectLst>
-            <a:outerShdw blurRad="292100" dist="139700" dir="2700000" algn="tl" rotWithShape="0">
-              <a:srgbClr val="333333">
-                <a:alpha val="65000"/>
-              </a:srgbClr>
-            </a:outerShdw>
-          </a:effectLst>
-        </p:spPr>
-      </p:pic>
-      <p:sp>
-        <p:nvSpPr>
-          <p:cNvPr id="5" name="TextBox 4"/>
-          <p:cNvSpPr txBox="1"/>
-          <p:nvPr/>
-        </p:nvSpPr>
-        <p:spPr>
-          <a:xfrm>
-            <a:off x="1905000" y="4724400"/>
-            <a:ext cx="5410200" cy="369332"/>
-          </a:xfrm>
-          <a:prstGeom prst="rect">
-            <a:avLst/>
-          </a:prstGeom>
-          <a:noFill/>
-        </p:spPr>
-        <p:txBody>
-          <a:bodyPr wrap="square" rtlCol="0">
-            <a:spAutoFit/>
-          </a:bodyPr>
-          <a:lstStyle/>
-          <a:p>
-            <a:r>
-              <a:rPr lang="en-US" dirty="0" smtClean="0"/>
-              <a:t>As you can see I have created a new repo called test.</a:t>
-            </a:r>
-            <a:endParaRPr lang="en-SG" dirty="0"/>
-          </a:p>
-        </p:txBody>
-      </p:sp>
-    </p:spTree>
-    <p:extLst>
-      <p:ext uri="{BB962C8B-B14F-4D97-AF65-F5344CB8AC3E}">
-        <p14:creationId xmlns:p14="http://schemas.microsoft.com/office/powerpoint/2010/main" val="2548947713"/>
-      </p:ext>
-    </p:extLst>
-  </p:cSld>
-  <p:clrMapOvr>
-    <a:masterClrMapping/>
-  </p:clrMapOvr>
-</p:sld>
-</file>
-
-<file path=ppt/slides/slide8.xml><?xml version="1.0" encoding="utf-8"?>
-<p:sld xmlns:a="http://schemas.openxmlformats.org/drawingml/2006/main" xmlns:r="http://schemas.openxmlformats.org/officeDocument/2006/relationships" xmlns:p="http://schemas.openxmlformats.org/presentationml/2006/main">
-  <p:cSld>
-    <p:spTree>
-      <p:nvGrpSpPr>
-        <p:cNvPr id="1" name=""/>
-        <p:cNvGrpSpPr/>
-        <p:nvPr/>
-      </p:nvGrpSpPr>
-      <p:grpSpPr>
-        <a:xfrm>
-          <a:off x="0" y="0"/>
-          <a:ext cx="0" cy="0"/>
-          <a:chOff x="0" y="0"/>
-          <a:chExt cx="0" cy="0"/>
-        </a:xfrm>
-      </p:grpSpPr>
-      <p:sp>
-        <p:nvSpPr>
-          <p:cNvPr id="2" name="Title 1"/>
-          <p:cNvSpPr>
-            <a:spLocks noGrp="1"/>
-          </p:cNvSpPr>
-          <p:nvPr>
-            <p:ph type="title"/>
-          </p:nvPr>
-        </p:nvSpPr>
-        <p:spPr>
-          <a:xfrm>
-            <a:off x="457200" y="17058"/>
-            <a:ext cx="8229600" cy="1143000"/>
-          </a:xfrm>
-        </p:spPr>
-        <p:txBody>
-          <a:bodyPr/>
-          <a:lstStyle/>
-          <a:p>
-            <a:r>
-              <a:rPr lang="en-US" dirty="0" smtClean="0"/>
-              <a:t>Creating a </a:t>
-            </a:r>
-            <a:r>
-              <a:rPr lang="en-US" dirty="0" err="1" smtClean="0"/>
-              <a:t>Repositary</a:t>
-            </a:r>
-            <a:endParaRPr lang="en-SG" dirty="0"/>
-          </a:p>
-        </p:txBody>
-      </p:sp>
-      <p:pic>
-        <p:nvPicPr>
-          <p:cNvPr id="4" name="Picture 3"/>
-          <p:cNvPicPr/>
-          <p:nvPr/>
-        </p:nvPicPr>
-        <p:blipFill>
-          <a:blip r:embed="rId2"/>
-          <a:stretch>
-            <a:fillRect/>
-          </a:stretch>
-        </p:blipFill>
-        <p:spPr>
-          <a:xfrm>
             <a:off x="838200" y="1199346"/>
             <a:ext cx="7467600" cy="5257800"/>
           </a:xfrm>
@@ -8183,7 +10241,7 @@
 </p:sld>
 </file>
 
-<file path=ppt/slides/slide9.xml><?xml version="1.0" encoding="utf-8"?>
+<file path=ppt/slides/slide8.xml><?xml version="1.0" encoding="utf-8"?>
 <p:sld xmlns:a="http://schemas.openxmlformats.org/drawingml/2006/main" xmlns:r="http://schemas.openxmlformats.org/officeDocument/2006/relationships" xmlns:p="http://schemas.openxmlformats.org/presentationml/2006/main">
   <p:cSld>
     <p:spTree>
@@ -8475,10 +10533,130 @@
 </p:sld>
 </file>
 
+<file path=ppt/slides/slide9.xml><?xml version="1.0" encoding="utf-8"?>
+<p:sld xmlns:a="http://schemas.openxmlformats.org/drawingml/2006/main" xmlns:r="http://schemas.openxmlformats.org/officeDocument/2006/relationships" xmlns:p="http://schemas.openxmlformats.org/presentationml/2006/main">
+  <p:cSld>
+    <p:spTree>
+      <p:nvGrpSpPr>
+        <p:cNvPr id="1" name=""/>
+        <p:cNvGrpSpPr/>
+        <p:nvPr/>
+      </p:nvGrpSpPr>
+      <p:grpSpPr>
+        <a:xfrm>
+          <a:off x="0" y="0"/>
+          <a:ext cx="0" cy="0"/>
+          <a:chOff x="0" y="0"/>
+          <a:chExt cx="0" cy="0"/>
+        </a:xfrm>
+      </p:grpSpPr>
+      <p:sp>
+        <p:nvSpPr>
+          <p:cNvPr id="2" name="Title 1"/>
+          <p:cNvSpPr>
+            <a:spLocks noGrp="1"/>
+          </p:cNvSpPr>
+          <p:nvPr>
+            <p:ph type="title"/>
+          </p:nvPr>
+        </p:nvSpPr>
+        <p:spPr>
+          <a:xfrm>
+            <a:off x="457200" y="17058"/>
+            <a:ext cx="8229600" cy="1143000"/>
+          </a:xfrm>
+        </p:spPr>
+        <p:txBody>
+          <a:bodyPr/>
+          <a:lstStyle/>
+          <a:p>
+            <a:r>
+              <a:rPr lang="en-US" dirty="0" smtClean="0"/>
+              <a:t>Viewing your repo status</a:t>
+            </a:r>
+            <a:endParaRPr lang="en-SG" dirty="0"/>
+          </a:p>
+        </p:txBody>
+      </p:sp>
+      <p:pic>
+        <p:nvPicPr>
+          <p:cNvPr id="4" name="Picture 3"/>
+          <p:cNvPicPr/>
+          <p:nvPr/>
+        </p:nvPicPr>
+        <p:blipFill>
+          <a:blip r:embed="rId2"/>
+          <a:stretch>
+            <a:fillRect/>
+          </a:stretch>
+        </p:blipFill>
+        <p:spPr>
+          <a:xfrm>
+            <a:off x="799564" y="1143000"/>
+            <a:ext cx="7772400" cy="5460642"/>
+          </a:xfrm>
+          <a:prstGeom prst="rect">
+            <a:avLst/>
+          </a:prstGeom>
+          <a:ln>
+            <a:noFill/>
+          </a:ln>
+          <a:effectLst>
+            <a:outerShdw blurRad="292100" dist="139700" dir="2700000" algn="tl" rotWithShape="0">
+              <a:srgbClr val="333333">
+                <a:alpha val="65000"/>
+              </a:srgbClr>
+            </a:outerShdw>
+          </a:effectLst>
+        </p:spPr>
+      </p:pic>
+      <p:sp>
+        <p:nvSpPr>
+          <p:cNvPr id="5" name="TextBox 4"/>
+          <p:cNvSpPr txBox="1"/>
+          <p:nvPr/>
+        </p:nvSpPr>
+        <p:spPr>
+          <a:xfrm>
+            <a:off x="1675864" y="4953000"/>
+            <a:ext cx="6019800" cy="646331"/>
+          </a:xfrm>
+          <a:prstGeom prst="rect">
+            <a:avLst/>
+          </a:prstGeom>
+          <a:noFill/>
+        </p:spPr>
+        <p:txBody>
+          <a:bodyPr wrap="square" rtlCol="0">
+            <a:spAutoFit/>
+          </a:bodyPr>
+          <a:lstStyle/>
+          <a:p>
+            <a:r>
+              <a:rPr lang="en-US" dirty="0" smtClean="0"/>
+              <a:t>After using your repo for quite some time and making some commits. It should look something like this screenshot.</a:t>
+            </a:r>
+            <a:endParaRPr lang="en-SG" dirty="0"/>
+          </a:p>
+        </p:txBody>
+      </p:sp>
+    </p:spTree>
+    <p:extLst>
+      <p:ext uri="{BB962C8B-B14F-4D97-AF65-F5344CB8AC3E}">
+        <p14:creationId xmlns:p14="http://schemas.microsoft.com/office/powerpoint/2010/main" val="780073545"/>
+      </p:ext>
+    </p:extLst>
+  </p:cSld>
+  <p:clrMapOvr>
+    <a:masterClrMapping/>
+  </p:clrMapOvr>
+</p:sld>
+</file>
+
 <file path=ppt/theme/theme1.xml><?xml version="1.0" encoding="utf-8"?>
-<a:theme xmlns:a="http://schemas.openxmlformats.org/drawingml/2006/main" name="Office Theme">
+<a:theme xmlns:a="http://schemas.openxmlformats.org/drawingml/2006/main" name="OppoinTheme">
   <a:themeElements>
-    <a:clrScheme name="Office">
+    <a:clrScheme name="Grayscale">
       <a:dk1>
         <a:sysClr val="windowText" lastClr="000000"/>
       </a:dk1>
@@ -8486,34 +10664,34 @@
         <a:sysClr val="window" lastClr="FFFFFF"/>
       </a:lt1>
       <a:dk2>
-        <a:srgbClr val="1F497D"/>
+        <a:srgbClr val="000000"/>
       </a:dk2>
       <a:lt2>
-        <a:srgbClr val="EEECE1"/>
+        <a:srgbClr val="F8F8F8"/>
       </a:lt2>
       <a:accent1>
-        <a:srgbClr val="4F81BD"/>
+        <a:srgbClr val="DDDDDD"/>
       </a:accent1>
       <a:accent2>
-        <a:srgbClr val="C0504D"/>
+        <a:srgbClr val="B2B2B2"/>
       </a:accent2>
       <a:accent3>
-        <a:srgbClr val="9BBB59"/>
+        <a:srgbClr val="969696"/>
       </a:accent3>
       <a:accent4>
-        <a:srgbClr val="8064A2"/>
+        <a:srgbClr val="808080"/>
       </a:accent4>
       <a:accent5>
-        <a:srgbClr val="4BACC6"/>
+        <a:srgbClr val="5F5F5F"/>
       </a:accent5>
       <a:accent6>
-        <a:srgbClr val="F79646"/>
+        <a:srgbClr val="4D4D4D"/>
       </a:accent6>
       <a:hlink>
-        <a:srgbClr val="0000FF"/>
+        <a:srgbClr val="5F5F5F"/>
       </a:hlink>
       <a:folHlink>
-        <a:srgbClr val="800080"/>
+        <a:srgbClr val="919191"/>
       </a:folHlink>
     </a:clrScheme>
     <a:fontScheme name="Office">
